--- a/ポートフォリオ(仮).pptx
+++ b/ポートフォリオ(仮).pptx
@@ -9,12 +9,13 @@
     <p:sldId id="257" r:id="rId3"/>
     <p:sldId id="259" r:id="rId4"/>
     <p:sldId id="258" r:id="rId5"/>
-    <p:sldId id="260" r:id="rId6"/>
-    <p:sldId id="261" r:id="rId7"/>
-    <p:sldId id="262" r:id="rId8"/>
-    <p:sldId id="263" r:id="rId9"/>
-    <p:sldId id="264" r:id="rId10"/>
-    <p:sldId id="265" r:id="rId11"/>
+    <p:sldId id="264" r:id="rId6"/>
+    <p:sldId id="266" r:id="rId7"/>
+    <p:sldId id="260" r:id="rId8"/>
+    <p:sldId id="261" r:id="rId9"/>
+    <p:sldId id="262" r:id="rId10"/>
+    <p:sldId id="263" r:id="rId11"/>
+    <p:sldId id="265" r:id="rId12"/>
   </p:sldIdLst>
   <p:sldSz cx="12192000" cy="6858000"/>
   <p:notesSz cx="6858000" cy="9144000"/>
@@ -263,7 +264,7 @@
           <a:p>
             <a:fld id="{B7CCCDE6-893C-42C3-9ED9-4187FC761AF3}" type="datetimeFigureOut">
               <a:rPr kumimoji="1" lang="ja-JP" altLang="en-US" smtClean="0"/>
-              <a:t>2019/12/5</a:t>
+              <a:t>2020/1/14</a:t>
             </a:fld>
             <a:endParaRPr kumimoji="1" lang="ja-JP" altLang="en-US"/>
           </a:p>
@@ -465,7 +466,7 @@
           <a:p>
             <a:fld id="{B7CCCDE6-893C-42C3-9ED9-4187FC761AF3}" type="datetimeFigureOut">
               <a:rPr kumimoji="1" lang="ja-JP" altLang="en-US" smtClean="0"/>
-              <a:t>2019/12/5</a:t>
+              <a:t>2020/1/14</a:t>
             </a:fld>
             <a:endParaRPr kumimoji="1" lang="ja-JP" altLang="en-US"/>
           </a:p>
@@ -677,7 +678,7 @@
           <a:p>
             <a:fld id="{B7CCCDE6-893C-42C3-9ED9-4187FC761AF3}" type="datetimeFigureOut">
               <a:rPr kumimoji="1" lang="ja-JP" altLang="en-US" smtClean="0"/>
-              <a:t>2019/12/5</a:t>
+              <a:t>2020/1/14</a:t>
             </a:fld>
             <a:endParaRPr kumimoji="1" lang="ja-JP" altLang="en-US"/>
           </a:p>
@@ -879,7 +880,7 @@
           <a:p>
             <a:fld id="{B7CCCDE6-893C-42C3-9ED9-4187FC761AF3}" type="datetimeFigureOut">
               <a:rPr kumimoji="1" lang="ja-JP" altLang="en-US" smtClean="0"/>
-              <a:t>2019/12/5</a:t>
+              <a:t>2020/1/14</a:t>
             </a:fld>
             <a:endParaRPr kumimoji="1" lang="ja-JP" altLang="en-US"/>
           </a:p>
@@ -1125,7 +1126,7 @@
           <a:p>
             <a:fld id="{B7CCCDE6-893C-42C3-9ED9-4187FC761AF3}" type="datetimeFigureOut">
               <a:rPr kumimoji="1" lang="ja-JP" altLang="en-US" smtClean="0"/>
-              <a:t>2019/12/5</a:t>
+              <a:t>2020/1/14</a:t>
             </a:fld>
             <a:endParaRPr kumimoji="1" lang="ja-JP" altLang="en-US"/>
           </a:p>
@@ -1421,7 +1422,7 @@
           <a:p>
             <a:fld id="{B7CCCDE6-893C-42C3-9ED9-4187FC761AF3}" type="datetimeFigureOut">
               <a:rPr kumimoji="1" lang="ja-JP" altLang="en-US" smtClean="0"/>
-              <a:t>2019/12/5</a:t>
+              <a:t>2020/1/14</a:t>
             </a:fld>
             <a:endParaRPr kumimoji="1" lang="ja-JP" altLang="en-US"/>
           </a:p>
@@ -1852,7 +1853,7 @@
           <a:p>
             <a:fld id="{B7CCCDE6-893C-42C3-9ED9-4187FC761AF3}" type="datetimeFigureOut">
               <a:rPr kumimoji="1" lang="ja-JP" altLang="en-US" smtClean="0"/>
-              <a:t>2019/12/5</a:t>
+              <a:t>2020/1/14</a:t>
             </a:fld>
             <a:endParaRPr kumimoji="1" lang="ja-JP" altLang="en-US"/>
           </a:p>
@@ -1970,7 +1971,7 @@
           <a:p>
             <a:fld id="{B7CCCDE6-893C-42C3-9ED9-4187FC761AF3}" type="datetimeFigureOut">
               <a:rPr kumimoji="1" lang="ja-JP" altLang="en-US" smtClean="0"/>
-              <a:t>2019/12/5</a:t>
+              <a:t>2020/1/14</a:t>
             </a:fld>
             <a:endParaRPr kumimoji="1" lang="ja-JP" altLang="en-US"/>
           </a:p>
@@ -2065,7 +2066,7 @@
           <a:p>
             <a:fld id="{B7CCCDE6-893C-42C3-9ED9-4187FC761AF3}" type="datetimeFigureOut">
               <a:rPr kumimoji="1" lang="ja-JP" altLang="en-US" smtClean="0"/>
-              <a:t>2019/12/5</a:t>
+              <a:t>2020/1/14</a:t>
             </a:fld>
             <a:endParaRPr kumimoji="1" lang="ja-JP" altLang="en-US"/>
           </a:p>
@@ -2374,7 +2375,7 @@
           <a:p>
             <a:fld id="{B7CCCDE6-893C-42C3-9ED9-4187FC761AF3}" type="datetimeFigureOut">
               <a:rPr kumimoji="1" lang="ja-JP" altLang="en-US" smtClean="0"/>
-              <a:t>2019/12/5</a:t>
+              <a:t>2020/1/14</a:t>
             </a:fld>
             <a:endParaRPr kumimoji="1" lang="ja-JP" altLang="en-US"/>
           </a:p>
@@ -2627,7 +2628,7 @@
           <a:p>
             <a:fld id="{B7CCCDE6-893C-42C3-9ED9-4187FC761AF3}" type="datetimeFigureOut">
               <a:rPr kumimoji="1" lang="ja-JP" altLang="en-US" smtClean="0"/>
-              <a:t>2019/12/5</a:t>
+              <a:t>2020/1/14</a:t>
             </a:fld>
             <a:endParaRPr kumimoji="1" lang="ja-JP" altLang="en-US"/>
           </a:p>
@@ -2872,7 +2873,7 @@
           <a:p>
             <a:fld id="{B7CCCDE6-893C-42C3-9ED9-4187FC761AF3}" type="datetimeFigureOut">
               <a:rPr kumimoji="1" lang="ja-JP" altLang="en-US" smtClean="0"/>
-              <a:t>2019/12/5</a:t>
+              <a:t>2020/1/14</a:t>
             </a:fld>
             <a:endParaRPr kumimoji="1" lang="ja-JP" altLang="en-US"/>
           </a:p>
@@ -3386,6 +3387,82 @@
           <a:p>
             <a:r>
               <a:rPr kumimoji="1" lang="ja-JP" altLang="en-US" dirty="0" smtClean="0"/>
+              <a:t>影</a:t>
+            </a:r>
+            <a:endParaRPr kumimoji="1" lang="ja-JP" altLang="en-US" dirty="0"/>
+          </a:p>
+        </p:txBody>
+      </p:sp>
+      <p:sp>
+        <p:nvSpPr>
+          <p:cNvPr id="3" name="コンテンツ プレースホルダー 2"/>
+          <p:cNvSpPr>
+            <a:spLocks noGrp="1"/>
+          </p:cNvSpPr>
+          <p:nvPr>
+            <p:ph idx="1"/>
+          </p:nvPr>
+        </p:nvSpPr>
+        <p:spPr/>
+        <p:txBody>
+          <a:bodyPr/>
+          <a:lstStyle/>
+          <a:p>
+            <a:r>
+              <a:rPr kumimoji="1" lang="ja-JP" altLang="en-US" dirty="0" smtClean="0"/>
+              <a:t>ほげほげ</a:t>
+            </a:r>
+            <a:endParaRPr kumimoji="1" lang="ja-JP" altLang="en-US" dirty="0"/>
+          </a:p>
+        </p:txBody>
+      </p:sp>
+    </p:spTree>
+    <p:extLst>
+      <p:ext uri="{BB962C8B-B14F-4D97-AF65-F5344CB8AC3E}">
+        <p14:creationId xmlns:p14="http://schemas.microsoft.com/office/powerpoint/2010/main" val="3094554016"/>
+      </p:ext>
+    </p:extLst>
+  </p:cSld>
+  <p:clrMapOvr>
+    <a:masterClrMapping/>
+  </p:clrMapOvr>
+</p:sld>
+</file>
+
+<file path=ppt/slides/slide11.xml><?xml version="1.0" encoding="utf-8"?>
+<p:sld xmlns:a="http://schemas.openxmlformats.org/drawingml/2006/main" xmlns:r="http://schemas.openxmlformats.org/officeDocument/2006/relationships" xmlns:p="http://schemas.openxmlformats.org/presentationml/2006/main">
+  <p:cSld>
+    <p:spTree>
+      <p:nvGrpSpPr>
+        <p:cNvPr id="1" name=""/>
+        <p:cNvGrpSpPr/>
+        <p:nvPr/>
+      </p:nvGrpSpPr>
+      <p:grpSpPr>
+        <a:xfrm>
+          <a:off x="0" y="0"/>
+          <a:ext cx="0" cy="0"/>
+          <a:chOff x="0" y="0"/>
+          <a:chExt cx="0" cy="0"/>
+        </a:xfrm>
+      </p:grpSpPr>
+      <p:sp>
+        <p:nvSpPr>
+          <p:cNvPr id="2" name="タイトル 1"/>
+          <p:cNvSpPr>
+            <a:spLocks noGrp="1"/>
+          </p:cNvSpPr>
+          <p:nvPr>
+            <p:ph type="title"/>
+          </p:nvPr>
+        </p:nvSpPr>
+        <p:spPr/>
+        <p:txBody>
+          <a:bodyPr/>
+          <a:lstStyle/>
+          <a:p>
+            <a:r>
+              <a:rPr kumimoji="1" lang="ja-JP" altLang="en-US" dirty="0" smtClean="0"/>
               <a:t>実装予定リスト</a:t>
             </a:r>
             <a:endParaRPr kumimoji="1" lang="ja-JP" altLang="en-US" dirty="0"/>
@@ -3789,7 +3866,7 @@
           <a:p>
             <a:r>
               <a:rPr kumimoji="1" lang="ja-JP" altLang="en-US" dirty="0" smtClean="0"/>
-              <a:t>実装したものリスト</a:t>
+              <a:t>ゲーム概要</a:t>
             </a:r>
             <a:endParaRPr kumimoji="1" lang="ja-JP" altLang="en-US" dirty="0"/>
           </a:p>
@@ -3812,30 +3889,42 @@
           <a:p>
             <a:r>
               <a:rPr kumimoji="1" lang="ja-JP" altLang="en-US" dirty="0" smtClean="0"/>
-              <a:t>拡散反射光</a:t>
+              <a:t>既存のゲームである「</a:t>
+            </a:r>
+            <a:r>
+              <a:rPr kumimoji="1" lang="en-US" altLang="ja-JP" dirty="0" err="1" smtClean="0"/>
+              <a:t>OverCooked</a:t>
+            </a:r>
+            <a:r>
+              <a:rPr kumimoji="1" lang="ja-JP" altLang="en-US" dirty="0" smtClean="0"/>
+              <a:t>」をリスペクトして作ったゲームです。</a:t>
             </a:r>
             <a:endParaRPr kumimoji="1" lang="en-US" altLang="ja-JP" dirty="0" smtClean="0"/>
           </a:p>
           <a:p>
             <a:r>
+              <a:rPr lang="ja-JP" altLang="en-US" dirty="0"/>
+              <a:t>過酷</a:t>
+            </a:r>
+            <a:r>
               <a:rPr lang="ja-JP" altLang="en-US" dirty="0" smtClean="0"/>
-              <a:t>鏡面反射光</a:t>
+              <a:t>な環境下でお客さんの注文通りに料理を作るゲームです。</a:t>
             </a:r>
             <a:endParaRPr lang="en-US" altLang="ja-JP" dirty="0" smtClean="0"/>
           </a:p>
           <a:p>
             <a:r>
               <a:rPr kumimoji="1" lang="ja-JP" altLang="en-US" dirty="0" smtClean="0"/>
-              <a:t>シャドウマップ</a:t>
-            </a:r>
-            <a:endParaRPr kumimoji="1" lang="ja-JP" altLang="en-US" dirty="0"/>
+              <a:t>プレイ人数　２～４人</a:t>
+            </a:r>
+            <a:endParaRPr kumimoji="1" lang="en-US" altLang="ja-JP" dirty="0" smtClean="0"/>
           </a:p>
         </p:txBody>
       </p:sp>
     </p:spTree>
     <p:extLst>
       <p:ext uri="{BB962C8B-B14F-4D97-AF65-F5344CB8AC3E}">
-        <p14:creationId xmlns:p14="http://schemas.microsoft.com/office/powerpoint/2010/main" val="1229871195"/>
+        <p14:creationId xmlns:p14="http://schemas.microsoft.com/office/powerpoint/2010/main" val="1464100190"/>
       </p:ext>
     </p:extLst>
   </p:cSld>
@@ -3879,7 +3968,7 @@
           <a:p>
             <a:r>
               <a:rPr kumimoji="1" lang="ja-JP" altLang="en-US" dirty="0" smtClean="0"/>
-              <a:t>拡散反射光</a:t>
+              <a:t>操作方法</a:t>
             </a:r>
             <a:endParaRPr kumimoji="1" lang="ja-JP" altLang="en-US" dirty="0"/>
           </a:p>
@@ -3911,7 +4000,7 @@
     </p:spTree>
     <p:extLst>
       <p:ext uri="{BB962C8B-B14F-4D97-AF65-F5344CB8AC3E}">
-        <p14:creationId xmlns:p14="http://schemas.microsoft.com/office/powerpoint/2010/main" val="953568240"/>
+        <p14:creationId xmlns:p14="http://schemas.microsoft.com/office/powerpoint/2010/main" val="2150266890"/>
       </p:ext>
     </p:extLst>
   </p:cSld>
@@ -3955,30 +4044,44 @@
           <a:p>
             <a:r>
               <a:rPr kumimoji="1" lang="ja-JP" altLang="en-US" dirty="0" smtClean="0"/>
+              <a:t>実装したものリスト</a:t>
+            </a:r>
+            <a:endParaRPr kumimoji="1" lang="ja-JP" altLang="en-US" dirty="0"/>
+          </a:p>
+        </p:txBody>
+      </p:sp>
+      <p:sp>
+        <p:nvSpPr>
+          <p:cNvPr id="3" name="コンテンツ プレースホルダー 2"/>
+          <p:cNvSpPr>
+            <a:spLocks noGrp="1"/>
+          </p:cNvSpPr>
+          <p:nvPr>
+            <p:ph idx="1"/>
+          </p:nvPr>
+        </p:nvSpPr>
+        <p:spPr/>
+        <p:txBody>
+          <a:bodyPr/>
+          <a:lstStyle/>
+          <a:p>
+            <a:r>
+              <a:rPr kumimoji="1" lang="ja-JP" altLang="en-US" dirty="0" smtClean="0"/>
+              <a:t>拡散反射光</a:t>
+            </a:r>
+            <a:endParaRPr kumimoji="1" lang="en-US" altLang="ja-JP" dirty="0" smtClean="0"/>
+          </a:p>
+          <a:p>
+            <a:r>
+              <a:rPr lang="ja-JP" altLang="en-US" dirty="0" smtClean="0"/>
               <a:t>鏡面反射光</a:t>
             </a:r>
-            <a:endParaRPr kumimoji="1" lang="ja-JP" altLang="en-US" dirty="0"/>
-          </a:p>
-        </p:txBody>
-      </p:sp>
-      <p:sp>
-        <p:nvSpPr>
-          <p:cNvPr id="3" name="コンテンツ プレースホルダー 2"/>
-          <p:cNvSpPr>
-            <a:spLocks noGrp="1"/>
-          </p:cNvSpPr>
-          <p:nvPr>
-            <p:ph idx="1"/>
-          </p:nvPr>
-        </p:nvSpPr>
-        <p:spPr/>
-        <p:txBody>
-          <a:bodyPr/>
-          <a:lstStyle/>
+            <a:endParaRPr lang="en-US" altLang="ja-JP" dirty="0" smtClean="0"/>
+          </a:p>
           <a:p>
             <a:r>
               <a:rPr kumimoji="1" lang="ja-JP" altLang="en-US" dirty="0" smtClean="0"/>
-              <a:t>ほげほげ</a:t>
+              <a:t>シャドウマップ</a:t>
             </a:r>
             <a:endParaRPr kumimoji="1" lang="ja-JP" altLang="en-US" dirty="0"/>
           </a:p>
@@ -3987,7 +4090,7 @@
     </p:spTree>
     <p:extLst>
       <p:ext uri="{BB962C8B-B14F-4D97-AF65-F5344CB8AC3E}">
-        <p14:creationId xmlns:p14="http://schemas.microsoft.com/office/powerpoint/2010/main" val="1139957104"/>
+        <p14:creationId xmlns:p14="http://schemas.microsoft.com/office/powerpoint/2010/main" val="1229871195"/>
       </p:ext>
     </p:extLst>
   </p:cSld>
@@ -4031,7 +4134,7 @@
           <a:p>
             <a:r>
               <a:rPr kumimoji="1" lang="ja-JP" altLang="en-US" dirty="0" smtClean="0"/>
-              <a:t>影</a:t>
+              <a:t>拡散反射光</a:t>
             </a:r>
             <a:endParaRPr kumimoji="1" lang="ja-JP" altLang="en-US" dirty="0"/>
           </a:p>
@@ -4063,7 +4166,7 @@
     </p:spTree>
     <p:extLst>
       <p:ext uri="{BB962C8B-B14F-4D97-AF65-F5344CB8AC3E}">
-        <p14:creationId xmlns:p14="http://schemas.microsoft.com/office/powerpoint/2010/main" val="3094554016"/>
+        <p14:creationId xmlns:p14="http://schemas.microsoft.com/office/powerpoint/2010/main" val="953568240"/>
       </p:ext>
     </p:extLst>
   </p:cSld>
@@ -4107,7 +4210,7 @@
           <a:p>
             <a:r>
               <a:rPr kumimoji="1" lang="ja-JP" altLang="en-US" dirty="0" smtClean="0"/>
-              <a:t>ゲーム概要</a:t>
+              <a:t>鏡面反射光</a:t>
             </a:r>
             <a:endParaRPr kumimoji="1" lang="ja-JP" altLang="en-US" dirty="0"/>
           </a:p>
@@ -4130,42 +4233,16 @@
           <a:p>
             <a:r>
               <a:rPr kumimoji="1" lang="ja-JP" altLang="en-US" dirty="0" smtClean="0"/>
-              <a:t>既存のゲームである「</a:t>
-            </a:r>
-            <a:r>
-              <a:rPr kumimoji="1" lang="en-US" altLang="ja-JP" dirty="0" err="1" smtClean="0"/>
-              <a:t>OverCooked</a:t>
-            </a:r>
-            <a:r>
-              <a:rPr kumimoji="1" lang="ja-JP" altLang="en-US" dirty="0" smtClean="0"/>
-              <a:t>」をリスペクトして作ったゲームです。</a:t>
-            </a:r>
-            <a:endParaRPr kumimoji="1" lang="en-US" altLang="ja-JP" dirty="0" smtClean="0"/>
-          </a:p>
-          <a:p>
-            <a:r>
-              <a:rPr lang="ja-JP" altLang="en-US" dirty="0"/>
-              <a:t>過酷</a:t>
-            </a:r>
-            <a:r>
-              <a:rPr lang="ja-JP" altLang="en-US" dirty="0" smtClean="0"/>
-              <a:t>な環境下でお客さんの注文通りに料理を作るゲームです。</a:t>
-            </a:r>
-            <a:endParaRPr lang="en-US" altLang="ja-JP" dirty="0" smtClean="0"/>
-          </a:p>
-          <a:p>
-            <a:r>
-              <a:rPr kumimoji="1" lang="ja-JP" altLang="en-US" dirty="0" smtClean="0"/>
-              <a:t>プレイ人数　２～４人</a:t>
-            </a:r>
-            <a:endParaRPr kumimoji="1" lang="en-US" altLang="ja-JP" dirty="0" smtClean="0"/>
+              <a:t>ほげほげ</a:t>
+            </a:r>
+            <a:endParaRPr kumimoji="1" lang="ja-JP" altLang="en-US" dirty="0"/>
           </a:p>
         </p:txBody>
       </p:sp>
     </p:spTree>
     <p:extLst>
       <p:ext uri="{BB962C8B-B14F-4D97-AF65-F5344CB8AC3E}">
-        <p14:creationId xmlns:p14="http://schemas.microsoft.com/office/powerpoint/2010/main" val="1464100190"/>
+        <p14:creationId xmlns:p14="http://schemas.microsoft.com/office/powerpoint/2010/main" val="1139957104"/>
       </p:ext>
     </p:extLst>
   </p:cSld>

--- a/ポートフォリオ(仮).pptx
+++ b/ポートフォリオ(仮).pptx
@@ -264,7 +264,7 @@
           <a:p>
             <a:fld id="{B7CCCDE6-893C-42C3-9ED9-4187FC761AF3}" type="datetimeFigureOut">
               <a:rPr kumimoji="1" lang="ja-JP" altLang="en-US" smtClean="0"/>
-              <a:t>2020/1/14</a:t>
+              <a:t>2020/1/21</a:t>
             </a:fld>
             <a:endParaRPr kumimoji="1" lang="ja-JP" altLang="en-US"/>
           </a:p>
@@ -466,7 +466,7 @@
           <a:p>
             <a:fld id="{B7CCCDE6-893C-42C3-9ED9-4187FC761AF3}" type="datetimeFigureOut">
               <a:rPr kumimoji="1" lang="ja-JP" altLang="en-US" smtClean="0"/>
-              <a:t>2020/1/14</a:t>
+              <a:t>2020/1/21</a:t>
             </a:fld>
             <a:endParaRPr kumimoji="1" lang="ja-JP" altLang="en-US"/>
           </a:p>
@@ -678,7 +678,7 @@
           <a:p>
             <a:fld id="{B7CCCDE6-893C-42C3-9ED9-4187FC761AF3}" type="datetimeFigureOut">
               <a:rPr kumimoji="1" lang="ja-JP" altLang="en-US" smtClean="0"/>
-              <a:t>2020/1/14</a:t>
+              <a:t>2020/1/21</a:t>
             </a:fld>
             <a:endParaRPr kumimoji="1" lang="ja-JP" altLang="en-US"/>
           </a:p>
@@ -880,7 +880,7 @@
           <a:p>
             <a:fld id="{B7CCCDE6-893C-42C3-9ED9-4187FC761AF3}" type="datetimeFigureOut">
               <a:rPr kumimoji="1" lang="ja-JP" altLang="en-US" smtClean="0"/>
-              <a:t>2020/1/14</a:t>
+              <a:t>2020/1/21</a:t>
             </a:fld>
             <a:endParaRPr kumimoji="1" lang="ja-JP" altLang="en-US"/>
           </a:p>
@@ -1126,7 +1126,7 @@
           <a:p>
             <a:fld id="{B7CCCDE6-893C-42C3-9ED9-4187FC761AF3}" type="datetimeFigureOut">
               <a:rPr kumimoji="1" lang="ja-JP" altLang="en-US" smtClean="0"/>
-              <a:t>2020/1/14</a:t>
+              <a:t>2020/1/21</a:t>
             </a:fld>
             <a:endParaRPr kumimoji="1" lang="ja-JP" altLang="en-US"/>
           </a:p>
@@ -1422,7 +1422,7 @@
           <a:p>
             <a:fld id="{B7CCCDE6-893C-42C3-9ED9-4187FC761AF3}" type="datetimeFigureOut">
               <a:rPr kumimoji="1" lang="ja-JP" altLang="en-US" smtClean="0"/>
-              <a:t>2020/1/14</a:t>
+              <a:t>2020/1/21</a:t>
             </a:fld>
             <a:endParaRPr kumimoji="1" lang="ja-JP" altLang="en-US"/>
           </a:p>
@@ -1853,7 +1853,7 @@
           <a:p>
             <a:fld id="{B7CCCDE6-893C-42C3-9ED9-4187FC761AF3}" type="datetimeFigureOut">
               <a:rPr kumimoji="1" lang="ja-JP" altLang="en-US" smtClean="0"/>
-              <a:t>2020/1/14</a:t>
+              <a:t>2020/1/21</a:t>
             </a:fld>
             <a:endParaRPr kumimoji="1" lang="ja-JP" altLang="en-US"/>
           </a:p>
@@ -1971,7 +1971,7 @@
           <a:p>
             <a:fld id="{B7CCCDE6-893C-42C3-9ED9-4187FC761AF3}" type="datetimeFigureOut">
               <a:rPr kumimoji="1" lang="ja-JP" altLang="en-US" smtClean="0"/>
-              <a:t>2020/1/14</a:t>
+              <a:t>2020/1/21</a:t>
             </a:fld>
             <a:endParaRPr kumimoji="1" lang="ja-JP" altLang="en-US"/>
           </a:p>
@@ -2066,7 +2066,7 @@
           <a:p>
             <a:fld id="{B7CCCDE6-893C-42C3-9ED9-4187FC761AF3}" type="datetimeFigureOut">
               <a:rPr kumimoji="1" lang="ja-JP" altLang="en-US" smtClean="0"/>
-              <a:t>2020/1/14</a:t>
+              <a:t>2020/1/21</a:t>
             </a:fld>
             <a:endParaRPr kumimoji="1" lang="ja-JP" altLang="en-US"/>
           </a:p>
@@ -2375,7 +2375,7 @@
           <a:p>
             <a:fld id="{B7CCCDE6-893C-42C3-9ED9-4187FC761AF3}" type="datetimeFigureOut">
               <a:rPr kumimoji="1" lang="ja-JP" altLang="en-US" smtClean="0"/>
-              <a:t>2020/1/14</a:t>
+              <a:t>2020/1/21</a:t>
             </a:fld>
             <a:endParaRPr kumimoji="1" lang="ja-JP" altLang="en-US"/>
           </a:p>
@@ -2628,7 +2628,7 @@
           <a:p>
             <a:fld id="{B7CCCDE6-893C-42C3-9ED9-4187FC761AF3}" type="datetimeFigureOut">
               <a:rPr kumimoji="1" lang="ja-JP" altLang="en-US" smtClean="0"/>
-              <a:t>2020/1/14</a:t>
+              <a:t>2020/1/21</a:t>
             </a:fld>
             <a:endParaRPr kumimoji="1" lang="ja-JP" altLang="en-US"/>
           </a:p>
@@ -2873,7 +2873,7 @@
           <a:p>
             <a:fld id="{B7CCCDE6-893C-42C3-9ED9-4187FC761AF3}" type="datetimeFigureOut">
               <a:rPr kumimoji="1" lang="ja-JP" altLang="en-US" smtClean="0"/>
-              <a:t>2020/1/14</a:t>
+              <a:t>2020/1/21</a:t>
             </a:fld>
             <a:endParaRPr kumimoji="1" lang="ja-JP" altLang="en-US"/>
           </a:p>
@@ -3529,23 +3529,27 @@
           </a:p>
           <a:p>
             <a:r>
+              <a:rPr lang="ja-JP" altLang="en-US" dirty="0" smtClean="0"/>
+              <a:t>被</a:t>
+            </a:r>
+            <a:r>
               <a:rPr lang="ja-JP" altLang="en-US" dirty="0"/>
-              <a:t>影</a:t>
-            </a:r>
-            <a:r>
-              <a:rPr lang="ja-JP" altLang="en-US" dirty="0" smtClean="0"/>
-              <a:t>の周りぼかしてジャギを目立たなくするやつ</a:t>
-            </a:r>
-            <a:endParaRPr lang="en-US" altLang="ja-JP" dirty="0" smtClean="0"/>
-          </a:p>
-          <a:p>
-            <a:r>
-              <a:rPr lang="ja-JP" altLang="en-US" dirty="0"/>
-              <a:t>被写界</a:t>
+              <a:t>写界</a:t>
             </a:r>
             <a:r>
               <a:rPr lang="ja-JP" altLang="en-US" dirty="0" smtClean="0"/>
               <a:t>深度</a:t>
+            </a:r>
+            <a:endParaRPr lang="en-US" altLang="ja-JP" dirty="0" smtClean="0"/>
+          </a:p>
+          <a:p>
+            <a:r>
+              <a:rPr lang="ja-JP" altLang="en-US" dirty="0" smtClean="0"/>
+              <a:t>ソフト</a:t>
+            </a:r>
+            <a:r>
+              <a:rPr lang="ja-JP" altLang="en-US" dirty="0"/>
+              <a:t>シャドウ</a:t>
             </a:r>
             <a:endParaRPr lang="en-US" altLang="ja-JP" dirty="0" smtClean="0"/>
           </a:p>
@@ -3635,7 +3639,18 @@
           <a:p>
             <a:r>
               <a:rPr lang="ja-JP" altLang="en-US" dirty="0" smtClean="0"/>
-              <a:t>技術力アピール。</a:t>
+              <a:t>技術力アピール</a:t>
+            </a:r>
+            <a:r>
+              <a:rPr lang="ja-JP" altLang="en-US" dirty="0" smtClean="0"/>
+              <a:t>。</a:t>
+            </a:r>
+            <a:endParaRPr lang="en-US" altLang="ja-JP" dirty="0" smtClean="0"/>
+          </a:p>
+          <a:p>
+            <a:r>
+              <a:rPr lang="ja-JP" altLang="en-US" dirty="0" smtClean="0"/>
+              <a:t>遊んで楽しいゲームを作る。</a:t>
             </a:r>
             <a:endParaRPr kumimoji="1" lang="ja-JP" altLang="en-US" dirty="0"/>
           </a:p>
@@ -3814,6 +3829,12 @@
             <a:r>
               <a:rPr kumimoji="1" lang="en-US" altLang="ja-JP" dirty="0" smtClean="0"/>
               <a:t>FireAlpaca64</a:t>
+            </a:r>
+          </a:p>
+          <a:p>
+            <a:r>
+              <a:rPr lang="en-US" altLang="ja-JP" dirty="0" err="1" smtClean="0"/>
+              <a:t>freac</a:t>
             </a:r>
             <a:endParaRPr kumimoji="1" lang="ja-JP" altLang="en-US" dirty="0"/>
           </a:p>

--- a/ポートフォリオ(仮).pptx
+++ b/ポートフォリオ(仮).pptx
@@ -12,10 +12,8 @@
     <p:sldId id="264" r:id="rId6"/>
     <p:sldId id="266" r:id="rId7"/>
     <p:sldId id="260" r:id="rId8"/>
-    <p:sldId id="261" r:id="rId9"/>
-    <p:sldId id="262" r:id="rId10"/>
-    <p:sldId id="263" r:id="rId11"/>
-    <p:sldId id="265" r:id="rId12"/>
+    <p:sldId id="263" r:id="rId9"/>
+    <p:sldId id="265" r:id="rId10"/>
   </p:sldIdLst>
   <p:sldSz cx="12192000" cy="6858000"/>
   <p:notesSz cx="6858000" cy="9144000"/>
@@ -3294,8 +3292,12 @@
           <a:lstStyle/>
           <a:p>
             <a:r>
+              <a:rPr lang="en-US" altLang="ja-JP" dirty="0" err="1" smtClean="0"/>
+              <a:t>Busy</a:t>
+            </a:r>
+            <a:r>
               <a:rPr kumimoji="1" lang="en-US" altLang="ja-JP" dirty="0" err="1" smtClean="0"/>
-              <a:t>OverCooked</a:t>
+              <a:t>Cooked</a:t>
             </a:r>
             <a:r>
               <a:rPr kumimoji="1" lang="en-US" altLang="ja-JP" dirty="0" smtClean="0"/>
@@ -3328,14 +3330,6 @@
           <a:bodyPr/>
           <a:lstStyle/>
           <a:p>
-            <a:r>
-              <a:rPr kumimoji="1" lang="ja-JP" altLang="en-US" dirty="0" err="1" smtClean="0"/>
-              <a:t>ぽおおおおおおおおおおおお</a:t>
-            </a:r>
-            <a:r>
-              <a:rPr kumimoji="1" lang="ja-JP" altLang="en-US" dirty="0" smtClean="0"/>
-              <a:t>おおおおとふぉりお</a:t>
-            </a:r>
             <a:endParaRPr kumimoji="1" lang="ja-JP" altLang="en-US" dirty="0"/>
           </a:p>
         </p:txBody>
@@ -3344,224 +3338,6 @@
     <p:extLst>
       <p:ext uri="{BB962C8B-B14F-4D97-AF65-F5344CB8AC3E}">
         <p14:creationId xmlns:p14="http://schemas.microsoft.com/office/powerpoint/2010/main" val="3109914253"/>
-      </p:ext>
-    </p:extLst>
-  </p:cSld>
-  <p:clrMapOvr>
-    <a:masterClrMapping/>
-  </p:clrMapOvr>
-</p:sld>
-</file>
-
-<file path=ppt/slides/slide10.xml><?xml version="1.0" encoding="utf-8"?>
-<p:sld xmlns:a="http://schemas.openxmlformats.org/drawingml/2006/main" xmlns:r="http://schemas.openxmlformats.org/officeDocument/2006/relationships" xmlns:p="http://schemas.openxmlformats.org/presentationml/2006/main">
-  <p:cSld>
-    <p:spTree>
-      <p:nvGrpSpPr>
-        <p:cNvPr id="1" name=""/>
-        <p:cNvGrpSpPr/>
-        <p:nvPr/>
-      </p:nvGrpSpPr>
-      <p:grpSpPr>
-        <a:xfrm>
-          <a:off x="0" y="0"/>
-          <a:ext cx="0" cy="0"/>
-          <a:chOff x="0" y="0"/>
-          <a:chExt cx="0" cy="0"/>
-        </a:xfrm>
-      </p:grpSpPr>
-      <p:sp>
-        <p:nvSpPr>
-          <p:cNvPr id="2" name="タイトル 1"/>
-          <p:cNvSpPr>
-            <a:spLocks noGrp="1"/>
-          </p:cNvSpPr>
-          <p:nvPr>
-            <p:ph type="title"/>
-          </p:nvPr>
-        </p:nvSpPr>
-        <p:spPr/>
-        <p:txBody>
-          <a:bodyPr/>
-          <a:lstStyle/>
-          <a:p>
-            <a:r>
-              <a:rPr kumimoji="1" lang="ja-JP" altLang="en-US" dirty="0" smtClean="0"/>
-              <a:t>影</a:t>
-            </a:r>
-            <a:endParaRPr kumimoji="1" lang="ja-JP" altLang="en-US" dirty="0"/>
-          </a:p>
-        </p:txBody>
-      </p:sp>
-      <p:sp>
-        <p:nvSpPr>
-          <p:cNvPr id="3" name="コンテンツ プレースホルダー 2"/>
-          <p:cNvSpPr>
-            <a:spLocks noGrp="1"/>
-          </p:cNvSpPr>
-          <p:nvPr>
-            <p:ph idx="1"/>
-          </p:nvPr>
-        </p:nvSpPr>
-        <p:spPr/>
-        <p:txBody>
-          <a:bodyPr/>
-          <a:lstStyle/>
-          <a:p>
-            <a:r>
-              <a:rPr kumimoji="1" lang="ja-JP" altLang="en-US" dirty="0" smtClean="0"/>
-              <a:t>ほげほげ</a:t>
-            </a:r>
-            <a:endParaRPr kumimoji="1" lang="ja-JP" altLang="en-US" dirty="0"/>
-          </a:p>
-        </p:txBody>
-      </p:sp>
-    </p:spTree>
-    <p:extLst>
-      <p:ext uri="{BB962C8B-B14F-4D97-AF65-F5344CB8AC3E}">
-        <p14:creationId xmlns:p14="http://schemas.microsoft.com/office/powerpoint/2010/main" val="3094554016"/>
-      </p:ext>
-    </p:extLst>
-  </p:cSld>
-  <p:clrMapOvr>
-    <a:masterClrMapping/>
-  </p:clrMapOvr>
-</p:sld>
-</file>
-
-<file path=ppt/slides/slide11.xml><?xml version="1.0" encoding="utf-8"?>
-<p:sld xmlns:a="http://schemas.openxmlformats.org/drawingml/2006/main" xmlns:r="http://schemas.openxmlformats.org/officeDocument/2006/relationships" xmlns:p="http://schemas.openxmlformats.org/presentationml/2006/main">
-  <p:cSld>
-    <p:spTree>
-      <p:nvGrpSpPr>
-        <p:cNvPr id="1" name=""/>
-        <p:cNvGrpSpPr/>
-        <p:nvPr/>
-      </p:nvGrpSpPr>
-      <p:grpSpPr>
-        <a:xfrm>
-          <a:off x="0" y="0"/>
-          <a:ext cx="0" cy="0"/>
-          <a:chOff x="0" y="0"/>
-          <a:chExt cx="0" cy="0"/>
-        </a:xfrm>
-      </p:grpSpPr>
-      <p:sp>
-        <p:nvSpPr>
-          <p:cNvPr id="2" name="タイトル 1"/>
-          <p:cNvSpPr>
-            <a:spLocks noGrp="1"/>
-          </p:cNvSpPr>
-          <p:nvPr>
-            <p:ph type="title"/>
-          </p:nvPr>
-        </p:nvSpPr>
-        <p:spPr/>
-        <p:txBody>
-          <a:bodyPr/>
-          <a:lstStyle/>
-          <a:p>
-            <a:r>
-              <a:rPr kumimoji="1" lang="ja-JP" altLang="en-US" dirty="0" smtClean="0"/>
-              <a:t>実装予定リスト</a:t>
-            </a:r>
-            <a:endParaRPr kumimoji="1" lang="ja-JP" altLang="en-US" dirty="0"/>
-          </a:p>
-        </p:txBody>
-      </p:sp>
-      <p:sp>
-        <p:nvSpPr>
-          <p:cNvPr id="3" name="コンテンツ プレースホルダー 2"/>
-          <p:cNvSpPr>
-            <a:spLocks noGrp="1"/>
-          </p:cNvSpPr>
-          <p:nvPr>
-            <p:ph idx="1"/>
-          </p:nvPr>
-        </p:nvSpPr>
-        <p:spPr/>
-        <p:txBody>
-          <a:bodyPr/>
-          <a:lstStyle/>
-          <a:p>
-            <a:r>
-              <a:rPr kumimoji="1" lang="en-US" altLang="ja-JP" dirty="0" smtClean="0"/>
-              <a:t>UV</a:t>
-            </a:r>
-            <a:r>
-              <a:rPr kumimoji="1" lang="ja-JP" altLang="en-US" dirty="0" smtClean="0"/>
-              <a:t>スクロール</a:t>
-            </a:r>
-            <a:endParaRPr kumimoji="1" lang="en-US" altLang="ja-JP" dirty="0" smtClean="0"/>
-          </a:p>
-          <a:p>
-            <a:r>
-              <a:rPr lang="ja-JP" altLang="en-US" dirty="0" smtClean="0"/>
-              <a:t>インターネット通信。</a:t>
-            </a:r>
-            <a:endParaRPr lang="en-US" altLang="ja-JP" dirty="0" smtClean="0"/>
-          </a:p>
-          <a:p>
-            <a:r>
-              <a:rPr lang="ja-JP" altLang="en-US" dirty="0" smtClean="0"/>
-              <a:t>カスケードシャドウ</a:t>
-            </a:r>
-            <a:r>
-              <a:rPr lang="en-US" altLang="ja-JP" dirty="0" smtClean="0"/>
-              <a:t>(</a:t>
-            </a:r>
-            <a:r>
-              <a:rPr lang="en-US" altLang="ja-JP" dirty="0" err="1" smtClean="0"/>
-              <a:t>OverCooked</a:t>
-            </a:r>
-            <a:r>
-              <a:rPr lang="ja-JP" altLang="en-US" dirty="0" err="1" smtClean="0"/>
-              <a:t>には</a:t>
-            </a:r>
-            <a:r>
-              <a:rPr lang="ja-JP" altLang="en-US" dirty="0" smtClean="0"/>
-              <a:t>必要ない</a:t>
-            </a:r>
-            <a:r>
-              <a:rPr lang="en-US" altLang="ja-JP" dirty="0" smtClean="0"/>
-              <a:t>)</a:t>
-            </a:r>
-          </a:p>
-          <a:p>
-            <a:r>
-              <a:rPr lang="ja-JP" altLang="en-US" dirty="0" smtClean="0"/>
-              <a:t>被</a:t>
-            </a:r>
-            <a:r>
-              <a:rPr lang="ja-JP" altLang="en-US" dirty="0"/>
-              <a:t>写界</a:t>
-            </a:r>
-            <a:r>
-              <a:rPr lang="ja-JP" altLang="en-US" dirty="0" smtClean="0"/>
-              <a:t>深度</a:t>
-            </a:r>
-            <a:endParaRPr lang="en-US" altLang="ja-JP" dirty="0" smtClean="0"/>
-          </a:p>
-          <a:p>
-            <a:r>
-              <a:rPr lang="ja-JP" altLang="en-US" dirty="0" smtClean="0"/>
-              <a:t>ソフト</a:t>
-            </a:r>
-            <a:r>
-              <a:rPr lang="ja-JP" altLang="en-US" dirty="0"/>
-              <a:t>シャドウ</a:t>
-            </a:r>
-            <a:endParaRPr lang="en-US" altLang="ja-JP" dirty="0" smtClean="0"/>
-          </a:p>
-          <a:p>
-            <a:endParaRPr kumimoji="1" lang="ja-JP" altLang="en-US" dirty="0"/>
-          </a:p>
-        </p:txBody>
-      </p:sp>
-    </p:spTree>
-    <p:extLst>
-      <p:ext uri="{BB962C8B-B14F-4D97-AF65-F5344CB8AC3E}">
-        <p14:creationId xmlns:p14="http://schemas.microsoft.com/office/powerpoint/2010/main" val="934565383"/>
       </p:ext>
     </p:extLst>
   </p:cSld>
@@ -3639,18 +3415,22 @@
           <a:p>
             <a:r>
               <a:rPr lang="ja-JP" altLang="en-US" dirty="0" smtClean="0"/>
-              <a:t>技術力アピール</a:t>
-            </a:r>
+              <a:t>技術力アピール。</a:t>
+            </a:r>
+            <a:endParaRPr lang="en-US" altLang="ja-JP" dirty="0" smtClean="0"/>
+          </a:p>
+          <a:p>
             <a:r>
               <a:rPr lang="ja-JP" altLang="en-US" dirty="0" smtClean="0"/>
-              <a:t>。</a:t>
-            </a:r>
-            <a:endParaRPr lang="en-US" altLang="ja-JP" dirty="0" smtClean="0"/>
-          </a:p>
-          <a:p>
+              <a:t>遊んで</a:t>
+            </a:r>
             <a:r>
               <a:rPr lang="ja-JP" altLang="en-US" dirty="0" smtClean="0"/>
-              <a:t>遊んで楽しいゲームを作る。</a:t>
+              <a:t>楽しいパーティーゲーム</a:t>
+            </a:r>
+            <a:r>
+              <a:rPr lang="ja-JP" altLang="en-US" dirty="0" smtClean="0"/>
+              <a:t>を作る。</a:t>
             </a:r>
             <a:endParaRPr kumimoji="1" lang="ja-JP" altLang="en-US" dirty="0"/>
           </a:p>
@@ -3903,9 +3683,16 @@
             <p:ph idx="1"/>
           </p:nvPr>
         </p:nvSpPr>
-        <p:spPr/>
-        <p:txBody>
-          <a:bodyPr/>
+        <p:spPr>
+          <a:xfrm>
+            <a:off x="838200" y="2044931"/>
+            <a:ext cx="10515600" cy="4132032"/>
+          </a:xfrm>
+        </p:spPr>
+        <p:txBody>
+          <a:bodyPr>
+            <a:normAutofit/>
+          </a:bodyPr>
           <a:lstStyle/>
           <a:p>
             <a:r>
@@ -3918,7 +3705,19 @@
             </a:r>
             <a:r>
               <a:rPr kumimoji="1" lang="ja-JP" altLang="en-US" dirty="0" smtClean="0"/>
-              <a:t>」をリスペクトして作ったゲームです。</a:t>
+              <a:t>」「</a:t>
+            </a:r>
+            <a:r>
+              <a:rPr kumimoji="1" lang="en-US" altLang="ja-JP" dirty="0" smtClean="0"/>
+              <a:t>OverCooked2</a:t>
+            </a:r>
+            <a:r>
+              <a:rPr kumimoji="1" lang="ja-JP" altLang="en-US" dirty="0" smtClean="0"/>
+              <a:t>」を</a:t>
+            </a:r>
+            <a:r>
+              <a:rPr kumimoji="1" lang="ja-JP" altLang="en-US" dirty="0" smtClean="0"/>
+              <a:t>リスペクトして作ったゲームです。</a:t>
             </a:r>
             <a:endParaRPr kumimoji="1" lang="en-US" altLang="ja-JP" dirty="0" smtClean="0"/>
           </a:p>
@@ -3939,6 +3738,9 @@
               <a:t>プレイ人数　２～４人</a:t>
             </a:r>
             <a:endParaRPr kumimoji="1" lang="en-US" altLang="ja-JP" dirty="0" smtClean="0"/>
+          </a:p>
+          <a:p>
+            <a:endParaRPr lang="en-US" altLang="ja-JP" dirty="0"/>
           </a:p>
         </p:txBody>
       </p:sp>
@@ -4011,13 +3813,85 @@
           <a:lstStyle/>
           <a:p>
             <a:r>
-              <a:rPr kumimoji="1" lang="ja-JP" altLang="en-US" dirty="0" smtClean="0"/>
-              <a:t>ほげほげ</a:t>
-            </a:r>
+              <a:rPr lang="ja-JP" altLang="en-US" dirty="0"/>
+              <a:t>移動</a:t>
+            </a:r>
+            <a:r>
+              <a:rPr lang="en-US" altLang="ja-JP" dirty="0"/>
+              <a:t>	</a:t>
+            </a:r>
+            <a:r>
+              <a:rPr lang="ja-JP" altLang="en-US" dirty="0"/>
+              <a:t>　：　左スティック</a:t>
+            </a:r>
+            <a:endParaRPr lang="en-US" altLang="ja-JP" dirty="0"/>
+          </a:p>
+          <a:p>
+            <a:r>
+              <a:rPr lang="ja-JP" altLang="en-US" dirty="0"/>
+              <a:t>切る、洗う　：　Ⓐ</a:t>
+            </a:r>
+            <a:endParaRPr lang="en-US" altLang="ja-JP" dirty="0"/>
+          </a:p>
+          <a:p>
+            <a:r>
+              <a:rPr lang="ja-JP" altLang="en-US" dirty="0"/>
+              <a:t>持つ、置く　：　</a:t>
+            </a:r>
+            <a:r>
+              <a:rPr lang="ja-JP" altLang="en-US" dirty="0" smtClean="0"/>
+              <a:t>Ⓧ</a:t>
+            </a:r>
+          </a:p>
+          <a:p>
+            <a:pPr marL="0" indent="0">
+              <a:buNone/>
+            </a:pPr>
             <a:endParaRPr kumimoji="1" lang="ja-JP" altLang="en-US" dirty="0"/>
           </a:p>
         </p:txBody>
       </p:sp>
+      <p:pic>
+        <p:nvPicPr>
+          <p:cNvPr id="1026" name="Picture 2" descr="「Xboxコントローラー」の画像検索結果"/>
+          <p:cNvPicPr>
+            <a:picLocks noChangeAspect="1" noChangeArrowheads="1"/>
+          </p:cNvPicPr>
+          <p:nvPr/>
+        </p:nvPicPr>
+        <p:blipFill>
+          <a:blip r:embed="rId2">
+            <a:extLst>
+              <a:ext uri="{28A0092B-C50C-407E-A947-70E740481C1C}">
+                <a14:useLocalDpi xmlns:a14="http://schemas.microsoft.com/office/drawing/2010/main" val="0"/>
+              </a:ext>
+            </a:extLst>
+          </a:blip>
+          <a:srcRect/>
+          <a:stretch>
+            <a:fillRect/>
+          </a:stretch>
+        </p:blipFill>
+        <p:spPr bwMode="auto">
+          <a:xfrm>
+            <a:off x="6232179" y="1825625"/>
+            <a:ext cx="4286250" cy="4314826"/>
+          </a:xfrm>
+          <a:prstGeom prst="rect">
+            <a:avLst/>
+          </a:prstGeom>
+          <a:noFill/>
+          <a:extLst>
+            <a:ext uri="{909E8E84-426E-40DD-AFC4-6F175D3DCCD1}">
+              <a14:hiddenFill xmlns:a14="http://schemas.microsoft.com/office/drawing/2010/main">
+                <a:solidFill>
+                  <a:srgbClr val="FFFFFF"/>
+                </a:solidFill>
+              </a14:hiddenFill>
+            </a:ext>
+          </a:extLst>
+        </p:spPr>
+      </p:pic>
     </p:spTree>
     <p:extLst>
       <p:ext uri="{BB962C8B-B14F-4D97-AF65-F5344CB8AC3E}">
@@ -4155,7 +4029,7 @@
           <a:p>
             <a:r>
               <a:rPr kumimoji="1" lang="ja-JP" altLang="en-US" dirty="0" smtClean="0"/>
-              <a:t>拡散反射光</a:t>
+              <a:t>影</a:t>
             </a:r>
             <a:endParaRPr kumimoji="1" lang="ja-JP" altLang="en-US" dirty="0"/>
           </a:p>
@@ -4187,7 +4061,7 @@
     </p:spTree>
     <p:extLst>
       <p:ext uri="{BB962C8B-B14F-4D97-AF65-F5344CB8AC3E}">
-        <p14:creationId xmlns:p14="http://schemas.microsoft.com/office/powerpoint/2010/main" val="953568240"/>
+        <p14:creationId xmlns:p14="http://schemas.microsoft.com/office/powerpoint/2010/main" val="3094554016"/>
       </p:ext>
     </p:extLst>
   </p:cSld>
@@ -4231,7 +4105,7 @@
           <a:p>
             <a:r>
               <a:rPr kumimoji="1" lang="ja-JP" altLang="en-US" dirty="0" smtClean="0"/>
-              <a:t>鏡面反射光</a:t>
+              <a:t>実装予定リスト</a:t>
             </a:r>
             <a:endParaRPr kumimoji="1" lang="ja-JP" altLang="en-US" dirty="0"/>
           </a:p>
@@ -4253,9 +4127,75 @@
           <a:lstStyle/>
           <a:p>
             <a:r>
+              <a:rPr kumimoji="1" lang="en-US" altLang="ja-JP" dirty="0" smtClean="0"/>
+              <a:t>UV</a:t>
+            </a:r>
+            <a:r>
               <a:rPr kumimoji="1" lang="ja-JP" altLang="en-US" dirty="0" smtClean="0"/>
-              <a:t>ほげほげ</a:t>
-            </a:r>
+              <a:t>スクロール</a:t>
+            </a:r>
+            <a:endParaRPr kumimoji="1" lang="en-US" altLang="ja-JP" dirty="0" smtClean="0"/>
+          </a:p>
+          <a:p>
+            <a:r>
+              <a:rPr lang="ja-JP" altLang="en-US" dirty="0" smtClean="0"/>
+              <a:t>インターネット通信。</a:t>
+            </a:r>
+            <a:endParaRPr lang="en-US" altLang="ja-JP" dirty="0" smtClean="0"/>
+          </a:p>
+          <a:p>
+            <a:r>
+              <a:rPr lang="ja-JP" altLang="en-US" dirty="0" smtClean="0"/>
+              <a:t>カスケードシャドウ</a:t>
+            </a:r>
+            <a:r>
+              <a:rPr lang="en-US" altLang="ja-JP" dirty="0" smtClean="0"/>
+              <a:t>(</a:t>
+            </a:r>
+            <a:r>
+              <a:rPr lang="en-US" altLang="ja-JP" dirty="0" err="1" smtClean="0"/>
+              <a:t>OverCooked</a:t>
+            </a:r>
+            <a:r>
+              <a:rPr lang="ja-JP" altLang="en-US" dirty="0" err="1" smtClean="0"/>
+              <a:t>には</a:t>
+            </a:r>
+            <a:r>
+              <a:rPr lang="ja-JP" altLang="en-US" dirty="0" smtClean="0"/>
+              <a:t>必要ない</a:t>
+            </a:r>
+            <a:r>
+              <a:rPr lang="en-US" altLang="ja-JP" dirty="0" smtClean="0"/>
+              <a:t>)</a:t>
+            </a:r>
+          </a:p>
+          <a:p>
+            <a:r>
+              <a:rPr lang="ja-JP" altLang="en-US" dirty="0" smtClean="0"/>
+              <a:t>被</a:t>
+            </a:r>
+            <a:r>
+              <a:rPr lang="ja-JP" altLang="en-US" dirty="0"/>
+              <a:t>写界</a:t>
+            </a:r>
+            <a:r>
+              <a:rPr lang="ja-JP" altLang="en-US" dirty="0" smtClean="0"/>
+              <a:t>深度</a:t>
+            </a:r>
+            <a:endParaRPr lang="en-US" altLang="ja-JP" dirty="0" smtClean="0"/>
+          </a:p>
+          <a:p>
+            <a:r>
+              <a:rPr lang="ja-JP" altLang="en-US" dirty="0" smtClean="0"/>
+              <a:t>ソフト</a:t>
+            </a:r>
+            <a:r>
+              <a:rPr lang="ja-JP" altLang="en-US" dirty="0"/>
+              <a:t>シャドウ</a:t>
+            </a:r>
+            <a:endParaRPr lang="en-US" altLang="ja-JP" dirty="0" smtClean="0"/>
+          </a:p>
+          <a:p>
             <a:endParaRPr kumimoji="1" lang="ja-JP" altLang="en-US" dirty="0"/>
           </a:p>
         </p:txBody>
@@ -4263,7 +4203,7 @@
     </p:spTree>
     <p:extLst>
       <p:ext uri="{BB962C8B-B14F-4D97-AF65-F5344CB8AC3E}">
-        <p14:creationId xmlns:p14="http://schemas.microsoft.com/office/powerpoint/2010/main" val="1139957104"/>
+        <p14:creationId xmlns:p14="http://schemas.microsoft.com/office/powerpoint/2010/main" val="934565383"/>
       </p:ext>
     </p:extLst>
   </p:cSld>

--- a/ポートフォリオ(仮).pptx
+++ b/ポートフォリオ(仮).pptx
@@ -8,12 +8,13 @@
     <p:sldId id="256" r:id="rId2"/>
     <p:sldId id="257" r:id="rId3"/>
     <p:sldId id="259" r:id="rId4"/>
-    <p:sldId id="258" r:id="rId5"/>
-    <p:sldId id="264" r:id="rId6"/>
-    <p:sldId id="266" r:id="rId7"/>
-    <p:sldId id="260" r:id="rId8"/>
-    <p:sldId id="263" r:id="rId9"/>
-    <p:sldId id="265" r:id="rId10"/>
+    <p:sldId id="264" r:id="rId5"/>
+    <p:sldId id="266" r:id="rId6"/>
+    <p:sldId id="260" r:id="rId7"/>
+    <p:sldId id="267" r:id="rId8"/>
+    <p:sldId id="268" r:id="rId9"/>
+    <p:sldId id="263" r:id="rId10"/>
+    <p:sldId id="265" r:id="rId11"/>
   </p:sldIdLst>
   <p:sldSz cx="12192000" cy="6858000"/>
   <p:notesSz cx="6858000" cy="9144000"/>
@@ -3286,7 +3287,12 @@
             <p:ph type="ctrTitle"/>
           </p:nvPr>
         </p:nvSpPr>
-        <p:spPr/>
+        <p:spPr>
+          <a:xfrm>
+            <a:off x="1524000" y="1122363"/>
+            <a:ext cx="9144000" cy="1886844"/>
+          </a:xfrm>
+        </p:spPr>
         <p:txBody>
           <a:bodyPr/>
           <a:lstStyle/>
@@ -3299,38 +3305,47 @@
               <a:rPr kumimoji="1" lang="en-US" altLang="ja-JP" dirty="0" err="1" smtClean="0"/>
               <a:t>Cooked</a:t>
             </a:r>
-            <a:r>
-              <a:rPr kumimoji="1" lang="en-US" altLang="ja-JP" dirty="0" smtClean="0"/>
-              <a:t>(</a:t>
-            </a:r>
+            <a:endParaRPr kumimoji="1" lang="ja-JP" altLang="en-US" dirty="0"/>
+          </a:p>
+        </p:txBody>
+      </p:sp>
+      <p:sp>
+        <p:nvSpPr>
+          <p:cNvPr id="3" name="サブタイトル 2"/>
+          <p:cNvSpPr>
+            <a:spLocks noGrp="1"/>
+          </p:cNvSpPr>
+          <p:nvPr>
+            <p:ph type="subTitle" idx="1"/>
+          </p:nvPr>
+        </p:nvSpPr>
+        <p:spPr/>
+        <p:txBody>
+          <a:bodyPr/>
+          <a:lstStyle/>
+          <a:p>
             <a:r>
               <a:rPr kumimoji="1" lang="ja-JP" altLang="en-US" dirty="0" smtClean="0"/>
-              <a:t>仮</a:t>
-            </a:r>
-            <a:r>
-              <a:rPr kumimoji="1" lang="en-US" altLang="ja-JP" dirty="0" smtClean="0"/>
-              <a:t>)</a:t>
-            </a:r>
-            <a:endParaRPr kumimoji="1" lang="ja-JP" altLang="en-US" dirty="0"/>
-          </a:p>
-        </p:txBody>
-      </p:sp>
-      <p:sp>
-        <p:nvSpPr>
-          <p:cNvPr id="3" name="サブタイトル 2"/>
-          <p:cNvSpPr>
-            <a:spLocks noGrp="1"/>
-          </p:cNvSpPr>
-          <p:nvPr>
-            <p:ph type="subTitle" idx="1"/>
-          </p:nvPr>
-        </p:nvSpPr>
-        <p:spPr/>
-        <p:txBody>
-          <a:bodyPr/>
-          <a:lstStyle/>
-          <a:p>
-            <a:endParaRPr kumimoji="1" lang="ja-JP" altLang="en-US" dirty="0"/>
+              <a:t>河原電子ビジネス専門学校</a:t>
+            </a:r>
+            <a:endParaRPr kumimoji="1" lang="en-US" altLang="ja-JP" dirty="0" smtClean="0"/>
+          </a:p>
+          <a:p>
+            <a:r>
+              <a:rPr lang="ja-JP" altLang="en-US" dirty="0" smtClean="0"/>
+              <a:t>ゲームクリエイター科２年</a:t>
+            </a:r>
+            <a:endParaRPr lang="en-US" altLang="ja-JP" dirty="0" smtClean="0"/>
+          </a:p>
+          <a:p>
+            <a:r>
+              <a:rPr kumimoji="1" lang="ja-JP" altLang="en-US" sz="3600" dirty="0" smtClean="0"/>
+              <a:t>佐伯</a:t>
+            </a:r>
+            <a:r>
+              <a:rPr kumimoji="1" lang="ja-JP" altLang="en-US" sz="3600" dirty="0"/>
+              <a:t>天斗</a:t>
+            </a:r>
           </a:p>
         </p:txBody>
       </p:sp>
@@ -3338,6 +3353,151 @@
     <p:extLst>
       <p:ext uri="{BB962C8B-B14F-4D97-AF65-F5344CB8AC3E}">
         <p14:creationId xmlns:p14="http://schemas.microsoft.com/office/powerpoint/2010/main" val="3109914253"/>
+      </p:ext>
+    </p:extLst>
+  </p:cSld>
+  <p:clrMapOvr>
+    <a:masterClrMapping/>
+  </p:clrMapOvr>
+</p:sld>
+</file>
+
+<file path=ppt/slides/slide10.xml><?xml version="1.0" encoding="utf-8"?>
+<p:sld xmlns:a="http://schemas.openxmlformats.org/drawingml/2006/main" xmlns:r="http://schemas.openxmlformats.org/officeDocument/2006/relationships" xmlns:p="http://schemas.openxmlformats.org/presentationml/2006/main">
+  <p:cSld>
+    <p:spTree>
+      <p:nvGrpSpPr>
+        <p:cNvPr id="1" name=""/>
+        <p:cNvGrpSpPr/>
+        <p:nvPr/>
+      </p:nvGrpSpPr>
+      <p:grpSpPr>
+        <a:xfrm>
+          <a:off x="0" y="0"/>
+          <a:ext cx="0" cy="0"/>
+          <a:chOff x="0" y="0"/>
+          <a:chExt cx="0" cy="0"/>
+        </a:xfrm>
+      </p:grpSpPr>
+      <p:sp>
+        <p:nvSpPr>
+          <p:cNvPr id="2" name="タイトル 1"/>
+          <p:cNvSpPr>
+            <a:spLocks noGrp="1"/>
+          </p:cNvSpPr>
+          <p:nvPr>
+            <p:ph type="title"/>
+          </p:nvPr>
+        </p:nvSpPr>
+        <p:spPr/>
+        <p:txBody>
+          <a:bodyPr/>
+          <a:lstStyle/>
+          <a:p>
+            <a:r>
+              <a:rPr kumimoji="1" lang="ja-JP" altLang="en-US" dirty="0" smtClean="0"/>
+              <a:t>実装予定リスト</a:t>
+            </a:r>
+            <a:endParaRPr kumimoji="1" lang="ja-JP" altLang="en-US" dirty="0"/>
+          </a:p>
+        </p:txBody>
+      </p:sp>
+      <p:sp>
+        <p:nvSpPr>
+          <p:cNvPr id="3" name="コンテンツ プレースホルダー 2"/>
+          <p:cNvSpPr>
+            <a:spLocks noGrp="1"/>
+          </p:cNvSpPr>
+          <p:nvPr>
+            <p:ph idx="1"/>
+          </p:nvPr>
+        </p:nvSpPr>
+        <p:spPr/>
+        <p:txBody>
+          <a:bodyPr/>
+          <a:lstStyle/>
+          <a:p>
+            <a:r>
+              <a:rPr kumimoji="1" lang="en-US" altLang="ja-JP" dirty="0" smtClean="0"/>
+              <a:t>UV</a:t>
+            </a:r>
+            <a:r>
+              <a:rPr kumimoji="1" lang="ja-JP" altLang="en-US" dirty="0" smtClean="0"/>
+              <a:t>スクロール</a:t>
+            </a:r>
+            <a:endParaRPr kumimoji="1" lang="en-US" altLang="ja-JP" dirty="0" smtClean="0"/>
+          </a:p>
+          <a:p>
+            <a:r>
+              <a:rPr lang="ja-JP" altLang="en-US" dirty="0" smtClean="0"/>
+              <a:t>インターネット通信。</a:t>
+            </a:r>
+            <a:endParaRPr lang="en-US" altLang="ja-JP" dirty="0" smtClean="0"/>
+          </a:p>
+          <a:p>
+            <a:r>
+              <a:rPr lang="ja-JP" altLang="en-US" dirty="0" smtClean="0"/>
+              <a:t>カスケードシャドウ</a:t>
+            </a:r>
+            <a:r>
+              <a:rPr lang="en-US" altLang="ja-JP" dirty="0" smtClean="0"/>
+              <a:t>(</a:t>
+            </a:r>
+            <a:r>
+              <a:rPr lang="en-US" altLang="ja-JP" dirty="0" err="1" smtClean="0"/>
+              <a:t>OverCooked</a:t>
+            </a:r>
+            <a:r>
+              <a:rPr lang="ja-JP" altLang="en-US" dirty="0" err="1" smtClean="0"/>
+              <a:t>には</a:t>
+            </a:r>
+            <a:r>
+              <a:rPr lang="ja-JP" altLang="en-US" dirty="0" smtClean="0"/>
+              <a:t>必要ない</a:t>
+            </a:r>
+            <a:r>
+              <a:rPr lang="en-US" altLang="ja-JP" dirty="0" smtClean="0"/>
+              <a:t>)</a:t>
+            </a:r>
+          </a:p>
+          <a:p>
+            <a:r>
+              <a:rPr lang="ja-JP" altLang="en-US" dirty="0" smtClean="0"/>
+              <a:t>被</a:t>
+            </a:r>
+            <a:r>
+              <a:rPr lang="ja-JP" altLang="en-US" dirty="0"/>
+              <a:t>写界</a:t>
+            </a:r>
+            <a:r>
+              <a:rPr lang="ja-JP" altLang="en-US" dirty="0" smtClean="0"/>
+              <a:t>深度</a:t>
+            </a:r>
+            <a:endParaRPr lang="en-US" altLang="ja-JP" dirty="0" smtClean="0"/>
+          </a:p>
+          <a:p>
+            <a:r>
+              <a:rPr lang="ja-JP" altLang="en-US" dirty="0" smtClean="0"/>
+              <a:t>ソフトシャドウ</a:t>
+            </a:r>
+            <a:endParaRPr lang="en-US" altLang="ja-JP" dirty="0" smtClean="0"/>
+          </a:p>
+          <a:p>
+            <a:r>
+              <a:rPr lang="ja-JP" altLang="en-US" dirty="0" smtClean="0"/>
+              <a:t>ブラーをかける（ガウシアンブラー）</a:t>
+            </a:r>
+            <a:endParaRPr lang="en-US" altLang="ja-JP" dirty="0" smtClean="0"/>
+          </a:p>
+          <a:p>
+            <a:endParaRPr kumimoji="1" lang="ja-JP" altLang="en-US" dirty="0"/>
+          </a:p>
+        </p:txBody>
+      </p:sp>
+    </p:spTree>
+    <p:extLst>
+      <p:ext uri="{BB962C8B-B14F-4D97-AF65-F5344CB8AC3E}">
+        <p14:creationId xmlns:p14="http://schemas.microsoft.com/office/powerpoint/2010/main" val="934565383"/>
       </p:ext>
     </p:extLst>
   </p:cSld>
@@ -3415,7 +3575,15 @@
           <a:p>
             <a:r>
               <a:rPr lang="ja-JP" altLang="en-US" dirty="0" smtClean="0"/>
-              <a:t>技術力アピール。</a:t>
+              <a:t>プログラムの基礎を復習する</a:t>
+            </a:r>
+            <a:r>
+              <a:rPr lang="ja-JP" altLang="en-US" dirty="0" smtClean="0"/>
+              <a:t>ため</a:t>
+            </a:r>
+            <a:r>
+              <a:rPr lang="ja-JP" altLang="en-US" dirty="0" smtClean="0"/>
+              <a:t>。</a:t>
             </a:r>
             <a:endParaRPr lang="en-US" altLang="ja-JP" dirty="0" smtClean="0"/>
           </a:p>
@@ -3426,11 +3594,7 @@
             </a:r>
             <a:r>
               <a:rPr lang="ja-JP" altLang="en-US" dirty="0" smtClean="0"/>
-              <a:t>楽しいパーティーゲーム</a:t>
-            </a:r>
-            <a:r>
-              <a:rPr lang="ja-JP" altLang="en-US" dirty="0" smtClean="0"/>
-              <a:t>を作る。</a:t>
+              <a:t>楽しいパーティーゲームを作る。</a:t>
             </a:r>
             <a:endParaRPr kumimoji="1" lang="ja-JP" altLang="en-US" dirty="0"/>
           </a:p>
@@ -3483,11 +3647,7 @@
           <a:p>
             <a:r>
               <a:rPr lang="ja-JP" altLang="en-US" dirty="0" smtClean="0"/>
-              <a:t>使用</a:t>
-            </a:r>
-            <a:r>
-              <a:rPr lang="ja-JP" altLang="en-US" dirty="0"/>
-              <a:t>言語</a:t>
+              <a:t>開発環境</a:t>
             </a:r>
             <a:endParaRPr kumimoji="1" lang="ja-JP" altLang="en-US" dirty="0"/>
           </a:p>
@@ -3503,26 +3663,92 @@
             <p:ph idx="1"/>
           </p:nvPr>
         </p:nvSpPr>
-        <p:spPr/>
-        <p:txBody>
-          <a:bodyPr/>
-          <a:lstStyle/>
-          <a:p>
-            <a:r>
-              <a:rPr kumimoji="1" lang="en-US" altLang="ja-JP" dirty="0" smtClean="0"/>
+        <p:spPr>
+          <a:xfrm>
+            <a:off x="838200" y="1130531"/>
+            <a:ext cx="10515600" cy="5046432"/>
+          </a:xfrm>
+        </p:spPr>
+        <p:txBody>
+          <a:bodyPr/>
+          <a:lstStyle/>
+          <a:p>
+            <a:pPr marL="0" indent="0">
+              <a:buNone/>
+            </a:pPr>
+            <a:endParaRPr lang="en-US" altLang="ja-JP" dirty="0" smtClean="0"/>
+          </a:p>
+          <a:p>
+            <a:pPr marL="0" indent="0">
+              <a:buNone/>
+            </a:pPr>
+            <a:r>
+              <a:rPr lang="ja-JP" altLang="en-US" sz="4000" dirty="0" smtClean="0"/>
+              <a:t>・使用ツール</a:t>
+            </a:r>
+            <a:endParaRPr lang="en-US" altLang="ja-JP" sz="4000" dirty="0" smtClean="0"/>
+          </a:p>
+          <a:p>
+            <a:r>
+              <a:rPr lang="en-US" altLang="ja-JP" dirty="0" smtClean="0"/>
+              <a:t>VisualStudio2017</a:t>
+            </a:r>
+          </a:p>
+          <a:p>
+            <a:r>
+              <a:rPr lang="en-US" altLang="ja-JP" dirty="0"/>
+              <a:t>3dsMax</a:t>
+            </a:r>
+          </a:p>
+          <a:p>
+            <a:r>
+              <a:rPr lang="en-US" altLang="ja-JP" dirty="0"/>
+              <a:t>FireAlpaca64</a:t>
+            </a:r>
+          </a:p>
+          <a:p>
+            <a:r>
+              <a:rPr lang="en-US" altLang="ja-JP" dirty="0" err="1"/>
+              <a:t>freac</a:t>
+            </a:r>
+            <a:endParaRPr lang="ja-JP" altLang="en-US" dirty="0"/>
+          </a:p>
+          <a:p>
+            <a:pPr marL="0" indent="0">
+              <a:buNone/>
+            </a:pPr>
+            <a:r>
+              <a:rPr lang="ja-JP" altLang="en-US" sz="4000" dirty="0" smtClean="0"/>
+              <a:t>・使用言語</a:t>
+            </a:r>
+            <a:endParaRPr lang="en-US" altLang="ja-JP" sz="4000" dirty="0" smtClean="0"/>
+          </a:p>
+          <a:p>
+            <a:pPr marL="0" indent="0">
+              <a:buNone/>
+            </a:pPr>
+            <a:r>
+              <a:rPr lang="ja-JP" altLang="en-US" sz="2400" dirty="0" smtClean="0"/>
+              <a:t>・</a:t>
+            </a:r>
+            <a:r>
+              <a:rPr lang="en-US" altLang="ja-JP" sz="2400" dirty="0" smtClean="0"/>
               <a:t>C++</a:t>
             </a:r>
           </a:p>
           <a:p>
-            <a:r>
-              <a:rPr lang="en-US" altLang="ja-JP" dirty="0" smtClean="0"/>
-              <a:t>HLS</a:t>
-            </a:r>
-            <a:r>
-              <a:rPr lang="en-US" altLang="ja-JP" dirty="0"/>
-              <a:t>L</a:t>
-            </a:r>
-            <a:endParaRPr kumimoji="1" lang="ja-JP" altLang="en-US" dirty="0"/>
+            <a:pPr marL="0" indent="0">
+              <a:buNone/>
+            </a:pPr>
+            <a:r>
+              <a:rPr lang="ja-JP" altLang="en-US" sz="2400" dirty="0" smtClean="0"/>
+              <a:t>・</a:t>
+            </a:r>
+            <a:r>
+              <a:rPr lang="en-US" altLang="ja-JP" sz="2400" dirty="0" smtClean="0"/>
+              <a:t>HLSL</a:t>
+            </a:r>
+            <a:endParaRPr lang="en-US" altLang="ja-JP" sz="2400" dirty="0"/>
           </a:p>
         </p:txBody>
       </p:sp>
@@ -3573,100 +3799,6 @@
           <a:p>
             <a:r>
               <a:rPr kumimoji="1" lang="ja-JP" altLang="en-US" dirty="0" smtClean="0"/>
-              <a:t>使用ツール</a:t>
-            </a:r>
-            <a:endParaRPr kumimoji="1" lang="ja-JP" altLang="en-US" dirty="0"/>
-          </a:p>
-        </p:txBody>
-      </p:sp>
-      <p:sp>
-        <p:nvSpPr>
-          <p:cNvPr id="3" name="コンテンツ プレースホルダー 2"/>
-          <p:cNvSpPr>
-            <a:spLocks noGrp="1"/>
-          </p:cNvSpPr>
-          <p:nvPr>
-            <p:ph idx="1"/>
-          </p:nvPr>
-        </p:nvSpPr>
-        <p:spPr/>
-        <p:txBody>
-          <a:bodyPr/>
-          <a:lstStyle/>
-          <a:p>
-            <a:r>
-              <a:rPr kumimoji="1" lang="en-US" altLang="ja-JP" dirty="0" smtClean="0"/>
-              <a:t>Visual Studio 2017</a:t>
-            </a:r>
-          </a:p>
-          <a:p>
-            <a:r>
-              <a:rPr lang="en-US" altLang="ja-JP" dirty="0" smtClean="0"/>
-              <a:t>3dsMax</a:t>
-            </a:r>
-          </a:p>
-          <a:p>
-            <a:r>
-              <a:rPr kumimoji="1" lang="en-US" altLang="ja-JP" dirty="0" smtClean="0"/>
-              <a:t>FireAlpaca64</a:t>
-            </a:r>
-          </a:p>
-          <a:p>
-            <a:r>
-              <a:rPr lang="en-US" altLang="ja-JP" dirty="0" err="1" smtClean="0"/>
-              <a:t>freac</a:t>
-            </a:r>
-            <a:endParaRPr kumimoji="1" lang="ja-JP" altLang="en-US" dirty="0"/>
-          </a:p>
-        </p:txBody>
-      </p:sp>
-    </p:spTree>
-    <p:extLst>
-      <p:ext uri="{BB962C8B-B14F-4D97-AF65-F5344CB8AC3E}">
-        <p14:creationId xmlns:p14="http://schemas.microsoft.com/office/powerpoint/2010/main" val="3861396853"/>
-      </p:ext>
-    </p:extLst>
-  </p:cSld>
-  <p:clrMapOvr>
-    <a:masterClrMapping/>
-  </p:clrMapOvr>
-</p:sld>
-</file>
-
-<file path=ppt/slides/slide5.xml><?xml version="1.0" encoding="utf-8"?>
-<p:sld xmlns:a="http://schemas.openxmlformats.org/drawingml/2006/main" xmlns:r="http://schemas.openxmlformats.org/officeDocument/2006/relationships" xmlns:p="http://schemas.openxmlformats.org/presentationml/2006/main">
-  <p:cSld>
-    <p:spTree>
-      <p:nvGrpSpPr>
-        <p:cNvPr id="1" name=""/>
-        <p:cNvGrpSpPr/>
-        <p:nvPr/>
-      </p:nvGrpSpPr>
-      <p:grpSpPr>
-        <a:xfrm>
-          <a:off x="0" y="0"/>
-          <a:ext cx="0" cy="0"/>
-          <a:chOff x="0" y="0"/>
-          <a:chExt cx="0" cy="0"/>
-        </a:xfrm>
-      </p:grpSpPr>
-      <p:sp>
-        <p:nvSpPr>
-          <p:cNvPr id="2" name="タイトル 1"/>
-          <p:cNvSpPr>
-            <a:spLocks noGrp="1"/>
-          </p:cNvSpPr>
-          <p:nvPr>
-            <p:ph type="title"/>
-          </p:nvPr>
-        </p:nvSpPr>
-        <p:spPr/>
-        <p:txBody>
-          <a:bodyPr/>
-          <a:lstStyle/>
-          <a:p>
-            <a:r>
-              <a:rPr kumimoji="1" lang="ja-JP" altLang="en-US" dirty="0" smtClean="0"/>
               <a:t>ゲーム概要</a:t>
             </a:r>
             <a:endParaRPr kumimoji="1" lang="ja-JP" altLang="en-US" dirty="0"/>
@@ -3713,11 +3845,7 @@
             </a:r>
             <a:r>
               <a:rPr kumimoji="1" lang="ja-JP" altLang="en-US" dirty="0" smtClean="0"/>
-              <a:t>」を</a:t>
-            </a:r>
-            <a:r>
-              <a:rPr kumimoji="1" lang="ja-JP" altLang="en-US" dirty="0" smtClean="0"/>
-              <a:t>リスペクトして作ったゲームです。</a:t>
+              <a:t>」をリスペクトして作ったゲームです。</a:t>
             </a:r>
             <a:endParaRPr kumimoji="1" lang="en-US" altLang="ja-JP" dirty="0" smtClean="0"/>
           </a:p>
@@ -3757,7 +3885,7 @@
 </p:sld>
 </file>
 
-<file path=ppt/slides/slide6.xml><?xml version="1.0" encoding="utf-8"?>
+<file path=ppt/slides/slide5.xml><?xml version="1.0" encoding="utf-8"?>
 <p:sld xmlns:a="http://schemas.openxmlformats.org/drawingml/2006/main" xmlns:r="http://schemas.openxmlformats.org/officeDocument/2006/relationships" xmlns:p="http://schemas.openxmlformats.org/presentationml/2006/main">
   <p:cSld>
     <p:spTree>
@@ -3905,6 +4033,96 @@
 </p:sld>
 </file>
 
+<file path=ppt/slides/slide6.xml><?xml version="1.0" encoding="utf-8"?>
+<p:sld xmlns:a="http://schemas.openxmlformats.org/drawingml/2006/main" xmlns:r="http://schemas.openxmlformats.org/officeDocument/2006/relationships" xmlns:p="http://schemas.openxmlformats.org/presentationml/2006/main">
+  <p:cSld>
+    <p:spTree>
+      <p:nvGrpSpPr>
+        <p:cNvPr id="1" name=""/>
+        <p:cNvGrpSpPr/>
+        <p:nvPr/>
+      </p:nvGrpSpPr>
+      <p:grpSpPr>
+        <a:xfrm>
+          <a:off x="0" y="0"/>
+          <a:ext cx="0" cy="0"/>
+          <a:chOff x="0" y="0"/>
+          <a:chExt cx="0" cy="0"/>
+        </a:xfrm>
+      </p:grpSpPr>
+      <p:sp>
+        <p:nvSpPr>
+          <p:cNvPr id="2" name="タイトル 1"/>
+          <p:cNvSpPr>
+            <a:spLocks noGrp="1"/>
+          </p:cNvSpPr>
+          <p:nvPr>
+            <p:ph type="title"/>
+          </p:nvPr>
+        </p:nvSpPr>
+        <p:spPr/>
+        <p:txBody>
+          <a:bodyPr/>
+          <a:lstStyle/>
+          <a:p>
+            <a:r>
+              <a:rPr kumimoji="1" lang="ja-JP" altLang="en-US" dirty="0" smtClean="0"/>
+              <a:t>実装したものリスト</a:t>
+            </a:r>
+            <a:endParaRPr kumimoji="1" lang="ja-JP" altLang="en-US" dirty="0"/>
+          </a:p>
+        </p:txBody>
+      </p:sp>
+      <p:sp>
+        <p:nvSpPr>
+          <p:cNvPr id="3" name="コンテンツ プレースホルダー 2"/>
+          <p:cNvSpPr>
+            <a:spLocks noGrp="1"/>
+          </p:cNvSpPr>
+          <p:nvPr>
+            <p:ph idx="1"/>
+          </p:nvPr>
+        </p:nvSpPr>
+        <p:spPr/>
+        <p:txBody>
+          <a:bodyPr/>
+          <a:lstStyle/>
+          <a:p>
+            <a:r>
+              <a:rPr kumimoji="1" lang="ja-JP" altLang="en-US" dirty="0" smtClean="0"/>
+              <a:t>拡散反射光</a:t>
+            </a:r>
+            <a:endParaRPr kumimoji="1" lang="en-US" altLang="ja-JP" dirty="0" smtClean="0"/>
+          </a:p>
+          <a:p>
+            <a:r>
+              <a:rPr lang="ja-JP" altLang="en-US" dirty="0" smtClean="0"/>
+              <a:t>鏡面反射光</a:t>
+            </a:r>
+            <a:endParaRPr lang="en-US" altLang="ja-JP" dirty="0" smtClean="0"/>
+          </a:p>
+          <a:p>
+            <a:r>
+              <a:rPr kumimoji="1" lang="ja-JP" altLang="en-US" dirty="0" smtClean="0"/>
+              <a:t>シャドウマップ</a:t>
+            </a:r>
+            <a:endParaRPr kumimoji="1" lang="ja-JP" altLang="en-US" dirty="0"/>
+          </a:p>
+        </p:txBody>
+      </p:sp>
+    </p:spTree>
+    <p:extLst>
+      <p:ext uri="{BB962C8B-B14F-4D97-AF65-F5344CB8AC3E}">
+        <p14:creationId xmlns:p14="http://schemas.microsoft.com/office/powerpoint/2010/main" val="1229871195"/>
+      </p:ext>
+    </p:extLst>
+  </p:cSld>
+  <p:clrMapOvr>
+    <a:masterClrMapping/>
+  </p:clrMapOvr>
+</p:sld>
+</file>
+
 <file path=ppt/slides/slide7.xml><?xml version="1.0" encoding="utf-8"?>
 <p:sld xmlns:a="http://schemas.openxmlformats.org/drawingml/2006/main" xmlns:r="http://schemas.openxmlformats.org/officeDocument/2006/relationships" xmlns:p="http://schemas.openxmlformats.org/presentationml/2006/main">
   <p:cSld>
@@ -3938,8 +4156,16 @@
           <a:lstStyle/>
           <a:p>
             <a:r>
-              <a:rPr kumimoji="1" lang="ja-JP" altLang="en-US" dirty="0" smtClean="0"/>
-              <a:t>実装したものリスト</a:t>
+              <a:rPr lang="ja-JP" altLang="en-US" dirty="0" smtClean="0"/>
+              <a:t>ゲーム</a:t>
+            </a:r>
+            <a:r>
+              <a:rPr lang="ja-JP" altLang="en-US" dirty="0"/>
+              <a:t>操作</a:t>
+            </a:r>
+            <a:r>
+              <a:rPr lang="ja-JP" altLang="en-US" dirty="0" smtClean="0"/>
+              <a:t>における工夫点</a:t>
             </a:r>
             <a:endParaRPr kumimoji="1" lang="ja-JP" altLang="en-US" dirty="0"/>
           </a:p>
@@ -3957,35 +4183,94 @@
         </p:nvSpPr>
         <p:spPr/>
         <p:txBody>
-          <a:bodyPr/>
-          <a:lstStyle/>
-          <a:p>
-            <a:r>
-              <a:rPr kumimoji="1" lang="ja-JP" altLang="en-US" dirty="0" smtClean="0"/>
-              <a:t>拡散反射光</a:t>
-            </a:r>
-            <a:endParaRPr kumimoji="1" lang="en-US" altLang="ja-JP" dirty="0" smtClean="0"/>
-          </a:p>
-          <a:p>
-            <a:r>
-              <a:rPr lang="ja-JP" altLang="en-US" dirty="0" smtClean="0"/>
-              <a:t>鏡面反射光</a:t>
-            </a:r>
-            <a:endParaRPr lang="en-US" altLang="ja-JP" dirty="0" smtClean="0"/>
-          </a:p>
-          <a:p>
-            <a:r>
-              <a:rPr kumimoji="1" lang="ja-JP" altLang="en-US" dirty="0" smtClean="0"/>
-              <a:t>シャドウマップ</a:t>
-            </a:r>
-            <a:endParaRPr kumimoji="1" lang="ja-JP" altLang="en-US" dirty="0"/>
+          <a:bodyPr>
+            <a:normAutofit/>
+          </a:bodyPr>
+          <a:lstStyle/>
+          <a:p>
+            <a:pPr marL="0" indent="0">
+              <a:buNone/>
+            </a:pPr>
+            <a:r>
+              <a:rPr lang="ja-JP" altLang="en-US" sz="2400" dirty="0"/>
+              <a:t>①</a:t>
+            </a:r>
+            <a:r>
+              <a:rPr lang="ja-JP" altLang="en-US" sz="2400" dirty="0" smtClean="0"/>
+              <a:t>「食べ物を切るとき」「お皿を洗う時」の処理を長押しにしています。</a:t>
+            </a:r>
+            <a:endParaRPr lang="en-US" altLang="ja-JP" sz="2400" dirty="0" smtClean="0"/>
+          </a:p>
+          <a:p>
+            <a:pPr marL="0" indent="0">
+              <a:buNone/>
+            </a:pPr>
+            <a:r>
+              <a:rPr kumimoji="1" lang="en-US" altLang="ja-JP" sz="2400" dirty="0" err="1" smtClean="0"/>
+              <a:t>OverCoooked</a:t>
+            </a:r>
+            <a:r>
+              <a:rPr kumimoji="1" lang="ja-JP" altLang="en-US" sz="2400" dirty="0" smtClean="0"/>
+              <a:t>では一度押したら処理が続き、もう一度押すと処理を終了するという流れでした。しかし</a:t>
+            </a:r>
+            <a:r>
+              <a:rPr kumimoji="1" lang="en-US" altLang="ja-JP" sz="2400" dirty="0" smtClean="0"/>
+              <a:t>OverCooked2</a:t>
+            </a:r>
+            <a:r>
+              <a:rPr kumimoji="1" lang="ja-JP" altLang="en-US" sz="2400" dirty="0" smtClean="0"/>
+              <a:t>では、長押ししている間のみ処理をするようになっていました。</a:t>
+            </a:r>
+            <a:endParaRPr kumimoji="1" lang="en-US" altLang="ja-JP" sz="2400" dirty="0" smtClean="0"/>
+          </a:p>
+          <a:p>
+            <a:pPr marL="0" indent="0">
+              <a:buNone/>
+            </a:pPr>
+            <a:r>
+              <a:rPr lang="ja-JP" altLang="en-US" sz="2400" dirty="0" smtClean="0"/>
+              <a:t>どちらを</a:t>
+            </a:r>
+            <a:r>
+              <a:rPr lang="ja-JP" altLang="en-US" sz="2400" dirty="0"/>
+              <a:t>採用</a:t>
+            </a:r>
+            <a:r>
+              <a:rPr lang="ja-JP" altLang="en-US" sz="2400" dirty="0" smtClean="0"/>
+              <a:t>するか非常に迷いましたが、このゲームはこまめに作業を変える必要があるため、</a:t>
+            </a:r>
+            <a:r>
+              <a:rPr lang="en-US" altLang="ja-JP" sz="2400" dirty="0" smtClean="0"/>
+              <a:t>OverCooked2</a:t>
+            </a:r>
+            <a:r>
+              <a:rPr lang="ja-JP" altLang="en-US" sz="2400" dirty="0" smtClean="0"/>
+              <a:t>の仕様がより感覚的に操作できると考え、長押し処理にしました。</a:t>
+            </a:r>
+            <a:endParaRPr lang="en-US" altLang="ja-JP" sz="2400" dirty="0" smtClean="0"/>
+          </a:p>
+          <a:p>
+            <a:pPr marL="0" indent="0">
+              <a:buNone/>
+            </a:pPr>
+            <a:endParaRPr lang="en-US" altLang="ja-JP" sz="2400" dirty="0" smtClean="0"/>
+          </a:p>
+          <a:p>
+            <a:pPr marL="0" indent="0">
+              <a:buNone/>
+            </a:pPr>
+            <a:r>
+              <a:rPr kumimoji="1" lang="ja-JP" altLang="en-US" sz="2400" dirty="0" smtClean="0"/>
+              <a:t>②　操作をⒶボタンとⓍボタンだけにすることにより、初心者でも操作をしやすくしています。</a:t>
+            </a:r>
+            <a:endParaRPr kumimoji="1" lang="ja-JP" altLang="en-US" sz="2400" dirty="0"/>
           </a:p>
         </p:txBody>
       </p:sp>
     </p:spTree>
     <p:extLst>
       <p:ext uri="{BB962C8B-B14F-4D97-AF65-F5344CB8AC3E}">
-        <p14:creationId xmlns:p14="http://schemas.microsoft.com/office/powerpoint/2010/main" val="1229871195"/>
+        <p14:creationId xmlns:p14="http://schemas.microsoft.com/office/powerpoint/2010/main" val="1122544693"/>
       </p:ext>
     </p:extLst>
   </p:cSld>
@@ -4029,7 +4314,7 @@
           <a:p>
             <a:r>
               <a:rPr kumimoji="1" lang="ja-JP" altLang="en-US" dirty="0" smtClean="0"/>
-              <a:t>影</a:t>
+              <a:t>ストラテジーバターン</a:t>
             </a:r>
             <a:endParaRPr kumimoji="1" lang="ja-JP" altLang="en-US" dirty="0"/>
           </a:p>
@@ -4037,7 +4322,7 @@
       </p:sp>
       <p:sp>
         <p:nvSpPr>
-          <p:cNvPr id="3" name="コンテンツ プレースホルダー 2"/>
+          <p:cNvPr id="5" name="コンテンツ プレースホルダー 4"/>
           <p:cNvSpPr>
             <a:spLocks noGrp="1"/>
           </p:cNvSpPr>
@@ -4045,23 +4330,1023 @@
             <p:ph idx="1"/>
           </p:nvPr>
         </p:nvSpPr>
-        <p:spPr/>
+        <p:spPr>
+          <a:xfrm>
+            <a:off x="838199" y="1690687"/>
+            <a:ext cx="10515600" cy="4598193"/>
+          </a:xfrm>
+        </p:spPr>
         <p:txBody>
           <a:bodyPr/>
           <a:lstStyle/>
           <a:p>
             <a:r>
               <a:rPr kumimoji="1" lang="ja-JP" altLang="en-US" dirty="0" smtClean="0"/>
-              <a:t>ほげほげ</a:t>
+              <a:t>容易にオブジェクトを追加できるようにしました。</a:t>
             </a:r>
             <a:endParaRPr kumimoji="1" lang="ja-JP" altLang="en-US" dirty="0"/>
           </a:p>
         </p:txBody>
       </p:sp>
+      <p:sp>
+        <p:nvSpPr>
+          <p:cNvPr id="6" name="角丸四角形 5"/>
+          <p:cNvSpPr/>
+          <p:nvPr/>
+        </p:nvSpPr>
+        <p:spPr>
+          <a:xfrm>
+            <a:off x="5207923" y="2319251"/>
+            <a:ext cx="1776153" cy="1109749"/>
+          </a:xfrm>
+          <a:prstGeom prst="roundRect">
+            <a:avLst/>
+          </a:prstGeom>
+        </p:spPr>
+        <p:style>
+          <a:lnRef idx="2">
+            <a:schemeClr val="accent1">
+              <a:shade val="50000"/>
+            </a:schemeClr>
+          </a:lnRef>
+          <a:fillRef idx="1">
+            <a:schemeClr val="accent1"/>
+          </a:fillRef>
+          <a:effectRef idx="0">
+            <a:schemeClr val="accent1"/>
+          </a:effectRef>
+          <a:fontRef idx="minor">
+            <a:schemeClr val="lt1"/>
+          </a:fontRef>
+        </p:style>
+        <p:txBody>
+          <a:bodyPr rtlCol="0" anchor="ctr"/>
+          <a:lstStyle/>
+          <a:p>
+            <a:pPr algn="ctr"/>
+            <a:r>
+              <a:rPr lang="en-US" altLang="ja-JP" dirty="0" smtClean="0"/>
+              <a:t>Player</a:t>
+            </a:r>
+            <a:endParaRPr kumimoji="1" lang="ja-JP" altLang="en-US" dirty="0"/>
+          </a:p>
+        </p:txBody>
+      </p:sp>
+      <p:sp>
+        <p:nvSpPr>
+          <p:cNvPr id="7" name="角丸四角形 6"/>
+          <p:cNvSpPr/>
+          <p:nvPr/>
+        </p:nvSpPr>
+        <p:spPr>
+          <a:xfrm>
+            <a:off x="1938250" y="2452255"/>
+            <a:ext cx="2169623" cy="985058"/>
+          </a:xfrm>
+          <a:prstGeom prst="roundRect">
+            <a:avLst/>
+          </a:prstGeom>
+        </p:spPr>
+        <p:style>
+          <a:lnRef idx="2">
+            <a:schemeClr val="accent1">
+              <a:shade val="50000"/>
+            </a:schemeClr>
+          </a:lnRef>
+          <a:fillRef idx="1">
+            <a:schemeClr val="accent1"/>
+          </a:fillRef>
+          <a:effectRef idx="0">
+            <a:schemeClr val="accent1"/>
+          </a:effectRef>
+          <a:fontRef idx="minor">
+            <a:schemeClr val="lt1"/>
+          </a:fontRef>
+        </p:style>
+        <p:txBody>
+          <a:bodyPr rtlCol="0" anchor="ctr"/>
+          <a:lstStyle/>
+          <a:p>
+            <a:pPr algn="ctr"/>
+            <a:r>
+              <a:rPr kumimoji="1" lang="en-US" altLang="ja-JP" dirty="0" err="1" smtClean="0"/>
+              <a:t>ObjectObove</a:t>
+            </a:r>
+            <a:endParaRPr kumimoji="1" lang="en-US" altLang="ja-JP" dirty="0" smtClean="0"/>
+          </a:p>
+          <a:p>
+            <a:pPr algn="ctr"/>
+            <a:r>
+              <a:rPr lang="en-US" altLang="ja-JP" dirty="0" smtClean="0"/>
+              <a:t>(</a:t>
+            </a:r>
+            <a:r>
+              <a:rPr lang="ja-JP" altLang="en-US" dirty="0" smtClean="0"/>
+              <a:t>物が置けるもの</a:t>
+            </a:r>
+            <a:r>
+              <a:rPr lang="en-US" altLang="ja-JP" dirty="0" smtClean="0"/>
+              <a:t>)</a:t>
+            </a:r>
+            <a:endParaRPr kumimoji="1" lang="ja-JP" altLang="en-US" dirty="0"/>
+          </a:p>
+        </p:txBody>
+      </p:sp>
+      <p:sp>
+        <p:nvSpPr>
+          <p:cNvPr id="8" name="角丸四角形 7"/>
+          <p:cNvSpPr/>
+          <p:nvPr/>
+        </p:nvSpPr>
+        <p:spPr>
+          <a:xfrm>
+            <a:off x="8055032" y="2452255"/>
+            <a:ext cx="2227811" cy="976745"/>
+          </a:xfrm>
+          <a:prstGeom prst="roundRect">
+            <a:avLst/>
+          </a:prstGeom>
+        </p:spPr>
+        <p:style>
+          <a:lnRef idx="2">
+            <a:schemeClr val="accent1">
+              <a:shade val="50000"/>
+            </a:schemeClr>
+          </a:lnRef>
+          <a:fillRef idx="1">
+            <a:schemeClr val="accent1"/>
+          </a:fillRef>
+          <a:effectRef idx="0">
+            <a:schemeClr val="accent1"/>
+          </a:effectRef>
+          <a:fontRef idx="minor">
+            <a:schemeClr val="lt1"/>
+          </a:fontRef>
+        </p:style>
+        <p:txBody>
+          <a:bodyPr rtlCol="0" anchor="ctr"/>
+          <a:lstStyle/>
+          <a:p>
+            <a:pPr algn="ctr"/>
+            <a:r>
+              <a:rPr kumimoji="1" lang="en-US" altLang="ja-JP" dirty="0" smtClean="0"/>
+              <a:t>Belongings</a:t>
+            </a:r>
+          </a:p>
+          <a:p>
+            <a:pPr algn="ctr"/>
+            <a:r>
+              <a:rPr lang="en-US" altLang="ja-JP" dirty="0" smtClean="0"/>
+              <a:t>(</a:t>
+            </a:r>
+            <a:r>
+              <a:rPr lang="ja-JP" altLang="en-US" dirty="0" smtClean="0"/>
+              <a:t>持つことのできるもの</a:t>
+            </a:r>
+            <a:r>
+              <a:rPr lang="en-US" altLang="ja-JP" dirty="0" smtClean="0"/>
+              <a:t>)</a:t>
+            </a:r>
+            <a:endParaRPr kumimoji="1" lang="ja-JP" altLang="en-US" dirty="0"/>
+          </a:p>
+        </p:txBody>
+      </p:sp>
+      <p:sp>
+        <p:nvSpPr>
+          <p:cNvPr id="13" name="ひし形 12"/>
+          <p:cNvSpPr/>
+          <p:nvPr/>
+        </p:nvSpPr>
+        <p:spPr>
+          <a:xfrm>
+            <a:off x="4107873" y="2727613"/>
+            <a:ext cx="430876" cy="426028"/>
+          </a:xfrm>
+          <a:prstGeom prst="diamond">
+            <a:avLst/>
+          </a:prstGeom>
+        </p:spPr>
+        <p:style>
+          <a:lnRef idx="2">
+            <a:schemeClr val="accent2">
+              <a:shade val="50000"/>
+            </a:schemeClr>
+          </a:lnRef>
+          <a:fillRef idx="1">
+            <a:schemeClr val="accent2"/>
+          </a:fillRef>
+          <a:effectRef idx="0">
+            <a:schemeClr val="accent2"/>
+          </a:effectRef>
+          <a:fontRef idx="minor">
+            <a:schemeClr val="lt1"/>
+          </a:fontRef>
+        </p:style>
+        <p:txBody>
+          <a:bodyPr rtlCol="0" anchor="ctr"/>
+          <a:lstStyle/>
+          <a:p>
+            <a:pPr algn="ctr"/>
+            <a:endParaRPr kumimoji="1" lang="ja-JP" altLang="en-US"/>
+          </a:p>
+        </p:txBody>
+      </p:sp>
+      <p:sp>
+        <p:nvSpPr>
+          <p:cNvPr id="14" name="ひし形 13"/>
+          <p:cNvSpPr/>
+          <p:nvPr/>
+        </p:nvSpPr>
+        <p:spPr>
+          <a:xfrm>
+            <a:off x="7614458" y="2727613"/>
+            <a:ext cx="440574" cy="426028"/>
+          </a:xfrm>
+          <a:prstGeom prst="diamond">
+            <a:avLst/>
+          </a:prstGeom>
+        </p:spPr>
+        <p:style>
+          <a:lnRef idx="2">
+            <a:schemeClr val="accent2">
+              <a:shade val="50000"/>
+            </a:schemeClr>
+          </a:lnRef>
+          <a:fillRef idx="1">
+            <a:schemeClr val="accent2"/>
+          </a:fillRef>
+          <a:effectRef idx="0">
+            <a:schemeClr val="accent2"/>
+          </a:effectRef>
+          <a:fontRef idx="minor">
+            <a:schemeClr val="lt1"/>
+          </a:fontRef>
+        </p:style>
+        <p:txBody>
+          <a:bodyPr rtlCol="0" anchor="ctr"/>
+          <a:lstStyle/>
+          <a:p>
+            <a:pPr algn="ctr"/>
+            <a:endParaRPr kumimoji="1" lang="ja-JP" altLang="en-US"/>
+          </a:p>
+        </p:txBody>
+      </p:sp>
+      <p:cxnSp>
+        <p:nvCxnSpPr>
+          <p:cNvPr id="16" name="直線コネクタ 15"/>
+          <p:cNvCxnSpPr>
+            <a:stCxn id="13" idx="3"/>
+            <a:endCxn id="6" idx="1"/>
+          </p:cNvCxnSpPr>
+          <p:nvPr/>
+        </p:nvCxnSpPr>
+        <p:spPr>
+          <a:xfrm flipV="1">
+            <a:off x="4538749" y="2874126"/>
+            <a:ext cx="669174" cy="66501"/>
+          </a:xfrm>
+          <a:prstGeom prst="line">
+            <a:avLst/>
+          </a:prstGeom>
+        </p:spPr>
+        <p:style>
+          <a:lnRef idx="1">
+            <a:schemeClr val="accent1"/>
+          </a:lnRef>
+          <a:fillRef idx="0">
+            <a:schemeClr val="accent1"/>
+          </a:fillRef>
+          <a:effectRef idx="0">
+            <a:schemeClr val="accent1"/>
+          </a:effectRef>
+          <a:fontRef idx="minor">
+            <a:schemeClr val="tx1"/>
+          </a:fontRef>
+        </p:style>
+      </p:cxnSp>
+      <p:cxnSp>
+        <p:nvCxnSpPr>
+          <p:cNvPr id="21" name="直線コネクタ 20"/>
+          <p:cNvCxnSpPr>
+            <a:stCxn id="6" idx="3"/>
+            <a:endCxn id="14" idx="1"/>
+          </p:cNvCxnSpPr>
+          <p:nvPr/>
+        </p:nvCxnSpPr>
+        <p:spPr>
+          <a:xfrm>
+            <a:off x="6984076" y="2874126"/>
+            <a:ext cx="630382" cy="66501"/>
+          </a:xfrm>
+          <a:prstGeom prst="line">
+            <a:avLst/>
+          </a:prstGeom>
+        </p:spPr>
+        <p:style>
+          <a:lnRef idx="1">
+            <a:schemeClr val="accent1"/>
+          </a:lnRef>
+          <a:fillRef idx="0">
+            <a:schemeClr val="accent1"/>
+          </a:fillRef>
+          <a:effectRef idx="0">
+            <a:schemeClr val="accent1"/>
+          </a:effectRef>
+          <a:fontRef idx="minor">
+            <a:schemeClr val="tx1"/>
+          </a:fontRef>
+        </p:style>
+      </p:cxnSp>
+      <p:sp>
+        <p:nvSpPr>
+          <p:cNvPr id="23" name="角丸四角形 22"/>
+          <p:cNvSpPr/>
+          <p:nvPr/>
+        </p:nvSpPr>
+        <p:spPr>
+          <a:xfrm>
+            <a:off x="1271847" y="4713316"/>
+            <a:ext cx="1438102" cy="1014153"/>
+          </a:xfrm>
+          <a:prstGeom prst="roundRect">
+            <a:avLst/>
+          </a:prstGeom>
+        </p:spPr>
+        <p:style>
+          <a:lnRef idx="2">
+            <a:schemeClr val="accent1">
+              <a:shade val="50000"/>
+            </a:schemeClr>
+          </a:lnRef>
+          <a:fillRef idx="1">
+            <a:schemeClr val="accent1"/>
+          </a:fillRef>
+          <a:effectRef idx="0">
+            <a:schemeClr val="accent1"/>
+          </a:effectRef>
+          <a:fontRef idx="minor">
+            <a:schemeClr val="lt1"/>
+          </a:fontRef>
+        </p:style>
+        <p:txBody>
+          <a:bodyPr rtlCol="0" anchor="ctr"/>
+          <a:lstStyle/>
+          <a:p>
+            <a:pPr algn="ctr"/>
+            <a:r>
+              <a:rPr kumimoji="1" lang="en-US" altLang="ja-JP" dirty="0" smtClean="0"/>
+              <a:t>Desk</a:t>
+            </a:r>
+            <a:endParaRPr kumimoji="1" lang="ja-JP" altLang="en-US" dirty="0"/>
+          </a:p>
+        </p:txBody>
+      </p:sp>
+      <p:sp>
+        <p:nvSpPr>
+          <p:cNvPr id="24" name="角丸四角形 23"/>
+          <p:cNvSpPr/>
+          <p:nvPr/>
+        </p:nvSpPr>
+        <p:spPr>
+          <a:xfrm>
+            <a:off x="3100647" y="4713315"/>
+            <a:ext cx="1438102" cy="1014153"/>
+          </a:xfrm>
+          <a:prstGeom prst="roundRect">
+            <a:avLst/>
+          </a:prstGeom>
+        </p:spPr>
+        <p:style>
+          <a:lnRef idx="2">
+            <a:schemeClr val="accent1">
+              <a:shade val="50000"/>
+            </a:schemeClr>
+          </a:lnRef>
+          <a:fillRef idx="1">
+            <a:schemeClr val="accent1"/>
+          </a:fillRef>
+          <a:effectRef idx="0">
+            <a:schemeClr val="accent1"/>
+          </a:effectRef>
+          <a:fontRef idx="minor">
+            <a:schemeClr val="lt1"/>
+          </a:fontRef>
+        </p:style>
+        <p:txBody>
+          <a:bodyPr rtlCol="0" anchor="ctr"/>
+          <a:lstStyle/>
+          <a:p>
+            <a:pPr algn="ctr"/>
+            <a:r>
+              <a:rPr kumimoji="1" lang="en-US" altLang="ja-JP" dirty="0" err="1" smtClean="0"/>
+              <a:t>GasStove</a:t>
+            </a:r>
+            <a:endParaRPr kumimoji="1" lang="ja-JP" altLang="en-US" dirty="0"/>
+          </a:p>
+        </p:txBody>
+      </p:sp>
+      <p:sp>
+        <p:nvSpPr>
+          <p:cNvPr id="25" name="角丸四角形 24"/>
+          <p:cNvSpPr/>
+          <p:nvPr/>
+        </p:nvSpPr>
+        <p:spPr>
+          <a:xfrm>
+            <a:off x="6691745" y="4713313"/>
+            <a:ext cx="1438102" cy="1014153"/>
+          </a:xfrm>
+          <a:prstGeom prst="roundRect">
+            <a:avLst/>
+          </a:prstGeom>
+        </p:spPr>
+        <p:style>
+          <a:lnRef idx="2">
+            <a:schemeClr val="accent1">
+              <a:shade val="50000"/>
+            </a:schemeClr>
+          </a:lnRef>
+          <a:fillRef idx="1">
+            <a:schemeClr val="accent1"/>
+          </a:fillRef>
+          <a:effectRef idx="0">
+            <a:schemeClr val="accent1"/>
+          </a:effectRef>
+          <a:fontRef idx="minor">
+            <a:schemeClr val="lt1"/>
+          </a:fontRef>
+        </p:style>
+        <p:txBody>
+          <a:bodyPr rtlCol="0" anchor="ctr"/>
+          <a:lstStyle/>
+          <a:p>
+            <a:pPr algn="ctr"/>
+            <a:r>
+              <a:rPr kumimoji="1" lang="en-US" altLang="ja-JP" dirty="0" smtClean="0"/>
+              <a:t>Dish</a:t>
+            </a:r>
+            <a:endParaRPr kumimoji="1" lang="ja-JP" altLang="en-US" dirty="0"/>
+          </a:p>
+        </p:txBody>
+      </p:sp>
+      <p:sp>
+        <p:nvSpPr>
+          <p:cNvPr id="26" name="角丸四角形 25"/>
+          <p:cNvSpPr/>
+          <p:nvPr/>
+        </p:nvSpPr>
+        <p:spPr>
+          <a:xfrm>
+            <a:off x="8487294" y="4713313"/>
+            <a:ext cx="1438102" cy="1014153"/>
+          </a:xfrm>
+          <a:prstGeom prst="roundRect">
+            <a:avLst/>
+          </a:prstGeom>
+        </p:spPr>
+        <p:style>
+          <a:lnRef idx="2">
+            <a:schemeClr val="accent1">
+              <a:shade val="50000"/>
+            </a:schemeClr>
+          </a:lnRef>
+          <a:fillRef idx="1">
+            <a:schemeClr val="accent1"/>
+          </a:fillRef>
+          <a:effectRef idx="0">
+            <a:schemeClr val="accent1"/>
+          </a:effectRef>
+          <a:fontRef idx="minor">
+            <a:schemeClr val="lt1"/>
+          </a:fontRef>
+        </p:style>
+        <p:txBody>
+          <a:bodyPr rtlCol="0" anchor="ctr"/>
+          <a:lstStyle/>
+          <a:p>
+            <a:pPr algn="ctr"/>
+            <a:r>
+              <a:rPr kumimoji="1" lang="en-US" altLang="ja-JP" dirty="0" smtClean="0"/>
+              <a:t>Tomato</a:t>
+            </a:r>
+            <a:endParaRPr kumimoji="1" lang="ja-JP" altLang="en-US" dirty="0"/>
+          </a:p>
+        </p:txBody>
+      </p:sp>
+      <p:sp>
+        <p:nvSpPr>
+          <p:cNvPr id="27" name="二等辺三角形 26"/>
+          <p:cNvSpPr/>
+          <p:nvPr/>
+        </p:nvSpPr>
+        <p:spPr>
+          <a:xfrm>
+            <a:off x="2644832" y="3429000"/>
+            <a:ext cx="756458" cy="394854"/>
+          </a:xfrm>
+          <a:prstGeom prst="triangle">
+            <a:avLst/>
+          </a:prstGeom>
+        </p:spPr>
+        <p:style>
+          <a:lnRef idx="2">
+            <a:schemeClr val="accent1">
+              <a:shade val="50000"/>
+            </a:schemeClr>
+          </a:lnRef>
+          <a:fillRef idx="1">
+            <a:schemeClr val="accent1"/>
+          </a:fillRef>
+          <a:effectRef idx="0">
+            <a:schemeClr val="accent1"/>
+          </a:effectRef>
+          <a:fontRef idx="minor">
+            <a:schemeClr val="lt1"/>
+          </a:fontRef>
+        </p:style>
+        <p:txBody>
+          <a:bodyPr rtlCol="0" anchor="ctr"/>
+          <a:lstStyle/>
+          <a:p>
+            <a:pPr algn="ctr"/>
+            <a:endParaRPr kumimoji="1" lang="ja-JP" altLang="en-US"/>
+          </a:p>
+        </p:txBody>
+      </p:sp>
+      <p:sp>
+        <p:nvSpPr>
+          <p:cNvPr id="28" name="二等辺三角形 27"/>
+          <p:cNvSpPr/>
+          <p:nvPr/>
+        </p:nvSpPr>
+        <p:spPr>
+          <a:xfrm>
+            <a:off x="8790709" y="3429000"/>
+            <a:ext cx="756458" cy="394854"/>
+          </a:xfrm>
+          <a:prstGeom prst="triangle">
+            <a:avLst/>
+          </a:prstGeom>
+        </p:spPr>
+        <p:style>
+          <a:lnRef idx="2">
+            <a:schemeClr val="accent1">
+              <a:shade val="50000"/>
+            </a:schemeClr>
+          </a:lnRef>
+          <a:fillRef idx="1">
+            <a:schemeClr val="accent1"/>
+          </a:fillRef>
+          <a:effectRef idx="0">
+            <a:schemeClr val="accent1"/>
+          </a:effectRef>
+          <a:fontRef idx="minor">
+            <a:schemeClr val="lt1"/>
+          </a:fontRef>
+        </p:style>
+        <p:txBody>
+          <a:bodyPr rtlCol="0" anchor="ctr"/>
+          <a:lstStyle/>
+          <a:p>
+            <a:pPr algn="ctr"/>
+            <a:endParaRPr kumimoji="1" lang="ja-JP" altLang="en-US"/>
+          </a:p>
+        </p:txBody>
+      </p:sp>
+      <p:cxnSp>
+        <p:nvCxnSpPr>
+          <p:cNvPr id="30" name="直線コネクタ 29"/>
+          <p:cNvCxnSpPr>
+            <a:stCxn id="27" idx="3"/>
+          </p:cNvCxnSpPr>
+          <p:nvPr/>
+        </p:nvCxnSpPr>
+        <p:spPr>
+          <a:xfrm>
+            <a:off x="3023061" y="3823854"/>
+            <a:ext cx="2772" cy="375026"/>
+          </a:xfrm>
+          <a:prstGeom prst="line">
+            <a:avLst/>
+          </a:prstGeom>
+        </p:spPr>
+        <p:style>
+          <a:lnRef idx="1">
+            <a:schemeClr val="accent1"/>
+          </a:lnRef>
+          <a:fillRef idx="0">
+            <a:schemeClr val="accent1"/>
+          </a:fillRef>
+          <a:effectRef idx="0">
+            <a:schemeClr val="accent1"/>
+          </a:effectRef>
+          <a:fontRef idx="minor">
+            <a:schemeClr val="tx1"/>
+          </a:fontRef>
+        </p:style>
+      </p:cxnSp>
+      <p:cxnSp>
+        <p:nvCxnSpPr>
+          <p:cNvPr id="34" name="直線コネクタ 33"/>
+          <p:cNvCxnSpPr/>
+          <p:nvPr/>
+        </p:nvCxnSpPr>
+        <p:spPr>
+          <a:xfrm>
+            <a:off x="1990898" y="4198880"/>
+            <a:ext cx="1808018" cy="0"/>
+          </a:xfrm>
+          <a:prstGeom prst="line">
+            <a:avLst/>
+          </a:prstGeom>
+        </p:spPr>
+        <p:style>
+          <a:lnRef idx="1">
+            <a:schemeClr val="accent1"/>
+          </a:lnRef>
+          <a:fillRef idx="0">
+            <a:schemeClr val="accent1"/>
+          </a:fillRef>
+          <a:effectRef idx="0">
+            <a:schemeClr val="accent1"/>
+          </a:effectRef>
+          <a:fontRef idx="minor">
+            <a:schemeClr val="tx1"/>
+          </a:fontRef>
+        </p:style>
+      </p:cxnSp>
+      <p:cxnSp>
+        <p:nvCxnSpPr>
+          <p:cNvPr id="38" name="直線コネクタ 37"/>
+          <p:cNvCxnSpPr>
+            <a:stCxn id="23" idx="0"/>
+          </p:cNvCxnSpPr>
+          <p:nvPr/>
+        </p:nvCxnSpPr>
+        <p:spPr>
+          <a:xfrm flipV="1">
+            <a:off x="1990898" y="4198880"/>
+            <a:ext cx="0" cy="514436"/>
+          </a:xfrm>
+          <a:prstGeom prst="line">
+            <a:avLst/>
+          </a:prstGeom>
+        </p:spPr>
+        <p:style>
+          <a:lnRef idx="1">
+            <a:schemeClr val="accent1"/>
+          </a:lnRef>
+          <a:fillRef idx="0">
+            <a:schemeClr val="accent1"/>
+          </a:fillRef>
+          <a:effectRef idx="0">
+            <a:schemeClr val="accent1"/>
+          </a:effectRef>
+          <a:fontRef idx="minor">
+            <a:schemeClr val="tx1"/>
+          </a:fontRef>
+        </p:style>
+      </p:cxnSp>
+      <p:cxnSp>
+        <p:nvCxnSpPr>
+          <p:cNvPr id="43" name="直線コネクタ 42"/>
+          <p:cNvCxnSpPr/>
+          <p:nvPr/>
+        </p:nvCxnSpPr>
+        <p:spPr>
+          <a:xfrm flipH="1" flipV="1">
+            <a:off x="3798916" y="4198880"/>
+            <a:ext cx="1" cy="514435"/>
+          </a:xfrm>
+          <a:prstGeom prst="line">
+            <a:avLst/>
+          </a:prstGeom>
+        </p:spPr>
+        <p:style>
+          <a:lnRef idx="1">
+            <a:schemeClr val="accent1"/>
+          </a:lnRef>
+          <a:fillRef idx="0">
+            <a:schemeClr val="accent1"/>
+          </a:fillRef>
+          <a:effectRef idx="0">
+            <a:schemeClr val="accent1"/>
+          </a:effectRef>
+          <a:fontRef idx="minor">
+            <a:schemeClr val="tx1"/>
+          </a:fontRef>
+        </p:style>
+      </p:cxnSp>
+      <p:sp>
+        <p:nvSpPr>
+          <p:cNvPr id="47" name="角丸四角形 46"/>
+          <p:cNvSpPr/>
+          <p:nvPr/>
+        </p:nvSpPr>
+        <p:spPr>
+          <a:xfrm>
+            <a:off x="4972396" y="5320144"/>
+            <a:ext cx="1022465" cy="407321"/>
+          </a:xfrm>
+          <a:prstGeom prst="roundRect">
+            <a:avLst/>
+          </a:prstGeom>
+        </p:spPr>
+        <p:style>
+          <a:lnRef idx="2">
+            <a:schemeClr val="accent1">
+              <a:shade val="50000"/>
+            </a:schemeClr>
+          </a:lnRef>
+          <a:fillRef idx="1">
+            <a:schemeClr val="accent1"/>
+          </a:fillRef>
+          <a:effectRef idx="0">
+            <a:schemeClr val="accent1"/>
+          </a:effectRef>
+          <a:fontRef idx="minor">
+            <a:schemeClr val="lt1"/>
+          </a:fontRef>
+        </p:style>
+        <p:txBody>
+          <a:bodyPr rtlCol="0" anchor="ctr"/>
+          <a:lstStyle/>
+          <a:p>
+            <a:pPr algn="ctr"/>
+            <a:r>
+              <a:rPr lang="en-US" altLang="ja-JP" dirty="0"/>
+              <a:t>e</a:t>
+            </a:r>
+            <a:r>
+              <a:rPr kumimoji="1" lang="en-US" altLang="ja-JP" dirty="0" smtClean="0"/>
+              <a:t>tc</a:t>
+            </a:r>
+            <a:r>
+              <a:rPr lang="en-US" altLang="ja-JP" dirty="0" smtClean="0"/>
+              <a:t>..</a:t>
+            </a:r>
+            <a:endParaRPr kumimoji="1" lang="ja-JP" altLang="en-US" dirty="0"/>
+          </a:p>
+        </p:txBody>
+      </p:sp>
+      <p:sp>
+        <p:nvSpPr>
+          <p:cNvPr id="48" name="角丸四角形 47"/>
+          <p:cNvSpPr/>
+          <p:nvPr/>
+        </p:nvSpPr>
+        <p:spPr>
+          <a:xfrm>
+            <a:off x="10282843" y="5320145"/>
+            <a:ext cx="1022465" cy="407321"/>
+          </a:xfrm>
+          <a:prstGeom prst="roundRect">
+            <a:avLst/>
+          </a:prstGeom>
+        </p:spPr>
+        <p:style>
+          <a:lnRef idx="2">
+            <a:schemeClr val="accent1">
+              <a:shade val="50000"/>
+            </a:schemeClr>
+          </a:lnRef>
+          <a:fillRef idx="1">
+            <a:schemeClr val="accent1"/>
+          </a:fillRef>
+          <a:effectRef idx="0">
+            <a:schemeClr val="accent1"/>
+          </a:effectRef>
+          <a:fontRef idx="minor">
+            <a:schemeClr val="lt1"/>
+          </a:fontRef>
+        </p:style>
+        <p:txBody>
+          <a:bodyPr rtlCol="0" anchor="ctr"/>
+          <a:lstStyle/>
+          <a:p>
+            <a:pPr algn="ctr"/>
+            <a:r>
+              <a:rPr lang="en-US" altLang="ja-JP" dirty="0" smtClean="0"/>
+              <a:t>etc..</a:t>
+            </a:r>
+            <a:endParaRPr kumimoji="1" lang="ja-JP" altLang="en-US" dirty="0"/>
+          </a:p>
+        </p:txBody>
+      </p:sp>
+      <p:cxnSp>
+        <p:nvCxnSpPr>
+          <p:cNvPr id="50" name="直線コネクタ 49"/>
+          <p:cNvCxnSpPr/>
+          <p:nvPr/>
+        </p:nvCxnSpPr>
+        <p:spPr>
+          <a:xfrm flipV="1">
+            <a:off x="5483628" y="4198880"/>
+            <a:ext cx="0" cy="1121264"/>
+          </a:xfrm>
+          <a:prstGeom prst="line">
+            <a:avLst/>
+          </a:prstGeom>
+        </p:spPr>
+        <p:style>
+          <a:lnRef idx="1">
+            <a:schemeClr val="accent1"/>
+          </a:lnRef>
+          <a:fillRef idx="0">
+            <a:schemeClr val="accent1"/>
+          </a:fillRef>
+          <a:effectRef idx="0">
+            <a:schemeClr val="accent1"/>
+          </a:effectRef>
+          <a:fontRef idx="minor">
+            <a:schemeClr val="tx1"/>
+          </a:fontRef>
+        </p:style>
+      </p:cxnSp>
+      <p:cxnSp>
+        <p:nvCxnSpPr>
+          <p:cNvPr id="53" name="直線コネクタ 52"/>
+          <p:cNvCxnSpPr/>
+          <p:nvPr/>
+        </p:nvCxnSpPr>
+        <p:spPr>
+          <a:xfrm>
+            <a:off x="3798916" y="4198880"/>
+            <a:ext cx="1684711" cy="8313"/>
+          </a:xfrm>
+          <a:prstGeom prst="line">
+            <a:avLst/>
+          </a:prstGeom>
+        </p:spPr>
+        <p:style>
+          <a:lnRef idx="1">
+            <a:schemeClr val="accent1"/>
+          </a:lnRef>
+          <a:fillRef idx="0">
+            <a:schemeClr val="accent1"/>
+          </a:fillRef>
+          <a:effectRef idx="0">
+            <a:schemeClr val="accent1"/>
+          </a:effectRef>
+          <a:fontRef idx="minor">
+            <a:schemeClr val="tx1"/>
+          </a:fontRef>
+        </p:style>
+      </p:cxnSp>
+      <p:cxnSp>
+        <p:nvCxnSpPr>
+          <p:cNvPr id="56" name="直線コネクタ 55"/>
+          <p:cNvCxnSpPr/>
+          <p:nvPr/>
+        </p:nvCxnSpPr>
+        <p:spPr>
+          <a:xfrm>
+            <a:off x="9159239" y="3812033"/>
+            <a:ext cx="2772" cy="375026"/>
+          </a:xfrm>
+          <a:prstGeom prst="line">
+            <a:avLst/>
+          </a:prstGeom>
+        </p:spPr>
+        <p:style>
+          <a:lnRef idx="1">
+            <a:schemeClr val="accent1"/>
+          </a:lnRef>
+          <a:fillRef idx="0">
+            <a:schemeClr val="accent1"/>
+          </a:fillRef>
+          <a:effectRef idx="0">
+            <a:schemeClr val="accent1"/>
+          </a:effectRef>
+          <a:fontRef idx="minor">
+            <a:schemeClr val="tx1"/>
+          </a:fontRef>
+        </p:style>
+      </p:cxnSp>
+      <p:cxnSp>
+        <p:nvCxnSpPr>
+          <p:cNvPr id="58" name="直線コネクタ 57"/>
+          <p:cNvCxnSpPr/>
+          <p:nvPr/>
+        </p:nvCxnSpPr>
+        <p:spPr>
+          <a:xfrm flipV="1">
+            <a:off x="7401098" y="4187059"/>
+            <a:ext cx="0" cy="514436"/>
+          </a:xfrm>
+          <a:prstGeom prst="line">
+            <a:avLst/>
+          </a:prstGeom>
+        </p:spPr>
+        <p:style>
+          <a:lnRef idx="1">
+            <a:schemeClr val="accent1"/>
+          </a:lnRef>
+          <a:fillRef idx="0">
+            <a:schemeClr val="accent1"/>
+          </a:fillRef>
+          <a:effectRef idx="0">
+            <a:schemeClr val="accent1"/>
+          </a:effectRef>
+          <a:fontRef idx="minor">
+            <a:schemeClr val="tx1"/>
+          </a:fontRef>
+        </p:style>
+      </p:cxnSp>
+      <p:cxnSp>
+        <p:nvCxnSpPr>
+          <p:cNvPr id="59" name="直線コネクタ 58"/>
+          <p:cNvCxnSpPr/>
+          <p:nvPr/>
+        </p:nvCxnSpPr>
+        <p:spPr>
+          <a:xfrm flipH="1" flipV="1">
+            <a:off x="9168937" y="4187841"/>
+            <a:ext cx="1" cy="514435"/>
+          </a:xfrm>
+          <a:prstGeom prst="line">
+            <a:avLst/>
+          </a:prstGeom>
+        </p:spPr>
+        <p:style>
+          <a:lnRef idx="1">
+            <a:schemeClr val="accent1"/>
+          </a:lnRef>
+          <a:fillRef idx="0">
+            <a:schemeClr val="accent1"/>
+          </a:fillRef>
+          <a:effectRef idx="0">
+            <a:schemeClr val="accent1"/>
+          </a:effectRef>
+          <a:fontRef idx="minor">
+            <a:schemeClr val="tx1"/>
+          </a:fontRef>
+        </p:style>
+      </p:cxnSp>
+      <p:cxnSp>
+        <p:nvCxnSpPr>
+          <p:cNvPr id="60" name="直線コネクタ 59"/>
+          <p:cNvCxnSpPr/>
+          <p:nvPr/>
+        </p:nvCxnSpPr>
+        <p:spPr>
+          <a:xfrm flipV="1">
+            <a:off x="10794074" y="4207193"/>
+            <a:ext cx="0" cy="1121264"/>
+          </a:xfrm>
+          <a:prstGeom prst="line">
+            <a:avLst/>
+          </a:prstGeom>
+        </p:spPr>
+        <p:style>
+          <a:lnRef idx="1">
+            <a:schemeClr val="accent1"/>
+          </a:lnRef>
+          <a:fillRef idx="0">
+            <a:schemeClr val="accent1"/>
+          </a:fillRef>
+          <a:effectRef idx="0">
+            <a:schemeClr val="accent1"/>
+          </a:effectRef>
+          <a:fontRef idx="minor">
+            <a:schemeClr val="tx1"/>
+          </a:fontRef>
+        </p:style>
+      </p:cxnSp>
+      <p:cxnSp>
+        <p:nvCxnSpPr>
+          <p:cNvPr id="62" name="直線コネクタ 61"/>
+          <p:cNvCxnSpPr/>
+          <p:nvPr/>
+        </p:nvCxnSpPr>
+        <p:spPr>
+          <a:xfrm flipH="1">
+            <a:off x="7408025" y="4207193"/>
+            <a:ext cx="3386050" cy="0"/>
+          </a:xfrm>
+          <a:prstGeom prst="line">
+            <a:avLst/>
+          </a:prstGeom>
+        </p:spPr>
+        <p:style>
+          <a:lnRef idx="1">
+            <a:schemeClr val="accent1"/>
+          </a:lnRef>
+          <a:fillRef idx="0">
+            <a:schemeClr val="accent1"/>
+          </a:fillRef>
+          <a:effectRef idx="0">
+            <a:schemeClr val="accent1"/>
+          </a:effectRef>
+          <a:fontRef idx="minor">
+            <a:schemeClr val="tx1"/>
+          </a:fontRef>
+        </p:style>
+      </p:cxnSp>
     </p:spTree>
     <p:extLst>
       <p:ext uri="{BB962C8B-B14F-4D97-AF65-F5344CB8AC3E}">
-        <p14:creationId xmlns:p14="http://schemas.microsoft.com/office/powerpoint/2010/main" val="3094554016"/>
+        <p14:creationId xmlns:p14="http://schemas.microsoft.com/office/powerpoint/2010/main" val="1693178662"/>
       </p:ext>
     </p:extLst>
   </p:cSld>
@@ -4105,7 +5390,7 @@
           <a:p>
             <a:r>
               <a:rPr kumimoji="1" lang="ja-JP" altLang="en-US" dirty="0" smtClean="0"/>
-              <a:t>実装予定リスト</a:t>
+              <a:t>影</a:t>
             </a:r>
             <a:endParaRPr kumimoji="1" lang="ja-JP" altLang="en-US" dirty="0"/>
           </a:p>
@@ -4121,89 +5406,83 @@
             <p:ph idx="1"/>
           </p:nvPr>
         </p:nvSpPr>
-        <p:spPr/>
-        <p:txBody>
-          <a:bodyPr/>
-          <a:lstStyle/>
-          <a:p>
-            <a:r>
-              <a:rPr kumimoji="1" lang="en-US" altLang="ja-JP" dirty="0" smtClean="0"/>
-              <a:t>UV</a:t>
+        <p:spPr>
+          <a:xfrm>
+            <a:off x="5494712" y="1463040"/>
+            <a:ext cx="5859087" cy="4713923"/>
+          </a:xfrm>
+        </p:spPr>
+        <p:txBody>
+          <a:bodyPr/>
+          <a:lstStyle/>
+          <a:p>
+            <a:pPr marL="0" indent="0">
+              <a:buNone/>
+            </a:pPr>
+            <a:r>
+              <a:rPr lang="ja-JP" altLang="en-US" dirty="0"/>
+              <a:t>①</a:t>
             </a:r>
             <a:r>
               <a:rPr kumimoji="1" lang="ja-JP" altLang="en-US" dirty="0" smtClean="0"/>
-              <a:t>スクロール</a:t>
+              <a:t>ライトの座標からライトの向きから見た平行投影のモデルの深度値を書き込んで</a:t>
+            </a:r>
+            <a:r>
+              <a:rPr lang="ja-JP" altLang="en-US" dirty="0"/>
+              <a:t>「</a:t>
+            </a:r>
+            <a:r>
+              <a:rPr kumimoji="1" lang="ja-JP" altLang="en-US" dirty="0" smtClean="0"/>
+              <a:t>シャドウマップ」を作成。</a:t>
             </a:r>
             <a:endParaRPr kumimoji="1" lang="en-US" altLang="ja-JP" dirty="0" smtClean="0"/>
           </a:p>
           <a:p>
+            <a:pPr marL="0" indent="0">
+              <a:buNone/>
+            </a:pPr>
             <a:r>
               <a:rPr lang="ja-JP" altLang="en-US" dirty="0" smtClean="0"/>
-              <a:t>インターネット通信。</a:t>
-            </a:r>
-            <a:endParaRPr lang="en-US" altLang="ja-JP" dirty="0" smtClean="0"/>
-          </a:p>
-          <a:p>
-            <a:r>
-              <a:rPr lang="ja-JP" altLang="en-US" dirty="0" smtClean="0"/>
-              <a:t>カスケードシャドウ</a:t>
-            </a:r>
-            <a:r>
-              <a:rPr lang="en-US" altLang="ja-JP" dirty="0" smtClean="0"/>
-              <a:t>(</a:t>
-            </a:r>
-            <a:r>
-              <a:rPr lang="en-US" altLang="ja-JP" dirty="0" err="1" smtClean="0"/>
-              <a:t>OverCooked</a:t>
-            </a:r>
-            <a:r>
-              <a:rPr lang="ja-JP" altLang="en-US" dirty="0" err="1" smtClean="0"/>
-              <a:t>には</a:t>
-            </a:r>
-            <a:r>
-              <a:rPr lang="ja-JP" altLang="en-US" dirty="0" smtClean="0"/>
-              <a:t>必要ない</a:t>
-            </a:r>
-            <a:r>
-              <a:rPr lang="en-US" altLang="ja-JP" dirty="0" smtClean="0"/>
-              <a:t>)</a:t>
-            </a:r>
-          </a:p>
-          <a:p>
-            <a:r>
-              <a:rPr lang="ja-JP" altLang="en-US" dirty="0" smtClean="0"/>
-              <a:t>被</a:t>
-            </a:r>
-            <a:r>
-              <a:rPr lang="ja-JP" altLang="en-US" dirty="0"/>
-              <a:t>写界</a:t>
-            </a:r>
-            <a:r>
-              <a:rPr lang="ja-JP" altLang="en-US" dirty="0" smtClean="0"/>
-              <a:t>深度</a:t>
-            </a:r>
-            <a:endParaRPr lang="en-US" altLang="ja-JP" dirty="0" smtClean="0"/>
-          </a:p>
-          <a:p>
-            <a:r>
-              <a:rPr lang="ja-JP" altLang="en-US" dirty="0" smtClean="0"/>
-              <a:t>ソフト</a:t>
-            </a:r>
-            <a:r>
-              <a:rPr lang="ja-JP" altLang="en-US" dirty="0"/>
-              <a:t>シャドウ</a:t>
-            </a:r>
-            <a:endParaRPr lang="en-US" altLang="ja-JP" dirty="0" smtClean="0"/>
-          </a:p>
-          <a:p>
+              <a:t>・描画時、ライトから見たオブジェクトと①の深度値を比較し、①のほうが大きい場合、影を落とす。</a:t>
+            </a:r>
             <a:endParaRPr kumimoji="1" lang="ja-JP" altLang="en-US" dirty="0"/>
           </a:p>
         </p:txBody>
       </p:sp>
+      <p:pic>
+        <p:nvPicPr>
+          <p:cNvPr id="4" name="図 3"/>
+          <p:cNvPicPr>
+            <a:picLocks noChangeAspect="1"/>
+          </p:cNvPicPr>
+          <p:nvPr/>
+        </p:nvPicPr>
+        <p:blipFill>
+          <a:blip r:embed="rId2">
+            <a:extLst>
+              <a:ext uri="{28A0092B-C50C-407E-A947-70E740481C1C}">
+                <a14:useLocalDpi xmlns:a14="http://schemas.microsoft.com/office/drawing/2010/main" val="0"/>
+              </a:ext>
+            </a:extLst>
+          </a:blip>
+          <a:stretch>
+            <a:fillRect/>
+          </a:stretch>
+        </p:blipFill>
+        <p:spPr>
+          <a:xfrm>
+            <a:off x="1162397" y="1866031"/>
+            <a:ext cx="3537242" cy="3537242"/>
+          </a:xfrm>
+          <a:prstGeom prst="rect">
+            <a:avLst/>
+          </a:prstGeom>
+        </p:spPr>
+      </p:pic>
     </p:spTree>
     <p:extLst>
       <p:ext uri="{BB962C8B-B14F-4D97-AF65-F5344CB8AC3E}">
-        <p14:creationId xmlns:p14="http://schemas.microsoft.com/office/powerpoint/2010/main" val="934565383"/>
+        <p14:creationId xmlns:p14="http://schemas.microsoft.com/office/powerpoint/2010/main" val="3094554016"/>
       </p:ext>
     </p:extLst>
   </p:cSld>

--- a/ポートフォリオ(仮).pptx
+++ b/ポートフォリオ(仮).pptx
@@ -263,7 +263,7 @@
           <a:p>
             <a:fld id="{B7CCCDE6-893C-42C3-9ED9-4187FC761AF3}" type="datetimeFigureOut">
               <a:rPr kumimoji="1" lang="ja-JP" altLang="en-US" smtClean="0"/>
-              <a:t>2020/1/21</a:t>
+              <a:t>2020/1/22</a:t>
             </a:fld>
             <a:endParaRPr kumimoji="1" lang="ja-JP" altLang="en-US"/>
           </a:p>
@@ -465,7 +465,7 @@
           <a:p>
             <a:fld id="{B7CCCDE6-893C-42C3-9ED9-4187FC761AF3}" type="datetimeFigureOut">
               <a:rPr kumimoji="1" lang="ja-JP" altLang="en-US" smtClean="0"/>
-              <a:t>2020/1/21</a:t>
+              <a:t>2020/1/22</a:t>
             </a:fld>
             <a:endParaRPr kumimoji="1" lang="ja-JP" altLang="en-US"/>
           </a:p>
@@ -677,7 +677,7 @@
           <a:p>
             <a:fld id="{B7CCCDE6-893C-42C3-9ED9-4187FC761AF3}" type="datetimeFigureOut">
               <a:rPr kumimoji="1" lang="ja-JP" altLang="en-US" smtClean="0"/>
-              <a:t>2020/1/21</a:t>
+              <a:t>2020/1/22</a:t>
             </a:fld>
             <a:endParaRPr kumimoji="1" lang="ja-JP" altLang="en-US"/>
           </a:p>
@@ -879,7 +879,7 @@
           <a:p>
             <a:fld id="{B7CCCDE6-893C-42C3-9ED9-4187FC761AF3}" type="datetimeFigureOut">
               <a:rPr kumimoji="1" lang="ja-JP" altLang="en-US" smtClean="0"/>
-              <a:t>2020/1/21</a:t>
+              <a:t>2020/1/22</a:t>
             </a:fld>
             <a:endParaRPr kumimoji="1" lang="ja-JP" altLang="en-US"/>
           </a:p>
@@ -1125,7 +1125,7 @@
           <a:p>
             <a:fld id="{B7CCCDE6-893C-42C3-9ED9-4187FC761AF3}" type="datetimeFigureOut">
               <a:rPr kumimoji="1" lang="ja-JP" altLang="en-US" smtClean="0"/>
-              <a:t>2020/1/21</a:t>
+              <a:t>2020/1/22</a:t>
             </a:fld>
             <a:endParaRPr kumimoji="1" lang="ja-JP" altLang="en-US"/>
           </a:p>
@@ -1421,7 +1421,7 @@
           <a:p>
             <a:fld id="{B7CCCDE6-893C-42C3-9ED9-4187FC761AF3}" type="datetimeFigureOut">
               <a:rPr kumimoji="1" lang="ja-JP" altLang="en-US" smtClean="0"/>
-              <a:t>2020/1/21</a:t>
+              <a:t>2020/1/22</a:t>
             </a:fld>
             <a:endParaRPr kumimoji="1" lang="ja-JP" altLang="en-US"/>
           </a:p>
@@ -1852,7 +1852,7 @@
           <a:p>
             <a:fld id="{B7CCCDE6-893C-42C3-9ED9-4187FC761AF3}" type="datetimeFigureOut">
               <a:rPr kumimoji="1" lang="ja-JP" altLang="en-US" smtClean="0"/>
-              <a:t>2020/1/21</a:t>
+              <a:t>2020/1/22</a:t>
             </a:fld>
             <a:endParaRPr kumimoji="1" lang="ja-JP" altLang="en-US"/>
           </a:p>
@@ -1970,7 +1970,7 @@
           <a:p>
             <a:fld id="{B7CCCDE6-893C-42C3-9ED9-4187FC761AF3}" type="datetimeFigureOut">
               <a:rPr kumimoji="1" lang="ja-JP" altLang="en-US" smtClean="0"/>
-              <a:t>2020/1/21</a:t>
+              <a:t>2020/1/22</a:t>
             </a:fld>
             <a:endParaRPr kumimoji="1" lang="ja-JP" altLang="en-US"/>
           </a:p>
@@ -2065,7 +2065,7 @@
           <a:p>
             <a:fld id="{B7CCCDE6-893C-42C3-9ED9-4187FC761AF3}" type="datetimeFigureOut">
               <a:rPr kumimoji="1" lang="ja-JP" altLang="en-US" smtClean="0"/>
-              <a:t>2020/1/21</a:t>
+              <a:t>2020/1/22</a:t>
             </a:fld>
             <a:endParaRPr kumimoji="1" lang="ja-JP" altLang="en-US"/>
           </a:p>
@@ -2374,7 +2374,7 @@
           <a:p>
             <a:fld id="{B7CCCDE6-893C-42C3-9ED9-4187FC761AF3}" type="datetimeFigureOut">
               <a:rPr kumimoji="1" lang="ja-JP" altLang="en-US" smtClean="0"/>
-              <a:t>2020/1/21</a:t>
+              <a:t>2020/1/22</a:t>
             </a:fld>
             <a:endParaRPr kumimoji="1" lang="ja-JP" altLang="en-US"/>
           </a:p>
@@ -2627,7 +2627,7 @@
           <a:p>
             <a:fld id="{B7CCCDE6-893C-42C3-9ED9-4187FC761AF3}" type="datetimeFigureOut">
               <a:rPr kumimoji="1" lang="ja-JP" altLang="en-US" smtClean="0"/>
-              <a:t>2020/1/21</a:t>
+              <a:t>2020/1/22</a:t>
             </a:fld>
             <a:endParaRPr kumimoji="1" lang="ja-JP" altLang="en-US"/>
           </a:p>
@@ -2872,7 +2872,7 @@
           <a:p>
             <a:fld id="{B7CCCDE6-893C-42C3-9ED9-4187FC761AF3}" type="datetimeFigureOut">
               <a:rPr kumimoji="1" lang="ja-JP" altLang="en-US" smtClean="0"/>
-              <a:t>2020/1/21</a:t>
+              <a:t>2020/1/22</a:t>
             </a:fld>
             <a:endParaRPr kumimoji="1" lang="ja-JP" altLang="en-US"/>
           </a:p>
@@ -3359,6 +3359,13 @@
   <p:clrMapOvr>
     <a:masterClrMapping/>
   </p:clrMapOvr>
+  <p:timing>
+    <p:tnLst>
+      <p:par>
+        <p:cTn id="1" dur="indefinite" restart="never" nodeType="tmRoot"/>
+      </p:par>
+    </p:tnLst>
+  </p:timing>
 </p:sld>
 </file>
 
@@ -3504,6 +3511,13 @@
   <p:clrMapOvr>
     <a:masterClrMapping/>
   </p:clrMapOvr>
+  <p:timing>
+    <p:tnLst>
+      <p:par>
+        <p:cTn id="1" dur="indefinite" restart="never" nodeType="tmRoot"/>
+      </p:par>
+    </p:tnLst>
+  </p:timing>
 </p:sld>
 </file>
 
@@ -3575,26 +3589,14 @@
           <a:p>
             <a:r>
               <a:rPr lang="ja-JP" altLang="en-US" dirty="0" smtClean="0"/>
-              <a:t>プログラムの基礎を復習する</a:t>
-            </a:r>
+              <a:t>プログラムの基礎を復習するため。</a:t>
+            </a:r>
+            <a:endParaRPr lang="en-US" altLang="ja-JP" dirty="0" smtClean="0"/>
+          </a:p>
+          <a:p>
             <a:r>
               <a:rPr lang="ja-JP" altLang="en-US" dirty="0" smtClean="0"/>
-              <a:t>ため</a:t>
-            </a:r>
-            <a:r>
-              <a:rPr lang="ja-JP" altLang="en-US" dirty="0" smtClean="0"/>
-              <a:t>。</a:t>
-            </a:r>
-            <a:endParaRPr lang="en-US" altLang="ja-JP" dirty="0" smtClean="0"/>
-          </a:p>
-          <a:p>
-            <a:r>
-              <a:rPr lang="ja-JP" altLang="en-US" dirty="0" smtClean="0"/>
-              <a:t>遊んで</a:t>
-            </a:r>
-            <a:r>
-              <a:rPr lang="ja-JP" altLang="en-US" dirty="0" smtClean="0"/>
-              <a:t>楽しいパーティーゲームを作る。</a:t>
+              <a:t>遊んで楽しいパーティーゲームを作る。</a:t>
             </a:r>
             <a:endParaRPr kumimoji="1" lang="ja-JP" altLang="en-US" dirty="0"/>
           </a:p>
@@ -3610,6 +3612,13 @@
   <p:clrMapOvr>
     <a:masterClrMapping/>
   </p:clrMapOvr>
+  <p:timing>
+    <p:tnLst>
+      <p:par>
+        <p:cTn id="1" dur="indefinite" restart="never" nodeType="tmRoot"/>
+      </p:par>
+    </p:tnLst>
+  </p:timing>
 </p:sld>
 </file>
 
@@ -3762,6 +3771,13 @@
   <p:clrMapOvr>
     <a:masterClrMapping/>
   </p:clrMapOvr>
+  <p:timing>
+    <p:tnLst>
+      <p:par>
+        <p:cTn id="1" dur="indefinite" restart="never" nodeType="tmRoot"/>
+      </p:par>
+    </p:tnLst>
+  </p:timing>
 </p:sld>
 </file>
 
@@ -3882,6 +3898,13 @@
   <p:clrMapOvr>
     <a:masterClrMapping/>
   </p:clrMapOvr>
+  <p:timing>
+    <p:tnLst>
+      <p:par>
+        <p:cTn id="1" dur="indefinite" restart="never" nodeType="tmRoot"/>
+      </p:par>
+    </p:tnLst>
+  </p:timing>
 </p:sld>
 </file>
 
@@ -4030,6 +4053,13 @@
   <p:clrMapOvr>
     <a:masterClrMapping/>
   </p:clrMapOvr>
+  <p:timing>
+    <p:tnLst>
+      <p:par>
+        <p:cTn id="1" dur="indefinite" restart="never" nodeType="tmRoot"/>
+      </p:par>
+    </p:tnLst>
+  </p:timing>
 </p:sld>
 </file>
 
@@ -4120,6 +4150,13 @@
   <p:clrMapOvr>
     <a:masterClrMapping/>
   </p:clrMapOvr>
+  <p:timing>
+    <p:tnLst>
+      <p:par>
+        <p:cTn id="1" dur="indefinite" restart="never" nodeType="tmRoot"/>
+      </p:par>
+    </p:tnLst>
+  </p:timing>
 </p:sld>
 </file>
 
@@ -4277,6 +4314,13 @@
   <p:clrMapOvr>
     <a:masterClrMapping/>
   </p:clrMapOvr>
+  <p:timing>
+    <p:tnLst>
+      <p:par>
+        <p:cTn id="1" dur="indefinite" restart="never" nodeType="tmRoot"/>
+      </p:par>
+    </p:tnLst>
+  </p:timing>
 </p:sld>
 </file>
 
@@ -5353,6 +5397,13 @@
   <p:clrMapOvr>
     <a:masterClrMapping/>
   </p:clrMapOvr>
+  <p:timing>
+    <p:tnLst>
+      <p:par>
+        <p:cTn id="1" dur="indefinite" restart="never" nodeType="tmRoot"/>
+      </p:par>
+    </p:tnLst>
+  </p:timing>
 </p:sld>
 </file>
 
@@ -5489,6 +5540,13 @@
   <p:clrMapOvr>
     <a:masterClrMapping/>
   </p:clrMapOvr>
+  <p:timing>
+    <p:tnLst>
+      <p:par>
+        <p:cTn id="1" dur="indefinite" restart="never" nodeType="tmRoot"/>
+      </p:par>
+    </p:tnLst>
+  </p:timing>
 </p:sld>
 </file>
 

--- a/ポートフォリオ(仮).pptx
+++ b/ポートフォリオ(仮).pptx
@@ -263,7 +263,7 @@
           <a:p>
             <a:fld id="{B7CCCDE6-893C-42C3-9ED9-4187FC761AF3}" type="datetimeFigureOut">
               <a:rPr kumimoji="1" lang="ja-JP" altLang="en-US" smtClean="0"/>
-              <a:t>2020/1/22</a:t>
+              <a:t>2020/1/31</a:t>
             </a:fld>
             <a:endParaRPr kumimoji="1" lang="ja-JP" altLang="en-US"/>
           </a:p>
@@ -465,7 +465,7 @@
           <a:p>
             <a:fld id="{B7CCCDE6-893C-42C3-9ED9-4187FC761AF3}" type="datetimeFigureOut">
               <a:rPr kumimoji="1" lang="ja-JP" altLang="en-US" smtClean="0"/>
-              <a:t>2020/1/22</a:t>
+              <a:t>2020/1/31</a:t>
             </a:fld>
             <a:endParaRPr kumimoji="1" lang="ja-JP" altLang="en-US"/>
           </a:p>
@@ -677,7 +677,7 @@
           <a:p>
             <a:fld id="{B7CCCDE6-893C-42C3-9ED9-4187FC761AF3}" type="datetimeFigureOut">
               <a:rPr kumimoji="1" lang="ja-JP" altLang="en-US" smtClean="0"/>
-              <a:t>2020/1/22</a:t>
+              <a:t>2020/1/31</a:t>
             </a:fld>
             <a:endParaRPr kumimoji="1" lang="ja-JP" altLang="en-US"/>
           </a:p>
@@ -879,7 +879,7 @@
           <a:p>
             <a:fld id="{B7CCCDE6-893C-42C3-9ED9-4187FC761AF3}" type="datetimeFigureOut">
               <a:rPr kumimoji="1" lang="ja-JP" altLang="en-US" smtClean="0"/>
-              <a:t>2020/1/22</a:t>
+              <a:t>2020/1/31</a:t>
             </a:fld>
             <a:endParaRPr kumimoji="1" lang="ja-JP" altLang="en-US"/>
           </a:p>
@@ -1125,7 +1125,7 @@
           <a:p>
             <a:fld id="{B7CCCDE6-893C-42C3-9ED9-4187FC761AF3}" type="datetimeFigureOut">
               <a:rPr kumimoji="1" lang="ja-JP" altLang="en-US" smtClean="0"/>
-              <a:t>2020/1/22</a:t>
+              <a:t>2020/1/31</a:t>
             </a:fld>
             <a:endParaRPr kumimoji="1" lang="ja-JP" altLang="en-US"/>
           </a:p>
@@ -1421,7 +1421,7 @@
           <a:p>
             <a:fld id="{B7CCCDE6-893C-42C3-9ED9-4187FC761AF3}" type="datetimeFigureOut">
               <a:rPr kumimoji="1" lang="ja-JP" altLang="en-US" smtClean="0"/>
-              <a:t>2020/1/22</a:t>
+              <a:t>2020/1/31</a:t>
             </a:fld>
             <a:endParaRPr kumimoji="1" lang="ja-JP" altLang="en-US"/>
           </a:p>
@@ -1852,7 +1852,7 @@
           <a:p>
             <a:fld id="{B7CCCDE6-893C-42C3-9ED9-4187FC761AF3}" type="datetimeFigureOut">
               <a:rPr kumimoji="1" lang="ja-JP" altLang="en-US" smtClean="0"/>
-              <a:t>2020/1/22</a:t>
+              <a:t>2020/1/31</a:t>
             </a:fld>
             <a:endParaRPr kumimoji="1" lang="ja-JP" altLang="en-US"/>
           </a:p>
@@ -1970,7 +1970,7 @@
           <a:p>
             <a:fld id="{B7CCCDE6-893C-42C3-9ED9-4187FC761AF3}" type="datetimeFigureOut">
               <a:rPr kumimoji="1" lang="ja-JP" altLang="en-US" smtClean="0"/>
-              <a:t>2020/1/22</a:t>
+              <a:t>2020/1/31</a:t>
             </a:fld>
             <a:endParaRPr kumimoji="1" lang="ja-JP" altLang="en-US"/>
           </a:p>
@@ -2065,7 +2065,7 @@
           <a:p>
             <a:fld id="{B7CCCDE6-893C-42C3-9ED9-4187FC761AF3}" type="datetimeFigureOut">
               <a:rPr kumimoji="1" lang="ja-JP" altLang="en-US" smtClean="0"/>
-              <a:t>2020/1/22</a:t>
+              <a:t>2020/1/31</a:t>
             </a:fld>
             <a:endParaRPr kumimoji="1" lang="ja-JP" altLang="en-US"/>
           </a:p>
@@ -2374,7 +2374,7 @@
           <a:p>
             <a:fld id="{B7CCCDE6-893C-42C3-9ED9-4187FC761AF3}" type="datetimeFigureOut">
               <a:rPr kumimoji="1" lang="ja-JP" altLang="en-US" smtClean="0"/>
-              <a:t>2020/1/22</a:t>
+              <a:t>2020/1/31</a:t>
             </a:fld>
             <a:endParaRPr kumimoji="1" lang="ja-JP" altLang="en-US"/>
           </a:p>
@@ -2627,7 +2627,7 @@
           <a:p>
             <a:fld id="{B7CCCDE6-893C-42C3-9ED9-4187FC761AF3}" type="datetimeFigureOut">
               <a:rPr kumimoji="1" lang="ja-JP" altLang="en-US" smtClean="0"/>
-              <a:t>2020/1/22</a:t>
+              <a:t>2020/1/31</a:t>
             </a:fld>
             <a:endParaRPr kumimoji="1" lang="ja-JP" altLang="en-US"/>
           </a:p>
@@ -2872,7 +2872,7 @@
           <a:p>
             <a:fld id="{B7CCCDE6-893C-42C3-9ED9-4187FC761AF3}" type="datetimeFigureOut">
               <a:rPr kumimoji="1" lang="ja-JP" altLang="en-US" smtClean="0"/>
-              <a:t>2020/1/22</a:t>
+              <a:t>2020/1/31</a:t>
             </a:fld>
             <a:endParaRPr kumimoji="1" lang="ja-JP" altLang="en-US"/>
           </a:p>

--- a/ポートフォリオ(仮).pptx
+++ b/ポートフォリオ(仮).pptx
@@ -8,13 +8,14 @@
     <p:sldId id="256" r:id="rId2"/>
     <p:sldId id="257" r:id="rId3"/>
     <p:sldId id="259" r:id="rId4"/>
-    <p:sldId id="264" r:id="rId5"/>
-    <p:sldId id="266" r:id="rId6"/>
-    <p:sldId id="260" r:id="rId7"/>
-    <p:sldId id="267" r:id="rId8"/>
-    <p:sldId id="268" r:id="rId9"/>
-    <p:sldId id="263" r:id="rId10"/>
-    <p:sldId id="265" r:id="rId11"/>
+    <p:sldId id="269" r:id="rId5"/>
+    <p:sldId id="264" r:id="rId6"/>
+    <p:sldId id="266" r:id="rId7"/>
+    <p:sldId id="260" r:id="rId8"/>
+    <p:sldId id="267" r:id="rId9"/>
+    <p:sldId id="268" r:id="rId10"/>
+    <p:sldId id="263" r:id="rId11"/>
+    <p:sldId id="265" r:id="rId12"/>
   </p:sldIdLst>
   <p:sldSz cx="12192000" cy="6858000"/>
   <p:notesSz cx="6858000" cy="9144000"/>
@@ -263,7 +264,7 @@
           <a:p>
             <a:fld id="{B7CCCDE6-893C-42C3-9ED9-4187FC761AF3}" type="datetimeFigureOut">
               <a:rPr kumimoji="1" lang="ja-JP" altLang="en-US" smtClean="0"/>
-              <a:t>2020/1/31</a:t>
+              <a:t>2020/2/13</a:t>
             </a:fld>
             <a:endParaRPr kumimoji="1" lang="ja-JP" altLang="en-US"/>
           </a:p>
@@ -465,7 +466,7 @@
           <a:p>
             <a:fld id="{B7CCCDE6-893C-42C3-9ED9-4187FC761AF3}" type="datetimeFigureOut">
               <a:rPr kumimoji="1" lang="ja-JP" altLang="en-US" smtClean="0"/>
-              <a:t>2020/1/31</a:t>
+              <a:t>2020/2/13</a:t>
             </a:fld>
             <a:endParaRPr kumimoji="1" lang="ja-JP" altLang="en-US"/>
           </a:p>
@@ -677,7 +678,7 @@
           <a:p>
             <a:fld id="{B7CCCDE6-893C-42C3-9ED9-4187FC761AF3}" type="datetimeFigureOut">
               <a:rPr kumimoji="1" lang="ja-JP" altLang="en-US" smtClean="0"/>
-              <a:t>2020/1/31</a:t>
+              <a:t>2020/2/13</a:t>
             </a:fld>
             <a:endParaRPr kumimoji="1" lang="ja-JP" altLang="en-US"/>
           </a:p>
@@ -879,7 +880,7 @@
           <a:p>
             <a:fld id="{B7CCCDE6-893C-42C3-9ED9-4187FC761AF3}" type="datetimeFigureOut">
               <a:rPr kumimoji="1" lang="ja-JP" altLang="en-US" smtClean="0"/>
-              <a:t>2020/1/31</a:t>
+              <a:t>2020/2/13</a:t>
             </a:fld>
             <a:endParaRPr kumimoji="1" lang="ja-JP" altLang="en-US"/>
           </a:p>
@@ -1125,7 +1126,7 @@
           <a:p>
             <a:fld id="{B7CCCDE6-893C-42C3-9ED9-4187FC761AF3}" type="datetimeFigureOut">
               <a:rPr kumimoji="1" lang="ja-JP" altLang="en-US" smtClean="0"/>
-              <a:t>2020/1/31</a:t>
+              <a:t>2020/2/13</a:t>
             </a:fld>
             <a:endParaRPr kumimoji="1" lang="ja-JP" altLang="en-US"/>
           </a:p>
@@ -1421,7 +1422,7 @@
           <a:p>
             <a:fld id="{B7CCCDE6-893C-42C3-9ED9-4187FC761AF3}" type="datetimeFigureOut">
               <a:rPr kumimoji="1" lang="ja-JP" altLang="en-US" smtClean="0"/>
-              <a:t>2020/1/31</a:t>
+              <a:t>2020/2/13</a:t>
             </a:fld>
             <a:endParaRPr kumimoji="1" lang="ja-JP" altLang="en-US"/>
           </a:p>
@@ -1852,7 +1853,7 @@
           <a:p>
             <a:fld id="{B7CCCDE6-893C-42C3-9ED9-4187FC761AF3}" type="datetimeFigureOut">
               <a:rPr kumimoji="1" lang="ja-JP" altLang="en-US" smtClean="0"/>
-              <a:t>2020/1/31</a:t>
+              <a:t>2020/2/13</a:t>
             </a:fld>
             <a:endParaRPr kumimoji="1" lang="ja-JP" altLang="en-US"/>
           </a:p>
@@ -1970,7 +1971,7 @@
           <a:p>
             <a:fld id="{B7CCCDE6-893C-42C3-9ED9-4187FC761AF3}" type="datetimeFigureOut">
               <a:rPr kumimoji="1" lang="ja-JP" altLang="en-US" smtClean="0"/>
-              <a:t>2020/1/31</a:t>
+              <a:t>2020/2/13</a:t>
             </a:fld>
             <a:endParaRPr kumimoji="1" lang="ja-JP" altLang="en-US"/>
           </a:p>
@@ -2065,7 +2066,7 @@
           <a:p>
             <a:fld id="{B7CCCDE6-893C-42C3-9ED9-4187FC761AF3}" type="datetimeFigureOut">
               <a:rPr kumimoji="1" lang="ja-JP" altLang="en-US" smtClean="0"/>
-              <a:t>2020/1/31</a:t>
+              <a:t>2020/2/13</a:t>
             </a:fld>
             <a:endParaRPr kumimoji="1" lang="ja-JP" altLang="en-US"/>
           </a:p>
@@ -2374,7 +2375,7 @@
           <a:p>
             <a:fld id="{B7CCCDE6-893C-42C3-9ED9-4187FC761AF3}" type="datetimeFigureOut">
               <a:rPr kumimoji="1" lang="ja-JP" altLang="en-US" smtClean="0"/>
-              <a:t>2020/1/31</a:t>
+              <a:t>2020/2/13</a:t>
             </a:fld>
             <a:endParaRPr kumimoji="1" lang="ja-JP" altLang="en-US"/>
           </a:p>
@@ -2627,7 +2628,7 @@
           <a:p>
             <a:fld id="{B7CCCDE6-893C-42C3-9ED9-4187FC761AF3}" type="datetimeFigureOut">
               <a:rPr kumimoji="1" lang="ja-JP" altLang="en-US" smtClean="0"/>
-              <a:t>2020/1/31</a:t>
+              <a:t>2020/2/13</a:t>
             </a:fld>
             <a:endParaRPr kumimoji="1" lang="ja-JP" altLang="en-US"/>
           </a:p>
@@ -2872,7 +2873,7 @@
           <a:p>
             <a:fld id="{B7CCCDE6-893C-42C3-9ED9-4187FC761AF3}" type="datetimeFigureOut">
               <a:rPr kumimoji="1" lang="ja-JP" altLang="en-US" smtClean="0"/>
-              <a:t>2020/1/31</a:t>
+              <a:t>2020/2/13</a:t>
             </a:fld>
             <a:endParaRPr kumimoji="1" lang="ja-JP" altLang="en-US"/>
           </a:p>
@@ -3403,6 +3404,149 @@
           <a:p>
             <a:r>
               <a:rPr kumimoji="1" lang="ja-JP" altLang="en-US" dirty="0" smtClean="0"/>
+              <a:t>影</a:t>
+            </a:r>
+            <a:endParaRPr kumimoji="1" lang="ja-JP" altLang="en-US" dirty="0"/>
+          </a:p>
+        </p:txBody>
+      </p:sp>
+      <p:sp>
+        <p:nvSpPr>
+          <p:cNvPr id="3" name="コンテンツ プレースホルダー 2"/>
+          <p:cNvSpPr>
+            <a:spLocks noGrp="1"/>
+          </p:cNvSpPr>
+          <p:nvPr>
+            <p:ph idx="1"/>
+          </p:nvPr>
+        </p:nvSpPr>
+        <p:spPr>
+          <a:xfrm>
+            <a:off x="5494712" y="1463040"/>
+            <a:ext cx="5859087" cy="4713923"/>
+          </a:xfrm>
+        </p:spPr>
+        <p:txBody>
+          <a:bodyPr/>
+          <a:lstStyle/>
+          <a:p>
+            <a:pPr marL="0" indent="0">
+              <a:buNone/>
+            </a:pPr>
+            <a:r>
+              <a:rPr lang="ja-JP" altLang="en-US" dirty="0"/>
+              <a:t>①</a:t>
+            </a:r>
+            <a:r>
+              <a:rPr kumimoji="1" lang="ja-JP" altLang="en-US" dirty="0" smtClean="0"/>
+              <a:t>ライトの座標からライトの向きから見た平行投影のモデルの深度値を書き込んで</a:t>
+            </a:r>
+            <a:r>
+              <a:rPr lang="ja-JP" altLang="en-US" dirty="0"/>
+              <a:t>「</a:t>
+            </a:r>
+            <a:r>
+              <a:rPr kumimoji="1" lang="ja-JP" altLang="en-US" dirty="0" smtClean="0"/>
+              <a:t>シャドウマップ」を作成。</a:t>
+            </a:r>
+            <a:endParaRPr kumimoji="1" lang="en-US" altLang="ja-JP" dirty="0" smtClean="0"/>
+          </a:p>
+          <a:p>
+            <a:pPr marL="0" indent="0">
+              <a:buNone/>
+            </a:pPr>
+            <a:r>
+              <a:rPr lang="ja-JP" altLang="en-US" dirty="0" smtClean="0"/>
+              <a:t>・描画時、ライトから見たオブジェクトと①の深度値を比較し、①のほうが大きい場合、影を落とす。</a:t>
+            </a:r>
+            <a:endParaRPr kumimoji="1" lang="ja-JP" altLang="en-US" dirty="0"/>
+          </a:p>
+        </p:txBody>
+      </p:sp>
+      <p:pic>
+        <p:nvPicPr>
+          <p:cNvPr id="4" name="図 3"/>
+          <p:cNvPicPr>
+            <a:picLocks noChangeAspect="1"/>
+          </p:cNvPicPr>
+          <p:nvPr/>
+        </p:nvPicPr>
+        <p:blipFill>
+          <a:blip r:embed="rId2">
+            <a:extLst>
+              <a:ext uri="{28A0092B-C50C-407E-A947-70E740481C1C}">
+                <a14:useLocalDpi xmlns:a14="http://schemas.microsoft.com/office/drawing/2010/main" val="0"/>
+              </a:ext>
+            </a:extLst>
+          </a:blip>
+          <a:stretch>
+            <a:fillRect/>
+          </a:stretch>
+        </p:blipFill>
+        <p:spPr>
+          <a:xfrm>
+            <a:off x="1162397" y="1866031"/>
+            <a:ext cx="3537242" cy="3537242"/>
+          </a:xfrm>
+          <a:prstGeom prst="rect">
+            <a:avLst/>
+          </a:prstGeom>
+        </p:spPr>
+      </p:pic>
+    </p:spTree>
+    <p:extLst>
+      <p:ext uri="{BB962C8B-B14F-4D97-AF65-F5344CB8AC3E}">
+        <p14:creationId xmlns:p14="http://schemas.microsoft.com/office/powerpoint/2010/main" val="3094554016"/>
+      </p:ext>
+    </p:extLst>
+  </p:cSld>
+  <p:clrMapOvr>
+    <a:masterClrMapping/>
+  </p:clrMapOvr>
+  <p:timing>
+    <p:tnLst>
+      <p:par>
+        <p:cTn id="1" dur="indefinite" restart="never" nodeType="tmRoot"/>
+      </p:par>
+    </p:tnLst>
+  </p:timing>
+</p:sld>
+</file>
+
+<file path=ppt/slides/slide11.xml><?xml version="1.0" encoding="utf-8"?>
+<p:sld xmlns:a="http://schemas.openxmlformats.org/drawingml/2006/main" xmlns:r="http://schemas.openxmlformats.org/officeDocument/2006/relationships" xmlns:p="http://schemas.openxmlformats.org/presentationml/2006/main">
+  <p:cSld>
+    <p:spTree>
+      <p:nvGrpSpPr>
+        <p:cNvPr id="1" name=""/>
+        <p:cNvGrpSpPr/>
+        <p:nvPr/>
+      </p:nvGrpSpPr>
+      <p:grpSpPr>
+        <a:xfrm>
+          <a:off x="0" y="0"/>
+          <a:ext cx="0" cy="0"/>
+          <a:chOff x="0" y="0"/>
+          <a:chExt cx="0" cy="0"/>
+        </a:xfrm>
+      </p:grpSpPr>
+      <p:sp>
+        <p:nvSpPr>
+          <p:cNvPr id="2" name="タイトル 1"/>
+          <p:cNvSpPr>
+            <a:spLocks noGrp="1"/>
+          </p:cNvSpPr>
+          <p:nvPr>
+            <p:ph type="title"/>
+          </p:nvPr>
+        </p:nvSpPr>
+        <p:spPr/>
+        <p:txBody>
+          <a:bodyPr/>
+          <a:lstStyle/>
+          <a:p>
+            <a:r>
+              <a:rPr kumimoji="1" lang="ja-JP" altLang="en-US" dirty="0" smtClean="0"/>
               <a:t>実装予定リスト</a:t>
             </a:r>
             <a:endParaRPr kumimoji="1" lang="ja-JP" altLang="en-US" dirty="0"/>
@@ -3487,16 +3631,6 @@
               <a:rPr lang="ja-JP" altLang="en-US" dirty="0" smtClean="0"/>
               <a:t>ソフトシャドウ</a:t>
             </a:r>
-            <a:endParaRPr lang="en-US" altLang="ja-JP" dirty="0" smtClean="0"/>
-          </a:p>
-          <a:p>
-            <a:r>
-              <a:rPr lang="ja-JP" altLang="en-US" dirty="0" smtClean="0"/>
-              <a:t>ブラーをかける（ガウシアンブラー）</a:t>
-            </a:r>
-            <a:endParaRPr lang="en-US" altLang="ja-JP" dirty="0" smtClean="0"/>
-          </a:p>
-          <a:p>
             <a:endParaRPr kumimoji="1" lang="ja-JP" altLang="en-US" dirty="0"/>
           </a:p>
         </p:txBody>
@@ -3596,9 +3730,16 @@
           <a:p>
             <a:r>
               <a:rPr lang="ja-JP" altLang="en-US" dirty="0" smtClean="0"/>
-              <a:t>遊んで楽しいパーティーゲームを作る。</a:t>
-            </a:r>
-            <a:endParaRPr kumimoji="1" lang="ja-JP" altLang="en-US" dirty="0"/>
+              <a:t>遊んで楽しいパーティーゲームを作る</a:t>
+            </a:r>
+            <a:r>
+              <a:rPr lang="ja-JP" altLang="en-US" dirty="0" smtClean="0"/>
+              <a:t>。</a:t>
+            </a:r>
+            <a:endParaRPr lang="en-US" altLang="ja-JP" dirty="0" smtClean="0"/>
+          </a:p>
+          <a:p>
+            <a:endParaRPr kumimoji="1" lang="en-US" altLang="ja-JP" dirty="0"/>
           </a:p>
         </p:txBody>
       </p:sp>
@@ -3814,6 +3955,142 @@
           <a:lstStyle/>
           <a:p>
             <a:r>
+              <a:rPr lang="ja-JP" altLang="en-US" dirty="0"/>
+              <a:t>サイト</a:t>
+            </a:r>
+            <a:endParaRPr kumimoji="1" lang="ja-JP" altLang="en-US" dirty="0"/>
+          </a:p>
+        </p:txBody>
+      </p:sp>
+      <p:sp>
+        <p:nvSpPr>
+          <p:cNvPr id="3" name="コンテンツ プレースホルダー 2"/>
+          <p:cNvSpPr>
+            <a:spLocks noGrp="1"/>
+          </p:cNvSpPr>
+          <p:nvPr>
+            <p:ph idx="1"/>
+          </p:nvPr>
+        </p:nvSpPr>
+        <p:spPr/>
+        <p:txBody>
+          <a:bodyPr/>
+          <a:lstStyle/>
+          <a:p>
+            <a:r>
+              <a:rPr kumimoji="1" lang="en-US" altLang="ja-JP" dirty="0" smtClean="0"/>
+              <a:t>BGM	</a:t>
+            </a:r>
+            <a:r>
+              <a:rPr kumimoji="1" lang="en-US" altLang="ja-JP" dirty="0" err="1" smtClean="0"/>
+              <a:t>musmus</a:t>
+            </a:r>
+            <a:r>
+              <a:rPr lang="en-US" altLang="ja-JP" dirty="0"/>
+              <a:t>	</a:t>
+            </a:r>
+            <a:r>
+              <a:rPr lang="en-US" altLang="ja-JP" dirty="0" smtClean="0">
+                <a:hlinkClick r:id="rId2"/>
+              </a:rPr>
+              <a:t>http</a:t>
+            </a:r>
+            <a:r>
+              <a:rPr lang="en-US" altLang="ja-JP" dirty="0">
+                <a:hlinkClick r:id="rId2"/>
+              </a:rPr>
+              <a:t>://musmus.main.jp</a:t>
+            </a:r>
+            <a:r>
+              <a:rPr lang="en-US" altLang="ja-JP" dirty="0" smtClean="0">
+                <a:hlinkClick r:id="rId2"/>
+              </a:rPr>
+              <a:t>/</a:t>
+            </a:r>
+            <a:endParaRPr lang="en-US" altLang="ja-JP" dirty="0" smtClean="0"/>
+          </a:p>
+          <a:p>
+            <a:r>
+              <a:rPr lang="ja-JP" altLang="en-US" dirty="0" smtClean="0"/>
+              <a:t>効果音</a:t>
+            </a:r>
+            <a:r>
+              <a:rPr lang="en-US" altLang="ja-JP" dirty="0" smtClean="0"/>
+              <a:t>	</a:t>
+            </a:r>
+            <a:r>
+              <a:rPr lang="ja-JP" altLang="en-US" dirty="0" smtClean="0"/>
+              <a:t>効果音ラボ</a:t>
+            </a:r>
+            <a:r>
+              <a:rPr lang="en-US" altLang="ja-JP" dirty="0" smtClean="0"/>
+              <a:t>	</a:t>
+            </a:r>
+            <a:r>
+              <a:rPr lang="en-US" altLang="ja-JP" dirty="0" smtClean="0">
+                <a:hlinkClick r:id="rId3"/>
+              </a:rPr>
+              <a:t>https</a:t>
+            </a:r>
+            <a:r>
+              <a:rPr lang="en-US" altLang="ja-JP" dirty="0">
+                <a:hlinkClick r:id="rId3"/>
+              </a:rPr>
+              <a:t>://soundeffect-lab.info/</a:t>
+            </a:r>
+            <a:endParaRPr lang="en-US" altLang="ja-JP" dirty="0" smtClean="0"/>
+          </a:p>
+          <a:p>
+            <a:endParaRPr kumimoji="1" lang="ja-JP" altLang="en-US" dirty="0"/>
+          </a:p>
+        </p:txBody>
+      </p:sp>
+    </p:spTree>
+    <p:extLst>
+      <p:ext uri="{BB962C8B-B14F-4D97-AF65-F5344CB8AC3E}">
+        <p14:creationId xmlns:p14="http://schemas.microsoft.com/office/powerpoint/2010/main" val="3893882734"/>
+      </p:ext>
+    </p:extLst>
+  </p:cSld>
+  <p:clrMapOvr>
+    <a:masterClrMapping/>
+  </p:clrMapOvr>
+</p:sld>
+</file>
+
+<file path=ppt/slides/slide5.xml><?xml version="1.0" encoding="utf-8"?>
+<p:sld xmlns:a="http://schemas.openxmlformats.org/drawingml/2006/main" xmlns:r="http://schemas.openxmlformats.org/officeDocument/2006/relationships" xmlns:p="http://schemas.openxmlformats.org/presentationml/2006/main">
+  <p:cSld>
+    <p:spTree>
+      <p:nvGrpSpPr>
+        <p:cNvPr id="1" name=""/>
+        <p:cNvGrpSpPr/>
+        <p:nvPr/>
+      </p:nvGrpSpPr>
+      <p:grpSpPr>
+        <a:xfrm>
+          <a:off x="0" y="0"/>
+          <a:ext cx="0" cy="0"/>
+          <a:chOff x="0" y="0"/>
+          <a:chExt cx="0" cy="0"/>
+        </a:xfrm>
+      </p:grpSpPr>
+      <p:sp>
+        <p:nvSpPr>
+          <p:cNvPr id="2" name="タイトル 1"/>
+          <p:cNvSpPr>
+            <a:spLocks noGrp="1"/>
+          </p:cNvSpPr>
+          <p:nvPr>
+            <p:ph type="title"/>
+          </p:nvPr>
+        </p:nvSpPr>
+        <p:spPr/>
+        <p:txBody>
+          <a:bodyPr/>
+          <a:lstStyle/>
+          <a:p>
+            <a:r>
               <a:rPr kumimoji="1" lang="ja-JP" altLang="en-US" dirty="0" smtClean="0"/>
               <a:t>ゲーム概要</a:t>
             </a:r>
@@ -3908,7 +4185,7 @@
 </p:sld>
 </file>
 
-<file path=ppt/slides/slide5.xml><?xml version="1.0" encoding="utf-8"?>
+<file path=ppt/slides/slide6.xml><?xml version="1.0" encoding="utf-8"?>
 <p:sld xmlns:a="http://schemas.openxmlformats.org/drawingml/2006/main" xmlns:r="http://schemas.openxmlformats.org/officeDocument/2006/relationships" xmlns:p="http://schemas.openxmlformats.org/presentationml/2006/main">
   <p:cSld>
     <p:spTree>
@@ -4063,103 +4340,6 @@
 </p:sld>
 </file>
 
-<file path=ppt/slides/slide6.xml><?xml version="1.0" encoding="utf-8"?>
-<p:sld xmlns:a="http://schemas.openxmlformats.org/drawingml/2006/main" xmlns:r="http://schemas.openxmlformats.org/officeDocument/2006/relationships" xmlns:p="http://schemas.openxmlformats.org/presentationml/2006/main">
-  <p:cSld>
-    <p:spTree>
-      <p:nvGrpSpPr>
-        <p:cNvPr id="1" name=""/>
-        <p:cNvGrpSpPr/>
-        <p:nvPr/>
-      </p:nvGrpSpPr>
-      <p:grpSpPr>
-        <a:xfrm>
-          <a:off x="0" y="0"/>
-          <a:ext cx="0" cy="0"/>
-          <a:chOff x="0" y="0"/>
-          <a:chExt cx="0" cy="0"/>
-        </a:xfrm>
-      </p:grpSpPr>
-      <p:sp>
-        <p:nvSpPr>
-          <p:cNvPr id="2" name="タイトル 1"/>
-          <p:cNvSpPr>
-            <a:spLocks noGrp="1"/>
-          </p:cNvSpPr>
-          <p:nvPr>
-            <p:ph type="title"/>
-          </p:nvPr>
-        </p:nvSpPr>
-        <p:spPr/>
-        <p:txBody>
-          <a:bodyPr/>
-          <a:lstStyle/>
-          <a:p>
-            <a:r>
-              <a:rPr kumimoji="1" lang="ja-JP" altLang="en-US" dirty="0" smtClean="0"/>
-              <a:t>実装したものリスト</a:t>
-            </a:r>
-            <a:endParaRPr kumimoji="1" lang="ja-JP" altLang="en-US" dirty="0"/>
-          </a:p>
-        </p:txBody>
-      </p:sp>
-      <p:sp>
-        <p:nvSpPr>
-          <p:cNvPr id="3" name="コンテンツ プレースホルダー 2"/>
-          <p:cNvSpPr>
-            <a:spLocks noGrp="1"/>
-          </p:cNvSpPr>
-          <p:nvPr>
-            <p:ph idx="1"/>
-          </p:nvPr>
-        </p:nvSpPr>
-        <p:spPr/>
-        <p:txBody>
-          <a:bodyPr/>
-          <a:lstStyle/>
-          <a:p>
-            <a:r>
-              <a:rPr kumimoji="1" lang="ja-JP" altLang="en-US" dirty="0" smtClean="0"/>
-              <a:t>拡散反射光</a:t>
-            </a:r>
-            <a:endParaRPr kumimoji="1" lang="en-US" altLang="ja-JP" dirty="0" smtClean="0"/>
-          </a:p>
-          <a:p>
-            <a:r>
-              <a:rPr lang="ja-JP" altLang="en-US" dirty="0" smtClean="0"/>
-              <a:t>鏡面反射光</a:t>
-            </a:r>
-            <a:endParaRPr lang="en-US" altLang="ja-JP" dirty="0" smtClean="0"/>
-          </a:p>
-          <a:p>
-            <a:r>
-              <a:rPr kumimoji="1" lang="ja-JP" altLang="en-US" dirty="0" smtClean="0"/>
-              <a:t>シャドウマップ</a:t>
-            </a:r>
-            <a:endParaRPr kumimoji="1" lang="ja-JP" altLang="en-US" dirty="0"/>
-          </a:p>
-        </p:txBody>
-      </p:sp>
-    </p:spTree>
-    <p:extLst>
-      <p:ext uri="{BB962C8B-B14F-4D97-AF65-F5344CB8AC3E}">
-        <p14:creationId xmlns:p14="http://schemas.microsoft.com/office/powerpoint/2010/main" val="1229871195"/>
-      </p:ext>
-    </p:extLst>
-  </p:cSld>
-  <p:clrMapOvr>
-    <a:masterClrMapping/>
-  </p:clrMapOvr>
-  <p:timing>
-    <p:tnLst>
-      <p:par>
-        <p:cTn id="1" dur="indefinite" restart="never" nodeType="tmRoot"/>
-      </p:par>
-    </p:tnLst>
-  </p:timing>
-</p:sld>
-</file>
-
 <file path=ppt/slides/slide7.xml><?xml version="1.0" encoding="utf-8"?>
 <p:sld xmlns:a="http://schemas.openxmlformats.org/drawingml/2006/main" xmlns:r="http://schemas.openxmlformats.org/officeDocument/2006/relationships" xmlns:p="http://schemas.openxmlformats.org/presentationml/2006/main">
   <p:cSld>
@@ -4193,121 +4373,87 @@
           <a:lstStyle/>
           <a:p>
             <a:r>
+              <a:rPr kumimoji="1" lang="ja-JP" altLang="en-US" dirty="0" smtClean="0"/>
+              <a:t>実装したものリスト</a:t>
+            </a:r>
+            <a:endParaRPr kumimoji="1" lang="ja-JP" altLang="en-US" dirty="0"/>
+          </a:p>
+        </p:txBody>
+      </p:sp>
+      <p:sp>
+        <p:nvSpPr>
+          <p:cNvPr id="3" name="コンテンツ プレースホルダー 2"/>
+          <p:cNvSpPr>
+            <a:spLocks noGrp="1"/>
+          </p:cNvSpPr>
+          <p:nvPr>
+            <p:ph idx="1"/>
+          </p:nvPr>
+        </p:nvSpPr>
+        <p:spPr/>
+        <p:txBody>
+          <a:bodyPr/>
+          <a:lstStyle/>
+          <a:p>
+            <a:r>
+              <a:rPr kumimoji="1" lang="ja-JP" altLang="en-US" dirty="0" smtClean="0"/>
+              <a:t>拡散反射光</a:t>
+            </a:r>
+            <a:endParaRPr kumimoji="1" lang="en-US" altLang="ja-JP" dirty="0" smtClean="0"/>
+          </a:p>
+          <a:p>
+            <a:r>
               <a:rPr lang="ja-JP" altLang="en-US" dirty="0" smtClean="0"/>
-              <a:t>ゲーム</a:t>
-            </a:r>
-            <a:r>
-              <a:rPr lang="ja-JP" altLang="en-US" dirty="0"/>
-              <a:t>操作</a:t>
-            </a:r>
+              <a:t>鏡面反射光</a:t>
+            </a:r>
+            <a:endParaRPr lang="en-US" altLang="ja-JP" dirty="0" smtClean="0"/>
+          </a:p>
+          <a:p>
+            <a:r>
+              <a:rPr kumimoji="1" lang="ja-JP" altLang="en-US" dirty="0" smtClean="0"/>
+              <a:t>シャドウマップ</a:t>
+            </a:r>
+            <a:endParaRPr kumimoji="1" lang="en-US" altLang="ja-JP" dirty="0" smtClean="0"/>
+          </a:p>
+          <a:p>
             <a:r>
               <a:rPr lang="ja-JP" altLang="en-US" dirty="0" smtClean="0"/>
-              <a:t>における工夫点</a:t>
+              <a:t>法線マップ</a:t>
+            </a:r>
+            <a:endParaRPr lang="en-US" altLang="ja-JP" dirty="0" smtClean="0"/>
+          </a:p>
+          <a:p>
+            <a:r>
+              <a:rPr kumimoji="1" lang="ja-JP" altLang="en-US" dirty="0" smtClean="0"/>
+              <a:t>スペキュラマップ</a:t>
+            </a:r>
+            <a:endParaRPr kumimoji="1" lang="en-US" altLang="ja-JP" dirty="0" smtClean="0"/>
+          </a:p>
+          <a:p>
+            <a:r>
+              <a:rPr lang="ja-JP" altLang="en-US" dirty="0" smtClean="0"/>
+              <a:t>ブルーム</a:t>
+            </a:r>
+            <a:r>
+              <a:rPr lang="en-US" altLang="ja-JP" dirty="0" smtClean="0"/>
+              <a:t>(</a:t>
+            </a:r>
+            <a:r>
+              <a:rPr lang="ja-JP" altLang="en-US" dirty="0" smtClean="0"/>
+              <a:t>川瀬式ガウシアンブラー</a:t>
+            </a:r>
+            <a:r>
+              <a:rPr lang="en-US" altLang="ja-JP" dirty="0" smtClean="0"/>
+              <a:t>)</a:t>
             </a:r>
             <a:endParaRPr kumimoji="1" lang="ja-JP" altLang="en-US" dirty="0"/>
-          </a:p>
-        </p:txBody>
-      </p:sp>
-      <p:sp>
-        <p:nvSpPr>
-          <p:cNvPr id="3" name="コンテンツ プレースホルダー 2"/>
-          <p:cNvSpPr>
-            <a:spLocks noGrp="1"/>
-          </p:cNvSpPr>
-          <p:nvPr>
-            <p:ph idx="1"/>
-          </p:nvPr>
-        </p:nvSpPr>
-        <p:spPr/>
-        <p:txBody>
-          <a:bodyPr>
-            <a:normAutofit/>
-          </a:bodyPr>
-          <a:lstStyle/>
-          <a:p>
-            <a:pPr marL="0" indent="0">
-              <a:buNone/>
-            </a:pPr>
-            <a:r>
-              <a:rPr lang="ja-JP" altLang="en-US" sz="2400" dirty="0"/>
-              <a:t>①</a:t>
-            </a:r>
-            <a:r>
-              <a:rPr lang="ja-JP" altLang="en-US" sz="2400" dirty="0" smtClean="0"/>
-              <a:t>「食べ物を切るとき」「お皿を洗う時」の処理を長押しにしています。</a:t>
-            </a:r>
-            <a:endParaRPr lang="en-US" altLang="ja-JP" sz="2400" dirty="0" smtClean="0"/>
-          </a:p>
-          <a:p>
-            <a:pPr marL="0" indent="0">
-              <a:buNone/>
-            </a:pPr>
-            <a:r>
-              <a:rPr kumimoji="1" lang="en-US" altLang="ja-JP" sz="2400" dirty="0" err="1" smtClean="0"/>
-              <a:t>OverCoooked</a:t>
-            </a:r>
-            <a:r>
-              <a:rPr kumimoji="1" lang="ja-JP" altLang="en-US" sz="2400" dirty="0" smtClean="0"/>
-              <a:t>では一度押したら処理が続き、もう一度押すと処理を終了するという流れでした。しかし</a:t>
-            </a:r>
-            <a:r>
-              <a:rPr kumimoji="1" lang="en-US" altLang="ja-JP" sz="2400" dirty="0" smtClean="0"/>
-              <a:t>OverCooked2</a:t>
-            </a:r>
-            <a:r>
-              <a:rPr kumimoji="1" lang="ja-JP" altLang="en-US" sz="2400" dirty="0" smtClean="0"/>
-              <a:t>では、長押ししている間のみ処理をするようになっていました。</a:t>
-            </a:r>
-            <a:endParaRPr kumimoji="1" lang="en-US" altLang="ja-JP" sz="2400" dirty="0" smtClean="0"/>
-          </a:p>
-          <a:p>
-            <a:pPr marL="0" indent="0">
-              <a:buNone/>
-            </a:pPr>
-            <a:r>
-              <a:rPr lang="ja-JP" altLang="en-US" sz="2400" dirty="0" smtClean="0"/>
-              <a:t>どちらを</a:t>
-            </a:r>
-            <a:r>
-              <a:rPr lang="ja-JP" altLang="en-US" sz="2400" dirty="0"/>
-              <a:t>採用</a:t>
-            </a:r>
-            <a:r>
-              <a:rPr lang="ja-JP" altLang="en-US" sz="2400" dirty="0" smtClean="0"/>
-              <a:t>するか非常に迷いましたが、このゲームはこまめに作業を変える必要があるため、</a:t>
-            </a:r>
-            <a:r>
-              <a:rPr lang="en-US" altLang="ja-JP" sz="2400" dirty="0" smtClean="0"/>
-              <a:t>OverCooked2</a:t>
-            </a:r>
-            <a:r>
-              <a:rPr lang="ja-JP" altLang="en-US" sz="2400" dirty="0" smtClean="0"/>
-              <a:t>の仕様がより感覚的に操作できると考え、長押し処理にしました。</a:t>
-            </a:r>
-            <a:endParaRPr lang="en-US" altLang="ja-JP" sz="2400" dirty="0" smtClean="0"/>
-          </a:p>
-          <a:p>
-            <a:pPr marL="0" indent="0">
-              <a:buNone/>
-            </a:pPr>
-            <a:endParaRPr lang="en-US" altLang="ja-JP" sz="2400" dirty="0" smtClean="0"/>
-          </a:p>
-          <a:p>
-            <a:pPr marL="0" indent="0">
-              <a:buNone/>
-            </a:pPr>
-            <a:r>
-              <a:rPr kumimoji="1" lang="ja-JP" altLang="en-US" sz="2400" dirty="0" smtClean="0"/>
-              <a:t>②　操作をⒶボタンとⓍボタンだけにすることにより、初心者でも操作をしやすくしています。</a:t>
-            </a:r>
-            <a:endParaRPr kumimoji="1" lang="ja-JP" altLang="en-US" sz="2400" dirty="0"/>
           </a:p>
         </p:txBody>
       </p:sp>
     </p:spTree>
     <p:extLst>
       <p:ext uri="{BB962C8B-B14F-4D97-AF65-F5344CB8AC3E}">
-        <p14:creationId xmlns:p14="http://schemas.microsoft.com/office/powerpoint/2010/main" val="1122544693"/>
+        <p14:creationId xmlns:p14="http://schemas.microsoft.com/office/powerpoint/2010/main" val="1229871195"/>
       </p:ext>
     </p:extLst>
   </p:cSld>
@@ -4357,8 +4503,16 @@
           <a:lstStyle/>
           <a:p>
             <a:r>
-              <a:rPr kumimoji="1" lang="ja-JP" altLang="en-US" dirty="0" smtClean="0"/>
-              <a:t>ストラテジーバターン</a:t>
+              <a:rPr lang="ja-JP" altLang="en-US" dirty="0" smtClean="0"/>
+              <a:t>ゲーム</a:t>
+            </a:r>
+            <a:r>
+              <a:rPr lang="ja-JP" altLang="en-US" dirty="0"/>
+              <a:t>操作</a:t>
+            </a:r>
+            <a:r>
+              <a:rPr lang="ja-JP" altLang="en-US" dirty="0" smtClean="0"/>
+              <a:t>における工夫点</a:t>
             </a:r>
             <a:endParaRPr kumimoji="1" lang="ja-JP" altLang="en-US" dirty="0"/>
           </a:p>
@@ -4366,7 +4520,7 @@
       </p:sp>
       <p:sp>
         <p:nvSpPr>
-          <p:cNvPr id="5" name="コンテンツ プレースホルダー 4"/>
+          <p:cNvPr id="3" name="コンテンツ プレースホルダー 2"/>
           <p:cNvSpPr>
             <a:spLocks noGrp="1"/>
           </p:cNvSpPr>
@@ -4374,1023 +4528,96 @@
             <p:ph idx="1"/>
           </p:nvPr>
         </p:nvSpPr>
-        <p:spPr>
-          <a:xfrm>
-            <a:off x="838199" y="1690687"/>
-            <a:ext cx="10515600" cy="4598193"/>
-          </a:xfrm>
-        </p:spPr>
-        <p:txBody>
-          <a:bodyPr/>
-          <a:lstStyle/>
-          <a:p>
-            <a:r>
-              <a:rPr kumimoji="1" lang="ja-JP" altLang="en-US" dirty="0" smtClean="0"/>
-              <a:t>容易にオブジェクトを追加できるようにしました。</a:t>
-            </a:r>
-            <a:endParaRPr kumimoji="1" lang="ja-JP" altLang="en-US" dirty="0"/>
-          </a:p>
-        </p:txBody>
-      </p:sp>
-      <p:sp>
-        <p:nvSpPr>
-          <p:cNvPr id="6" name="角丸四角形 5"/>
-          <p:cNvSpPr/>
-          <p:nvPr/>
-        </p:nvSpPr>
-        <p:spPr>
-          <a:xfrm>
-            <a:off x="5207923" y="2319251"/>
-            <a:ext cx="1776153" cy="1109749"/>
-          </a:xfrm>
-          <a:prstGeom prst="roundRect">
-            <a:avLst/>
-          </a:prstGeom>
-        </p:spPr>
-        <p:style>
-          <a:lnRef idx="2">
-            <a:schemeClr val="accent1">
-              <a:shade val="50000"/>
-            </a:schemeClr>
-          </a:lnRef>
-          <a:fillRef idx="1">
-            <a:schemeClr val="accent1"/>
-          </a:fillRef>
-          <a:effectRef idx="0">
-            <a:schemeClr val="accent1"/>
-          </a:effectRef>
-          <a:fontRef idx="minor">
-            <a:schemeClr val="lt1"/>
-          </a:fontRef>
-        </p:style>
-        <p:txBody>
-          <a:bodyPr rtlCol="0" anchor="ctr"/>
-          <a:lstStyle/>
-          <a:p>
-            <a:pPr algn="ctr"/>
-            <a:r>
-              <a:rPr lang="en-US" altLang="ja-JP" dirty="0" smtClean="0"/>
-              <a:t>Player</a:t>
-            </a:r>
-            <a:endParaRPr kumimoji="1" lang="ja-JP" altLang="en-US" dirty="0"/>
-          </a:p>
-        </p:txBody>
-      </p:sp>
-      <p:sp>
-        <p:nvSpPr>
-          <p:cNvPr id="7" name="角丸四角形 6"/>
-          <p:cNvSpPr/>
-          <p:nvPr/>
-        </p:nvSpPr>
-        <p:spPr>
-          <a:xfrm>
-            <a:off x="1938250" y="2452255"/>
-            <a:ext cx="2169623" cy="985058"/>
-          </a:xfrm>
-          <a:prstGeom prst="roundRect">
-            <a:avLst/>
-          </a:prstGeom>
-        </p:spPr>
-        <p:style>
-          <a:lnRef idx="2">
-            <a:schemeClr val="accent1">
-              <a:shade val="50000"/>
-            </a:schemeClr>
-          </a:lnRef>
-          <a:fillRef idx="1">
-            <a:schemeClr val="accent1"/>
-          </a:fillRef>
-          <a:effectRef idx="0">
-            <a:schemeClr val="accent1"/>
-          </a:effectRef>
-          <a:fontRef idx="minor">
-            <a:schemeClr val="lt1"/>
-          </a:fontRef>
-        </p:style>
-        <p:txBody>
-          <a:bodyPr rtlCol="0" anchor="ctr"/>
-          <a:lstStyle/>
-          <a:p>
-            <a:pPr algn="ctr"/>
-            <a:r>
-              <a:rPr kumimoji="1" lang="en-US" altLang="ja-JP" dirty="0" err="1" smtClean="0"/>
-              <a:t>ObjectObove</a:t>
-            </a:r>
-            <a:endParaRPr kumimoji="1" lang="en-US" altLang="ja-JP" dirty="0" smtClean="0"/>
-          </a:p>
-          <a:p>
-            <a:pPr algn="ctr"/>
-            <a:r>
-              <a:rPr lang="en-US" altLang="ja-JP" dirty="0" smtClean="0"/>
-              <a:t>(</a:t>
-            </a:r>
-            <a:r>
-              <a:rPr lang="ja-JP" altLang="en-US" dirty="0" smtClean="0"/>
-              <a:t>物が置けるもの</a:t>
-            </a:r>
-            <a:r>
-              <a:rPr lang="en-US" altLang="ja-JP" dirty="0" smtClean="0"/>
-              <a:t>)</a:t>
-            </a:r>
-            <a:endParaRPr kumimoji="1" lang="ja-JP" altLang="en-US" dirty="0"/>
-          </a:p>
-        </p:txBody>
-      </p:sp>
-      <p:sp>
-        <p:nvSpPr>
-          <p:cNvPr id="8" name="角丸四角形 7"/>
-          <p:cNvSpPr/>
-          <p:nvPr/>
-        </p:nvSpPr>
-        <p:spPr>
-          <a:xfrm>
-            <a:off x="8055032" y="2452255"/>
-            <a:ext cx="2227811" cy="976745"/>
-          </a:xfrm>
-          <a:prstGeom prst="roundRect">
-            <a:avLst/>
-          </a:prstGeom>
-        </p:spPr>
-        <p:style>
-          <a:lnRef idx="2">
-            <a:schemeClr val="accent1">
-              <a:shade val="50000"/>
-            </a:schemeClr>
-          </a:lnRef>
-          <a:fillRef idx="1">
-            <a:schemeClr val="accent1"/>
-          </a:fillRef>
-          <a:effectRef idx="0">
-            <a:schemeClr val="accent1"/>
-          </a:effectRef>
-          <a:fontRef idx="minor">
-            <a:schemeClr val="lt1"/>
-          </a:fontRef>
-        </p:style>
-        <p:txBody>
-          <a:bodyPr rtlCol="0" anchor="ctr"/>
-          <a:lstStyle/>
-          <a:p>
-            <a:pPr algn="ctr"/>
-            <a:r>
-              <a:rPr kumimoji="1" lang="en-US" altLang="ja-JP" dirty="0" smtClean="0"/>
-              <a:t>Belongings</a:t>
-            </a:r>
-          </a:p>
-          <a:p>
-            <a:pPr algn="ctr"/>
-            <a:r>
-              <a:rPr lang="en-US" altLang="ja-JP" dirty="0" smtClean="0"/>
-              <a:t>(</a:t>
-            </a:r>
-            <a:r>
-              <a:rPr lang="ja-JP" altLang="en-US" dirty="0" smtClean="0"/>
-              <a:t>持つことのできるもの</a:t>
-            </a:r>
-            <a:r>
-              <a:rPr lang="en-US" altLang="ja-JP" dirty="0" smtClean="0"/>
-              <a:t>)</a:t>
-            </a:r>
-            <a:endParaRPr kumimoji="1" lang="ja-JP" altLang="en-US" dirty="0"/>
-          </a:p>
-        </p:txBody>
-      </p:sp>
-      <p:sp>
-        <p:nvSpPr>
-          <p:cNvPr id="13" name="ひし形 12"/>
-          <p:cNvSpPr/>
-          <p:nvPr/>
-        </p:nvSpPr>
-        <p:spPr>
-          <a:xfrm>
-            <a:off x="4107873" y="2727613"/>
-            <a:ext cx="430876" cy="426028"/>
-          </a:xfrm>
-          <a:prstGeom prst="diamond">
-            <a:avLst/>
-          </a:prstGeom>
-        </p:spPr>
-        <p:style>
-          <a:lnRef idx="2">
-            <a:schemeClr val="accent2">
-              <a:shade val="50000"/>
-            </a:schemeClr>
-          </a:lnRef>
-          <a:fillRef idx="1">
-            <a:schemeClr val="accent2"/>
-          </a:fillRef>
-          <a:effectRef idx="0">
-            <a:schemeClr val="accent2"/>
-          </a:effectRef>
-          <a:fontRef idx="minor">
-            <a:schemeClr val="lt1"/>
-          </a:fontRef>
-        </p:style>
-        <p:txBody>
-          <a:bodyPr rtlCol="0" anchor="ctr"/>
-          <a:lstStyle/>
-          <a:p>
-            <a:pPr algn="ctr"/>
-            <a:endParaRPr kumimoji="1" lang="ja-JP" altLang="en-US"/>
-          </a:p>
-        </p:txBody>
-      </p:sp>
-      <p:sp>
-        <p:nvSpPr>
-          <p:cNvPr id="14" name="ひし形 13"/>
-          <p:cNvSpPr/>
-          <p:nvPr/>
-        </p:nvSpPr>
-        <p:spPr>
-          <a:xfrm>
-            <a:off x="7614458" y="2727613"/>
-            <a:ext cx="440574" cy="426028"/>
-          </a:xfrm>
-          <a:prstGeom prst="diamond">
-            <a:avLst/>
-          </a:prstGeom>
-        </p:spPr>
-        <p:style>
-          <a:lnRef idx="2">
-            <a:schemeClr val="accent2">
-              <a:shade val="50000"/>
-            </a:schemeClr>
-          </a:lnRef>
-          <a:fillRef idx="1">
-            <a:schemeClr val="accent2"/>
-          </a:fillRef>
-          <a:effectRef idx="0">
-            <a:schemeClr val="accent2"/>
-          </a:effectRef>
-          <a:fontRef idx="minor">
-            <a:schemeClr val="lt1"/>
-          </a:fontRef>
-        </p:style>
-        <p:txBody>
-          <a:bodyPr rtlCol="0" anchor="ctr"/>
-          <a:lstStyle/>
-          <a:p>
-            <a:pPr algn="ctr"/>
-            <a:endParaRPr kumimoji="1" lang="ja-JP" altLang="en-US"/>
-          </a:p>
-        </p:txBody>
-      </p:sp>
-      <p:cxnSp>
-        <p:nvCxnSpPr>
-          <p:cNvPr id="16" name="直線コネクタ 15"/>
-          <p:cNvCxnSpPr>
-            <a:stCxn id="13" idx="3"/>
-            <a:endCxn id="6" idx="1"/>
-          </p:cNvCxnSpPr>
-          <p:nvPr/>
-        </p:nvCxnSpPr>
-        <p:spPr>
-          <a:xfrm flipV="1">
-            <a:off x="4538749" y="2874126"/>
-            <a:ext cx="669174" cy="66501"/>
-          </a:xfrm>
-          <a:prstGeom prst="line">
-            <a:avLst/>
-          </a:prstGeom>
-        </p:spPr>
-        <p:style>
-          <a:lnRef idx="1">
-            <a:schemeClr val="accent1"/>
-          </a:lnRef>
-          <a:fillRef idx="0">
-            <a:schemeClr val="accent1"/>
-          </a:fillRef>
-          <a:effectRef idx="0">
-            <a:schemeClr val="accent1"/>
-          </a:effectRef>
-          <a:fontRef idx="minor">
-            <a:schemeClr val="tx1"/>
-          </a:fontRef>
-        </p:style>
-      </p:cxnSp>
-      <p:cxnSp>
-        <p:nvCxnSpPr>
-          <p:cNvPr id="21" name="直線コネクタ 20"/>
-          <p:cNvCxnSpPr>
-            <a:stCxn id="6" idx="3"/>
-            <a:endCxn id="14" idx="1"/>
-          </p:cNvCxnSpPr>
-          <p:nvPr/>
-        </p:nvCxnSpPr>
-        <p:spPr>
-          <a:xfrm>
-            <a:off x="6984076" y="2874126"/>
-            <a:ext cx="630382" cy="66501"/>
-          </a:xfrm>
-          <a:prstGeom prst="line">
-            <a:avLst/>
-          </a:prstGeom>
-        </p:spPr>
-        <p:style>
-          <a:lnRef idx="1">
-            <a:schemeClr val="accent1"/>
-          </a:lnRef>
-          <a:fillRef idx="0">
-            <a:schemeClr val="accent1"/>
-          </a:fillRef>
-          <a:effectRef idx="0">
-            <a:schemeClr val="accent1"/>
-          </a:effectRef>
-          <a:fontRef idx="minor">
-            <a:schemeClr val="tx1"/>
-          </a:fontRef>
-        </p:style>
-      </p:cxnSp>
-      <p:sp>
-        <p:nvSpPr>
-          <p:cNvPr id="23" name="角丸四角形 22"/>
-          <p:cNvSpPr/>
-          <p:nvPr/>
-        </p:nvSpPr>
-        <p:spPr>
-          <a:xfrm>
-            <a:off x="1271847" y="4713316"/>
-            <a:ext cx="1438102" cy="1014153"/>
-          </a:xfrm>
-          <a:prstGeom prst="roundRect">
-            <a:avLst/>
-          </a:prstGeom>
-        </p:spPr>
-        <p:style>
-          <a:lnRef idx="2">
-            <a:schemeClr val="accent1">
-              <a:shade val="50000"/>
-            </a:schemeClr>
-          </a:lnRef>
-          <a:fillRef idx="1">
-            <a:schemeClr val="accent1"/>
-          </a:fillRef>
-          <a:effectRef idx="0">
-            <a:schemeClr val="accent1"/>
-          </a:effectRef>
-          <a:fontRef idx="minor">
-            <a:schemeClr val="lt1"/>
-          </a:fontRef>
-        </p:style>
-        <p:txBody>
-          <a:bodyPr rtlCol="0" anchor="ctr"/>
-          <a:lstStyle/>
-          <a:p>
-            <a:pPr algn="ctr"/>
-            <a:r>
-              <a:rPr kumimoji="1" lang="en-US" altLang="ja-JP" dirty="0" smtClean="0"/>
-              <a:t>Desk</a:t>
-            </a:r>
-            <a:endParaRPr kumimoji="1" lang="ja-JP" altLang="en-US" dirty="0"/>
-          </a:p>
-        </p:txBody>
-      </p:sp>
-      <p:sp>
-        <p:nvSpPr>
-          <p:cNvPr id="24" name="角丸四角形 23"/>
-          <p:cNvSpPr/>
-          <p:nvPr/>
-        </p:nvSpPr>
-        <p:spPr>
-          <a:xfrm>
-            <a:off x="3100647" y="4713315"/>
-            <a:ext cx="1438102" cy="1014153"/>
-          </a:xfrm>
-          <a:prstGeom prst="roundRect">
-            <a:avLst/>
-          </a:prstGeom>
-        </p:spPr>
-        <p:style>
-          <a:lnRef idx="2">
-            <a:schemeClr val="accent1">
-              <a:shade val="50000"/>
-            </a:schemeClr>
-          </a:lnRef>
-          <a:fillRef idx="1">
-            <a:schemeClr val="accent1"/>
-          </a:fillRef>
-          <a:effectRef idx="0">
-            <a:schemeClr val="accent1"/>
-          </a:effectRef>
-          <a:fontRef idx="minor">
-            <a:schemeClr val="lt1"/>
-          </a:fontRef>
-        </p:style>
-        <p:txBody>
-          <a:bodyPr rtlCol="0" anchor="ctr"/>
-          <a:lstStyle/>
-          <a:p>
-            <a:pPr algn="ctr"/>
-            <a:r>
-              <a:rPr kumimoji="1" lang="en-US" altLang="ja-JP" dirty="0" err="1" smtClean="0"/>
-              <a:t>GasStove</a:t>
-            </a:r>
-            <a:endParaRPr kumimoji="1" lang="ja-JP" altLang="en-US" dirty="0"/>
-          </a:p>
-        </p:txBody>
-      </p:sp>
-      <p:sp>
-        <p:nvSpPr>
-          <p:cNvPr id="25" name="角丸四角形 24"/>
-          <p:cNvSpPr/>
-          <p:nvPr/>
-        </p:nvSpPr>
-        <p:spPr>
-          <a:xfrm>
-            <a:off x="6691745" y="4713313"/>
-            <a:ext cx="1438102" cy="1014153"/>
-          </a:xfrm>
-          <a:prstGeom prst="roundRect">
-            <a:avLst/>
-          </a:prstGeom>
-        </p:spPr>
-        <p:style>
-          <a:lnRef idx="2">
-            <a:schemeClr val="accent1">
-              <a:shade val="50000"/>
-            </a:schemeClr>
-          </a:lnRef>
-          <a:fillRef idx="1">
-            <a:schemeClr val="accent1"/>
-          </a:fillRef>
-          <a:effectRef idx="0">
-            <a:schemeClr val="accent1"/>
-          </a:effectRef>
-          <a:fontRef idx="minor">
-            <a:schemeClr val="lt1"/>
-          </a:fontRef>
-        </p:style>
-        <p:txBody>
-          <a:bodyPr rtlCol="0" anchor="ctr"/>
-          <a:lstStyle/>
-          <a:p>
-            <a:pPr algn="ctr"/>
-            <a:r>
-              <a:rPr kumimoji="1" lang="en-US" altLang="ja-JP" dirty="0" smtClean="0"/>
-              <a:t>Dish</a:t>
-            </a:r>
-            <a:endParaRPr kumimoji="1" lang="ja-JP" altLang="en-US" dirty="0"/>
-          </a:p>
-        </p:txBody>
-      </p:sp>
-      <p:sp>
-        <p:nvSpPr>
-          <p:cNvPr id="26" name="角丸四角形 25"/>
-          <p:cNvSpPr/>
-          <p:nvPr/>
-        </p:nvSpPr>
-        <p:spPr>
-          <a:xfrm>
-            <a:off x="8487294" y="4713313"/>
-            <a:ext cx="1438102" cy="1014153"/>
-          </a:xfrm>
-          <a:prstGeom prst="roundRect">
-            <a:avLst/>
-          </a:prstGeom>
-        </p:spPr>
-        <p:style>
-          <a:lnRef idx="2">
-            <a:schemeClr val="accent1">
-              <a:shade val="50000"/>
-            </a:schemeClr>
-          </a:lnRef>
-          <a:fillRef idx="1">
-            <a:schemeClr val="accent1"/>
-          </a:fillRef>
-          <a:effectRef idx="0">
-            <a:schemeClr val="accent1"/>
-          </a:effectRef>
-          <a:fontRef idx="minor">
-            <a:schemeClr val="lt1"/>
-          </a:fontRef>
-        </p:style>
-        <p:txBody>
-          <a:bodyPr rtlCol="0" anchor="ctr"/>
-          <a:lstStyle/>
-          <a:p>
-            <a:pPr algn="ctr"/>
-            <a:r>
-              <a:rPr kumimoji="1" lang="en-US" altLang="ja-JP" dirty="0" smtClean="0"/>
-              <a:t>Tomato</a:t>
-            </a:r>
-            <a:endParaRPr kumimoji="1" lang="ja-JP" altLang="en-US" dirty="0"/>
-          </a:p>
-        </p:txBody>
-      </p:sp>
-      <p:sp>
-        <p:nvSpPr>
-          <p:cNvPr id="27" name="二等辺三角形 26"/>
-          <p:cNvSpPr/>
-          <p:nvPr/>
-        </p:nvSpPr>
-        <p:spPr>
-          <a:xfrm>
-            <a:off x="2644832" y="3429000"/>
-            <a:ext cx="756458" cy="394854"/>
-          </a:xfrm>
-          <a:prstGeom prst="triangle">
-            <a:avLst/>
-          </a:prstGeom>
-        </p:spPr>
-        <p:style>
-          <a:lnRef idx="2">
-            <a:schemeClr val="accent1">
-              <a:shade val="50000"/>
-            </a:schemeClr>
-          </a:lnRef>
-          <a:fillRef idx="1">
-            <a:schemeClr val="accent1"/>
-          </a:fillRef>
-          <a:effectRef idx="0">
-            <a:schemeClr val="accent1"/>
-          </a:effectRef>
-          <a:fontRef idx="minor">
-            <a:schemeClr val="lt1"/>
-          </a:fontRef>
-        </p:style>
-        <p:txBody>
-          <a:bodyPr rtlCol="0" anchor="ctr"/>
-          <a:lstStyle/>
-          <a:p>
-            <a:pPr algn="ctr"/>
-            <a:endParaRPr kumimoji="1" lang="ja-JP" altLang="en-US"/>
-          </a:p>
-        </p:txBody>
-      </p:sp>
-      <p:sp>
-        <p:nvSpPr>
-          <p:cNvPr id="28" name="二等辺三角形 27"/>
-          <p:cNvSpPr/>
-          <p:nvPr/>
-        </p:nvSpPr>
-        <p:spPr>
-          <a:xfrm>
-            <a:off x="8790709" y="3429000"/>
-            <a:ext cx="756458" cy="394854"/>
-          </a:xfrm>
-          <a:prstGeom prst="triangle">
-            <a:avLst/>
-          </a:prstGeom>
-        </p:spPr>
-        <p:style>
-          <a:lnRef idx="2">
-            <a:schemeClr val="accent1">
-              <a:shade val="50000"/>
-            </a:schemeClr>
-          </a:lnRef>
-          <a:fillRef idx="1">
-            <a:schemeClr val="accent1"/>
-          </a:fillRef>
-          <a:effectRef idx="0">
-            <a:schemeClr val="accent1"/>
-          </a:effectRef>
-          <a:fontRef idx="minor">
-            <a:schemeClr val="lt1"/>
-          </a:fontRef>
-        </p:style>
-        <p:txBody>
-          <a:bodyPr rtlCol="0" anchor="ctr"/>
-          <a:lstStyle/>
-          <a:p>
-            <a:pPr algn="ctr"/>
-            <a:endParaRPr kumimoji="1" lang="ja-JP" altLang="en-US"/>
-          </a:p>
-        </p:txBody>
-      </p:sp>
-      <p:cxnSp>
-        <p:nvCxnSpPr>
-          <p:cNvPr id="30" name="直線コネクタ 29"/>
-          <p:cNvCxnSpPr>
-            <a:stCxn id="27" idx="3"/>
-          </p:cNvCxnSpPr>
-          <p:nvPr/>
-        </p:nvCxnSpPr>
-        <p:spPr>
-          <a:xfrm>
-            <a:off x="3023061" y="3823854"/>
-            <a:ext cx="2772" cy="375026"/>
-          </a:xfrm>
-          <a:prstGeom prst="line">
-            <a:avLst/>
-          </a:prstGeom>
-        </p:spPr>
-        <p:style>
-          <a:lnRef idx="1">
-            <a:schemeClr val="accent1"/>
-          </a:lnRef>
-          <a:fillRef idx="0">
-            <a:schemeClr val="accent1"/>
-          </a:fillRef>
-          <a:effectRef idx="0">
-            <a:schemeClr val="accent1"/>
-          </a:effectRef>
-          <a:fontRef idx="minor">
-            <a:schemeClr val="tx1"/>
-          </a:fontRef>
-        </p:style>
-      </p:cxnSp>
-      <p:cxnSp>
-        <p:nvCxnSpPr>
-          <p:cNvPr id="34" name="直線コネクタ 33"/>
-          <p:cNvCxnSpPr/>
-          <p:nvPr/>
-        </p:nvCxnSpPr>
-        <p:spPr>
-          <a:xfrm>
-            <a:off x="1990898" y="4198880"/>
-            <a:ext cx="1808018" cy="0"/>
-          </a:xfrm>
-          <a:prstGeom prst="line">
-            <a:avLst/>
-          </a:prstGeom>
-        </p:spPr>
-        <p:style>
-          <a:lnRef idx="1">
-            <a:schemeClr val="accent1"/>
-          </a:lnRef>
-          <a:fillRef idx="0">
-            <a:schemeClr val="accent1"/>
-          </a:fillRef>
-          <a:effectRef idx="0">
-            <a:schemeClr val="accent1"/>
-          </a:effectRef>
-          <a:fontRef idx="minor">
-            <a:schemeClr val="tx1"/>
-          </a:fontRef>
-        </p:style>
-      </p:cxnSp>
-      <p:cxnSp>
-        <p:nvCxnSpPr>
-          <p:cNvPr id="38" name="直線コネクタ 37"/>
-          <p:cNvCxnSpPr>
-            <a:stCxn id="23" idx="0"/>
-          </p:cNvCxnSpPr>
-          <p:nvPr/>
-        </p:nvCxnSpPr>
-        <p:spPr>
-          <a:xfrm flipV="1">
-            <a:off x="1990898" y="4198880"/>
-            <a:ext cx="0" cy="514436"/>
-          </a:xfrm>
-          <a:prstGeom prst="line">
-            <a:avLst/>
-          </a:prstGeom>
-        </p:spPr>
-        <p:style>
-          <a:lnRef idx="1">
-            <a:schemeClr val="accent1"/>
-          </a:lnRef>
-          <a:fillRef idx="0">
-            <a:schemeClr val="accent1"/>
-          </a:fillRef>
-          <a:effectRef idx="0">
-            <a:schemeClr val="accent1"/>
-          </a:effectRef>
-          <a:fontRef idx="minor">
-            <a:schemeClr val="tx1"/>
-          </a:fontRef>
-        </p:style>
-      </p:cxnSp>
-      <p:cxnSp>
-        <p:nvCxnSpPr>
-          <p:cNvPr id="43" name="直線コネクタ 42"/>
-          <p:cNvCxnSpPr/>
-          <p:nvPr/>
-        </p:nvCxnSpPr>
-        <p:spPr>
-          <a:xfrm flipH="1" flipV="1">
-            <a:off x="3798916" y="4198880"/>
-            <a:ext cx="1" cy="514435"/>
-          </a:xfrm>
-          <a:prstGeom prst="line">
-            <a:avLst/>
-          </a:prstGeom>
-        </p:spPr>
-        <p:style>
-          <a:lnRef idx="1">
-            <a:schemeClr val="accent1"/>
-          </a:lnRef>
-          <a:fillRef idx="0">
-            <a:schemeClr val="accent1"/>
-          </a:fillRef>
-          <a:effectRef idx="0">
-            <a:schemeClr val="accent1"/>
-          </a:effectRef>
-          <a:fontRef idx="minor">
-            <a:schemeClr val="tx1"/>
-          </a:fontRef>
-        </p:style>
-      </p:cxnSp>
-      <p:sp>
-        <p:nvSpPr>
-          <p:cNvPr id="47" name="角丸四角形 46"/>
-          <p:cNvSpPr/>
-          <p:nvPr/>
-        </p:nvSpPr>
-        <p:spPr>
-          <a:xfrm>
-            <a:off x="4972396" y="5320144"/>
-            <a:ext cx="1022465" cy="407321"/>
-          </a:xfrm>
-          <a:prstGeom prst="roundRect">
-            <a:avLst/>
-          </a:prstGeom>
-        </p:spPr>
-        <p:style>
-          <a:lnRef idx="2">
-            <a:schemeClr val="accent1">
-              <a:shade val="50000"/>
-            </a:schemeClr>
-          </a:lnRef>
-          <a:fillRef idx="1">
-            <a:schemeClr val="accent1"/>
-          </a:fillRef>
-          <a:effectRef idx="0">
-            <a:schemeClr val="accent1"/>
-          </a:effectRef>
-          <a:fontRef idx="minor">
-            <a:schemeClr val="lt1"/>
-          </a:fontRef>
-        </p:style>
-        <p:txBody>
-          <a:bodyPr rtlCol="0" anchor="ctr"/>
-          <a:lstStyle/>
-          <a:p>
-            <a:pPr algn="ctr"/>
-            <a:r>
-              <a:rPr lang="en-US" altLang="ja-JP" dirty="0"/>
-              <a:t>e</a:t>
-            </a:r>
-            <a:r>
-              <a:rPr kumimoji="1" lang="en-US" altLang="ja-JP" dirty="0" smtClean="0"/>
-              <a:t>tc</a:t>
-            </a:r>
-            <a:r>
-              <a:rPr lang="en-US" altLang="ja-JP" dirty="0" smtClean="0"/>
-              <a:t>..</a:t>
-            </a:r>
-            <a:endParaRPr kumimoji="1" lang="ja-JP" altLang="en-US" dirty="0"/>
-          </a:p>
-        </p:txBody>
-      </p:sp>
-      <p:sp>
-        <p:nvSpPr>
-          <p:cNvPr id="48" name="角丸四角形 47"/>
-          <p:cNvSpPr/>
-          <p:nvPr/>
-        </p:nvSpPr>
-        <p:spPr>
-          <a:xfrm>
-            <a:off x="10282843" y="5320145"/>
-            <a:ext cx="1022465" cy="407321"/>
-          </a:xfrm>
-          <a:prstGeom prst="roundRect">
-            <a:avLst/>
-          </a:prstGeom>
-        </p:spPr>
-        <p:style>
-          <a:lnRef idx="2">
-            <a:schemeClr val="accent1">
-              <a:shade val="50000"/>
-            </a:schemeClr>
-          </a:lnRef>
-          <a:fillRef idx="1">
-            <a:schemeClr val="accent1"/>
-          </a:fillRef>
-          <a:effectRef idx="0">
-            <a:schemeClr val="accent1"/>
-          </a:effectRef>
-          <a:fontRef idx="minor">
-            <a:schemeClr val="lt1"/>
-          </a:fontRef>
-        </p:style>
-        <p:txBody>
-          <a:bodyPr rtlCol="0" anchor="ctr"/>
-          <a:lstStyle/>
-          <a:p>
-            <a:pPr algn="ctr"/>
-            <a:r>
-              <a:rPr lang="en-US" altLang="ja-JP" dirty="0" smtClean="0"/>
-              <a:t>etc..</a:t>
-            </a:r>
-            <a:endParaRPr kumimoji="1" lang="ja-JP" altLang="en-US" dirty="0"/>
-          </a:p>
-        </p:txBody>
-      </p:sp>
-      <p:cxnSp>
-        <p:nvCxnSpPr>
-          <p:cNvPr id="50" name="直線コネクタ 49"/>
-          <p:cNvCxnSpPr/>
-          <p:nvPr/>
-        </p:nvCxnSpPr>
-        <p:spPr>
-          <a:xfrm flipV="1">
-            <a:off x="5483628" y="4198880"/>
-            <a:ext cx="0" cy="1121264"/>
-          </a:xfrm>
-          <a:prstGeom prst="line">
-            <a:avLst/>
-          </a:prstGeom>
-        </p:spPr>
-        <p:style>
-          <a:lnRef idx="1">
-            <a:schemeClr val="accent1"/>
-          </a:lnRef>
-          <a:fillRef idx="0">
-            <a:schemeClr val="accent1"/>
-          </a:fillRef>
-          <a:effectRef idx="0">
-            <a:schemeClr val="accent1"/>
-          </a:effectRef>
-          <a:fontRef idx="minor">
-            <a:schemeClr val="tx1"/>
-          </a:fontRef>
-        </p:style>
-      </p:cxnSp>
-      <p:cxnSp>
-        <p:nvCxnSpPr>
-          <p:cNvPr id="53" name="直線コネクタ 52"/>
-          <p:cNvCxnSpPr/>
-          <p:nvPr/>
-        </p:nvCxnSpPr>
-        <p:spPr>
-          <a:xfrm>
-            <a:off x="3798916" y="4198880"/>
-            <a:ext cx="1684711" cy="8313"/>
-          </a:xfrm>
-          <a:prstGeom prst="line">
-            <a:avLst/>
-          </a:prstGeom>
-        </p:spPr>
-        <p:style>
-          <a:lnRef idx="1">
-            <a:schemeClr val="accent1"/>
-          </a:lnRef>
-          <a:fillRef idx="0">
-            <a:schemeClr val="accent1"/>
-          </a:fillRef>
-          <a:effectRef idx="0">
-            <a:schemeClr val="accent1"/>
-          </a:effectRef>
-          <a:fontRef idx="minor">
-            <a:schemeClr val="tx1"/>
-          </a:fontRef>
-        </p:style>
-      </p:cxnSp>
-      <p:cxnSp>
-        <p:nvCxnSpPr>
-          <p:cNvPr id="56" name="直線コネクタ 55"/>
-          <p:cNvCxnSpPr/>
-          <p:nvPr/>
-        </p:nvCxnSpPr>
-        <p:spPr>
-          <a:xfrm>
-            <a:off x="9159239" y="3812033"/>
-            <a:ext cx="2772" cy="375026"/>
-          </a:xfrm>
-          <a:prstGeom prst="line">
-            <a:avLst/>
-          </a:prstGeom>
-        </p:spPr>
-        <p:style>
-          <a:lnRef idx="1">
-            <a:schemeClr val="accent1"/>
-          </a:lnRef>
-          <a:fillRef idx="0">
-            <a:schemeClr val="accent1"/>
-          </a:fillRef>
-          <a:effectRef idx="0">
-            <a:schemeClr val="accent1"/>
-          </a:effectRef>
-          <a:fontRef idx="minor">
-            <a:schemeClr val="tx1"/>
-          </a:fontRef>
-        </p:style>
-      </p:cxnSp>
-      <p:cxnSp>
-        <p:nvCxnSpPr>
-          <p:cNvPr id="58" name="直線コネクタ 57"/>
-          <p:cNvCxnSpPr/>
-          <p:nvPr/>
-        </p:nvCxnSpPr>
-        <p:spPr>
-          <a:xfrm flipV="1">
-            <a:off x="7401098" y="4187059"/>
-            <a:ext cx="0" cy="514436"/>
-          </a:xfrm>
-          <a:prstGeom prst="line">
-            <a:avLst/>
-          </a:prstGeom>
-        </p:spPr>
-        <p:style>
-          <a:lnRef idx="1">
-            <a:schemeClr val="accent1"/>
-          </a:lnRef>
-          <a:fillRef idx="0">
-            <a:schemeClr val="accent1"/>
-          </a:fillRef>
-          <a:effectRef idx="0">
-            <a:schemeClr val="accent1"/>
-          </a:effectRef>
-          <a:fontRef idx="minor">
-            <a:schemeClr val="tx1"/>
-          </a:fontRef>
-        </p:style>
-      </p:cxnSp>
-      <p:cxnSp>
-        <p:nvCxnSpPr>
-          <p:cNvPr id="59" name="直線コネクタ 58"/>
-          <p:cNvCxnSpPr/>
-          <p:nvPr/>
-        </p:nvCxnSpPr>
-        <p:spPr>
-          <a:xfrm flipH="1" flipV="1">
-            <a:off x="9168937" y="4187841"/>
-            <a:ext cx="1" cy="514435"/>
-          </a:xfrm>
-          <a:prstGeom prst="line">
-            <a:avLst/>
-          </a:prstGeom>
-        </p:spPr>
-        <p:style>
-          <a:lnRef idx="1">
-            <a:schemeClr val="accent1"/>
-          </a:lnRef>
-          <a:fillRef idx="0">
-            <a:schemeClr val="accent1"/>
-          </a:fillRef>
-          <a:effectRef idx="0">
-            <a:schemeClr val="accent1"/>
-          </a:effectRef>
-          <a:fontRef idx="minor">
-            <a:schemeClr val="tx1"/>
-          </a:fontRef>
-        </p:style>
-      </p:cxnSp>
-      <p:cxnSp>
-        <p:nvCxnSpPr>
-          <p:cNvPr id="60" name="直線コネクタ 59"/>
-          <p:cNvCxnSpPr/>
-          <p:nvPr/>
-        </p:nvCxnSpPr>
-        <p:spPr>
-          <a:xfrm flipV="1">
-            <a:off x="10794074" y="4207193"/>
-            <a:ext cx="0" cy="1121264"/>
-          </a:xfrm>
-          <a:prstGeom prst="line">
-            <a:avLst/>
-          </a:prstGeom>
-        </p:spPr>
-        <p:style>
-          <a:lnRef idx="1">
-            <a:schemeClr val="accent1"/>
-          </a:lnRef>
-          <a:fillRef idx="0">
-            <a:schemeClr val="accent1"/>
-          </a:fillRef>
-          <a:effectRef idx="0">
-            <a:schemeClr val="accent1"/>
-          </a:effectRef>
-          <a:fontRef idx="minor">
-            <a:schemeClr val="tx1"/>
-          </a:fontRef>
-        </p:style>
-      </p:cxnSp>
-      <p:cxnSp>
-        <p:nvCxnSpPr>
-          <p:cNvPr id="62" name="直線コネクタ 61"/>
-          <p:cNvCxnSpPr/>
-          <p:nvPr/>
-        </p:nvCxnSpPr>
-        <p:spPr>
-          <a:xfrm flipH="1">
-            <a:off x="7408025" y="4207193"/>
-            <a:ext cx="3386050" cy="0"/>
-          </a:xfrm>
-          <a:prstGeom prst="line">
-            <a:avLst/>
-          </a:prstGeom>
-        </p:spPr>
-        <p:style>
-          <a:lnRef idx="1">
-            <a:schemeClr val="accent1"/>
-          </a:lnRef>
-          <a:fillRef idx="0">
-            <a:schemeClr val="accent1"/>
-          </a:fillRef>
-          <a:effectRef idx="0">
-            <a:schemeClr val="accent1"/>
-          </a:effectRef>
-          <a:fontRef idx="minor">
-            <a:schemeClr val="tx1"/>
-          </a:fontRef>
-        </p:style>
-      </p:cxnSp>
+        <p:spPr/>
+        <p:txBody>
+          <a:bodyPr>
+            <a:normAutofit/>
+          </a:bodyPr>
+          <a:lstStyle/>
+          <a:p>
+            <a:pPr marL="0" indent="0">
+              <a:buNone/>
+            </a:pPr>
+            <a:r>
+              <a:rPr lang="ja-JP" altLang="en-US" sz="2400" dirty="0"/>
+              <a:t>①</a:t>
+            </a:r>
+            <a:r>
+              <a:rPr lang="ja-JP" altLang="en-US" sz="2400" dirty="0" smtClean="0"/>
+              <a:t>「食べ物を切るとき」「お皿を洗う時」の処理を長押しにしています。</a:t>
+            </a:r>
+            <a:endParaRPr lang="en-US" altLang="ja-JP" sz="2400" dirty="0" smtClean="0"/>
+          </a:p>
+          <a:p>
+            <a:pPr marL="0" indent="0">
+              <a:buNone/>
+            </a:pPr>
+            <a:r>
+              <a:rPr kumimoji="1" lang="en-US" altLang="ja-JP" sz="2400" dirty="0" err="1" smtClean="0"/>
+              <a:t>OverCoooked</a:t>
+            </a:r>
+            <a:r>
+              <a:rPr kumimoji="1" lang="ja-JP" altLang="en-US" sz="2400" dirty="0" smtClean="0"/>
+              <a:t>では一度押したら処理が続き、もう一度押すと処理を終了するという流れでした。しかし</a:t>
+            </a:r>
+            <a:r>
+              <a:rPr kumimoji="1" lang="en-US" altLang="ja-JP" sz="2400" dirty="0" smtClean="0"/>
+              <a:t>OverCooked2</a:t>
+            </a:r>
+            <a:r>
+              <a:rPr kumimoji="1" lang="ja-JP" altLang="en-US" sz="2400" dirty="0" smtClean="0"/>
+              <a:t>では、長押ししている間のみ処理をするようになっていました。</a:t>
+            </a:r>
+            <a:endParaRPr kumimoji="1" lang="en-US" altLang="ja-JP" sz="2400" dirty="0" smtClean="0"/>
+          </a:p>
+          <a:p>
+            <a:pPr marL="0" indent="0">
+              <a:buNone/>
+            </a:pPr>
+            <a:r>
+              <a:rPr lang="ja-JP" altLang="en-US" sz="2400" dirty="0" smtClean="0"/>
+              <a:t>どちらを</a:t>
+            </a:r>
+            <a:r>
+              <a:rPr lang="ja-JP" altLang="en-US" sz="2400" dirty="0"/>
+              <a:t>採用</a:t>
+            </a:r>
+            <a:r>
+              <a:rPr lang="ja-JP" altLang="en-US" sz="2400" dirty="0" smtClean="0"/>
+              <a:t>するか非常に迷いましたが、このゲームはこまめに作業を変える必要があるため、</a:t>
+            </a:r>
+            <a:r>
+              <a:rPr lang="en-US" altLang="ja-JP" sz="2400" dirty="0" smtClean="0"/>
+              <a:t>OverCooked2</a:t>
+            </a:r>
+            <a:r>
+              <a:rPr lang="ja-JP" altLang="en-US" sz="2400" dirty="0" smtClean="0"/>
+              <a:t>の仕様がより感覚的に操作できると考え、長押し処理にしました。</a:t>
+            </a:r>
+            <a:endParaRPr lang="en-US" altLang="ja-JP" sz="2400" dirty="0" smtClean="0"/>
+          </a:p>
+          <a:p>
+            <a:pPr marL="0" indent="0">
+              <a:buNone/>
+            </a:pPr>
+            <a:endParaRPr lang="en-US" altLang="ja-JP" sz="2400" dirty="0" smtClean="0"/>
+          </a:p>
+          <a:p>
+            <a:pPr marL="0" indent="0">
+              <a:buNone/>
+            </a:pPr>
+            <a:r>
+              <a:rPr kumimoji="1" lang="ja-JP" altLang="en-US" sz="2400" dirty="0" smtClean="0"/>
+              <a:t>②　操作をⒶボタンとⓍボタンだけにすることにより、初心者でも操作をしやすくしています。</a:t>
+            </a:r>
+            <a:endParaRPr kumimoji="1" lang="ja-JP" altLang="en-US" sz="2400" dirty="0"/>
+          </a:p>
+        </p:txBody>
+      </p:sp>
     </p:spTree>
     <p:extLst>
       <p:ext uri="{BB962C8B-B14F-4D97-AF65-F5344CB8AC3E}">
-        <p14:creationId xmlns:p14="http://schemas.microsoft.com/office/powerpoint/2010/main" val="1693178662"/>
+        <p14:creationId xmlns:p14="http://schemas.microsoft.com/office/powerpoint/2010/main" val="1122544693"/>
       </p:ext>
     </p:extLst>
   </p:cSld>
@@ -5441,7 +4668,7 @@
           <a:p>
             <a:r>
               <a:rPr kumimoji="1" lang="ja-JP" altLang="en-US" dirty="0" smtClean="0"/>
-              <a:t>影</a:t>
+              <a:t>ストラテジーバターン</a:t>
             </a:r>
             <a:endParaRPr kumimoji="1" lang="ja-JP" altLang="en-US" dirty="0"/>
           </a:p>
@@ -5449,7 +4676,7 @@
       </p:sp>
       <p:sp>
         <p:nvSpPr>
-          <p:cNvPr id="3" name="コンテンツ プレースホルダー 2"/>
+          <p:cNvPr id="5" name="コンテンツ プレースホルダー 4"/>
           <p:cNvSpPr>
             <a:spLocks noGrp="1"/>
           </p:cNvSpPr>
@@ -5459,81 +4686,1021 @@
         </p:nvSpPr>
         <p:spPr>
           <a:xfrm>
-            <a:off x="5494712" y="1463040"/>
-            <a:ext cx="5859087" cy="4713923"/>
+            <a:off x="838199" y="1690687"/>
+            <a:ext cx="10515600" cy="4598193"/>
           </a:xfrm>
         </p:spPr>
         <p:txBody>
           <a:bodyPr/>
           <a:lstStyle/>
           <a:p>
-            <a:pPr marL="0" indent="0">
-              <a:buNone/>
-            </a:pPr>
-            <a:r>
-              <a:rPr lang="ja-JP" altLang="en-US" dirty="0"/>
-              <a:t>①</a:t>
-            </a:r>
             <a:r>
               <a:rPr kumimoji="1" lang="ja-JP" altLang="en-US" dirty="0" smtClean="0"/>
-              <a:t>ライトの座標からライトの向きから見た平行投影のモデルの深度値を書き込んで</a:t>
-            </a:r>
-            <a:r>
-              <a:rPr lang="ja-JP" altLang="en-US" dirty="0"/>
-              <a:t>「</a:t>
-            </a:r>
-            <a:r>
-              <a:rPr kumimoji="1" lang="ja-JP" altLang="en-US" dirty="0" smtClean="0"/>
-              <a:t>シャドウマップ」を作成。</a:t>
-            </a:r>
-            <a:endParaRPr kumimoji="1" lang="en-US" altLang="ja-JP" dirty="0" smtClean="0"/>
-          </a:p>
-          <a:p>
-            <a:pPr marL="0" indent="0">
-              <a:buNone/>
-            </a:pPr>
-            <a:r>
-              <a:rPr lang="ja-JP" altLang="en-US" dirty="0" smtClean="0"/>
-              <a:t>・描画時、ライトから見たオブジェクトと①の深度値を比較し、①のほうが大きい場合、影を落とす。</a:t>
+              <a:t>容易にオブジェクトを追加できるようにしました。</a:t>
             </a:r>
             <a:endParaRPr kumimoji="1" lang="ja-JP" altLang="en-US" dirty="0"/>
           </a:p>
         </p:txBody>
       </p:sp>
-      <p:pic>
-        <p:nvPicPr>
-          <p:cNvPr id="4" name="図 3"/>
-          <p:cNvPicPr>
-            <a:picLocks noChangeAspect="1"/>
-          </p:cNvPicPr>
+      <p:sp>
+        <p:nvSpPr>
+          <p:cNvPr id="6" name="角丸四角形 5"/>
+          <p:cNvSpPr/>
           <p:nvPr/>
-        </p:nvPicPr>
-        <p:blipFill>
-          <a:blip r:embed="rId2">
-            <a:extLst>
-              <a:ext uri="{28A0092B-C50C-407E-A947-70E740481C1C}">
-                <a14:useLocalDpi xmlns:a14="http://schemas.microsoft.com/office/drawing/2010/main" val="0"/>
-              </a:ext>
-            </a:extLst>
-          </a:blip>
-          <a:stretch>
-            <a:fillRect/>
-          </a:stretch>
-        </p:blipFill>
+        </p:nvSpPr>
         <p:spPr>
           <a:xfrm>
-            <a:off x="1162397" y="1866031"/>
-            <a:ext cx="3537242" cy="3537242"/>
+            <a:off x="5207923" y="2319251"/>
+            <a:ext cx="1776153" cy="1109749"/>
           </a:xfrm>
-          <a:prstGeom prst="rect">
+          <a:prstGeom prst="roundRect">
             <a:avLst/>
           </a:prstGeom>
         </p:spPr>
-      </p:pic>
+        <p:style>
+          <a:lnRef idx="2">
+            <a:schemeClr val="accent1">
+              <a:shade val="50000"/>
+            </a:schemeClr>
+          </a:lnRef>
+          <a:fillRef idx="1">
+            <a:schemeClr val="accent1"/>
+          </a:fillRef>
+          <a:effectRef idx="0">
+            <a:schemeClr val="accent1"/>
+          </a:effectRef>
+          <a:fontRef idx="minor">
+            <a:schemeClr val="lt1"/>
+          </a:fontRef>
+        </p:style>
+        <p:txBody>
+          <a:bodyPr rtlCol="0" anchor="ctr"/>
+          <a:lstStyle/>
+          <a:p>
+            <a:pPr algn="ctr"/>
+            <a:r>
+              <a:rPr lang="en-US" altLang="ja-JP" dirty="0" smtClean="0"/>
+              <a:t>Player</a:t>
+            </a:r>
+            <a:endParaRPr kumimoji="1" lang="ja-JP" altLang="en-US" dirty="0"/>
+          </a:p>
+        </p:txBody>
+      </p:sp>
+      <p:sp>
+        <p:nvSpPr>
+          <p:cNvPr id="7" name="角丸四角形 6"/>
+          <p:cNvSpPr/>
+          <p:nvPr/>
+        </p:nvSpPr>
+        <p:spPr>
+          <a:xfrm>
+            <a:off x="1938250" y="2452255"/>
+            <a:ext cx="2169623" cy="985058"/>
+          </a:xfrm>
+          <a:prstGeom prst="roundRect">
+            <a:avLst/>
+          </a:prstGeom>
+        </p:spPr>
+        <p:style>
+          <a:lnRef idx="2">
+            <a:schemeClr val="accent1">
+              <a:shade val="50000"/>
+            </a:schemeClr>
+          </a:lnRef>
+          <a:fillRef idx="1">
+            <a:schemeClr val="accent1"/>
+          </a:fillRef>
+          <a:effectRef idx="0">
+            <a:schemeClr val="accent1"/>
+          </a:effectRef>
+          <a:fontRef idx="minor">
+            <a:schemeClr val="lt1"/>
+          </a:fontRef>
+        </p:style>
+        <p:txBody>
+          <a:bodyPr rtlCol="0" anchor="ctr"/>
+          <a:lstStyle/>
+          <a:p>
+            <a:pPr algn="ctr"/>
+            <a:r>
+              <a:rPr kumimoji="1" lang="en-US" altLang="ja-JP" dirty="0" err="1" smtClean="0"/>
+              <a:t>ObjectObove</a:t>
+            </a:r>
+            <a:endParaRPr kumimoji="1" lang="en-US" altLang="ja-JP" dirty="0" smtClean="0"/>
+          </a:p>
+          <a:p>
+            <a:pPr algn="ctr"/>
+            <a:r>
+              <a:rPr lang="en-US" altLang="ja-JP" dirty="0" smtClean="0"/>
+              <a:t>(</a:t>
+            </a:r>
+            <a:r>
+              <a:rPr lang="ja-JP" altLang="en-US" dirty="0" smtClean="0"/>
+              <a:t>物が置けるもの</a:t>
+            </a:r>
+            <a:r>
+              <a:rPr lang="en-US" altLang="ja-JP" dirty="0" smtClean="0"/>
+              <a:t>)</a:t>
+            </a:r>
+            <a:endParaRPr kumimoji="1" lang="ja-JP" altLang="en-US" dirty="0"/>
+          </a:p>
+        </p:txBody>
+      </p:sp>
+      <p:sp>
+        <p:nvSpPr>
+          <p:cNvPr id="8" name="角丸四角形 7"/>
+          <p:cNvSpPr/>
+          <p:nvPr/>
+        </p:nvSpPr>
+        <p:spPr>
+          <a:xfrm>
+            <a:off x="8055032" y="2452255"/>
+            <a:ext cx="2227811" cy="976745"/>
+          </a:xfrm>
+          <a:prstGeom prst="roundRect">
+            <a:avLst/>
+          </a:prstGeom>
+        </p:spPr>
+        <p:style>
+          <a:lnRef idx="2">
+            <a:schemeClr val="accent1">
+              <a:shade val="50000"/>
+            </a:schemeClr>
+          </a:lnRef>
+          <a:fillRef idx="1">
+            <a:schemeClr val="accent1"/>
+          </a:fillRef>
+          <a:effectRef idx="0">
+            <a:schemeClr val="accent1"/>
+          </a:effectRef>
+          <a:fontRef idx="minor">
+            <a:schemeClr val="lt1"/>
+          </a:fontRef>
+        </p:style>
+        <p:txBody>
+          <a:bodyPr rtlCol="0" anchor="ctr"/>
+          <a:lstStyle/>
+          <a:p>
+            <a:pPr algn="ctr"/>
+            <a:r>
+              <a:rPr kumimoji="1" lang="en-US" altLang="ja-JP" dirty="0" smtClean="0"/>
+              <a:t>Belongings</a:t>
+            </a:r>
+          </a:p>
+          <a:p>
+            <a:pPr algn="ctr"/>
+            <a:r>
+              <a:rPr lang="en-US" altLang="ja-JP" dirty="0" smtClean="0"/>
+              <a:t>(</a:t>
+            </a:r>
+            <a:r>
+              <a:rPr lang="ja-JP" altLang="en-US" dirty="0" smtClean="0"/>
+              <a:t>持つことのできるもの</a:t>
+            </a:r>
+            <a:r>
+              <a:rPr lang="en-US" altLang="ja-JP" dirty="0" smtClean="0"/>
+              <a:t>)</a:t>
+            </a:r>
+            <a:endParaRPr kumimoji="1" lang="ja-JP" altLang="en-US" dirty="0"/>
+          </a:p>
+        </p:txBody>
+      </p:sp>
+      <p:sp>
+        <p:nvSpPr>
+          <p:cNvPr id="13" name="ひし形 12"/>
+          <p:cNvSpPr/>
+          <p:nvPr/>
+        </p:nvSpPr>
+        <p:spPr>
+          <a:xfrm>
+            <a:off x="4107873" y="2727613"/>
+            <a:ext cx="430876" cy="426028"/>
+          </a:xfrm>
+          <a:prstGeom prst="diamond">
+            <a:avLst/>
+          </a:prstGeom>
+        </p:spPr>
+        <p:style>
+          <a:lnRef idx="2">
+            <a:schemeClr val="accent2">
+              <a:shade val="50000"/>
+            </a:schemeClr>
+          </a:lnRef>
+          <a:fillRef idx="1">
+            <a:schemeClr val="accent2"/>
+          </a:fillRef>
+          <a:effectRef idx="0">
+            <a:schemeClr val="accent2"/>
+          </a:effectRef>
+          <a:fontRef idx="minor">
+            <a:schemeClr val="lt1"/>
+          </a:fontRef>
+        </p:style>
+        <p:txBody>
+          <a:bodyPr rtlCol="0" anchor="ctr"/>
+          <a:lstStyle/>
+          <a:p>
+            <a:pPr algn="ctr"/>
+            <a:endParaRPr kumimoji="1" lang="ja-JP" altLang="en-US"/>
+          </a:p>
+        </p:txBody>
+      </p:sp>
+      <p:sp>
+        <p:nvSpPr>
+          <p:cNvPr id="14" name="ひし形 13"/>
+          <p:cNvSpPr/>
+          <p:nvPr/>
+        </p:nvSpPr>
+        <p:spPr>
+          <a:xfrm>
+            <a:off x="7614458" y="2727613"/>
+            <a:ext cx="440574" cy="426028"/>
+          </a:xfrm>
+          <a:prstGeom prst="diamond">
+            <a:avLst/>
+          </a:prstGeom>
+        </p:spPr>
+        <p:style>
+          <a:lnRef idx="2">
+            <a:schemeClr val="accent2">
+              <a:shade val="50000"/>
+            </a:schemeClr>
+          </a:lnRef>
+          <a:fillRef idx="1">
+            <a:schemeClr val="accent2"/>
+          </a:fillRef>
+          <a:effectRef idx="0">
+            <a:schemeClr val="accent2"/>
+          </a:effectRef>
+          <a:fontRef idx="minor">
+            <a:schemeClr val="lt1"/>
+          </a:fontRef>
+        </p:style>
+        <p:txBody>
+          <a:bodyPr rtlCol="0" anchor="ctr"/>
+          <a:lstStyle/>
+          <a:p>
+            <a:pPr algn="ctr"/>
+            <a:endParaRPr kumimoji="1" lang="ja-JP" altLang="en-US"/>
+          </a:p>
+        </p:txBody>
+      </p:sp>
+      <p:cxnSp>
+        <p:nvCxnSpPr>
+          <p:cNvPr id="16" name="直線コネクタ 15"/>
+          <p:cNvCxnSpPr>
+            <a:stCxn id="13" idx="3"/>
+            <a:endCxn id="6" idx="1"/>
+          </p:cNvCxnSpPr>
+          <p:nvPr/>
+        </p:nvCxnSpPr>
+        <p:spPr>
+          <a:xfrm flipV="1">
+            <a:off x="4538749" y="2874126"/>
+            <a:ext cx="669174" cy="66501"/>
+          </a:xfrm>
+          <a:prstGeom prst="line">
+            <a:avLst/>
+          </a:prstGeom>
+        </p:spPr>
+        <p:style>
+          <a:lnRef idx="1">
+            <a:schemeClr val="accent1"/>
+          </a:lnRef>
+          <a:fillRef idx="0">
+            <a:schemeClr val="accent1"/>
+          </a:fillRef>
+          <a:effectRef idx="0">
+            <a:schemeClr val="accent1"/>
+          </a:effectRef>
+          <a:fontRef idx="minor">
+            <a:schemeClr val="tx1"/>
+          </a:fontRef>
+        </p:style>
+      </p:cxnSp>
+      <p:cxnSp>
+        <p:nvCxnSpPr>
+          <p:cNvPr id="21" name="直線コネクタ 20"/>
+          <p:cNvCxnSpPr>
+            <a:stCxn id="6" idx="3"/>
+            <a:endCxn id="14" idx="1"/>
+          </p:cNvCxnSpPr>
+          <p:nvPr/>
+        </p:nvCxnSpPr>
+        <p:spPr>
+          <a:xfrm>
+            <a:off x="6984076" y="2874126"/>
+            <a:ext cx="630382" cy="66501"/>
+          </a:xfrm>
+          <a:prstGeom prst="line">
+            <a:avLst/>
+          </a:prstGeom>
+        </p:spPr>
+        <p:style>
+          <a:lnRef idx="1">
+            <a:schemeClr val="accent1"/>
+          </a:lnRef>
+          <a:fillRef idx="0">
+            <a:schemeClr val="accent1"/>
+          </a:fillRef>
+          <a:effectRef idx="0">
+            <a:schemeClr val="accent1"/>
+          </a:effectRef>
+          <a:fontRef idx="minor">
+            <a:schemeClr val="tx1"/>
+          </a:fontRef>
+        </p:style>
+      </p:cxnSp>
+      <p:sp>
+        <p:nvSpPr>
+          <p:cNvPr id="23" name="角丸四角形 22"/>
+          <p:cNvSpPr/>
+          <p:nvPr/>
+        </p:nvSpPr>
+        <p:spPr>
+          <a:xfrm>
+            <a:off x="1271847" y="4713316"/>
+            <a:ext cx="1438102" cy="1014153"/>
+          </a:xfrm>
+          <a:prstGeom prst="roundRect">
+            <a:avLst/>
+          </a:prstGeom>
+        </p:spPr>
+        <p:style>
+          <a:lnRef idx="2">
+            <a:schemeClr val="accent1">
+              <a:shade val="50000"/>
+            </a:schemeClr>
+          </a:lnRef>
+          <a:fillRef idx="1">
+            <a:schemeClr val="accent1"/>
+          </a:fillRef>
+          <a:effectRef idx="0">
+            <a:schemeClr val="accent1"/>
+          </a:effectRef>
+          <a:fontRef idx="minor">
+            <a:schemeClr val="lt1"/>
+          </a:fontRef>
+        </p:style>
+        <p:txBody>
+          <a:bodyPr rtlCol="0" anchor="ctr"/>
+          <a:lstStyle/>
+          <a:p>
+            <a:pPr algn="ctr"/>
+            <a:r>
+              <a:rPr kumimoji="1" lang="en-US" altLang="ja-JP" dirty="0" smtClean="0"/>
+              <a:t>Desk</a:t>
+            </a:r>
+            <a:endParaRPr kumimoji="1" lang="ja-JP" altLang="en-US" dirty="0"/>
+          </a:p>
+        </p:txBody>
+      </p:sp>
+      <p:sp>
+        <p:nvSpPr>
+          <p:cNvPr id="24" name="角丸四角形 23"/>
+          <p:cNvSpPr/>
+          <p:nvPr/>
+        </p:nvSpPr>
+        <p:spPr>
+          <a:xfrm>
+            <a:off x="3100647" y="4713315"/>
+            <a:ext cx="1438102" cy="1014153"/>
+          </a:xfrm>
+          <a:prstGeom prst="roundRect">
+            <a:avLst/>
+          </a:prstGeom>
+        </p:spPr>
+        <p:style>
+          <a:lnRef idx="2">
+            <a:schemeClr val="accent1">
+              <a:shade val="50000"/>
+            </a:schemeClr>
+          </a:lnRef>
+          <a:fillRef idx="1">
+            <a:schemeClr val="accent1"/>
+          </a:fillRef>
+          <a:effectRef idx="0">
+            <a:schemeClr val="accent1"/>
+          </a:effectRef>
+          <a:fontRef idx="minor">
+            <a:schemeClr val="lt1"/>
+          </a:fontRef>
+        </p:style>
+        <p:txBody>
+          <a:bodyPr rtlCol="0" anchor="ctr"/>
+          <a:lstStyle/>
+          <a:p>
+            <a:pPr algn="ctr"/>
+            <a:r>
+              <a:rPr kumimoji="1" lang="en-US" altLang="ja-JP" dirty="0" err="1" smtClean="0"/>
+              <a:t>GasStove</a:t>
+            </a:r>
+            <a:endParaRPr kumimoji="1" lang="ja-JP" altLang="en-US" dirty="0"/>
+          </a:p>
+        </p:txBody>
+      </p:sp>
+      <p:sp>
+        <p:nvSpPr>
+          <p:cNvPr id="25" name="角丸四角形 24"/>
+          <p:cNvSpPr/>
+          <p:nvPr/>
+        </p:nvSpPr>
+        <p:spPr>
+          <a:xfrm>
+            <a:off x="6691745" y="4713313"/>
+            <a:ext cx="1438102" cy="1014153"/>
+          </a:xfrm>
+          <a:prstGeom prst="roundRect">
+            <a:avLst/>
+          </a:prstGeom>
+        </p:spPr>
+        <p:style>
+          <a:lnRef idx="2">
+            <a:schemeClr val="accent1">
+              <a:shade val="50000"/>
+            </a:schemeClr>
+          </a:lnRef>
+          <a:fillRef idx="1">
+            <a:schemeClr val="accent1"/>
+          </a:fillRef>
+          <a:effectRef idx="0">
+            <a:schemeClr val="accent1"/>
+          </a:effectRef>
+          <a:fontRef idx="minor">
+            <a:schemeClr val="lt1"/>
+          </a:fontRef>
+        </p:style>
+        <p:txBody>
+          <a:bodyPr rtlCol="0" anchor="ctr"/>
+          <a:lstStyle/>
+          <a:p>
+            <a:pPr algn="ctr"/>
+            <a:r>
+              <a:rPr kumimoji="1" lang="en-US" altLang="ja-JP" dirty="0" smtClean="0"/>
+              <a:t>Dish</a:t>
+            </a:r>
+            <a:endParaRPr kumimoji="1" lang="ja-JP" altLang="en-US" dirty="0"/>
+          </a:p>
+        </p:txBody>
+      </p:sp>
+      <p:sp>
+        <p:nvSpPr>
+          <p:cNvPr id="26" name="角丸四角形 25"/>
+          <p:cNvSpPr/>
+          <p:nvPr/>
+        </p:nvSpPr>
+        <p:spPr>
+          <a:xfrm>
+            <a:off x="8487294" y="4713313"/>
+            <a:ext cx="1438102" cy="1014153"/>
+          </a:xfrm>
+          <a:prstGeom prst="roundRect">
+            <a:avLst/>
+          </a:prstGeom>
+        </p:spPr>
+        <p:style>
+          <a:lnRef idx="2">
+            <a:schemeClr val="accent1">
+              <a:shade val="50000"/>
+            </a:schemeClr>
+          </a:lnRef>
+          <a:fillRef idx="1">
+            <a:schemeClr val="accent1"/>
+          </a:fillRef>
+          <a:effectRef idx="0">
+            <a:schemeClr val="accent1"/>
+          </a:effectRef>
+          <a:fontRef idx="minor">
+            <a:schemeClr val="lt1"/>
+          </a:fontRef>
+        </p:style>
+        <p:txBody>
+          <a:bodyPr rtlCol="0" anchor="ctr"/>
+          <a:lstStyle/>
+          <a:p>
+            <a:pPr algn="ctr"/>
+            <a:r>
+              <a:rPr kumimoji="1" lang="en-US" altLang="ja-JP" dirty="0" smtClean="0"/>
+              <a:t>Tomato</a:t>
+            </a:r>
+            <a:endParaRPr kumimoji="1" lang="ja-JP" altLang="en-US" dirty="0"/>
+          </a:p>
+        </p:txBody>
+      </p:sp>
+      <p:sp>
+        <p:nvSpPr>
+          <p:cNvPr id="27" name="二等辺三角形 26"/>
+          <p:cNvSpPr/>
+          <p:nvPr/>
+        </p:nvSpPr>
+        <p:spPr>
+          <a:xfrm>
+            <a:off x="2644832" y="3429000"/>
+            <a:ext cx="756458" cy="394854"/>
+          </a:xfrm>
+          <a:prstGeom prst="triangle">
+            <a:avLst/>
+          </a:prstGeom>
+        </p:spPr>
+        <p:style>
+          <a:lnRef idx="2">
+            <a:schemeClr val="accent1">
+              <a:shade val="50000"/>
+            </a:schemeClr>
+          </a:lnRef>
+          <a:fillRef idx="1">
+            <a:schemeClr val="accent1"/>
+          </a:fillRef>
+          <a:effectRef idx="0">
+            <a:schemeClr val="accent1"/>
+          </a:effectRef>
+          <a:fontRef idx="minor">
+            <a:schemeClr val="lt1"/>
+          </a:fontRef>
+        </p:style>
+        <p:txBody>
+          <a:bodyPr rtlCol="0" anchor="ctr"/>
+          <a:lstStyle/>
+          <a:p>
+            <a:pPr algn="ctr"/>
+            <a:endParaRPr kumimoji="1" lang="ja-JP" altLang="en-US"/>
+          </a:p>
+        </p:txBody>
+      </p:sp>
+      <p:sp>
+        <p:nvSpPr>
+          <p:cNvPr id="28" name="二等辺三角形 27"/>
+          <p:cNvSpPr/>
+          <p:nvPr/>
+        </p:nvSpPr>
+        <p:spPr>
+          <a:xfrm>
+            <a:off x="8790709" y="3429000"/>
+            <a:ext cx="756458" cy="394854"/>
+          </a:xfrm>
+          <a:prstGeom prst="triangle">
+            <a:avLst/>
+          </a:prstGeom>
+        </p:spPr>
+        <p:style>
+          <a:lnRef idx="2">
+            <a:schemeClr val="accent1">
+              <a:shade val="50000"/>
+            </a:schemeClr>
+          </a:lnRef>
+          <a:fillRef idx="1">
+            <a:schemeClr val="accent1"/>
+          </a:fillRef>
+          <a:effectRef idx="0">
+            <a:schemeClr val="accent1"/>
+          </a:effectRef>
+          <a:fontRef idx="minor">
+            <a:schemeClr val="lt1"/>
+          </a:fontRef>
+        </p:style>
+        <p:txBody>
+          <a:bodyPr rtlCol="0" anchor="ctr"/>
+          <a:lstStyle/>
+          <a:p>
+            <a:pPr algn="ctr"/>
+            <a:endParaRPr kumimoji="1" lang="ja-JP" altLang="en-US"/>
+          </a:p>
+        </p:txBody>
+      </p:sp>
+      <p:cxnSp>
+        <p:nvCxnSpPr>
+          <p:cNvPr id="30" name="直線コネクタ 29"/>
+          <p:cNvCxnSpPr>
+            <a:stCxn id="27" idx="3"/>
+          </p:cNvCxnSpPr>
+          <p:nvPr/>
+        </p:nvCxnSpPr>
+        <p:spPr>
+          <a:xfrm>
+            <a:off x="3023061" y="3823854"/>
+            <a:ext cx="2772" cy="375026"/>
+          </a:xfrm>
+          <a:prstGeom prst="line">
+            <a:avLst/>
+          </a:prstGeom>
+        </p:spPr>
+        <p:style>
+          <a:lnRef idx="1">
+            <a:schemeClr val="accent1"/>
+          </a:lnRef>
+          <a:fillRef idx="0">
+            <a:schemeClr val="accent1"/>
+          </a:fillRef>
+          <a:effectRef idx="0">
+            <a:schemeClr val="accent1"/>
+          </a:effectRef>
+          <a:fontRef idx="minor">
+            <a:schemeClr val="tx1"/>
+          </a:fontRef>
+        </p:style>
+      </p:cxnSp>
+      <p:cxnSp>
+        <p:nvCxnSpPr>
+          <p:cNvPr id="34" name="直線コネクタ 33"/>
+          <p:cNvCxnSpPr/>
+          <p:nvPr/>
+        </p:nvCxnSpPr>
+        <p:spPr>
+          <a:xfrm>
+            <a:off x="1990898" y="4198880"/>
+            <a:ext cx="1808018" cy="0"/>
+          </a:xfrm>
+          <a:prstGeom prst="line">
+            <a:avLst/>
+          </a:prstGeom>
+        </p:spPr>
+        <p:style>
+          <a:lnRef idx="1">
+            <a:schemeClr val="accent1"/>
+          </a:lnRef>
+          <a:fillRef idx="0">
+            <a:schemeClr val="accent1"/>
+          </a:fillRef>
+          <a:effectRef idx="0">
+            <a:schemeClr val="accent1"/>
+          </a:effectRef>
+          <a:fontRef idx="minor">
+            <a:schemeClr val="tx1"/>
+          </a:fontRef>
+        </p:style>
+      </p:cxnSp>
+      <p:cxnSp>
+        <p:nvCxnSpPr>
+          <p:cNvPr id="38" name="直線コネクタ 37"/>
+          <p:cNvCxnSpPr>
+            <a:stCxn id="23" idx="0"/>
+          </p:cNvCxnSpPr>
+          <p:nvPr/>
+        </p:nvCxnSpPr>
+        <p:spPr>
+          <a:xfrm flipV="1">
+            <a:off x="1990898" y="4198880"/>
+            <a:ext cx="0" cy="514436"/>
+          </a:xfrm>
+          <a:prstGeom prst="line">
+            <a:avLst/>
+          </a:prstGeom>
+        </p:spPr>
+        <p:style>
+          <a:lnRef idx="1">
+            <a:schemeClr val="accent1"/>
+          </a:lnRef>
+          <a:fillRef idx="0">
+            <a:schemeClr val="accent1"/>
+          </a:fillRef>
+          <a:effectRef idx="0">
+            <a:schemeClr val="accent1"/>
+          </a:effectRef>
+          <a:fontRef idx="minor">
+            <a:schemeClr val="tx1"/>
+          </a:fontRef>
+        </p:style>
+      </p:cxnSp>
+      <p:cxnSp>
+        <p:nvCxnSpPr>
+          <p:cNvPr id="43" name="直線コネクタ 42"/>
+          <p:cNvCxnSpPr/>
+          <p:nvPr/>
+        </p:nvCxnSpPr>
+        <p:spPr>
+          <a:xfrm flipH="1" flipV="1">
+            <a:off x="3798916" y="4198880"/>
+            <a:ext cx="1" cy="514435"/>
+          </a:xfrm>
+          <a:prstGeom prst="line">
+            <a:avLst/>
+          </a:prstGeom>
+        </p:spPr>
+        <p:style>
+          <a:lnRef idx="1">
+            <a:schemeClr val="accent1"/>
+          </a:lnRef>
+          <a:fillRef idx="0">
+            <a:schemeClr val="accent1"/>
+          </a:fillRef>
+          <a:effectRef idx="0">
+            <a:schemeClr val="accent1"/>
+          </a:effectRef>
+          <a:fontRef idx="minor">
+            <a:schemeClr val="tx1"/>
+          </a:fontRef>
+        </p:style>
+      </p:cxnSp>
+      <p:sp>
+        <p:nvSpPr>
+          <p:cNvPr id="47" name="角丸四角形 46"/>
+          <p:cNvSpPr/>
+          <p:nvPr/>
+        </p:nvSpPr>
+        <p:spPr>
+          <a:xfrm>
+            <a:off x="4972396" y="5320144"/>
+            <a:ext cx="1022465" cy="407321"/>
+          </a:xfrm>
+          <a:prstGeom prst="roundRect">
+            <a:avLst/>
+          </a:prstGeom>
+        </p:spPr>
+        <p:style>
+          <a:lnRef idx="2">
+            <a:schemeClr val="accent1">
+              <a:shade val="50000"/>
+            </a:schemeClr>
+          </a:lnRef>
+          <a:fillRef idx="1">
+            <a:schemeClr val="accent1"/>
+          </a:fillRef>
+          <a:effectRef idx="0">
+            <a:schemeClr val="accent1"/>
+          </a:effectRef>
+          <a:fontRef idx="minor">
+            <a:schemeClr val="lt1"/>
+          </a:fontRef>
+        </p:style>
+        <p:txBody>
+          <a:bodyPr rtlCol="0" anchor="ctr"/>
+          <a:lstStyle/>
+          <a:p>
+            <a:pPr algn="ctr"/>
+            <a:r>
+              <a:rPr lang="en-US" altLang="ja-JP" dirty="0"/>
+              <a:t>e</a:t>
+            </a:r>
+            <a:r>
+              <a:rPr kumimoji="1" lang="en-US" altLang="ja-JP" dirty="0" smtClean="0"/>
+              <a:t>tc</a:t>
+            </a:r>
+            <a:r>
+              <a:rPr lang="en-US" altLang="ja-JP" dirty="0" smtClean="0"/>
+              <a:t>..</a:t>
+            </a:r>
+            <a:endParaRPr kumimoji="1" lang="ja-JP" altLang="en-US" dirty="0"/>
+          </a:p>
+        </p:txBody>
+      </p:sp>
+      <p:sp>
+        <p:nvSpPr>
+          <p:cNvPr id="48" name="角丸四角形 47"/>
+          <p:cNvSpPr/>
+          <p:nvPr/>
+        </p:nvSpPr>
+        <p:spPr>
+          <a:xfrm>
+            <a:off x="10282843" y="5320145"/>
+            <a:ext cx="1022465" cy="407321"/>
+          </a:xfrm>
+          <a:prstGeom prst="roundRect">
+            <a:avLst/>
+          </a:prstGeom>
+        </p:spPr>
+        <p:style>
+          <a:lnRef idx="2">
+            <a:schemeClr val="accent1">
+              <a:shade val="50000"/>
+            </a:schemeClr>
+          </a:lnRef>
+          <a:fillRef idx="1">
+            <a:schemeClr val="accent1"/>
+          </a:fillRef>
+          <a:effectRef idx="0">
+            <a:schemeClr val="accent1"/>
+          </a:effectRef>
+          <a:fontRef idx="minor">
+            <a:schemeClr val="lt1"/>
+          </a:fontRef>
+        </p:style>
+        <p:txBody>
+          <a:bodyPr rtlCol="0" anchor="ctr"/>
+          <a:lstStyle/>
+          <a:p>
+            <a:pPr algn="ctr"/>
+            <a:r>
+              <a:rPr lang="en-US" altLang="ja-JP" dirty="0" smtClean="0"/>
+              <a:t>etc..</a:t>
+            </a:r>
+            <a:endParaRPr kumimoji="1" lang="ja-JP" altLang="en-US" dirty="0"/>
+          </a:p>
+        </p:txBody>
+      </p:sp>
+      <p:cxnSp>
+        <p:nvCxnSpPr>
+          <p:cNvPr id="50" name="直線コネクタ 49"/>
+          <p:cNvCxnSpPr/>
+          <p:nvPr/>
+        </p:nvCxnSpPr>
+        <p:spPr>
+          <a:xfrm flipV="1">
+            <a:off x="5483628" y="4198880"/>
+            <a:ext cx="0" cy="1121264"/>
+          </a:xfrm>
+          <a:prstGeom prst="line">
+            <a:avLst/>
+          </a:prstGeom>
+        </p:spPr>
+        <p:style>
+          <a:lnRef idx="1">
+            <a:schemeClr val="accent1"/>
+          </a:lnRef>
+          <a:fillRef idx="0">
+            <a:schemeClr val="accent1"/>
+          </a:fillRef>
+          <a:effectRef idx="0">
+            <a:schemeClr val="accent1"/>
+          </a:effectRef>
+          <a:fontRef idx="minor">
+            <a:schemeClr val="tx1"/>
+          </a:fontRef>
+        </p:style>
+      </p:cxnSp>
+      <p:cxnSp>
+        <p:nvCxnSpPr>
+          <p:cNvPr id="53" name="直線コネクタ 52"/>
+          <p:cNvCxnSpPr/>
+          <p:nvPr/>
+        </p:nvCxnSpPr>
+        <p:spPr>
+          <a:xfrm>
+            <a:off x="3798916" y="4198880"/>
+            <a:ext cx="1684711" cy="8313"/>
+          </a:xfrm>
+          <a:prstGeom prst="line">
+            <a:avLst/>
+          </a:prstGeom>
+        </p:spPr>
+        <p:style>
+          <a:lnRef idx="1">
+            <a:schemeClr val="accent1"/>
+          </a:lnRef>
+          <a:fillRef idx="0">
+            <a:schemeClr val="accent1"/>
+          </a:fillRef>
+          <a:effectRef idx="0">
+            <a:schemeClr val="accent1"/>
+          </a:effectRef>
+          <a:fontRef idx="minor">
+            <a:schemeClr val="tx1"/>
+          </a:fontRef>
+        </p:style>
+      </p:cxnSp>
+      <p:cxnSp>
+        <p:nvCxnSpPr>
+          <p:cNvPr id="56" name="直線コネクタ 55"/>
+          <p:cNvCxnSpPr/>
+          <p:nvPr/>
+        </p:nvCxnSpPr>
+        <p:spPr>
+          <a:xfrm>
+            <a:off x="9159239" y="3812033"/>
+            <a:ext cx="2772" cy="375026"/>
+          </a:xfrm>
+          <a:prstGeom prst="line">
+            <a:avLst/>
+          </a:prstGeom>
+        </p:spPr>
+        <p:style>
+          <a:lnRef idx="1">
+            <a:schemeClr val="accent1"/>
+          </a:lnRef>
+          <a:fillRef idx="0">
+            <a:schemeClr val="accent1"/>
+          </a:fillRef>
+          <a:effectRef idx="0">
+            <a:schemeClr val="accent1"/>
+          </a:effectRef>
+          <a:fontRef idx="minor">
+            <a:schemeClr val="tx1"/>
+          </a:fontRef>
+        </p:style>
+      </p:cxnSp>
+      <p:cxnSp>
+        <p:nvCxnSpPr>
+          <p:cNvPr id="58" name="直線コネクタ 57"/>
+          <p:cNvCxnSpPr/>
+          <p:nvPr/>
+        </p:nvCxnSpPr>
+        <p:spPr>
+          <a:xfrm flipV="1">
+            <a:off x="7401098" y="4187059"/>
+            <a:ext cx="0" cy="514436"/>
+          </a:xfrm>
+          <a:prstGeom prst="line">
+            <a:avLst/>
+          </a:prstGeom>
+        </p:spPr>
+        <p:style>
+          <a:lnRef idx="1">
+            <a:schemeClr val="accent1"/>
+          </a:lnRef>
+          <a:fillRef idx="0">
+            <a:schemeClr val="accent1"/>
+          </a:fillRef>
+          <a:effectRef idx="0">
+            <a:schemeClr val="accent1"/>
+          </a:effectRef>
+          <a:fontRef idx="minor">
+            <a:schemeClr val="tx1"/>
+          </a:fontRef>
+        </p:style>
+      </p:cxnSp>
+      <p:cxnSp>
+        <p:nvCxnSpPr>
+          <p:cNvPr id="59" name="直線コネクタ 58"/>
+          <p:cNvCxnSpPr/>
+          <p:nvPr/>
+        </p:nvCxnSpPr>
+        <p:spPr>
+          <a:xfrm flipH="1" flipV="1">
+            <a:off x="9168937" y="4187841"/>
+            <a:ext cx="1" cy="514435"/>
+          </a:xfrm>
+          <a:prstGeom prst="line">
+            <a:avLst/>
+          </a:prstGeom>
+        </p:spPr>
+        <p:style>
+          <a:lnRef idx="1">
+            <a:schemeClr val="accent1"/>
+          </a:lnRef>
+          <a:fillRef idx="0">
+            <a:schemeClr val="accent1"/>
+          </a:fillRef>
+          <a:effectRef idx="0">
+            <a:schemeClr val="accent1"/>
+          </a:effectRef>
+          <a:fontRef idx="minor">
+            <a:schemeClr val="tx1"/>
+          </a:fontRef>
+        </p:style>
+      </p:cxnSp>
+      <p:cxnSp>
+        <p:nvCxnSpPr>
+          <p:cNvPr id="60" name="直線コネクタ 59"/>
+          <p:cNvCxnSpPr/>
+          <p:nvPr/>
+        </p:nvCxnSpPr>
+        <p:spPr>
+          <a:xfrm flipV="1">
+            <a:off x="10794074" y="4207193"/>
+            <a:ext cx="0" cy="1121264"/>
+          </a:xfrm>
+          <a:prstGeom prst="line">
+            <a:avLst/>
+          </a:prstGeom>
+        </p:spPr>
+        <p:style>
+          <a:lnRef idx="1">
+            <a:schemeClr val="accent1"/>
+          </a:lnRef>
+          <a:fillRef idx="0">
+            <a:schemeClr val="accent1"/>
+          </a:fillRef>
+          <a:effectRef idx="0">
+            <a:schemeClr val="accent1"/>
+          </a:effectRef>
+          <a:fontRef idx="minor">
+            <a:schemeClr val="tx1"/>
+          </a:fontRef>
+        </p:style>
+      </p:cxnSp>
+      <p:cxnSp>
+        <p:nvCxnSpPr>
+          <p:cNvPr id="62" name="直線コネクタ 61"/>
+          <p:cNvCxnSpPr/>
+          <p:nvPr/>
+        </p:nvCxnSpPr>
+        <p:spPr>
+          <a:xfrm flipH="1">
+            <a:off x="7408025" y="4207193"/>
+            <a:ext cx="3386050" cy="0"/>
+          </a:xfrm>
+          <a:prstGeom prst="line">
+            <a:avLst/>
+          </a:prstGeom>
+        </p:spPr>
+        <p:style>
+          <a:lnRef idx="1">
+            <a:schemeClr val="accent1"/>
+          </a:lnRef>
+          <a:fillRef idx="0">
+            <a:schemeClr val="accent1"/>
+          </a:fillRef>
+          <a:effectRef idx="0">
+            <a:schemeClr val="accent1"/>
+          </a:effectRef>
+          <a:fontRef idx="minor">
+            <a:schemeClr val="tx1"/>
+          </a:fontRef>
+        </p:style>
+      </p:cxnSp>
     </p:spTree>
     <p:extLst>
       <p:ext uri="{BB962C8B-B14F-4D97-AF65-F5344CB8AC3E}">
-        <p14:creationId xmlns:p14="http://schemas.microsoft.com/office/powerpoint/2010/main" val="3094554016"/>
+        <p14:creationId xmlns:p14="http://schemas.microsoft.com/office/powerpoint/2010/main" val="1693178662"/>
       </p:ext>
     </p:extLst>
   </p:cSld>

--- a/ポートフォリオ(仮).pptx
+++ b/ポートフォリオ(仮).pptx
@@ -15,7 +15,8 @@
     <p:sldId id="267" r:id="rId9"/>
     <p:sldId id="268" r:id="rId10"/>
     <p:sldId id="263" r:id="rId11"/>
-    <p:sldId id="265" r:id="rId12"/>
+    <p:sldId id="270" r:id="rId12"/>
+    <p:sldId id="265" r:id="rId13"/>
   </p:sldIdLst>
   <p:sldSz cx="12192000" cy="6858000"/>
   <p:notesSz cx="6858000" cy="9144000"/>
@@ -264,7 +265,7 @@
           <a:p>
             <a:fld id="{B7CCCDE6-893C-42C3-9ED9-4187FC761AF3}" type="datetimeFigureOut">
               <a:rPr kumimoji="1" lang="ja-JP" altLang="en-US" smtClean="0"/>
-              <a:t>2020/2/13</a:t>
+              <a:t>2020/3/24</a:t>
             </a:fld>
             <a:endParaRPr kumimoji="1" lang="ja-JP" altLang="en-US"/>
           </a:p>
@@ -466,7 +467,7 @@
           <a:p>
             <a:fld id="{B7CCCDE6-893C-42C3-9ED9-4187FC761AF3}" type="datetimeFigureOut">
               <a:rPr kumimoji="1" lang="ja-JP" altLang="en-US" smtClean="0"/>
-              <a:t>2020/2/13</a:t>
+              <a:t>2020/3/24</a:t>
             </a:fld>
             <a:endParaRPr kumimoji="1" lang="ja-JP" altLang="en-US"/>
           </a:p>
@@ -678,7 +679,7 @@
           <a:p>
             <a:fld id="{B7CCCDE6-893C-42C3-9ED9-4187FC761AF3}" type="datetimeFigureOut">
               <a:rPr kumimoji="1" lang="ja-JP" altLang="en-US" smtClean="0"/>
-              <a:t>2020/2/13</a:t>
+              <a:t>2020/3/24</a:t>
             </a:fld>
             <a:endParaRPr kumimoji="1" lang="ja-JP" altLang="en-US"/>
           </a:p>
@@ -880,7 +881,7 @@
           <a:p>
             <a:fld id="{B7CCCDE6-893C-42C3-9ED9-4187FC761AF3}" type="datetimeFigureOut">
               <a:rPr kumimoji="1" lang="ja-JP" altLang="en-US" smtClean="0"/>
-              <a:t>2020/2/13</a:t>
+              <a:t>2020/3/24</a:t>
             </a:fld>
             <a:endParaRPr kumimoji="1" lang="ja-JP" altLang="en-US"/>
           </a:p>
@@ -1126,7 +1127,7 @@
           <a:p>
             <a:fld id="{B7CCCDE6-893C-42C3-9ED9-4187FC761AF3}" type="datetimeFigureOut">
               <a:rPr kumimoji="1" lang="ja-JP" altLang="en-US" smtClean="0"/>
-              <a:t>2020/2/13</a:t>
+              <a:t>2020/3/24</a:t>
             </a:fld>
             <a:endParaRPr kumimoji="1" lang="ja-JP" altLang="en-US"/>
           </a:p>
@@ -1422,7 +1423,7 @@
           <a:p>
             <a:fld id="{B7CCCDE6-893C-42C3-9ED9-4187FC761AF3}" type="datetimeFigureOut">
               <a:rPr kumimoji="1" lang="ja-JP" altLang="en-US" smtClean="0"/>
-              <a:t>2020/2/13</a:t>
+              <a:t>2020/3/24</a:t>
             </a:fld>
             <a:endParaRPr kumimoji="1" lang="ja-JP" altLang="en-US"/>
           </a:p>
@@ -1853,7 +1854,7 @@
           <a:p>
             <a:fld id="{B7CCCDE6-893C-42C3-9ED9-4187FC761AF3}" type="datetimeFigureOut">
               <a:rPr kumimoji="1" lang="ja-JP" altLang="en-US" smtClean="0"/>
-              <a:t>2020/2/13</a:t>
+              <a:t>2020/3/24</a:t>
             </a:fld>
             <a:endParaRPr kumimoji="1" lang="ja-JP" altLang="en-US"/>
           </a:p>
@@ -1971,7 +1972,7 @@
           <a:p>
             <a:fld id="{B7CCCDE6-893C-42C3-9ED9-4187FC761AF3}" type="datetimeFigureOut">
               <a:rPr kumimoji="1" lang="ja-JP" altLang="en-US" smtClean="0"/>
-              <a:t>2020/2/13</a:t>
+              <a:t>2020/3/24</a:t>
             </a:fld>
             <a:endParaRPr kumimoji="1" lang="ja-JP" altLang="en-US"/>
           </a:p>
@@ -2066,7 +2067,7 @@
           <a:p>
             <a:fld id="{B7CCCDE6-893C-42C3-9ED9-4187FC761AF3}" type="datetimeFigureOut">
               <a:rPr kumimoji="1" lang="ja-JP" altLang="en-US" smtClean="0"/>
-              <a:t>2020/2/13</a:t>
+              <a:t>2020/3/24</a:t>
             </a:fld>
             <a:endParaRPr kumimoji="1" lang="ja-JP" altLang="en-US"/>
           </a:p>
@@ -2375,7 +2376,7 @@
           <a:p>
             <a:fld id="{B7CCCDE6-893C-42C3-9ED9-4187FC761AF3}" type="datetimeFigureOut">
               <a:rPr kumimoji="1" lang="ja-JP" altLang="en-US" smtClean="0"/>
-              <a:t>2020/2/13</a:t>
+              <a:t>2020/3/24</a:t>
             </a:fld>
             <a:endParaRPr kumimoji="1" lang="ja-JP" altLang="en-US"/>
           </a:p>
@@ -2628,7 +2629,7 @@
           <a:p>
             <a:fld id="{B7CCCDE6-893C-42C3-9ED9-4187FC761AF3}" type="datetimeFigureOut">
               <a:rPr kumimoji="1" lang="ja-JP" altLang="en-US" smtClean="0"/>
-              <a:t>2020/2/13</a:t>
+              <a:t>2020/3/24</a:t>
             </a:fld>
             <a:endParaRPr kumimoji="1" lang="ja-JP" altLang="en-US"/>
           </a:p>
@@ -2873,7 +2874,7 @@
           <a:p>
             <a:fld id="{B7CCCDE6-893C-42C3-9ED9-4187FC761AF3}" type="datetimeFigureOut">
               <a:rPr kumimoji="1" lang="ja-JP" altLang="en-US" smtClean="0"/>
-              <a:t>2020/2/13</a:t>
+              <a:t>2020/3/24</a:t>
             </a:fld>
             <a:endParaRPr kumimoji="1" lang="ja-JP" altLang="en-US"/>
           </a:p>
@@ -3306,6 +3307,18 @@
               <a:rPr kumimoji="1" lang="en-US" altLang="ja-JP" dirty="0" err="1" smtClean="0"/>
               <a:t>Cooked</a:t>
             </a:r>
+            <a:r>
+              <a:rPr kumimoji="1" lang="en-US" altLang="ja-JP" dirty="0" smtClean="0"/>
+              <a:t>(</a:t>
+            </a:r>
+            <a:r>
+              <a:rPr kumimoji="1" lang="ja-JP" altLang="en-US" dirty="0" smtClean="0"/>
+              <a:t>制作中</a:t>
+            </a:r>
+            <a:r>
+              <a:rPr kumimoji="1" lang="en-US" altLang="ja-JP" dirty="0" smtClean="0"/>
+              <a:t>)</a:t>
+            </a:r>
             <a:endParaRPr kumimoji="1" lang="ja-JP" altLang="en-US" dirty="0"/>
           </a:p>
         </p:txBody>
@@ -3546,8 +3559,155 @@
           <a:lstStyle/>
           <a:p>
             <a:r>
+              <a:rPr kumimoji="1" lang="en-US" altLang="ja-JP" dirty="0" err="1" smtClean="0"/>
+              <a:t>Todo</a:t>
+            </a:r>
+            <a:r>
+              <a:rPr kumimoji="1" lang="en-US" altLang="ja-JP" dirty="0" smtClean="0"/>
+              <a:t> </a:t>
+            </a:r>
+            <a:r>
               <a:rPr kumimoji="1" lang="ja-JP" altLang="en-US" dirty="0" smtClean="0"/>
-              <a:t>実装予定リスト</a:t>
+              <a:t>リスト</a:t>
+            </a:r>
+            <a:r>
+              <a:rPr kumimoji="1" lang="en-US" altLang="ja-JP" dirty="0" smtClean="0"/>
+              <a:t>(</a:t>
+            </a:r>
+            <a:r>
+              <a:rPr kumimoji="1" lang="ja-JP" altLang="en-US" dirty="0" smtClean="0"/>
+              <a:t>ゲーム側</a:t>
+            </a:r>
+            <a:r>
+              <a:rPr kumimoji="1" lang="en-US" altLang="ja-JP" dirty="0" smtClean="0"/>
+              <a:t>)</a:t>
+            </a:r>
+            <a:endParaRPr kumimoji="1" lang="ja-JP" altLang="en-US" dirty="0"/>
+          </a:p>
+        </p:txBody>
+      </p:sp>
+      <p:sp>
+        <p:nvSpPr>
+          <p:cNvPr id="3" name="コンテンツ プレースホルダー 2"/>
+          <p:cNvSpPr>
+            <a:spLocks noGrp="1"/>
+          </p:cNvSpPr>
+          <p:nvPr>
+            <p:ph idx="1"/>
+          </p:nvPr>
+        </p:nvSpPr>
+        <p:spPr/>
+        <p:txBody>
+          <a:bodyPr/>
+          <a:lstStyle/>
+          <a:p>
+            <a:r>
+              <a:rPr kumimoji="1" lang="ja-JP" altLang="en-US" dirty="0" smtClean="0"/>
+              <a:t>鍋に材料がいくつ入っているかわかるような画像を差し込む</a:t>
+            </a:r>
+            <a:endParaRPr kumimoji="1" lang="en-US" altLang="ja-JP" dirty="0" smtClean="0"/>
+          </a:p>
+          <a:p>
+            <a:r>
+              <a:rPr lang="ja-JP" altLang="en-US" dirty="0" smtClean="0"/>
+              <a:t>ゴミ箱、消火器、鍋の火事実装</a:t>
+            </a:r>
+            <a:endParaRPr lang="en-US" altLang="ja-JP" dirty="0" smtClean="0"/>
+          </a:p>
+          <a:p>
+            <a:r>
+              <a:rPr kumimoji="1" lang="ja-JP" altLang="en-US" dirty="0" smtClean="0"/>
+              <a:t>注文のレシピの画像を３個表示できるように</a:t>
+            </a:r>
+            <a:endParaRPr kumimoji="1" lang="en-US" altLang="ja-JP" dirty="0" smtClean="0"/>
+          </a:p>
+          <a:p>
+            <a:r>
+              <a:rPr lang="ja-JP" altLang="en-US" dirty="0" smtClean="0"/>
+              <a:t>ステージセレクト</a:t>
+            </a:r>
+            <a:endParaRPr lang="en-US" altLang="ja-JP" dirty="0" smtClean="0"/>
+          </a:p>
+          <a:p>
+            <a:r>
+              <a:rPr kumimoji="1" lang="ja-JP" altLang="en-US" dirty="0" smtClean="0"/>
+              <a:t>人数設定</a:t>
+            </a:r>
+            <a:endParaRPr kumimoji="1" lang="en-US" altLang="ja-JP" dirty="0" smtClean="0"/>
+          </a:p>
+          <a:p>
+            <a:r>
+              <a:rPr lang="ja-JP" altLang="en-US" dirty="0" smtClean="0"/>
+              <a:t>チュートリアル</a:t>
+            </a:r>
+            <a:endParaRPr lang="en-US" altLang="ja-JP" dirty="0" smtClean="0"/>
+          </a:p>
+        </p:txBody>
+      </p:sp>
+    </p:spTree>
+    <p:extLst>
+      <p:ext uri="{BB962C8B-B14F-4D97-AF65-F5344CB8AC3E}">
+        <p14:creationId xmlns:p14="http://schemas.microsoft.com/office/powerpoint/2010/main" val="1481798040"/>
+      </p:ext>
+    </p:extLst>
+  </p:cSld>
+  <p:clrMapOvr>
+    <a:masterClrMapping/>
+  </p:clrMapOvr>
+</p:sld>
+</file>
+
+<file path=ppt/slides/slide12.xml><?xml version="1.0" encoding="utf-8"?>
+<p:sld xmlns:a="http://schemas.openxmlformats.org/drawingml/2006/main" xmlns:r="http://schemas.openxmlformats.org/officeDocument/2006/relationships" xmlns:p="http://schemas.openxmlformats.org/presentationml/2006/main">
+  <p:cSld>
+    <p:spTree>
+      <p:nvGrpSpPr>
+        <p:cNvPr id="1" name=""/>
+        <p:cNvGrpSpPr/>
+        <p:nvPr/>
+      </p:nvGrpSpPr>
+      <p:grpSpPr>
+        <a:xfrm>
+          <a:off x="0" y="0"/>
+          <a:ext cx="0" cy="0"/>
+          <a:chOff x="0" y="0"/>
+          <a:chExt cx="0" cy="0"/>
+        </a:xfrm>
+      </p:grpSpPr>
+      <p:sp>
+        <p:nvSpPr>
+          <p:cNvPr id="2" name="タイトル 1"/>
+          <p:cNvSpPr>
+            <a:spLocks noGrp="1"/>
+          </p:cNvSpPr>
+          <p:nvPr>
+            <p:ph type="title"/>
+          </p:nvPr>
+        </p:nvSpPr>
+        <p:spPr/>
+        <p:txBody>
+          <a:bodyPr/>
+          <a:lstStyle/>
+          <a:p>
+            <a:r>
+              <a:rPr kumimoji="1" lang="ja-JP" altLang="en-US" dirty="0" smtClean="0"/>
+              <a:t>実装予定</a:t>
+            </a:r>
+            <a:r>
+              <a:rPr kumimoji="1" lang="ja-JP" altLang="en-US" dirty="0" smtClean="0"/>
+              <a:t>リスト</a:t>
+            </a:r>
+            <a:r>
+              <a:rPr kumimoji="1" lang="en-US" altLang="ja-JP" dirty="0" smtClean="0"/>
+              <a:t>(</a:t>
+            </a:r>
+            <a:r>
+              <a:rPr kumimoji="1" lang="ja-JP" altLang="en-US" dirty="0" smtClean="0"/>
+              <a:t>エンジンの機能</a:t>
+            </a:r>
+            <a:r>
+              <a:rPr kumimoji="1" lang="en-US" altLang="ja-JP" dirty="0" smtClean="0"/>
+              <a:t>)</a:t>
             </a:r>
             <a:endParaRPr kumimoji="1" lang="ja-JP" altLang="en-US" dirty="0"/>
           </a:p>
@@ -3623,6 +3783,18 @@
             <a:r>
               <a:rPr lang="ja-JP" altLang="en-US" dirty="0" smtClean="0"/>
               <a:t>深度</a:t>
+            </a:r>
+            <a:r>
+              <a:rPr lang="en-US" altLang="ja-JP" dirty="0" smtClean="0"/>
+              <a:t>(</a:t>
+            </a:r>
+            <a:r>
+              <a:rPr lang="ja-JP" altLang="en-US" dirty="0" smtClean="0"/>
+              <a:t>ゲームエンジンの機能として</a:t>
+            </a:r>
+            <a:r>
+              <a:rPr lang="en-US" altLang="ja-JP" dirty="0" smtClean="0"/>
+              <a:t>)</a:t>
             </a:r>
             <a:endParaRPr lang="en-US" altLang="ja-JP" dirty="0" smtClean="0"/>
           </a:p>
@@ -3730,11 +3902,7 @@
           <a:p>
             <a:r>
               <a:rPr lang="ja-JP" altLang="en-US" dirty="0" smtClean="0"/>
-              <a:t>遊んで楽しいパーティーゲームを作る</a:t>
-            </a:r>
-            <a:r>
-              <a:rPr lang="ja-JP" altLang="en-US" dirty="0" smtClean="0"/>
-              <a:t>。</a:t>
+              <a:t>遊んで楽しいパーティーゲームを作る。</a:t>
             </a:r>
             <a:endParaRPr lang="en-US" altLang="ja-JP" dirty="0" smtClean="0"/>
           </a:p>
@@ -3820,7 +3988,9 @@
           </a:xfrm>
         </p:spPr>
         <p:txBody>
-          <a:bodyPr/>
+          <a:bodyPr>
+            <a:normAutofit lnSpcReduction="10000"/>
+          </a:bodyPr>
           <a:lstStyle/>
           <a:p>
             <a:pPr marL="0" indent="0">
@@ -3846,20 +4016,76 @@
           </a:p>
           <a:p>
             <a:r>
-              <a:rPr lang="en-US" altLang="ja-JP" dirty="0"/>
-              <a:t>3dsMax</a:t>
-            </a:r>
-          </a:p>
-          <a:p>
-            <a:r>
-              <a:rPr lang="en-US" altLang="ja-JP" dirty="0"/>
-              <a:t>FireAlpaca64</a:t>
-            </a:r>
-          </a:p>
-          <a:p>
-            <a:r>
-              <a:rPr lang="en-US" altLang="ja-JP" dirty="0" err="1"/>
-              <a:t>freac</a:t>
+              <a:rPr lang="en-US" altLang="ja-JP" dirty="0" smtClean="0"/>
+              <a:t>3dsMax(3D</a:t>
+            </a:r>
+            <a:r>
+              <a:rPr lang="ja-JP" altLang="en-US" dirty="0" smtClean="0"/>
+              <a:t>モデル作成</a:t>
+            </a:r>
+            <a:r>
+              <a:rPr lang="en-US" altLang="ja-JP" dirty="0" smtClean="0"/>
+              <a:t>)</a:t>
+            </a:r>
+            <a:endParaRPr lang="en-US" altLang="ja-JP" dirty="0"/>
+          </a:p>
+          <a:p>
+            <a:r>
+              <a:rPr lang="en-US" altLang="ja-JP" dirty="0" smtClean="0"/>
+              <a:t>FireAlpaca64(</a:t>
+            </a:r>
+            <a:r>
+              <a:rPr lang="ja-JP" altLang="en-US" dirty="0" smtClean="0"/>
+              <a:t>画像作成</a:t>
+            </a:r>
+            <a:r>
+              <a:rPr lang="en-US" altLang="ja-JP" dirty="0" smtClean="0"/>
+              <a:t>)</a:t>
+            </a:r>
+            <a:endParaRPr lang="en-US" altLang="ja-JP" dirty="0"/>
+          </a:p>
+          <a:p>
+            <a:r>
+              <a:rPr lang="en-US" altLang="ja-JP" dirty="0" err="1" smtClean="0"/>
+              <a:t>Freac</a:t>
+            </a:r>
+            <a:r>
+              <a:rPr lang="en-US" altLang="ja-JP" dirty="0" smtClean="0"/>
+              <a:t>(</a:t>
+            </a:r>
+            <a:r>
+              <a:rPr lang="ja-JP" altLang="en-US" dirty="0" smtClean="0"/>
+              <a:t>サウンド</a:t>
+            </a:r>
+            <a:r>
+              <a:rPr lang="ja-JP" altLang="en-US" dirty="0"/>
+              <a:t>データ</a:t>
+            </a:r>
+            <a:r>
+              <a:rPr lang="ja-JP" altLang="en-US" dirty="0" smtClean="0"/>
+              <a:t>のファイル形式変換</a:t>
+            </a:r>
+            <a:r>
+              <a:rPr lang="en-US" altLang="ja-JP" dirty="0" smtClean="0"/>
+              <a:t>)</a:t>
+            </a:r>
+          </a:p>
+          <a:p>
+            <a:r>
+              <a:rPr lang="en-US" altLang="ja-JP" dirty="0" err="1" smtClean="0"/>
+              <a:t>ModLab</a:t>
+            </a:r>
+            <a:r>
+              <a:rPr lang="en-US" altLang="ja-JP" dirty="0" smtClean="0"/>
+              <a:t>(</a:t>
+            </a:r>
+            <a:r>
+              <a:rPr lang="ja-JP" altLang="en-US" dirty="0" smtClean="0"/>
+              <a:t>法線マップ作製</a:t>
+            </a:r>
+            <a:r>
+              <a:rPr lang="en-US" altLang="ja-JP" dirty="0" smtClean="0"/>
+              <a:t>)</a:t>
             </a:r>
             <a:endParaRPr lang="ja-JP" altLang="en-US" dirty="0"/>
           </a:p>
@@ -4403,13 +4629,6 @@
           </a:p>
           <a:p>
             <a:r>
-              <a:rPr lang="ja-JP" altLang="en-US" dirty="0" smtClean="0"/>
-              <a:t>鏡面反射光</a:t>
-            </a:r>
-            <a:endParaRPr lang="en-US" altLang="ja-JP" dirty="0" smtClean="0"/>
-          </a:p>
-          <a:p>
-            <a:r>
               <a:rPr kumimoji="1" lang="ja-JP" altLang="en-US" dirty="0" smtClean="0"/>
               <a:t>シャドウマップ</a:t>
             </a:r>
@@ -4544,55 +4763,43 @@
             </a:r>
             <a:r>
               <a:rPr lang="ja-JP" altLang="en-US" sz="2400" dirty="0" smtClean="0"/>
-              <a:t>「食べ物を切るとき」「お皿を洗う時」の処理を長押しにしています。</a:t>
-            </a:r>
-            <a:endParaRPr lang="en-US" altLang="ja-JP" sz="2400" dirty="0" smtClean="0"/>
-          </a:p>
-          <a:p>
-            <a:pPr marL="0" indent="0">
-              <a:buNone/>
-            </a:pPr>
+              <a:t>「食べ物を切るとき」「お皿を洗う時」の処理を長押しにしています</a:t>
+            </a:r>
+            <a:r>
+              <a:rPr lang="ja-JP" altLang="en-US" sz="2400" dirty="0" smtClean="0"/>
+              <a:t>。</a:t>
+            </a:r>
             <a:r>
               <a:rPr kumimoji="1" lang="en-US" altLang="ja-JP" sz="2400" dirty="0" err="1" smtClean="0"/>
               <a:t>OverCoooked</a:t>
             </a:r>
             <a:r>
               <a:rPr kumimoji="1" lang="ja-JP" altLang="en-US" sz="2400" dirty="0" smtClean="0"/>
-              <a:t>では一度押したら処理が続き、もう一度押すと処理を終了するという流れでした。しかし</a:t>
-            </a:r>
-            <a:r>
-              <a:rPr kumimoji="1" lang="en-US" altLang="ja-JP" sz="2400" dirty="0" smtClean="0"/>
-              <a:t>OverCooked2</a:t>
+              <a:t>では一度押したら処理が続き、もう一度押すと処理を終了するという流れでした</a:t>
             </a:r>
             <a:r>
               <a:rPr kumimoji="1" lang="ja-JP" altLang="en-US" sz="2400" dirty="0" smtClean="0"/>
-              <a:t>では、長押ししている間のみ処理をするようになっていました。</a:t>
-            </a:r>
-            <a:endParaRPr kumimoji="1" lang="en-US" altLang="ja-JP" sz="2400" dirty="0" smtClean="0"/>
-          </a:p>
-          <a:p>
-            <a:pPr marL="0" indent="0">
-              <a:buNone/>
-            </a:pPr>
+              <a:t>。</a:t>
+            </a:r>
             <a:r>
               <a:rPr lang="ja-JP" altLang="en-US" sz="2400" dirty="0" smtClean="0"/>
-              <a:t>どちらを</a:t>
+              <a:t>このゲームはこまめに作業を変える必要があるため、</a:t>
             </a:r>
             <a:r>
               <a:rPr lang="ja-JP" altLang="en-US" sz="2400" dirty="0"/>
-              <a:t>採用</a:t>
+              <a:t>長押ししている間のみ処理を</a:t>
             </a:r>
             <a:r>
               <a:rPr lang="ja-JP" altLang="en-US" sz="2400" dirty="0" smtClean="0"/>
-              <a:t>するか非常に迷いましたが、このゲームはこまめに作業を変える必要があるため、</a:t>
-            </a:r>
-            <a:r>
-              <a:rPr lang="en-US" altLang="ja-JP" sz="2400" dirty="0" smtClean="0"/>
-              <a:t>OverCooked2</a:t>
+              <a:t>するとい</a:t>
+            </a:r>
+            <a:r>
+              <a:rPr lang="ja-JP" altLang="en-US" sz="2400" dirty="0"/>
+              <a:t>う</a:t>
             </a:r>
             <a:r>
               <a:rPr lang="ja-JP" altLang="en-US" sz="2400" dirty="0" smtClean="0"/>
-              <a:t>の仕様がより感覚的に操作できると考え、長押し処理にしました。</a:t>
+              <a:t>仕様がより感覚的に操作できると考え、長押し処理にしました。</a:t>
             </a:r>
             <a:endParaRPr lang="en-US" altLang="ja-JP" sz="2400" dirty="0" smtClean="0"/>
           </a:p>
@@ -4608,7 +4815,23 @@
             </a:pPr>
             <a:r>
               <a:rPr kumimoji="1" lang="ja-JP" altLang="en-US" sz="2400" dirty="0" smtClean="0"/>
-              <a:t>②　操作をⒶボタンとⓍボタンだけにすることにより、初心者でも操作をしやすくしています。</a:t>
+              <a:t>②原作では</a:t>
+            </a:r>
+            <a:r>
+              <a:rPr lang="ja-JP" altLang="en-US" sz="2400" dirty="0" smtClean="0"/>
+              <a:t>「瞬間加速」「エモート」などの機能がありましたが、操作が多すぎると経験者と初心者のプレイヤースキルの差が開きやすく、パーティーゲームにふさわしくないと考え、必要最低限の機能だけに抑え、</a:t>
+            </a:r>
+            <a:r>
+              <a:rPr kumimoji="1" lang="ja-JP" altLang="en-US" sz="2400" dirty="0" smtClean="0"/>
+              <a:t>操作</a:t>
+            </a:r>
+            <a:r>
+              <a:rPr kumimoji="1" lang="ja-JP" altLang="en-US" sz="2400" dirty="0" smtClean="0"/>
+              <a:t>をⒶボタンとⓍボタンだけにすることにより、初心者でも操作を</a:t>
+            </a:r>
+            <a:r>
+              <a:rPr kumimoji="1" lang="ja-JP" altLang="en-US" sz="2400" dirty="0" smtClean="0"/>
+              <a:t>しやすくし、みんなで楽しく遊べるようなゲームになっています。</a:t>
             </a:r>
             <a:endParaRPr kumimoji="1" lang="ja-JP" altLang="en-US" sz="2400" dirty="0"/>
           </a:p>
@@ -4667,8 +4890,16 @@
           <a:lstStyle/>
           <a:p>
             <a:r>
-              <a:rPr kumimoji="1" lang="ja-JP" altLang="en-US" dirty="0" smtClean="0"/>
-              <a:t>ストラテジーバターン</a:t>
+              <a:rPr lang="ja-JP" altLang="en-US" dirty="0" smtClean="0"/>
+              <a:t>テンプレ</a:t>
+            </a:r>
+            <a:r>
+              <a:rPr lang="en-US" altLang="ja-JP" dirty="0" smtClean="0"/>
+              <a:t>―</a:t>
+            </a:r>
+            <a:r>
+              <a:rPr lang="ja-JP" altLang="en-US" dirty="0" smtClean="0"/>
+              <a:t>トメソッドパターン</a:t>
             </a:r>
             <a:endParaRPr kumimoji="1" lang="ja-JP" altLang="en-US" dirty="0"/>
           </a:p>

--- a/ポートフォリオ(仮).pptx
+++ b/ポートフォリオ(仮).pptx
@@ -3691,11 +3691,7 @@
           <a:p>
             <a:r>
               <a:rPr kumimoji="1" lang="ja-JP" altLang="en-US" dirty="0" smtClean="0"/>
-              <a:t>実装予定</a:t>
-            </a:r>
-            <a:r>
-              <a:rPr kumimoji="1" lang="ja-JP" altLang="en-US" dirty="0" smtClean="0"/>
-              <a:t>リスト</a:t>
+              <a:t>実装予定リスト</a:t>
             </a:r>
             <a:r>
               <a:rPr kumimoji="1" lang="en-US" altLang="ja-JP" dirty="0" smtClean="0"/>
@@ -3796,7 +3792,6 @@
               <a:rPr lang="en-US" altLang="ja-JP" dirty="0" smtClean="0"/>
               <a:t>)</a:t>
             </a:r>
-            <a:endParaRPr lang="en-US" altLang="ja-JP" dirty="0" smtClean="0"/>
           </a:p>
           <a:p>
             <a:r>
@@ -4311,7 +4306,12 @@
             <p:ph type="title"/>
           </p:nvPr>
         </p:nvSpPr>
-        <p:spPr/>
+        <p:spPr>
+          <a:xfrm>
+            <a:off x="745603" y="422998"/>
+            <a:ext cx="10515600" cy="1325563"/>
+          </a:xfrm>
+        </p:spPr>
         <p:txBody>
           <a:bodyPr/>
           <a:lstStyle/>
@@ -4763,11 +4763,7 @@
             </a:r>
             <a:r>
               <a:rPr lang="ja-JP" altLang="en-US" sz="2400" dirty="0" smtClean="0"/>
-              <a:t>「食べ物を切るとき」「お皿を洗う時」の処理を長押しにしています</a:t>
-            </a:r>
-            <a:r>
-              <a:rPr lang="ja-JP" altLang="en-US" sz="2400" dirty="0" smtClean="0"/>
-              <a:t>。</a:t>
+              <a:t>「食べ物を切るとき」「お皿を洗う時」の処理を長押しにしています。</a:t>
             </a:r>
             <a:r>
               <a:rPr kumimoji="1" lang="en-US" altLang="ja-JP" sz="2400" dirty="0" err="1" smtClean="0"/>
@@ -4775,11 +4771,7 @@
             </a:r>
             <a:r>
               <a:rPr kumimoji="1" lang="ja-JP" altLang="en-US" sz="2400" dirty="0" smtClean="0"/>
-              <a:t>では一度押したら処理が続き、もう一度押すと処理を終了するという流れでした</a:t>
-            </a:r>
-            <a:r>
-              <a:rPr kumimoji="1" lang="ja-JP" altLang="en-US" sz="2400" dirty="0" smtClean="0"/>
-              <a:t>。</a:t>
+              <a:t>では一度押したら処理が続き、もう一度押すと処理を終了するという流れでした。</a:t>
             </a:r>
             <a:r>
               <a:rPr lang="ja-JP" altLang="en-US" sz="2400" dirty="0" smtClean="0"/>
@@ -4823,15 +4815,7 @@
             </a:r>
             <a:r>
               <a:rPr kumimoji="1" lang="ja-JP" altLang="en-US" sz="2400" dirty="0" smtClean="0"/>
-              <a:t>操作</a:t>
-            </a:r>
-            <a:r>
-              <a:rPr kumimoji="1" lang="ja-JP" altLang="en-US" sz="2400" dirty="0" smtClean="0"/>
-              <a:t>をⒶボタンとⓍボタンだけにすることにより、初心者でも操作を</a:t>
-            </a:r>
-            <a:r>
-              <a:rPr kumimoji="1" lang="ja-JP" altLang="en-US" sz="2400" dirty="0" smtClean="0"/>
-              <a:t>しやすくし、みんなで楽しく遊べるようなゲームになっています。</a:t>
+              <a:t>操作をⒶボタンとⓍボタンだけにすることにより、初心者でも操作をしやすくし、みんなで楽しく遊べるようなゲームになっています。</a:t>
             </a:r>
             <a:endParaRPr kumimoji="1" lang="ja-JP" altLang="en-US" sz="2400" dirty="0"/>
           </a:p>

--- a/ポートフォリオ(仮).pptx
+++ b/ポートフォリオ(仮).pptx
@@ -9,14 +9,15 @@
     <p:sldId id="257" r:id="rId3"/>
     <p:sldId id="259" r:id="rId4"/>
     <p:sldId id="269" r:id="rId5"/>
-    <p:sldId id="264" r:id="rId6"/>
-    <p:sldId id="266" r:id="rId7"/>
-    <p:sldId id="260" r:id="rId8"/>
-    <p:sldId id="267" r:id="rId9"/>
-    <p:sldId id="268" r:id="rId10"/>
-    <p:sldId id="263" r:id="rId11"/>
-    <p:sldId id="270" r:id="rId12"/>
-    <p:sldId id="265" r:id="rId13"/>
+    <p:sldId id="271" r:id="rId6"/>
+    <p:sldId id="264" r:id="rId7"/>
+    <p:sldId id="266" r:id="rId8"/>
+    <p:sldId id="260" r:id="rId9"/>
+    <p:sldId id="267" r:id="rId10"/>
+    <p:sldId id="268" r:id="rId11"/>
+    <p:sldId id="263" r:id="rId12"/>
+    <p:sldId id="270" r:id="rId13"/>
+    <p:sldId id="265" r:id="rId14"/>
   </p:sldIdLst>
   <p:sldSz cx="12192000" cy="6858000"/>
   <p:notesSz cx="6858000" cy="9144000"/>
@@ -265,7 +266,7 @@
           <a:p>
             <a:fld id="{B7CCCDE6-893C-42C3-9ED9-4187FC761AF3}" type="datetimeFigureOut">
               <a:rPr kumimoji="1" lang="ja-JP" altLang="en-US" smtClean="0"/>
-              <a:t>2020/3/24</a:t>
+              <a:t>2020/5/8</a:t>
             </a:fld>
             <a:endParaRPr kumimoji="1" lang="ja-JP" altLang="en-US"/>
           </a:p>
@@ -467,7 +468,7 @@
           <a:p>
             <a:fld id="{B7CCCDE6-893C-42C3-9ED9-4187FC761AF3}" type="datetimeFigureOut">
               <a:rPr kumimoji="1" lang="ja-JP" altLang="en-US" smtClean="0"/>
-              <a:t>2020/3/24</a:t>
+              <a:t>2020/5/8</a:t>
             </a:fld>
             <a:endParaRPr kumimoji="1" lang="ja-JP" altLang="en-US"/>
           </a:p>
@@ -679,7 +680,7 @@
           <a:p>
             <a:fld id="{B7CCCDE6-893C-42C3-9ED9-4187FC761AF3}" type="datetimeFigureOut">
               <a:rPr kumimoji="1" lang="ja-JP" altLang="en-US" smtClean="0"/>
-              <a:t>2020/3/24</a:t>
+              <a:t>2020/5/8</a:t>
             </a:fld>
             <a:endParaRPr kumimoji="1" lang="ja-JP" altLang="en-US"/>
           </a:p>
@@ -881,7 +882,7 @@
           <a:p>
             <a:fld id="{B7CCCDE6-893C-42C3-9ED9-4187FC761AF3}" type="datetimeFigureOut">
               <a:rPr kumimoji="1" lang="ja-JP" altLang="en-US" smtClean="0"/>
-              <a:t>2020/3/24</a:t>
+              <a:t>2020/5/8</a:t>
             </a:fld>
             <a:endParaRPr kumimoji="1" lang="ja-JP" altLang="en-US"/>
           </a:p>
@@ -1127,7 +1128,7 @@
           <a:p>
             <a:fld id="{B7CCCDE6-893C-42C3-9ED9-4187FC761AF3}" type="datetimeFigureOut">
               <a:rPr kumimoji="1" lang="ja-JP" altLang="en-US" smtClean="0"/>
-              <a:t>2020/3/24</a:t>
+              <a:t>2020/5/8</a:t>
             </a:fld>
             <a:endParaRPr kumimoji="1" lang="ja-JP" altLang="en-US"/>
           </a:p>
@@ -1423,7 +1424,7 @@
           <a:p>
             <a:fld id="{B7CCCDE6-893C-42C3-9ED9-4187FC761AF3}" type="datetimeFigureOut">
               <a:rPr kumimoji="1" lang="ja-JP" altLang="en-US" smtClean="0"/>
-              <a:t>2020/3/24</a:t>
+              <a:t>2020/5/8</a:t>
             </a:fld>
             <a:endParaRPr kumimoji="1" lang="ja-JP" altLang="en-US"/>
           </a:p>
@@ -1854,7 +1855,7 @@
           <a:p>
             <a:fld id="{B7CCCDE6-893C-42C3-9ED9-4187FC761AF3}" type="datetimeFigureOut">
               <a:rPr kumimoji="1" lang="ja-JP" altLang="en-US" smtClean="0"/>
-              <a:t>2020/3/24</a:t>
+              <a:t>2020/5/8</a:t>
             </a:fld>
             <a:endParaRPr kumimoji="1" lang="ja-JP" altLang="en-US"/>
           </a:p>
@@ -1972,7 +1973,7 @@
           <a:p>
             <a:fld id="{B7CCCDE6-893C-42C3-9ED9-4187FC761AF3}" type="datetimeFigureOut">
               <a:rPr kumimoji="1" lang="ja-JP" altLang="en-US" smtClean="0"/>
-              <a:t>2020/3/24</a:t>
+              <a:t>2020/5/8</a:t>
             </a:fld>
             <a:endParaRPr kumimoji="1" lang="ja-JP" altLang="en-US"/>
           </a:p>
@@ -2067,7 +2068,7 @@
           <a:p>
             <a:fld id="{B7CCCDE6-893C-42C3-9ED9-4187FC761AF3}" type="datetimeFigureOut">
               <a:rPr kumimoji="1" lang="ja-JP" altLang="en-US" smtClean="0"/>
-              <a:t>2020/3/24</a:t>
+              <a:t>2020/5/8</a:t>
             </a:fld>
             <a:endParaRPr kumimoji="1" lang="ja-JP" altLang="en-US"/>
           </a:p>
@@ -2376,7 +2377,7 @@
           <a:p>
             <a:fld id="{B7CCCDE6-893C-42C3-9ED9-4187FC761AF3}" type="datetimeFigureOut">
               <a:rPr kumimoji="1" lang="ja-JP" altLang="en-US" smtClean="0"/>
-              <a:t>2020/3/24</a:t>
+              <a:t>2020/5/8</a:t>
             </a:fld>
             <a:endParaRPr kumimoji="1" lang="ja-JP" altLang="en-US"/>
           </a:p>
@@ -2629,7 +2630,7 @@
           <a:p>
             <a:fld id="{B7CCCDE6-893C-42C3-9ED9-4187FC761AF3}" type="datetimeFigureOut">
               <a:rPr kumimoji="1" lang="ja-JP" altLang="en-US" smtClean="0"/>
-              <a:t>2020/3/24</a:t>
+              <a:t>2020/5/8</a:t>
             </a:fld>
             <a:endParaRPr kumimoji="1" lang="ja-JP" altLang="en-US"/>
           </a:p>
@@ -2874,7 +2875,7 @@
           <a:p>
             <a:fld id="{B7CCCDE6-893C-42C3-9ED9-4187FC761AF3}" type="datetimeFigureOut">
               <a:rPr kumimoji="1" lang="ja-JP" altLang="en-US" smtClean="0"/>
-              <a:t>2020/3/24</a:t>
+              <a:t>2020/5/8</a:t>
             </a:fld>
             <a:endParaRPr kumimoji="1" lang="ja-JP" altLang="en-US"/>
           </a:p>
@@ -3416,1464 +3417,6 @@
           <a:lstStyle/>
           <a:p>
             <a:r>
-              <a:rPr kumimoji="1" lang="ja-JP" altLang="en-US" dirty="0" smtClean="0"/>
-              <a:t>影</a:t>
-            </a:r>
-            <a:endParaRPr kumimoji="1" lang="ja-JP" altLang="en-US" dirty="0"/>
-          </a:p>
-        </p:txBody>
-      </p:sp>
-      <p:sp>
-        <p:nvSpPr>
-          <p:cNvPr id="3" name="コンテンツ プレースホルダー 2"/>
-          <p:cNvSpPr>
-            <a:spLocks noGrp="1"/>
-          </p:cNvSpPr>
-          <p:nvPr>
-            <p:ph idx="1"/>
-          </p:nvPr>
-        </p:nvSpPr>
-        <p:spPr>
-          <a:xfrm>
-            <a:off x="5494712" y="1463040"/>
-            <a:ext cx="5859087" cy="4713923"/>
-          </a:xfrm>
-        </p:spPr>
-        <p:txBody>
-          <a:bodyPr/>
-          <a:lstStyle/>
-          <a:p>
-            <a:pPr marL="0" indent="0">
-              <a:buNone/>
-            </a:pPr>
-            <a:r>
-              <a:rPr lang="ja-JP" altLang="en-US" dirty="0"/>
-              <a:t>①</a:t>
-            </a:r>
-            <a:r>
-              <a:rPr kumimoji="1" lang="ja-JP" altLang="en-US" dirty="0" smtClean="0"/>
-              <a:t>ライトの座標からライトの向きから見た平行投影のモデルの深度値を書き込んで</a:t>
-            </a:r>
-            <a:r>
-              <a:rPr lang="ja-JP" altLang="en-US" dirty="0"/>
-              <a:t>「</a:t>
-            </a:r>
-            <a:r>
-              <a:rPr kumimoji="1" lang="ja-JP" altLang="en-US" dirty="0" smtClean="0"/>
-              <a:t>シャドウマップ」を作成。</a:t>
-            </a:r>
-            <a:endParaRPr kumimoji="1" lang="en-US" altLang="ja-JP" dirty="0" smtClean="0"/>
-          </a:p>
-          <a:p>
-            <a:pPr marL="0" indent="0">
-              <a:buNone/>
-            </a:pPr>
-            <a:r>
-              <a:rPr lang="ja-JP" altLang="en-US" dirty="0" smtClean="0"/>
-              <a:t>・描画時、ライトから見たオブジェクトと①の深度値を比較し、①のほうが大きい場合、影を落とす。</a:t>
-            </a:r>
-            <a:endParaRPr kumimoji="1" lang="ja-JP" altLang="en-US" dirty="0"/>
-          </a:p>
-        </p:txBody>
-      </p:sp>
-      <p:pic>
-        <p:nvPicPr>
-          <p:cNvPr id="4" name="図 3"/>
-          <p:cNvPicPr>
-            <a:picLocks noChangeAspect="1"/>
-          </p:cNvPicPr>
-          <p:nvPr/>
-        </p:nvPicPr>
-        <p:blipFill>
-          <a:blip r:embed="rId2">
-            <a:extLst>
-              <a:ext uri="{28A0092B-C50C-407E-A947-70E740481C1C}">
-                <a14:useLocalDpi xmlns:a14="http://schemas.microsoft.com/office/drawing/2010/main" val="0"/>
-              </a:ext>
-            </a:extLst>
-          </a:blip>
-          <a:stretch>
-            <a:fillRect/>
-          </a:stretch>
-        </p:blipFill>
-        <p:spPr>
-          <a:xfrm>
-            <a:off x="1162397" y="1866031"/>
-            <a:ext cx="3537242" cy="3537242"/>
-          </a:xfrm>
-          <a:prstGeom prst="rect">
-            <a:avLst/>
-          </a:prstGeom>
-        </p:spPr>
-      </p:pic>
-    </p:spTree>
-    <p:extLst>
-      <p:ext uri="{BB962C8B-B14F-4D97-AF65-F5344CB8AC3E}">
-        <p14:creationId xmlns:p14="http://schemas.microsoft.com/office/powerpoint/2010/main" val="3094554016"/>
-      </p:ext>
-    </p:extLst>
-  </p:cSld>
-  <p:clrMapOvr>
-    <a:masterClrMapping/>
-  </p:clrMapOvr>
-  <p:timing>
-    <p:tnLst>
-      <p:par>
-        <p:cTn id="1" dur="indefinite" restart="never" nodeType="tmRoot"/>
-      </p:par>
-    </p:tnLst>
-  </p:timing>
-</p:sld>
-</file>
-
-<file path=ppt/slides/slide11.xml><?xml version="1.0" encoding="utf-8"?>
-<p:sld xmlns:a="http://schemas.openxmlformats.org/drawingml/2006/main" xmlns:r="http://schemas.openxmlformats.org/officeDocument/2006/relationships" xmlns:p="http://schemas.openxmlformats.org/presentationml/2006/main">
-  <p:cSld>
-    <p:spTree>
-      <p:nvGrpSpPr>
-        <p:cNvPr id="1" name=""/>
-        <p:cNvGrpSpPr/>
-        <p:nvPr/>
-      </p:nvGrpSpPr>
-      <p:grpSpPr>
-        <a:xfrm>
-          <a:off x="0" y="0"/>
-          <a:ext cx="0" cy="0"/>
-          <a:chOff x="0" y="0"/>
-          <a:chExt cx="0" cy="0"/>
-        </a:xfrm>
-      </p:grpSpPr>
-      <p:sp>
-        <p:nvSpPr>
-          <p:cNvPr id="2" name="タイトル 1"/>
-          <p:cNvSpPr>
-            <a:spLocks noGrp="1"/>
-          </p:cNvSpPr>
-          <p:nvPr>
-            <p:ph type="title"/>
-          </p:nvPr>
-        </p:nvSpPr>
-        <p:spPr/>
-        <p:txBody>
-          <a:bodyPr/>
-          <a:lstStyle/>
-          <a:p>
-            <a:r>
-              <a:rPr kumimoji="1" lang="en-US" altLang="ja-JP" dirty="0" err="1" smtClean="0"/>
-              <a:t>Todo</a:t>
-            </a:r>
-            <a:r>
-              <a:rPr kumimoji="1" lang="en-US" altLang="ja-JP" dirty="0" smtClean="0"/>
-              <a:t> </a:t>
-            </a:r>
-            <a:r>
-              <a:rPr kumimoji="1" lang="ja-JP" altLang="en-US" dirty="0" smtClean="0"/>
-              <a:t>リスト</a:t>
-            </a:r>
-            <a:r>
-              <a:rPr kumimoji="1" lang="en-US" altLang="ja-JP" dirty="0" smtClean="0"/>
-              <a:t>(</a:t>
-            </a:r>
-            <a:r>
-              <a:rPr kumimoji="1" lang="ja-JP" altLang="en-US" dirty="0" smtClean="0"/>
-              <a:t>ゲーム側</a:t>
-            </a:r>
-            <a:r>
-              <a:rPr kumimoji="1" lang="en-US" altLang="ja-JP" dirty="0" smtClean="0"/>
-              <a:t>)</a:t>
-            </a:r>
-            <a:endParaRPr kumimoji="1" lang="ja-JP" altLang="en-US" dirty="0"/>
-          </a:p>
-        </p:txBody>
-      </p:sp>
-      <p:sp>
-        <p:nvSpPr>
-          <p:cNvPr id="3" name="コンテンツ プレースホルダー 2"/>
-          <p:cNvSpPr>
-            <a:spLocks noGrp="1"/>
-          </p:cNvSpPr>
-          <p:nvPr>
-            <p:ph idx="1"/>
-          </p:nvPr>
-        </p:nvSpPr>
-        <p:spPr/>
-        <p:txBody>
-          <a:bodyPr/>
-          <a:lstStyle/>
-          <a:p>
-            <a:r>
-              <a:rPr kumimoji="1" lang="ja-JP" altLang="en-US" dirty="0" smtClean="0"/>
-              <a:t>鍋に材料がいくつ入っているかわかるような画像を差し込む</a:t>
-            </a:r>
-            <a:endParaRPr kumimoji="1" lang="en-US" altLang="ja-JP" dirty="0" smtClean="0"/>
-          </a:p>
-          <a:p>
-            <a:r>
-              <a:rPr lang="ja-JP" altLang="en-US" dirty="0" smtClean="0"/>
-              <a:t>ゴミ箱、消火器、鍋の火事実装</a:t>
-            </a:r>
-            <a:endParaRPr lang="en-US" altLang="ja-JP" dirty="0" smtClean="0"/>
-          </a:p>
-          <a:p>
-            <a:r>
-              <a:rPr kumimoji="1" lang="ja-JP" altLang="en-US" dirty="0" smtClean="0"/>
-              <a:t>注文のレシピの画像を３個表示できるように</a:t>
-            </a:r>
-            <a:endParaRPr kumimoji="1" lang="en-US" altLang="ja-JP" dirty="0" smtClean="0"/>
-          </a:p>
-          <a:p>
-            <a:r>
-              <a:rPr lang="ja-JP" altLang="en-US" dirty="0" smtClean="0"/>
-              <a:t>ステージセレクト</a:t>
-            </a:r>
-            <a:endParaRPr lang="en-US" altLang="ja-JP" dirty="0" smtClean="0"/>
-          </a:p>
-          <a:p>
-            <a:r>
-              <a:rPr kumimoji="1" lang="ja-JP" altLang="en-US" dirty="0" smtClean="0"/>
-              <a:t>人数設定</a:t>
-            </a:r>
-            <a:endParaRPr kumimoji="1" lang="en-US" altLang="ja-JP" dirty="0" smtClean="0"/>
-          </a:p>
-          <a:p>
-            <a:r>
-              <a:rPr lang="ja-JP" altLang="en-US" dirty="0" smtClean="0"/>
-              <a:t>チュートリアル</a:t>
-            </a:r>
-            <a:endParaRPr lang="en-US" altLang="ja-JP" dirty="0" smtClean="0"/>
-          </a:p>
-        </p:txBody>
-      </p:sp>
-    </p:spTree>
-    <p:extLst>
-      <p:ext uri="{BB962C8B-B14F-4D97-AF65-F5344CB8AC3E}">
-        <p14:creationId xmlns:p14="http://schemas.microsoft.com/office/powerpoint/2010/main" val="1481798040"/>
-      </p:ext>
-    </p:extLst>
-  </p:cSld>
-  <p:clrMapOvr>
-    <a:masterClrMapping/>
-  </p:clrMapOvr>
-</p:sld>
-</file>
-
-<file path=ppt/slides/slide12.xml><?xml version="1.0" encoding="utf-8"?>
-<p:sld xmlns:a="http://schemas.openxmlformats.org/drawingml/2006/main" xmlns:r="http://schemas.openxmlformats.org/officeDocument/2006/relationships" xmlns:p="http://schemas.openxmlformats.org/presentationml/2006/main">
-  <p:cSld>
-    <p:spTree>
-      <p:nvGrpSpPr>
-        <p:cNvPr id="1" name=""/>
-        <p:cNvGrpSpPr/>
-        <p:nvPr/>
-      </p:nvGrpSpPr>
-      <p:grpSpPr>
-        <a:xfrm>
-          <a:off x="0" y="0"/>
-          <a:ext cx="0" cy="0"/>
-          <a:chOff x="0" y="0"/>
-          <a:chExt cx="0" cy="0"/>
-        </a:xfrm>
-      </p:grpSpPr>
-      <p:sp>
-        <p:nvSpPr>
-          <p:cNvPr id="2" name="タイトル 1"/>
-          <p:cNvSpPr>
-            <a:spLocks noGrp="1"/>
-          </p:cNvSpPr>
-          <p:nvPr>
-            <p:ph type="title"/>
-          </p:nvPr>
-        </p:nvSpPr>
-        <p:spPr/>
-        <p:txBody>
-          <a:bodyPr/>
-          <a:lstStyle/>
-          <a:p>
-            <a:r>
-              <a:rPr kumimoji="1" lang="ja-JP" altLang="en-US" dirty="0" smtClean="0"/>
-              <a:t>実装予定リスト</a:t>
-            </a:r>
-            <a:r>
-              <a:rPr kumimoji="1" lang="en-US" altLang="ja-JP" dirty="0" smtClean="0"/>
-              <a:t>(</a:t>
-            </a:r>
-            <a:r>
-              <a:rPr kumimoji="1" lang="ja-JP" altLang="en-US" dirty="0" smtClean="0"/>
-              <a:t>エンジンの機能</a:t>
-            </a:r>
-            <a:r>
-              <a:rPr kumimoji="1" lang="en-US" altLang="ja-JP" dirty="0" smtClean="0"/>
-              <a:t>)</a:t>
-            </a:r>
-            <a:endParaRPr kumimoji="1" lang="ja-JP" altLang="en-US" dirty="0"/>
-          </a:p>
-        </p:txBody>
-      </p:sp>
-      <p:sp>
-        <p:nvSpPr>
-          <p:cNvPr id="3" name="コンテンツ プレースホルダー 2"/>
-          <p:cNvSpPr>
-            <a:spLocks noGrp="1"/>
-          </p:cNvSpPr>
-          <p:nvPr>
-            <p:ph idx="1"/>
-          </p:nvPr>
-        </p:nvSpPr>
-        <p:spPr/>
-        <p:txBody>
-          <a:bodyPr/>
-          <a:lstStyle/>
-          <a:p>
-            <a:r>
-              <a:rPr kumimoji="1" lang="en-US" altLang="ja-JP" dirty="0" smtClean="0"/>
-              <a:t>UV</a:t>
-            </a:r>
-            <a:r>
-              <a:rPr kumimoji="1" lang="ja-JP" altLang="en-US" dirty="0" smtClean="0"/>
-              <a:t>スクロール</a:t>
-            </a:r>
-            <a:endParaRPr kumimoji="1" lang="en-US" altLang="ja-JP" dirty="0" smtClean="0"/>
-          </a:p>
-          <a:p>
-            <a:r>
-              <a:rPr lang="ja-JP" altLang="en-US" dirty="0" smtClean="0"/>
-              <a:t>インターネット通信。</a:t>
-            </a:r>
-            <a:endParaRPr lang="en-US" altLang="ja-JP" dirty="0" smtClean="0"/>
-          </a:p>
-          <a:p>
-            <a:r>
-              <a:rPr lang="ja-JP" altLang="en-US" dirty="0" smtClean="0"/>
-              <a:t>カスケードシャドウ</a:t>
-            </a:r>
-            <a:r>
-              <a:rPr lang="en-US" altLang="ja-JP" dirty="0" smtClean="0"/>
-              <a:t>(</a:t>
-            </a:r>
-            <a:r>
-              <a:rPr lang="en-US" altLang="ja-JP" dirty="0" err="1" smtClean="0"/>
-              <a:t>OverCooked</a:t>
-            </a:r>
-            <a:r>
-              <a:rPr lang="ja-JP" altLang="en-US" dirty="0" err="1" smtClean="0"/>
-              <a:t>には</a:t>
-            </a:r>
-            <a:r>
-              <a:rPr lang="ja-JP" altLang="en-US" dirty="0" smtClean="0"/>
-              <a:t>必要ない</a:t>
-            </a:r>
-            <a:r>
-              <a:rPr lang="en-US" altLang="ja-JP" dirty="0" smtClean="0"/>
-              <a:t>)</a:t>
-            </a:r>
-          </a:p>
-          <a:p>
-            <a:r>
-              <a:rPr lang="ja-JP" altLang="en-US" dirty="0" smtClean="0"/>
-              <a:t>被</a:t>
-            </a:r>
-            <a:r>
-              <a:rPr lang="ja-JP" altLang="en-US" dirty="0"/>
-              <a:t>写界</a:t>
-            </a:r>
-            <a:r>
-              <a:rPr lang="ja-JP" altLang="en-US" dirty="0" smtClean="0"/>
-              <a:t>深度</a:t>
-            </a:r>
-            <a:r>
-              <a:rPr lang="en-US" altLang="ja-JP" dirty="0" smtClean="0"/>
-              <a:t>(</a:t>
-            </a:r>
-            <a:r>
-              <a:rPr lang="ja-JP" altLang="en-US" dirty="0" smtClean="0"/>
-              <a:t>ゲームエンジンの機能として</a:t>
-            </a:r>
-            <a:r>
-              <a:rPr lang="en-US" altLang="ja-JP" dirty="0" smtClean="0"/>
-              <a:t>)</a:t>
-            </a:r>
-          </a:p>
-          <a:p>
-            <a:r>
-              <a:rPr lang="ja-JP" altLang="en-US" dirty="0" smtClean="0"/>
-              <a:t>ソフトシャドウ</a:t>
-            </a:r>
-            <a:endParaRPr kumimoji="1" lang="ja-JP" altLang="en-US" dirty="0"/>
-          </a:p>
-        </p:txBody>
-      </p:sp>
-    </p:spTree>
-    <p:extLst>
-      <p:ext uri="{BB962C8B-B14F-4D97-AF65-F5344CB8AC3E}">
-        <p14:creationId xmlns:p14="http://schemas.microsoft.com/office/powerpoint/2010/main" val="934565383"/>
-      </p:ext>
-    </p:extLst>
-  </p:cSld>
-  <p:clrMapOvr>
-    <a:masterClrMapping/>
-  </p:clrMapOvr>
-  <p:timing>
-    <p:tnLst>
-      <p:par>
-        <p:cTn id="1" dur="indefinite" restart="never" nodeType="tmRoot"/>
-      </p:par>
-    </p:tnLst>
-  </p:timing>
-</p:sld>
-</file>
-
-<file path=ppt/slides/slide2.xml><?xml version="1.0" encoding="utf-8"?>
-<p:sld xmlns:a="http://schemas.openxmlformats.org/drawingml/2006/main" xmlns:r="http://schemas.openxmlformats.org/officeDocument/2006/relationships" xmlns:p="http://schemas.openxmlformats.org/presentationml/2006/main">
-  <p:cSld>
-    <p:spTree>
-      <p:nvGrpSpPr>
-        <p:cNvPr id="1" name=""/>
-        <p:cNvGrpSpPr/>
-        <p:nvPr/>
-      </p:nvGrpSpPr>
-      <p:grpSpPr>
-        <a:xfrm>
-          <a:off x="0" y="0"/>
-          <a:ext cx="0" cy="0"/>
-          <a:chOff x="0" y="0"/>
-          <a:chExt cx="0" cy="0"/>
-        </a:xfrm>
-      </p:grpSpPr>
-      <p:sp>
-        <p:nvSpPr>
-          <p:cNvPr id="2" name="タイトル 1"/>
-          <p:cNvSpPr>
-            <a:spLocks noGrp="1"/>
-          </p:cNvSpPr>
-          <p:nvPr>
-            <p:ph type="title"/>
-          </p:nvPr>
-        </p:nvSpPr>
-        <p:spPr/>
-        <p:txBody>
-          <a:bodyPr/>
-          <a:lstStyle/>
-          <a:p>
-            <a:r>
-              <a:rPr kumimoji="1" lang="ja-JP" altLang="en-US" dirty="0" smtClean="0"/>
-              <a:t>制作目的</a:t>
-            </a:r>
-            <a:endParaRPr kumimoji="1" lang="ja-JP" altLang="en-US" dirty="0"/>
-          </a:p>
-        </p:txBody>
-      </p:sp>
-      <p:sp>
-        <p:nvSpPr>
-          <p:cNvPr id="3" name="コンテンツ プレースホルダー 2"/>
-          <p:cNvSpPr>
-            <a:spLocks noGrp="1"/>
-          </p:cNvSpPr>
-          <p:nvPr>
-            <p:ph idx="1"/>
-          </p:nvPr>
-        </p:nvSpPr>
-        <p:spPr/>
-        <p:txBody>
-          <a:bodyPr/>
-          <a:lstStyle/>
-          <a:p>
-            <a:r>
-              <a:rPr kumimoji="1" lang="en-US" altLang="ja-JP" dirty="0" smtClean="0"/>
-              <a:t>DirectX11</a:t>
-            </a:r>
-            <a:r>
-              <a:rPr kumimoji="1" lang="ja-JP" altLang="en-US" dirty="0" smtClean="0"/>
-              <a:t>を使用して、自作のエンジンを作成する。</a:t>
-            </a:r>
-            <a:endParaRPr kumimoji="1" lang="en-US" altLang="ja-JP" dirty="0" smtClean="0"/>
-          </a:p>
-          <a:p>
-            <a:r>
-              <a:rPr lang="ja-JP" altLang="en-US" dirty="0" smtClean="0"/>
-              <a:t>プログラムの基礎を復習するため。</a:t>
-            </a:r>
-            <a:endParaRPr lang="en-US" altLang="ja-JP" dirty="0" smtClean="0"/>
-          </a:p>
-          <a:p>
-            <a:r>
-              <a:rPr lang="ja-JP" altLang="en-US" dirty="0" smtClean="0"/>
-              <a:t>遊んで楽しいパーティーゲームを作る。</a:t>
-            </a:r>
-            <a:endParaRPr lang="en-US" altLang="ja-JP" dirty="0" smtClean="0"/>
-          </a:p>
-          <a:p>
-            <a:endParaRPr kumimoji="1" lang="en-US" altLang="ja-JP" dirty="0"/>
-          </a:p>
-        </p:txBody>
-      </p:sp>
-    </p:spTree>
-    <p:extLst>
-      <p:ext uri="{BB962C8B-B14F-4D97-AF65-F5344CB8AC3E}">
-        <p14:creationId xmlns:p14="http://schemas.microsoft.com/office/powerpoint/2010/main" val="1514389113"/>
-      </p:ext>
-    </p:extLst>
-  </p:cSld>
-  <p:clrMapOvr>
-    <a:masterClrMapping/>
-  </p:clrMapOvr>
-  <p:timing>
-    <p:tnLst>
-      <p:par>
-        <p:cTn id="1" dur="indefinite" restart="never" nodeType="tmRoot"/>
-      </p:par>
-    </p:tnLst>
-  </p:timing>
-</p:sld>
-</file>
-
-<file path=ppt/slides/slide3.xml><?xml version="1.0" encoding="utf-8"?>
-<p:sld xmlns:a="http://schemas.openxmlformats.org/drawingml/2006/main" xmlns:r="http://schemas.openxmlformats.org/officeDocument/2006/relationships" xmlns:p="http://schemas.openxmlformats.org/presentationml/2006/main">
-  <p:cSld>
-    <p:spTree>
-      <p:nvGrpSpPr>
-        <p:cNvPr id="1" name=""/>
-        <p:cNvGrpSpPr/>
-        <p:nvPr/>
-      </p:nvGrpSpPr>
-      <p:grpSpPr>
-        <a:xfrm>
-          <a:off x="0" y="0"/>
-          <a:ext cx="0" cy="0"/>
-          <a:chOff x="0" y="0"/>
-          <a:chExt cx="0" cy="0"/>
-        </a:xfrm>
-      </p:grpSpPr>
-      <p:sp>
-        <p:nvSpPr>
-          <p:cNvPr id="2" name="タイトル 1"/>
-          <p:cNvSpPr>
-            <a:spLocks noGrp="1"/>
-          </p:cNvSpPr>
-          <p:nvPr>
-            <p:ph type="title"/>
-          </p:nvPr>
-        </p:nvSpPr>
-        <p:spPr/>
-        <p:txBody>
-          <a:bodyPr/>
-          <a:lstStyle/>
-          <a:p>
-            <a:r>
-              <a:rPr lang="ja-JP" altLang="en-US" dirty="0" smtClean="0"/>
-              <a:t>開発環境</a:t>
-            </a:r>
-            <a:endParaRPr kumimoji="1" lang="ja-JP" altLang="en-US" dirty="0"/>
-          </a:p>
-        </p:txBody>
-      </p:sp>
-      <p:sp>
-        <p:nvSpPr>
-          <p:cNvPr id="3" name="コンテンツ プレースホルダー 2"/>
-          <p:cNvSpPr>
-            <a:spLocks noGrp="1"/>
-          </p:cNvSpPr>
-          <p:nvPr>
-            <p:ph idx="1"/>
-          </p:nvPr>
-        </p:nvSpPr>
-        <p:spPr>
-          <a:xfrm>
-            <a:off x="838200" y="1130531"/>
-            <a:ext cx="10515600" cy="5046432"/>
-          </a:xfrm>
-        </p:spPr>
-        <p:txBody>
-          <a:bodyPr>
-            <a:normAutofit lnSpcReduction="10000"/>
-          </a:bodyPr>
-          <a:lstStyle/>
-          <a:p>
-            <a:pPr marL="0" indent="0">
-              <a:buNone/>
-            </a:pPr>
-            <a:endParaRPr lang="en-US" altLang="ja-JP" dirty="0" smtClean="0"/>
-          </a:p>
-          <a:p>
-            <a:pPr marL="0" indent="0">
-              <a:buNone/>
-            </a:pPr>
-            <a:r>
-              <a:rPr lang="ja-JP" altLang="en-US" sz="4000" dirty="0" smtClean="0"/>
-              <a:t>・使用ツール</a:t>
-            </a:r>
-            <a:endParaRPr lang="en-US" altLang="ja-JP" sz="4000" dirty="0" smtClean="0"/>
-          </a:p>
-          <a:p>
-            <a:r>
-              <a:rPr lang="en-US" altLang="ja-JP" dirty="0" smtClean="0"/>
-              <a:t>VisualStudio2017</a:t>
-            </a:r>
-          </a:p>
-          <a:p>
-            <a:r>
-              <a:rPr lang="en-US" altLang="ja-JP" dirty="0" smtClean="0"/>
-              <a:t>3dsMax(3D</a:t>
-            </a:r>
-            <a:r>
-              <a:rPr lang="ja-JP" altLang="en-US" dirty="0" smtClean="0"/>
-              <a:t>モデル作成</a:t>
-            </a:r>
-            <a:r>
-              <a:rPr lang="en-US" altLang="ja-JP" dirty="0" smtClean="0"/>
-              <a:t>)</a:t>
-            </a:r>
-            <a:endParaRPr lang="en-US" altLang="ja-JP" dirty="0"/>
-          </a:p>
-          <a:p>
-            <a:r>
-              <a:rPr lang="en-US" altLang="ja-JP" dirty="0" smtClean="0"/>
-              <a:t>FireAlpaca64(</a:t>
-            </a:r>
-            <a:r>
-              <a:rPr lang="ja-JP" altLang="en-US" dirty="0" smtClean="0"/>
-              <a:t>画像作成</a:t>
-            </a:r>
-            <a:r>
-              <a:rPr lang="en-US" altLang="ja-JP" dirty="0" smtClean="0"/>
-              <a:t>)</a:t>
-            </a:r>
-            <a:endParaRPr lang="en-US" altLang="ja-JP" dirty="0"/>
-          </a:p>
-          <a:p>
-            <a:r>
-              <a:rPr lang="en-US" altLang="ja-JP" dirty="0" err="1" smtClean="0"/>
-              <a:t>Freac</a:t>
-            </a:r>
-            <a:r>
-              <a:rPr lang="en-US" altLang="ja-JP" dirty="0" smtClean="0"/>
-              <a:t>(</a:t>
-            </a:r>
-            <a:r>
-              <a:rPr lang="ja-JP" altLang="en-US" dirty="0" smtClean="0"/>
-              <a:t>サウンド</a:t>
-            </a:r>
-            <a:r>
-              <a:rPr lang="ja-JP" altLang="en-US" dirty="0"/>
-              <a:t>データ</a:t>
-            </a:r>
-            <a:r>
-              <a:rPr lang="ja-JP" altLang="en-US" dirty="0" smtClean="0"/>
-              <a:t>のファイル形式変換</a:t>
-            </a:r>
-            <a:r>
-              <a:rPr lang="en-US" altLang="ja-JP" dirty="0" smtClean="0"/>
-              <a:t>)</a:t>
-            </a:r>
-          </a:p>
-          <a:p>
-            <a:r>
-              <a:rPr lang="en-US" altLang="ja-JP" dirty="0" err="1" smtClean="0"/>
-              <a:t>ModLab</a:t>
-            </a:r>
-            <a:r>
-              <a:rPr lang="en-US" altLang="ja-JP" dirty="0" smtClean="0"/>
-              <a:t>(</a:t>
-            </a:r>
-            <a:r>
-              <a:rPr lang="ja-JP" altLang="en-US" dirty="0" smtClean="0"/>
-              <a:t>法線マップ作製</a:t>
-            </a:r>
-            <a:r>
-              <a:rPr lang="en-US" altLang="ja-JP" dirty="0" smtClean="0"/>
-              <a:t>)</a:t>
-            </a:r>
-            <a:endParaRPr lang="ja-JP" altLang="en-US" dirty="0"/>
-          </a:p>
-          <a:p>
-            <a:pPr marL="0" indent="0">
-              <a:buNone/>
-            </a:pPr>
-            <a:r>
-              <a:rPr lang="ja-JP" altLang="en-US" sz="4000" dirty="0" smtClean="0"/>
-              <a:t>・使用言語</a:t>
-            </a:r>
-            <a:endParaRPr lang="en-US" altLang="ja-JP" sz="4000" dirty="0" smtClean="0"/>
-          </a:p>
-          <a:p>
-            <a:pPr marL="0" indent="0">
-              <a:buNone/>
-            </a:pPr>
-            <a:r>
-              <a:rPr lang="ja-JP" altLang="en-US" sz="2400" dirty="0" smtClean="0"/>
-              <a:t>・</a:t>
-            </a:r>
-            <a:r>
-              <a:rPr lang="en-US" altLang="ja-JP" sz="2400" dirty="0" smtClean="0"/>
-              <a:t>C++</a:t>
-            </a:r>
-          </a:p>
-          <a:p>
-            <a:pPr marL="0" indent="0">
-              <a:buNone/>
-            </a:pPr>
-            <a:r>
-              <a:rPr lang="ja-JP" altLang="en-US" sz="2400" dirty="0" smtClean="0"/>
-              <a:t>・</a:t>
-            </a:r>
-            <a:r>
-              <a:rPr lang="en-US" altLang="ja-JP" sz="2400" dirty="0" smtClean="0"/>
-              <a:t>HLSL</a:t>
-            </a:r>
-            <a:endParaRPr lang="en-US" altLang="ja-JP" sz="2400" dirty="0"/>
-          </a:p>
-        </p:txBody>
-      </p:sp>
-    </p:spTree>
-    <p:extLst>
-      <p:ext uri="{BB962C8B-B14F-4D97-AF65-F5344CB8AC3E}">
-        <p14:creationId xmlns:p14="http://schemas.microsoft.com/office/powerpoint/2010/main" val="1536562589"/>
-      </p:ext>
-    </p:extLst>
-  </p:cSld>
-  <p:clrMapOvr>
-    <a:masterClrMapping/>
-  </p:clrMapOvr>
-  <p:timing>
-    <p:tnLst>
-      <p:par>
-        <p:cTn id="1" dur="indefinite" restart="never" nodeType="tmRoot"/>
-      </p:par>
-    </p:tnLst>
-  </p:timing>
-</p:sld>
-</file>
-
-<file path=ppt/slides/slide4.xml><?xml version="1.0" encoding="utf-8"?>
-<p:sld xmlns:a="http://schemas.openxmlformats.org/drawingml/2006/main" xmlns:r="http://schemas.openxmlformats.org/officeDocument/2006/relationships" xmlns:p="http://schemas.openxmlformats.org/presentationml/2006/main">
-  <p:cSld>
-    <p:spTree>
-      <p:nvGrpSpPr>
-        <p:cNvPr id="1" name=""/>
-        <p:cNvGrpSpPr/>
-        <p:nvPr/>
-      </p:nvGrpSpPr>
-      <p:grpSpPr>
-        <a:xfrm>
-          <a:off x="0" y="0"/>
-          <a:ext cx="0" cy="0"/>
-          <a:chOff x="0" y="0"/>
-          <a:chExt cx="0" cy="0"/>
-        </a:xfrm>
-      </p:grpSpPr>
-      <p:sp>
-        <p:nvSpPr>
-          <p:cNvPr id="2" name="タイトル 1"/>
-          <p:cNvSpPr>
-            <a:spLocks noGrp="1"/>
-          </p:cNvSpPr>
-          <p:nvPr>
-            <p:ph type="title"/>
-          </p:nvPr>
-        </p:nvSpPr>
-        <p:spPr/>
-        <p:txBody>
-          <a:bodyPr/>
-          <a:lstStyle/>
-          <a:p>
-            <a:r>
-              <a:rPr lang="ja-JP" altLang="en-US" dirty="0"/>
-              <a:t>サイト</a:t>
-            </a:r>
-            <a:endParaRPr kumimoji="1" lang="ja-JP" altLang="en-US" dirty="0"/>
-          </a:p>
-        </p:txBody>
-      </p:sp>
-      <p:sp>
-        <p:nvSpPr>
-          <p:cNvPr id="3" name="コンテンツ プレースホルダー 2"/>
-          <p:cNvSpPr>
-            <a:spLocks noGrp="1"/>
-          </p:cNvSpPr>
-          <p:nvPr>
-            <p:ph idx="1"/>
-          </p:nvPr>
-        </p:nvSpPr>
-        <p:spPr/>
-        <p:txBody>
-          <a:bodyPr/>
-          <a:lstStyle/>
-          <a:p>
-            <a:r>
-              <a:rPr kumimoji="1" lang="en-US" altLang="ja-JP" dirty="0" smtClean="0"/>
-              <a:t>BGM	</a:t>
-            </a:r>
-            <a:r>
-              <a:rPr kumimoji="1" lang="en-US" altLang="ja-JP" dirty="0" err="1" smtClean="0"/>
-              <a:t>musmus</a:t>
-            </a:r>
-            <a:r>
-              <a:rPr lang="en-US" altLang="ja-JP" dirty="0"/>
-              <a:t>	</a:t>
-            </a:r>
-            <a:r>
-              <a:rPr lang="en-US" altLang="ja-JP" dirty="0" smtClean="0">
-                <a:hlinkClick r:id="rId2"/>
-              </a:rPr>
-              <a:t>http</a:t>
-            </a:r>
-            <a:r>
-              <a:rPr lang="en-US" altLang="ja-JP" dirty="0">
-                <a:hlinkClick r:id="rId2"/>
-              </a:rPr>
-              <a:t>://musmus.main.jp</a:t>
-            </a:r>
-            <a:r>
-              <a:rPr lang="en-US" altLang="ja-JP" dirty="0" smtClean="0">
-                <a:hlinkClick r:id="rId2"/>
-              </a:rPr>
-              <a:t>/</a:t>
-            </a:r>
-            <a:endParaRPr lang="en-US" altLang="ja-JP" dirty="0" smtClean="0"/>
-          </a:p>
-          <a:p>
-            <a:r>
-              <a:rPr lang="ja-JP" altLang="en-US" dirty="0" smtClean="0"/>
-              <a:t>効果音</a:t>
-            </a:r>
-            <a:r>
-              <a:rPr lang="en-US" altLang="ja-JP" dirty="0" smtClean="0"/>
-              <a:t>	</a:t>
-            </a:r>
-            <a:r>
-              <a:rPr lang="ja-JP" altLang="en-US" dirty="0" smtClean="0"/>
-              <a:t>効果音ラボ</a:t>
-            </a:r>
-            <a:r>
-              <a:rPr lang="en-US" altLang="ja-JP" dirty="0" smtClean="0"/>
-              <a:t>	</a:t>
-            </a:r>
-            <a:r>
-              <a:rPr lang="en-US" altLang="ja-JP" dirty="0" smtClean="0">
-                <a:hlinkClick r:id="rId3"/>
-              </a:rPr>
-              <a:t>https</a:t>
-            </a:r>
-            <a:r>
-              <a:rPr lang="en-US" altLang="ja-JP" dirty="0">
-                <a:hlinkClick r:id="rId3"/>
-              </a:rPr>
-              <a:t>://soundeffect-lab.info/</a:t>
-            </a:r>
-            <a:endParaRPr lang="en-US" altLang="ja-JP" dirty="0" smtClean="0"/>
-          </a:p>
-          <a:p>
-            <a:endParaRPr kumimoji="1" lang="ja-JP" altLang="en-US" dirty="0"/>
-          </a:p>
-        </p:txBody>
-      </p:sp>
-    </p:spTree>
-    <p:extLst>
-      <p:ext uri="{BB962C8B-B14F-4D97-AF65-F5344CB8AC3E}">
-        <p14:creationId xmlns:p14="http://schemas.microsoft.com/office/powerpoint/2010/main" val="3893882734"/>
-      </p:ext>
-    </p:extLst>
-  </p:cSld>
-  <p:clrMapOvr>
-    <a:masterClrMapping/>
-  </p:clrMapOvr>
-</p:sld>
-</file>
-
-<file path=ppt/slides/slide5.xml><?xml version="1.0" encoding="utf-8"?>
-<p:sld xmlns:a="http://schemas.openxmlformats.org/drawingml/2006/main" xmlns:r="http://schemas.openxmlformats.org/officeDocument/2006/relationships" xmlns:p="http://schemas.openxmlformats.org/presentationml/2006/main">
-  <p:cSld>
-    <p:spTree>
-      <p:nvGrpSpPr>
-        <p:cNvPr id="1" name=""/>
-        <p:cNvGrpSpPr/>
-        <p:nvPr/>
-      </p:nvGrpSpPr>
-      <p:grpSpPr>
-        <a:xfrm>
-          <a:off x="0" y="0"/>
-          <a:ext cx="0" cy="0"/>
-          <a:chOff x="0" y="0"/>
-          <a:chExt cx="0" cy="0"/>
-        </a:xfrm>
-      </p:grpSpPr>
-      <p:sp>
-        <p:nvSpPr>
-          <p:cNvPr id="2" name="タイトル 1"/>
-          <p:cNvSpPr>
-            <a:spLocks noGrp="1"/>
-          </p:cNvSpPr>
-          <p:nvPr>
-            <p:ph type="title"/>
-          </p:nvPr>
-        </p:nvSpPr>
-        <p:spPr>
-          <a:xfrm>
-            <a:off x="745603" y="422998"/>
-            <a:ext cx="10515600" cy="1325563"/>
-          </a:xfrm>
-        </p:spPr>
-        <p:txBody>
-          <a:bodyPr/>
-          <a:lstStyle/>
-          <a:p>
-            <a:r>
-              <a:rPr kumimoji="1" lang="ja-JP" altLang="en-US" dirty="0" smtClean="0"/>
-              <a:t>ゲーム概要</a:t>
-            </a:r>
-            <a:endParaRPr kumimoji="1" lang="ja-JP" altLang="en-US" dirty="0"/>
-          </a:p>
-        </p:txBody>
-      </p:sp>
-      <p:sp>
-        <p:nvSpPr>
-          <p:cNvPr id="3" name="コンテンツ プレースホルダー 2"/>
-          <p:cNvSpPr>
-            <a:spLocks noGrp="1"/>
-          </p:cNvSpPr>
-          <p:nvPr>
-            <p:ph idx="1"/>
-          </p:nvPr>
-        </p:nvSpPr>
-        <p:spPr>
-          <a:xfrm>
-            <a:off x="838200" y="2044931"/>
-            <a:ext cx="10515600" cy="4132032"/>
-          </a:xfrm>
-        </p:spPr>
-        <p:txBody>
-          <a:bodyPr>
-            <a:normAutofit/>
-          </a:bodyPr>
-          <a:lstStyle/>
-          <a:p>
-            <a:r>
-              <a:rPr kumimoji="1" lang="ja-JP" altLang="en-US" dirty="0" smtClean="0"/>
-              <a:t>既存のゲームである「</a:t>
-            </a:r>
-            <a:r>
-              <a:rPr kumimoji="1" lang="en-US" altLang="ja-JP" dirty="0" err="1" smtClean="0"/>
-              <a:t>OverCooked</a:t>
-            </a:r>
-            <a:r>
-              <a:rPr kumimoji="1" lang="ja-JP" altLang="en-US" dirty="0" smtClean="0"/>
-              <a:t>」「</a:t>
-            </a:r>
-            <a:r>
-              <a:rPr kumimoji="1" lang="en-US" altLang="ja-JP" dirty="0" smtClean="0"/>
-              <a:t>OverCooked2</a:t>
-            </a:r>
-            <a:r>
-              <a:rPr kumimoji="1" lang="ja-JP" altLang="en-US" dirty="0" smtClean="0"/>
-              <a:t>」をリスペクトして作ったゲームです。</a:t>
-            </a:r>
-            <a:endParaRPr kumimoji="1" lang="en-US" altLang="ja-JP" dirty="0" smtClean="0"/>
-          </a:p>
-          <a:p>
-            <a:r>
-              <a:rPr lang="ja-JP" altLang="en-US" dirty="0"/>
-              <a:t>過酷</a:t>
-            </a:r>
-            <a:r>
-              <a:rPr lang="ja-JP" altLang="en-US" dirty="0" smtClean="0"/>
-              <a:t>な環境下でお客さんの注文通りに料理を作るゲームです。</a:t>
-            </a:r>
-            <a:endParaRPr lang="en-US" altLang="ja-JP" dirty="0" smtClean="0"/>
-          </a:p>
-          <a:p>
-            <a:r>
-              <a:rPr kumimoji="1" lang="ja-JP" altLang="en-US" dirty="0" smtClean="0"/>
-              <a:t>プレイ人数　２～４人</a:t>
-            </a:r>
-            <a:endParaRPr kumimoji="1" lang="en-US" altLang="ja-JP" dirty="0" smtClean="0"/>
-          </a:p>
-          <a:p>
-            <a:endParaRPr lang="en-US" altLang="ja-JP" dirty="0"/>
-          </a:p>
-        </p:txBody>
-      </p:sp>
-    </p:spTree>
-    <p:extLst>
-      <p:ext uri="{BB962C8B-B14F-4D97-AF65-F5344CB8AC3E}">
-        <p14:creationId xmlns:p14="http://schemas.microsoft.com/office/powerpoint/2010/main" val="1464100190"/>
-      </p:ext>
-    </p:extLst>
-  </p:cSld>
-  <p:clrMapOvr>
-    <a:masterClrMapping/>
-  </p:clrMapOvr>
-  <p:timing>
-    <p:tnLst>
-      <p:par>
-        <p:cTn id="1" dur="indefinite" restart="never" nodeType="tmRoot"/>
-      </p:par>
-    </p:tnLst>
-  </p:timing>
-</p:sld>
-</file>
-
-<file path=ppt/slides/slide6.xml><?xml version="1.0" encoding="utf-8"?>
-<p:sld xmlns:a="http://schemas.openxmlformats.org/drawingml/2006/main" xmlns:r="http://schemas.openxmlformats.org/officeDocument/2006/relationships" xmlns:p="http://schemas.openxmlformats.org/presentationml/2006/main">
-  <p:cSld>
-    <p:spTree>
-      <p:nvGrpSpPr>
-        <p:cNvPr id="1" name=""/>
-        <p:cNvGrpSpPr/>
-        <p:nvPr/>
-      </p:nvGrpSpPr>
-      <p:grpSpPr>
-        <a:xfrm>
-          <a:off x="0" y="0"/>
-          <a:ext cx="0" cy="0"/>
-          <a:chOff x="0" y="0"/>
-          <a:chExt cx="0" cy="0"/>
-        </a:xfrm>
-      </p:grpSpPr>
-      <p:sp>
-        <p:nvSpPr>
-          <p:cNvPr id="2" name="タイトル 1"/>
-          <p:cNvSpPr>
-            <a:spLocks noGrp="1"/>
-          </p:cNvSpPr>
-          <p:nvPr>
-            <p:ph type="title"/>
-          </p:nvPr>
-        </p:nvSpPr>
-        <p:spPr/>
-        <p:txBody>
-          <a:bodyPr/>
-          <a:lstStyle/>
-          <a:p>
-            <a:r>
-              <a:rPr kumimoji="1" lang="ja-JP" altLang="en-US" dirty="0" smtClean="0"/>
-              <a:t>操作方法</a:t>
-            </a:r>
-            <a:endParaRPr kumimoji="1" lang="ja-JP" altLang="en-US" dirty="0"/>
-          </a:p>
-        </p:txBody>
-      </p:sp>
-      <p:sp>
-        <p:nvSpPr>
-          <p:cNvPr id="3" name="コンテンツ プレースホルダー 2"/>
-          <p:cNvSpPr>
-            <a:spLocks noGrp="1"/>
-          </p:cNvSpPr>
-          <p:nvPr>
-            <p:ph idx="1"/>
-          </p:nvPr>
-        </p:nvSpPr>
-        <p:spPr/>
-        <p:txBody>
-          <a:bodyPr/>
-          <a:lstStyle/>
-          <a:p>
-            <a:r>
-              <a:rPr lang="ja-JP" altLang="en-US" dirty="0"/>
-              <a:t>移動</a:t>
-            </a:r>
-            <a:r>
-              <a:rPr lang="en-US" altLang="ja-JP" dirty="0"/>
-              <a:t>	</a:t>
-            </a:r>
-            <a:r>
-              <a:rPr lang="ja-JP" altLang="en-US" dirty="0"/>
-              <a:t>　：　左スティック</a:t>
-            </a:r>
-            <a:endParaRPr lang="en-US" altLang="ja-JP" dirty="0"/>
-          </a:p>
-          <a:p>
-            <a:r>
-              <a:rPr lang="ja-JP" altLang="en-US" dirty="0"/>
-              <a:t>切る、洗う　：　Ⓐ</a:t>
-            </a:r>
-            <a:endParaRPr lang="en-US" altLang="ja-JP" dirty="0"/>
-          </a:p>
-          <a:p>
-            <a:r>
-              <a:rPr lang="ja-JP" altLang="en-US" dirty="0"/>
-              <a:t>持つ、置く　：　</a:t>
-            </a:r>
-            <a:r>
-              <a:rPr lang="ja-JP" altLang="en-US" dirty="0" smtClean="0"/>
-              <a:t>Ⓧ</a:t>
-            </a:r>
-          </a:p>
-          <a:p>
-            <a:pPr marL="0" indent="0">
-              <a:buNone/>
-            </a:pPr>
-            <a:endParaRPr kumimoji="1" lang="ja-JP" altLang="en-US" dirty="0"/>
-          </a:p>
-        </p:txBody>
-      </p:sp>
-      <p:pic>
-        <p:nvPicPr>
-          <p:cNvPr id="1026" name="Picture 2" descr="「Xboxコントローラー」の画像検索結果"/>
-          <p:cNvPicPr>
-            <a:picLocks noChangeAspect="1" noChangeArrowheads="1"/>
-          </p:cNvPicPr>
-          <p:nvPr/>
-        </p:nvPicPr>
-        <p:blipFill>
-          <a:blip r:embed="rId2">
-            <a:extLst>
-              <a:ext uri="{28A0092B-C50C-407E-A947-70E740481C1C}">
-                <a14:useLocalDpi xmlns:a14="http://schemas.microsoft.com/office/drawing/2010/main" val="0"/>
-              </a:ext>
-            </a:extLst>
-          </a:blip>
-          <a:srcRect/>
-          <a:stretch>
-            <a:fillRect/>
-          </a:stretch>
-        </p:blipFill>
-        <p:spPr bwMode="auto">
-          <a:xfrm>
-            <a:off x="6232179" y="1825625"/>
-            <a:ext cx="4286250" cy="4314826"/>
-          </a:xfrm>
-          <a:prstGeom prst="rect">
-            <a:avLst/>
-          </a:prstGeom>
-          <a:noFill/>
-          <a:extLst>
-            <a:ext uri="{909E8E84-426E-40DD-AFC4-6F175D3DCCD1}">
-              <a14:hiddenFill xmlns:a14="http://schemas.microsoft.com/office/drawing/2010/main">
-                <a:solidFill>
-                  <a:srgbClr val="FFFFFF"/>
-                </a:solidFill>
-              </a14:hiddenFill>
-            </a:ext>
-          </a:extLst>
-        </p:spPr>
-      </p:pic>
-    </p:spTree>
-    <p:extLst>
-      <p:ext uri="{BB962C8B-B14F-4D97-AF65-F5344CB8AC3E}">
-        <p14:creationId xmlns:p14="http://schemas.microsoft.com/office/powerpoint/2010/main" val="2150266890"/>
-      </p:ext>
-    </p:extLst>
-  </p:cSld>
-  <p:clrMapOvr>
-    <a:masterClrMapping/>
-  </p:clrMapOvr>
-  <p:timing>
-    <p:tnLst>
-      <p:par>
-        <p:cTn id="1" dur="indefinite" restart="never" nodeType="tmRoot"/>
-      </p:par>
-    </p:tnLst>
-  </p:timing>
-</p:sld>
-</file>
-
-<file path=ppt/slides/slide7.xml><?xml version="1.0" encoding="utf-8"?>
-<p:sld xmlns:a="http://schemas.openxmlformats.org/drawingml/2006/main" xmlns:r="http://schemas.openxmlformats.org/officeDocument/2006/relationships" xmlns:p="http://schemas.openxmlformats.org/presentationml/2006/main">
-  <p:cSld>
-    <p:spTree>
-      <p:nvGrpSpPr>
-        <p:cNvPr id="1" name=""/>
-        <p:cNvGrpSpPr/>
-        <p:nvPr/>
-      </p:nvGrpSpPr>
-      <p:grpSpPr>
-        <a:xfrm>
-          <a:off x="0" y="0"/>
-          <a:ext cx="0" cy="0"/>
-          <a:chOff x="0" y="0"/>
-          <a:chExt cx="0" cy="0"/>
-        </a:xfrm>
-      </p:grpSpPr>
-      <p:sp>
-        <p:nvSpPr>
-          <p:cNvPr id="2" name="タイトル 1"/>
-          <p:cNvSpPr>
-            <a:spLocks noGrp="1"/>
-          </p:cNvSpPr>
-          <p:nvPr>
-            <p:ph type="title"/>
-          </p:nvPr>
-        </p:nvSpPr>
-        <p:spPr/>
-        <p:txBody>
-          <a:bodyPr/>
-          <a:lstStyle/>
-          <a:p>
-            <a:r>
-              <a:rPr kumimoji="1" lang="ja-JP" altLang="en-US" dirty="0" smtClean="0"/>
-              <a:t>実装したものリスト</a:t>
-            </a:r>
-            <a:endParaRPr kumimoji="1" lang="ja-JP" altLang="en-US" dirty="0"/>
-          </a:p>
-        </p:txBody>
-      </p:sp>
-      <p:sp>
-        <p:nvSpPr>
-          <p:cNvPr id="3" name="コンテンツ プレースホルダー 2"/>
-          <p:cNvSpPr>
-            <a:spLocks noGrp="1"/>
-          </p:cNvSpPr>
-          <p:nvPr>
-            <p:ph idx="1"/>
-          </p:nvPr>
-        </p:nvSpPr>
-        <p:spPr/>
-        <p:txBody>
-          <a:bodyPr/>
-          <a:lstStyle/>
-          <a:p>
-            <a:r>
-              <a:rPr kumimoji="1" lang="ja-JP" altLang="en-US" dirty="0" smtClean="0"/>
-              <a:t>拡散反射光</a:t>
-            </a:r>
-            <a:endParaRPr kumimoji="1" lang="en-US" altLang="ja-JP" dirty="0" smtClean="0"/>
-          </a:p>
-          <a:p>
-            <a:r>
-              <a:rPr kumimoji="1" lang="ja-JP" altLang="en-US" dirty="0" smtClean="0"/>
-              <a:t>シャドウマップ</a:t>
-            </a:r>
-            <a:endParaRPr kumimoji="1" lang="en-US" altLang="ja-JP" dirty="0" smtClean="0"/>
-          </a:p>
-          <a:p>
-            <a:r>
-              <a:rPr lang="ja-JP" altLang="en-US" dirty="0" smtClean="0"/>
-              <a:t>法線マップ</a:t>
-            </a:r>
-            <a:endParaRPr lang="en-US" altLang="ja-JP" dirty="0" smtClean="0"/>
-          </a:p>
-          <a:p>
-            <a:r>
-              <a:rPr kumimoji="1" lang="ja-JP" altLang="en-US" dirty="0" smtClean="0"/>
-              <a:t>スペキュラマップ</a:t>
-            </a:r>
-            <a:endParaRPr kumimoji="1" lang="en-US" altLang="ja-JP" dirty="0" smtClean="0"/>
-          </a:p>
-          <a:p>
-            <a:r>
-              <a:rPr lang="ja-JP" altLang="en-US" dirty="0" smtClean="0"/>
-              <a:t>ブルーム</a:t>
-            </a:r>
-            <a:r>
-              <a:rPr lang="en-US" altLang="ja-JP" dirty="0" smtClean="0"/>
-              <a:t>(</a:t>
-            </a:r>
-            <a:r>
-              <a:rPr lang="ja-JP" altLang="en-US" dirty="0" smtClean="0"/>
-              <a:t>川瀬式ガウシアンブラー</a:t>
-            </a:r>
-            <a:r>
-              <a:rPr lang="en-US" altLang="ja-JP" dirty="0" smtClean="0"/>
-              <a:t>)</a:t>
-            </a:r>
-            <a:endParaRPr kumimoji="1" lang="ja-JP" altLang="en-US" dirty="0"/>
-          </a:p>
-        </p:txBody>
-      </p:sp>
-    </p:spTree>
-    <p:extLst>
-      <p:ext uri="{BB962C8B-B14F-4D97-AF65-F5344CB8AC3E}">
-        <p14:creationId xmlns:p14="http://schemas.microsoft.com/office/powerpoint/2010/main" val="1229871195"/>
-      </p:ext>
-    </p:extLst>
-  </p:cSld>
-  <p:clrMapOvr>
-    <a:masterClrMapping/>
-  </p:clrMapOvr>
-  <p:timing>
-    <p:tnLst>
-      <p:par>
-        <p:cTn id="1" dur="indefinite" restart="never" nodeType="tmRoot"/>
-      </p:par>
-    </p:tnLst>
-  </p:timing>
-</p:sld>
-</file>
-
-<file path=ppt/slides/slide8.xml><?xml version="1.0" encoding="utf-8"?>
-<p:sld xmlns:a="http://schemas.openxmlformats.org/drawingml/2006/main" xmlns:r="http://schemas.openxmlformats.org/officeDocument/2006/relationships" xmlns:p="http://schemas.openxmlformats.org/presentationml/2006/main">
-  <p:cSld>
-    <p:spTree>
-      <p:nvGrpSpPr>
-        <p:cNvPr id="1" name=""/>
-        <p:cNvGrpSpPr/>
-        <p:nvPr/>
-      </p:nvGrpSpPr>
-      <p:grpSpPr>
-        <a:xfrm>
-          <a:off x="0" y="0"/>
-          <a:ext cx="0" cy="0"/>
-          <a:chOff x="0" y="0"/>
-          <a:chExt cx="0" cy="0"/>
-        </a:xfrm>
-      </p:grpSpPr>
-      <p:sp>
-        <p:nvSpPr>
-          <p:cNvPr id="2" name="タイトル 1"/>
-          <p:cNvSpPr>
-            <a:spLocks noGrp="1"/>
-          </p:cNvSpPr>
-          <p:nvPr>
-            <p:ph type="title"/>
-          </p:nvPr>
-        </p:nvSpPr>
-        <p:spPr/>
-        <p:txBody>
-          <a:bodyPr/>
-          <a:lstStyle/>
-          <a:p>
-            <a:r>
-              <a:rPr lang="ja-JP" altLang="en-US" dirty="0" smtClean="0"/>
-              <a:t>ゲーム</a:t>
-            </a:r>
-            <a:r>
-              <a:rPr lang="ja-JP" altLang="en-US" dirty="0"/>
-              <a:t>操作</a:t>
-            </a:r>
-            <a:r>
-              <a:rPr lang="ja-JP" altLang="en-US" dirty="0" smtClean="0"/>
-              <a:t>における工夫点</a:t>
-            </a:r>
-            <a:endParaRPr kumimoji="1" lang="ja-JP" altLang="en-US" dirty="0"/>
-          </a:p>
-        </p:txBody>
-      </p:sp>
-      <p:sp>
-        <p:nvSpPr>
-          <p:cNvPr id="3" name="コンテンツ プレースホルダー 2"/>
-          <p:cNvSpPr>
-            <a:spLocks noGrp="1"/>
-          </p:cNvSpPr>
-          <p:nvPr>
-            <p:ph idx="1"/>
-          </p:nvPr>
-        </p:nvSpPr>
-        <p:spPr/>
-        <p:txBody>
-          <a:bodyPr>
-            <a:normAutofit/>
-          </a:bodyPr>
-          <a:lstStyle/>
-          <a:p>
-            <a:pPr marL="0" indent="0">
-              <a:buNone/>
-            </a:pPr>
-            <a:r>
-              <a:rPr lang="ja-JP" altLang="en-US" sz="2400" dirty="0"/>
-              <a:t>①</a:t>
-            </a:r>
-            <a:r>
-              <a:rPr lang="ja-JP" altLang="en-US" sz="2400" dirty="0" smtClean="0"/>
-              <a:t>「食べ物を切るとき」「お皿を洗う時」の処理を長押しにしています。</a:t>
-            </a:r>
-            <a:r>
-              <a:rPr kumimoji="1" lang="en-US" altLang="ja-JP" sz="2400" dirty="0" err="1" smtClean="0"/>
-              <a:t>OverCoooked</a:t>
-            </a:r>
-            <a:r>
-              <a:rPr kumimoji="1" lang="ja-JP" altLang="en-US" sz="2400" dirty="0" smtClean="0"/>
-              <a:t>では一度押したら処理が続き、もう一度押すと処理を終了するという流れでした。</a:t>
-            </a:r>
-            <a:r>
-              <a:rPr lang="ja-JP" altLang="en-US" sz="2400" dirty="0" smtClean="0"/>
-              <a:t>このゲームはこまめに作業を変える必要があるため、</a:t>
-            </a:r>
-            <a:r>
-              <a:rPr lang="ja-JP" altLang="en-US" sz="2400" dirty="0"/>
-              <a:t>長押ししている間のみ処理を</a:t>
-            </a:r>
-            <a:r>
-              <a:rPr lang="ja-JP" altLang="en-US" sz="2400" dirty="0" smtClean="0"/>
-              <a:t>するとい</a:t>
-            </a:r>
-            <a:r>
-              <a:rPr lang="ja-JP" altLang="en-US" sz="2400" dirty="0"/>
-              <a:t>う</a:t>
-            </a:r>
-            <a:r>
-              <a:rPr lang="ja-JP" altLang="en-US" sz="2400" dirty="0" smtClean="0"/>
-              <a:t>仕様がより感覚的に操作できると考え、長押し処理にしました。</a:t>
-            </a:r>
-            <a:endParaRPr lang="en-US" altLang="ja-JP" sz="2400" dirty="0" smtClean="0"/>
-          </a:p>
-          <a:p>
-            <a:pPr marL="0" indent="0">
-              <a:buNone/>
-            </a:pPr>
-            <a:endParaRPr lang="en-US" altLang="ja-JP" sz="2400" dirty="0" smtClean="0"/>
-          </a:p>
-          <a:p>
-            <a:pPr marL="0" indent="0">
-              <a:buNone/>
-            </a:pPr>
-            <a:r>
-              <a:rPr kumimoji="1" lang="ja-JP" altLang="en-US" sz="2400" dirty="0" smtClean="0"/>
-              <a:t>②原作では</a:t>
-            </a:r>
-            <a:r>
-              <a:rPr lang="ja-JP" altLang="en-US" sz="2400" dirty="0" smtClean="0"/>
-              <a:t>「瞬間加速」「エモート」などの機能がありましたが、操作が多すぎると経験者と初心者のプレイヤースキルの差が開きやすく、パーティーゲームにふさわしくないと考え、必要最低限の機能だけに抑え、</a:t>
-            </a:r>
-            <a:r>
-              <a:rPr kumimoji="1" lang="ja-JP" altLang="en-US" sz="2400" dirty="0" smtClean="0"/>
-              <a:t>操作をⒶボタンとⓍボタンだけにすることにより、初心者でも操作をしやすくし、みんなで楽しく遊べるようなゲームになっています。</a:t>
-            </a:r>
-            <a:endParaRPr kumimoji="1" lang="ja-JP" altLang="en-US" sz="2400" dirty="0"/>
-          </a:p>
-        </p:txBody>
-      </p:sp>
-    </p:spTree>
-    <p:extLst>
-      <p:ext uri="{BB962C8B-B14F-4D97-AF65-F5344CB8AC3E}">
-        <p14:creationId xmlns:p14="http://schemas.microsoft.com/office/powerpoint/2010/main" val="1122544693"/>
-      </p:ext>
-    </p:extLst>
-  </p:cSld>
-  <p:clrMapOvr>
-    <a:masterClrMapping/>
-  </p:clrMapOvr>
-  <p:timing>
-    <p:tnLst>
-      <p:par>
-        <p:cTn id="1" dur="indefinite" restart="never" nodeType="tmRoot"/>
-      </p:par>
-    </p:tnLst>
-  </p:timing>
-</p:sld>
-</file>
-
-<file path=ppt/slides/slide9.xml><?xml version="1.0" encoding="utf-8"?>
-<p:sld xmlns:a="http://schemas.openxmlformats.org/drawingml/2006/main" xmlns:r="http://schemas.openxmlformats.org/officeDocument/2006/relationships" xmlns:p="http://schemas.openxmlformats.org/presentationml/2006/main">
-  <p:cSld>
-    <p:spTree>
-      <p:nvGrpSpPr>
-        <p:cNvPr id="1" name=""/>
-        <p:cNvGrpSpPr/>
-        <p:nvPr/>
-      </p:nvGrpSpPr>
-      <p:grpSpPr>
-        <a:xfrm>
-          <a:off x="0" y="0"/>
-          <a:ext cx="0" cy="0"/>
-          <a:chOff x="0" y="0"/>
-          <a:chExt cx="0" cy="0"/>
-        </a:xfrm>
-      </p:grpSpPr>
-      <p:sp>
-        <p:nvSpPr>
-          <p:cNvPr id="2" name="タイトル 1"/>
-          <p:cNvSpPr>
-            <a:spLocks noGrp="1"/>
-          </p:cNvSpPr>
-          <p:nvPr>
-            <p:ph type="title"/>
-          </p:nvPr>
-        </p:nvSpPr>
-        <p:spPr/>
-        <p:txBody>
-          <a:bodyPr/>
-          <a:lstStyle/>
-          <a:p>
-            <a:r>
               <a:rPr lang="ja-JP" altLang="en-US" dirty="0" smtClean="0"/>
               <a:t>テンプレ</a:t>
             </a:r>
@@ -5916,6 +4459,1608 @@
     <p:extLst>
       <p:ext uri="{BB962C8B-B14F-4D97-AF65-F5344CB8AC3E}">
         <p14:creationId xmlns:p14="http://schemas.microsoft.com/office/powerpoint/2010/main" val="1693178662"/>
+      </p:ext>
+    </p:extLst>
+  </p:cSld>
+  <p:clrMapOvr>
+    <a:masterClrMapping/>
+  </p:clrMapOvr>
+  <p:timing>
+    <p:tnLst>
+      <p:par>
+        <p:cTn id="1" dur="indefinite" restart="never" nodeType="tmRoot"/>
+      </p:par>
+    </p:tnLst>
+  </p:timing>
+</p:sld>
+</file>
+
+<file path=ppt/slides/slide11.xml><?xml version="1.0" encoding="utf-8"?>
+<p:sld xmlns:a="http://schemas.openxmlformats.org/drawingml/2006/main" xmlns:r="http://schemas.openxmlformats.org/officeDocument/2006/relationships" xmlns:p="http://schemas.openxmlformats.org/presentationml/2006/main">
+  <p:cSld>
+    <p:spTree>
+      <p:nvGrpSpPr>
+        <p:cNvPr id="1" name=""/>
+        <p:cNvGrpSpPr/>
+        <p:nvPr/>
+      </p:nvGrpSpPr>
+      <p:grpSpPr>
+        <a:xfrm>
+          <a:off x="0" y="0"/>
+          <a:ext cx="0" cy="0"/>
+          <a:chOff x="0" y="0"/>
+          <a:chExt cx="0" cy="0"/>
+        </a:xfrm>
+      </p:grpSpPr>
+      <p:sp>
+        <p:nvSpPr>
+          <p:cNvPr id="2" name="タイトル 1"/>
+          <p:cNvSpPr>
+            <a:spLocks noGrp="1"/>
+          </p:cNvSpPr>
+          <p:nvPr>
+            <p:ph type="title"/>
+          </p:nvPr>
+        </p:nvSpPr>
+        <p:spPr/>
+        <p:txBody>
+          <a:bodyPr/>
+          <a:lstStyle/>
+          <a:p>
+            <a:r>
+              <a:rPr kumimoji="1" lang="ja-JP" altLang="en-US" dirty="0" smtClean="0"/>
+              <a:t>影</a:t>
+            </a:r>
+            <a:endParaRPr kumimoji="1" lang="ja-JP" altLang="en-US" dirty="0"/>
+          </a:p>
+        </p:txBody>
+      </p:sp>
+      <p:sp>
+        <p:nvSpPr>
+          <p:cNvPr id="3" name="コンテンツ プレースホルダー 2"/>
+          <p:cNvSpPr>
+            <a:spLocks noGrp="1"/>
+          </p:cNvSpPr>
+          <p:nvPr>
+            <p:ph idx="1"/>
+          </p:nvPr>
+        </p:nvSpPr>
+        <p:spPr>
+          <a:xfrm>
+            <a:off x="5494712" y="1463040"/>
+            <a:ext cx="5859087" cy="4713923"/>
+          </a:xfrm>
+        </p:spPr>
+        <p:txBody>
+          <a:bodyPr/>
+          <a:lstStyle/>
+          <a:p>
+            <a:pPr marL="0" indent="0">
+              <a:buNone/>
+            </a:pPr>
+            <a:r>
+              <a:rPr lang="ja-JP" altLang="en-US" dirty="0"/>
+              <a:t>①</a:t>
+            </a:r>
+            <a:r>
+              <a:rPr kumimoji="1" lang="ja-JP" altLang="en-US" dirty="0" smtClean="0"/>
+              <a:t>ライトの座標からライトの向きから見た平行投影のモデルの深度値を書き込んで</a:t>
+            </a:r>
+            <a:r>
+              <a:rPr lang="ja-JP" altLang="en-US" dirty="0"/>
+              <a:t>「</a:t>
+            </a:r>
+            <a:r>
+              <a:rPr kumimoji="1" lang="ja-JP" altLang="en-US" dirty="0" smtClean="0"/>
+              <a:t>シャドウマップ」を作成。</a:t>
+            </a:r>
+            <a:endParaRPr kumimoji="1" lang="en-US" altLang="ja-JP" dirty="0" smtClean="0"/>
+          </a:p>
+          <a:p>
+            <a:pPr marL="0" indent="0">
+              <a:buNone/>
+            </a:pPr>
+            <a:r>
+              <a:rPr lang="ja-JP" altLang="en-US" dirty="0" smtClean="0"/>
+              <a:t>・描画時、ライトから見たオブジェクトと①の深度値を比較し、①のほうが大きい場合、影を落とす。</a:t>
+            </a:r>
+            <a:endParaRPr kumimoji="1" lang="ja-JP" altLang="en-US" dirty="0"/>
+          </a:p>
+        </p:txBody>
+      </p:sp>
+      <p:pic>
+        <p:nvPicPr>
+          <p:cNvPr id="4" name="図 3"/>
+          <p:cNvPicPr>
+            <a:picLocks noChangeAspect="1"/>
+          </p:cNvPicPr>
+          <p:nvPr/>
+        </p:nvPicPr>
+        <p:blipFill>
+          <a:blip r:embed="rId2">
+            <a:extLst>
+              <a:ext uri="{28A0092B-C50C-407E-A947-70E740481C1C}">
+                <a14:useLocalDpi xmlns:a14="http://schemas.microsoft.com/office/drawing/2010/main" val="0"/>
+              </a:ext>
+            </a:extLst>
+          </a:blip>
+          <a:stretch>
+            <a:fillRect/>
+          </a:stretch>
+        </p:blipFill>
+        <p:spPr>
+          <a:xfrm>
+            <a:off x="1162397" y="1866031"/>
+            <a:ext cx="3537242" cy="3537242"/>
+          </a:xfrm>
+          <a:prstGeom prst="rect">
+            <a:avLst/>
+          </a:prstGeom>
+        </p:spPr>
+      </p:pic>
+    </p:spTree>
+    <p:extLst>
+      <p:ext uri="{BB962C8B-B14F-4D97-AF65-F5344CB8AC3E}">
+        <p14:creationId xmlns:p14="http://schemas.microsoft.com/office/powerpoint/2010/main" val="3094554016"/>
+      </p:ext>
+    </p:extLst>
+  </p:cSld>
+  <p:clrMapOvr>
+    <a:masterClrMapping/>
+  </p:clrMapOvr>
+  <p:timing>
+    <p:tnLst>
+      <p:par>
+        <p:cTn id="1" dur="indefinite" restart="never" nodeType="tmRoot"/>
+      </p:par>
+    </p:tnLst>
+  </p:timing>
+</p:sld>
+</file>
+
+<file path=ppt/slides/slide12.xml><?xml version="1.0" encoding="utf-8"?>
+<p:sld xmlns:a="http://schemas.openxmlformats.org/drawingml/2006/main" xmlns:r="http://schemas.openxmlformats.org/officeDocument/2006/relationships" xmlns:p="http://schemas.openxmlformats.org/presentationml/2006/main">
+  <p:cSld>
+    <p:spTree>
+      <p:nvGrpSpPr>
+        <p:cNvPr id="1" name=""/>
+        <p:cNvGrpSpPr/>
+        <p:nvPr/>
+      </p:nvGrpSpPr>
+      <p:grpSpPr>
+        <a:xfrm>
+          <a:off x="0" y="0"/>
+          <a:ext cx="0" cy="0"/>
+          <a:chOff x="0" y="0"/>
+          <a:chExt cx="0" cy="0"/>
+        </a:xfrm>
+      </p:grpSpPr>
+      <p:sp>
+        <p:nvSpPr>
+          <p:cNvPr id="2" name="タイトル 1"/>
+          <p:cNvSpPr>
+            <a:spLocks noGrp="1"/>
+          </p:cNvSpPr>
+          <p:nvPr>
+            <p:ph type="title"/>
+          </p:nvPr>
+        </p:nvSpPr>
+        <p:spPr/>
+        <p:txBody>
+          <a:bodyPr/>
+          <a:lstStyle/>
+          <a:p>
+            <a:r>
+              <a:rPr kumimoji="1" lang="en-US" altLang="ja-JP" dirty="0" err="1" smtClean="0"/>
+              <a:t>Todo</a:t>
+            </a:r>
+            <a:r>
+              <a:rPr kumimoji="1" lang="en-US" altLang="ja-JP" dirty="0" smtClean="0"/>
+              <a:t> </a:t>
+            </a:r>
+            <a:r>
+              <a:rPr kumimoji="1" lang="ja-JP" altLang="en-US" dirty="0" smtClean="0"/>
+              <a:t>リスト</a:t>
+            </a:r>
+            <a:r>
+              <a:rPr kumimoji="1" lang="en-US" altLang="ja-JP" dirty="0" smtClean="0"/>
+              <a:t>(</a:t>
+            </a:r>
+            <a:r>
+              <a:rPr kumimoji="1" lang="ja-JP" altLang="en-US" dirty="0" smtClean="0"/>
+              <a:t>ゲーム側</a:t>
+            </a:r>
+            <a:r>
+              <a:rPr kumimoji="1" lang="en-US" altLang="ja-JP" dirty="0" smtClean="0"/>
+              <a:t>)</a:t>
+            </a:r>
+            <a:endParaRPr kumimoji="1" lang="ja-JP" altLang="en-US" dirty="0"/>
+          </a:p>
+        </p:txBody>
+      </p:sp>
+      <p:sp>
+        <p:nvSpPr>
+          <p:cNvPr id="3" name="コンテンツ プレースホルダー 2"/>
+          <p:cNvSpPr>
+            <a:spLocks noGrp="1"/>
+          </p:cNvSpPr>
+          <p:nvPr>
+            <p:ph idx="1"/>
+          </p:nvPr>
+        </p:nvSpPr>
+        <p:spPr/>
+        <p:txBody>
+          <a:bodyPr/>
+          <a:lstStyle/>
+          <a:p>
+            <a:r>
+              <a:rPr kumimoji="1" lang="ja-JP" altLang="en-US" dirty="0" smtClean="0"/>
+              <a:t>鍋に材料がいくつ入っているかわかるような画像を差し込む</a:t>
+            </a:r>
+            <a:endParaRPr kumimoji="1" lang="en-US" altLang="ja-JP" dirty="0" smtClean="0"/>
+          </a:p>
+          <a:p>
+            <a:r>
+              <a:rPr lang="ja-JP" altLang="en-US" dirty="0" smtClean="0"/>
+              <a:t>ゴミ箱、消火器、鍋の火事実装</a:t>
+            </a:r>
+            <a:endParaRPr lang="en-US" altLang="ja-JP" dirty="0" smtClean="0"/>
+          </a:p>
+          <a:p>
+            <a:r>
+              <a:rPr kumimoji="1" lang="ja-JP" altLang="en-US" dirty="0" smtClean="0"/>
+              <a:t>注文のレシピの画像を３個表示できるように</a:t>
+            </a:r>
+            <a:endParaRPr kumimoji="1" lang="en-US" altLang="ja-JP" dirty="0" smtClean="0"/>
+          </a:p>
+          <a:p>
+            <a:r>
+              <a:rPr lang="ja-JP" altLang="en-US" dirty="0" smtClean="0"/>
+              <a:t>ステージセレクト</a:t>
+            </a:r>
+            <a:endParaRPr lang="en-US" altLang="ja-JP" dirty="0" smtClean="0"/>
+          </a:p>
+          <a:p>
+            <a:r>
+              <a:rPr kumimoji="1" lang="ja-JP" altLang="en-US" dirty="0" smtClean="0"/>
+              <a:t>人数設定</a:t>
+            </a:r>
+            <a:endParaRPr kumimoji="1" lang="en-US" altLang="ja-JP" dirty="0" smtClean="0"/>
+          </a:p>
+          <a:p>
+            <a:r>
+              <a:rPr lang="ja-JP" altLang="en-US" dirty="0" smtClean="0"/>
+              <a:t>チュートリアル</a:t>
+            </a:r>
+            <a:endParaRPr lang="en-US" altLang="ja-JP" dirty="0" smtClean="0"/>
+          </a:p>
+        </p:txBody>
+      </p:sp>
+    </p:spTree>
+    <p:extLst>
+      <p:ext uri="{BB962C8B-B14F-4D97-AF65-F5344CB8AC3E}">
+        <p14:creationId xmlns:p14="http://schemas.microsoft.com/office/powerpoint/2010/main" val="1481798040"/>
+      </p:ext>
+    </p:extLst>
+  </p:cSld>
+  <p:clrMapOvr>
+    <a:masterClrMapping/>
+  </p:clrMapOvr>
+</p:sld>
+</file>
+
+<file path=ppt/slides/slide13.xml><?xml version="1.0" encoding="utf-8"?>
+<p:sld xmlns:a="http://schemas.openxmlformats.org/drawingml/2006/main" xmlns:r="http://schemas.openxmlformats.org/officeDocument/2006/relationships" xmlns:p="http://schemas.openxmlformats.org/presentationml/2006/main">
+  <p:cSld>
+    <p:spTree>
+      <p:nvGrpSpPr>
+        <p:cNvPr id="1" name=""/>
+        <p:cNvGrpSpPr/>
+        <p:nvPr/>
+      </p:nvGrpSpPr>
+      <p:grpSpPr>
+        <a:xfrm>
+          <a:off x="0" y="0"/>
+          <a:ext cx="0" cy="0"/>
+          <a:chOff x="0" y="0"/>
+          <a:chExt cx="0" cy="0"/>
+        </a:xfrm>
+      </p:grpSpPr>
+      <p:sp>
+        <p:nvSpPr>
+          <p:cNvPr id="2" name="タイトル 1"/>
+          <p:cNvSpPr>
+            <a:spLocks noGrp="1"/>
+          </p:cNvSpPr>
+          <p:nvPr>
+            <p:ph type="title"/>
+          </p:nvPr>
+        </p:nvSpPr>
+        <p:spPr/>
+        <p:txBody>
+          <a:bodyPr/>
+          <a:lstStyle/>
+          <a:p>
+            <a:r>
+              <a:rPr kumimoji="1" lang="ja-JP" altLang="en-US" dirty="0" smtClean="0"/>
+              <a:t>実装予定リスト</a:t>
+            </a:r>
+            <a:r>
+              <a:rPr kumimoji="1" lang="en-US" altLang="ja-JP" dirty="0" smtClean="0"/>
+              <a:t>(</a:t>
+            </a:r>
+            <a:r>
+              <a:rPr kumimoji="1" lang="ja-JP" altLang="en-US" dirty="0" smtClean="0"/>
+              <a:t>エンジンの機能</a:t>
+            </a:r>
+            <a:r>
+              <a:rPr kumimoji="1" lang="en-US" altLang="ja-JP" dirty="0" smtClean="0"/>
+              <a:t>)</a:t>
+            </a:r>
+            <a:endParaRPr kumimoji="1" lang="ja-JP" altLang="en-US" dirty="0"/>
+          </a:p>
+        </p:txBody>
+      </p:sp>
+      <p:sp>
+        <p:nvSpPr>
+          <p:cNvPr id="3" name="コンテンツ プレースホルダー 2"/>
+          <p:cNvSpPr>
+            <a:spLocks noGrp="1"/>
+          </p:cNvSpPr>
+          <p:nvPr>
+            <p:ph idx="1"/>
+          </p:nvPr>
+        </p:nvSpPr>
+        <p:spPr/>
+        <p:txBody>
+          <a:bodyPr/>
+          <a:lstStyle/>
+          <a:p>
+            <a:r>
+              <a:rPr kumimoji="1" lang="en-US" altLang="ja-JP" dirty="0" smtClean="0"/>
+              <a:t>UV</a:t>
+            </a:r>
+            <a:r>
+              <a:rPr kumimoji="1" lang="ja-JP" altLang="en-US" dirty="0" smtClean="0"/>
+              <a:t>スクロール</a:t>
+            </a:r>
+            <a:endParaRPr kumimoji="1" lang="en-US" altLang="ja-JP" dirty="0" smtClean="0"/>
+          </a:p>
+          <a:p>
+            <a:r>
+              <a:rPr lang="ja-JP" altLang="en-US" dirty="0" smtClean="0"/>
+              <a:t>インターネット通信。</a:t>
+            </a:r>
+            <a:endParaRPr lang="en-US" altLang="ja-JP" dirty="0" smtClean="0"/>
+          </a:p>
+          <a:p>
+            <a:r>
+              <a:rPr lang="ja-JP" altLang="en-US" dirty="0" smtClean="0"/>
+              <a:t>カスケードシャドウ</a:t>
+            </a:r>
+            <a:r>
+              <a:rPr lang="en-US" altLang="ja-JP" dirty="0" smtClean="0"/>
+              <a:t>(</a:t>
+            </a:r>
+            <a:r>
+              <a:rPr lang="en-US" altLang="ja-JP" dirty="0" err="1" smtClean="0"/>
+              <a:t>OverCooked</a:t>
+            </a:r>
+            <a:r>
+              <a:rPr lang="ja-JP" altLang="en-US" dirty="0" err="1" smtClean="0"/>
+              <a:t>には</a:t>
+            </a:r>
+            <a:r>
+              <a:rPr lang="ja-JP" altLang="en-US" dirty="0" smtClean="0"/>
+              <a:t>必要ない</a:t>
+            </a:r>
+            <a:r>
+              <a:rPr lang="en-US" altLang="ja-JP" dirty="0" smtClean="0"/>
+              <a:t>)</a:t>
+            </a:r>
+          </a:p>
+          <a:p>
+            <a:r>
+              <a:rPr lang="ja-JP" altLang="en-US" dirty="0" smtClean="0"/>
+              <a:t>被</a:t>
+            </a:r>
+            <a:r>
+              <a:rPr lang="ja-JP" altLang="en-US" dirty="0"/>
+              <a:t>写界</a:t>
+            </a:r>
+            <a:r>
+              <a:rPr lang="ja-JP" altLang="en-US" dirty="0" smtClean="0"/>
+              <a:t>深度</a:t>
+            </a:r>
+            <a:r>
+              <a:rPr lang="en-US" altLang="ja-JP" dirty="0" smtClean="0"/>
+              <a:t>(</a:t>
+            </a:r>
+            <a:r>
+              <a:rPr lang="ja-JP" altLang="en-US" dirty="0" smtClean="0"/>
+              <a:t>ゲームエンジンの機能として</a:t>
+            </a:r>
+            <a:r>
+              <a:rPr lang="en-US" altLang="ja-JP" dirty="0" smtClean="0"/>
+              <a:t>)</a:t>
+            </a:r>
+          </a:p>
+          <a:p>
+            <a:r>
+              <a:rPr lang="ja-JP" altLang="en-US" dirty="0" smtClean="0"/>
+              <a:t>ソフトシャドウ</a:t>
+            </a:r>
+            <a:endParaRPr kumimoji="1" lang="ja-JP" altLang="en-US" dirty="0"/>
+          </a:p>
+        </p:txBody>
+      </p:sp>
+    </p:spTree>
+    <p:extLst>
+      <p:ext uri="{BB962C8B-B14F-4D97-AF65-F5344CB8AC3E}">
+        <p14:creationId xmlns:p14="http://schemas.microsoft.com/office/powerpoint/2010/main" val="934565383"/>
+      </p:ext>
+    </p:extLst>
+  </p:cSld>
+  <p:clrMapOvr>
+    <a:masterClrMapping/>
+  </p:clrMapOvr>
+  <p:timing>
+    <p:tnLst>
+      <p:par>
+        <p:cTn id="1" dur="indefinite" restart="never" nodeType="tmRoot"/>
+      </p:par>
+    </p:tnLst>
+  </p:timing>
+</p:sld>
+</file>
+
+<file path=ppt/slides/slide2.xml><?xml version="1.0" encoding="utf-8"?>
+<p:sld xmlns:a="http://schemas.openxmlformats.org/drawingml/2006/main" xmlns:r="http://schemas.openxmlformats.org/officeDocument/2006/relationships" xmlns:p="http://schemas.openxmlformats.org/presentationml/2006/main">
+  <p:cSld>
+    <p:spTree>
+      <p:nvGrpSpPr>
+        <p:cNvPr id="1" name=""/>
+        <p:cNvGrpSpPr/>
+        <p:nvPr/>
+      </p:nvGrpSpPr>
+      <p:grpSpPr>
+        <a:xfrm>
+          <a:off x="0" y="0"/>
+          <a:ext cx="0" cy="0"/>
+          <a:chOff x="0" y="0"/>
+          <a:chExt cx="0" cy="0"/>
+        </a:xfrm>
+      </p:grpSpPr>
+      <p:sp>
+        <p:nvSpPr>
+          <p:cNvPr id="2" name="タイトル 1"/>
+          <p:cNvSpPr>
+            <a:spLocks noGrp="1"/>
+          </p:cNvSpPr>
+          <p:nvPr>
+            <p:ph type="title"/>
+          </p:nvPr>
+        </p:nvSpPr>
+        <p:spPr/>
+        <p:txBody>
+          <a:bodyPr/>
+          <a:lstStyle/>
+          <a:p>
+            <a:r>
+              <a:rPr kumimoji="1" lang="ja-JP" altLang="en-US" dirty="0" smtClean="0"/>
+              <a:t>制作目的</a:t>
+            </a:r>
+            <a:endParaRPr kumimoji="1" lang="ja-JP" altLang="en-US" dirty="0"/>
+          </a:p>
+        </p:txBody>
+      </p:sp>
+      <p:sp>
+        <p:nvSpPr>
+          <p:cNvPr id="3" name="コンテンツ プレースホルダー 2"/>
+          <p:cNvSpPr>
+            <a:spLocks noGrp="1"/>
+          </p:cNvSpPr>
+          <p:nvPr>
+            <p:ph idx="1"/>
+          </p:nvPr>
+        </p:nvSpPr>
+        <p:spPr/>
+        <p:txBody>
+          <a:bodyPr/>
+          <a:lstStyle/>
+          <a:p>
+            <a:r>
+              <a:rPr kumimoji="1" lang="en-US" altLang="ja-JP" dirty="0" smtClean="0"/>
+              <a:t>DirectX11</a:t>
+            </a:r>
+            <a:r>
+              <a:rPr kumimoji="1" lang="ja-JP" altLang="en-US" dirty="0" smtClean="0"/>
+              <a:t>を使用して、自作のエンジンを作成する。</a:t>
+            </a:r>
+            <a:endParaRPr kumimoji="1" lang="en-US" altLang="ja-JP" dirty="0" smtClean="0"/>
+          </a:p>
+          <a:p>
+            <a:r>
+              <a:rPr lang="ja-JP" altLang="en-US" dirty="0" smtClean="0"/>
+              <a:t>プログラムの基礎を復習するため。</a:t>
+            </a:r>
+            <a:endParaRPr lang="en-US" altLang="ja-JP" dirty="0" smtClean="0"/>
+          </a:p>
+          <a:p>
+            <a:r>
+              <a:rPr lang="ja-JP" altLang="en-US" dirty="0" smtClean="0"/>
+              <a:t>遊んで楽しいパーティーゲームを作る。</a:t>
+            </a:r>
+            <a:endParaRPr lang="en-US" altLang="ja-JP" dirty="0" smtClean="0"/>
+          </a:p>
+          <a:p>
+            <a:endParaRPr kumimoji="1" lang="en-US" altLang="ja-JP" dirty="0"/>
+          </a:p>
+        </p:txBody>
+      </p:sp>
+    </p:spTree>
+    <p:extLst>
+      <p:ext uri="{BB962C8B-B14F-4D97-AF65-F5344CB8AC3E}">
+        <p14:creationId xmlns:p14="http://schemas.microsoft.com/office/powerpoint/2010/main" val="1514389113"/>
+      </p:ext>
+    </p:extLst>
+  </p:cSld>
+  <p:clrMapOvr>
+    <a:masterClrMapping/>
+  </p:clrMapOvr>
+  <p:timing>
+    <p:tnLst>
+      <p:par>
+        <p:cTn id="1" dur="indefinite" restart="never" nodeType="tmRoot"/>
+      </p:par>
+    </p:tnLst>
+  </p:timing>
+</p:sld>
+</file>
+
+<file path=ppt/slides/slide3.xml><?xml version="1.0" encoding="utf-8"?>
+<p:sld xmlns:a="http://schemas.openxmlformats.org/drawingml/2006/main" xmlns:r="http://schemas.openxmlformats.org/officeDocument/2006/relationships" xmlns:p="http://schemas.openxmlformats.org/presentationml/2006/main">
+  <p:cSld>
+    <p:spTree>
+      <p:nvGrpSpPr>
+        <p:cNvPr id="1" name=""/>
+        <p:cNvGrpSpPr/>
+        <p:nvPr/>
+      </p:nvGrpSpPr>
+      <p:grpSpPr>
+        <a:xfrm>
+          <a:off x="0" y="0"/>
+          <a:ext cx="0" cy="0"/>
+          <a:chOff x="0" y="0"/>
+          <a:chExt cx="0" cy="0"/>
+        </a:xfrm>
+      </p:grpSpPr>
+      <p:sp>
+        <p:nvSpPr>
+          <p:cNvPr id="2" name="タイトル 1"/>
+          <p:cNvSpPr>
+            <a:spLocks noGrp="1"/>
+          </p:cNvSpPr>
+          <p:nvPr>
+            <p:ph type="title"/>
+          </p:nvPr>
+        </p:nvSpPr>
+        <p:spPr/>
+        <p:txBody>
+          <a:bodyPr/>
+          <a:lstStyle/>
+          <a:p>
+            <a:r>
+              <a:rPr lang="ja-JP" altLang="en-US" dirty="0" smtClean="0"/>
+              <a:t>開発環境</a:t>
+            </a:r>
+            <a:endParaRPr kumimoji="1" lang="ja-JP" altLang="en-US" dirty="0"/>
+          </a:p>
+        </p:txBody>
+      </p:sp>
+      <p:sp>
+        <p:nvSpPr>
+          <p:cNvPr id="3" name="コンテンツ プレースホルダー 2"/>
+          <p:cNvSpPr>
+            <a:spLocks noGrp="1"/>
+          </p:cNvSpPr>
+          <p:nvPr>
+            <p:ph idx="1"/>
+          </p:nvPr>
+        </p:nvSpPr>
+        <p:spPr>
+          <a:xfrm>
+            <a:off x="838200" y="1130531"/>
+            <a:ext cx="10515600" cy="5046432"/>
+          </a:xfrm>
+        </p:spPr>
+        <p:txBody>
+          <a:bodyPr>
+            <a:normAutofit lnSpcReduction="10000"/>
+          </a:bodyPr>
+          <a:lstStyle/>
+          <a:p>
+            <a:pPr marL="0" indent="0">
+              <a:buNone/>
+            </a:pPr>
+            <a:endParaRPr lang="en-US" altLang="ja-JP" dirty="0" smtClean="0"/>
+          </a:p>
+          <a:p>
+            <a:pPr marL="0" indent="0">
+              <a:buNone/>
+            </a:pPr>
+            <a:r>
+              <a:rPr lang="ja-JP" altLang="en-US" sz="4000" dirty="0" smtClean="0"/>
+              <a:t>・使用ツール</a:t>
+            </a:r>
+            <a:endParaRPr lang="en-US" altLang="ja-JP" sz="4000" dirty="0" smtClean="0"/>
+          </a:p>
+          <a:p>
+            <a:r>
+              <a:rPr lang="en-US" altLang="ja-JP" dirty="0" smtClean="0"/>
+              <a:t>VisualStudio2017</a:t>
+            </a:r>
+          </a:p>
+          <a:p>
+            <a:r>
+              <a:rPr lang="en-US" altLang="ja-JP" dirty="0" smtClean="0"/>
+              <a:t>3dsMax(3D</a:t>
+            </a:r>
+            <a:r>
+              <a:rPr lang="ja-JP" altLang="en-US" dirty="0" smtClean="0"/>
+              <a:t>モデル作成</a:t>
+            </a:r>
+            <a:r>
+              <a:rPr lang="en-US" altLang="ja-JP" dirty="0" smtClean="0"/>
+              <a:t>)</a:t>
+            </a:r>
+            <a:endParaRPr lang="en-US" altLang="ja-JP" dirty="0"/>
+          </a:p>
+          <a:p>
+            <a:r>
+              <a:rPr lang="en-US" altLang="ja-JP" dirty="0" smtClean="0"/>
+              <a:t>FireAlpaca64(</a:t>
+            </a:r>
+            <a:r>
+              <a:rPr lang="ja-JP" altLang="en-US" dirty="0" smtClean="0"/>
+              <a:t>画像作成</a:t>
+            </a:r>
+            <a:r>
+              <a:rPr lang="en-US" altLang="ja-JP" dirty="0" smtClean="0"/>
+              <a:t>)</a:t>
+            </a:r>
+            <a:endParaRPr lang="en-US" altLang="ja-JP" dirty="0"/>
+          </a:p>
+          <a:p>
+            <a:r>
+              <a:rPr lang="en-US" altLang="ja-JP" dirty="0" err="1" smtClean="0"/>
+              <a:t>Freac</a:t>
+            </a:r>
+            <a:r>
+              <a:rPr lang="en-US" altLang="ja-JP" dirty="0" smtClean="0"/>
+              <a:t>(</a:t>
+            </a:r>
+            <a:r>
+              <a:rPr lang="ja-JP" altLang="en-US" dirty="0" smtClean="0"/>
+              <a:t>サウンド</a:t>
+            </a:r>
+            <a:r>
+              <a:rPr lang="ja-JP" altLang="en-US" dirty="0"/>
+              <a:t>データ</a:t>
+            </a:r>
+            <a:r>
+              <a:rPr lang="ja-JP" altLang="en-US" dirty="0" smtClean="0"/>
+              <a:t>のファイル形式変換</a:t>
+            </a:r>
+            <a:r>
+              <a:rPr lang="en-US" altLang="ja-JP" dirty="0" smtClean="0"/>
+              <a:t>)</a:t>
+            </a:r>
+          </a:p>
+          <a:p>
+            <a:r>
+              <a:rPr lang="en-US" altLang="ja-JP" dirty="0" err="1" smtClean="0"/>
+              <a:t>ModLab</a:t>
+            </a:r>
+            <a:r>
+              <a:rPr lang="en-US" altLang="ja-JP" dirty="0" smtClean="0"/>
+              <a:t>(</a:t>
+            </a:r>
+            <a:r>
+              <a:rPr lang="ja-JP" altLang="en-US" dirty="0" smtClean="0"/>
+              <a:t>法線マップ作製</a:t>
+            </a:r>
+            <a:r>
+              <a:rPr lang="en-US" altLang="ja-JP" dirty="0" smtClean="0"/>
+              <a:t>)</a:t>
+            </a:r>
+            <a:endParaRPr lang="ja-JP" altLang="en-US" dirty="0"/>
+          </a:p>
+          <a:p>
+            <a:pPr marL="0" indent="0">
+              <a:buNone/>
+            </a:pPr>
+            <a:r>
+              <a:rPr lang="ja-JP" altLang="en-US" sz="4000" dirty="0" smtClean="0"/>
+              <a:t>・使用言語</a:t>
+            </a:r>
+            <a:endParaRPr lang="en-US" altLang="ja-JP" sz="4000" dirty="0" smtClean="0"/>
+          </a:p>
+          <a:p>
+            <a:pPr marL="0" indent="0">
+              <a:buNone/>
+            </a:pPr>
+            <a:r>
+              <a:rPr lang="ja-JP" altLang="en-US" sz="2400" dirty="0" smtClean="0"/>
+              <a:t>・</a:t>
+            </a:r>
+            <a:r>
+              <a:rPr lang="en-US" altLang="ja-JP" sz="2400" dirty="0" smtClean="0"/>
+              <a:t>C++</a:t>
+            </a:r>
+          </a:p>
+          <a:p>
+            <a:pPr marL="0" indent="0">
+              <a:buNone/>
+            </a:pPr>
+            <a:r>
+              <a:rPr lang="ja-JP" altLang="en-US" sz="2400" dirty="0" smtClean="0"/>
+              <a:t>・</a:t>
+            </a:r>
+            <a:r>
+              <a:rPr lang="en-US" altLang="ja-JP" sz="2400" dirty="0" smtClean="0"/>
+              <a:t>HLSL</a:t>
+            </a:r>
+            <a:endParaRPr lang="en-US" altLang="ja-JP" sz="2400" dirty="0"/>
+          </a:p>
+        </p:txBody>
+      </p:sp>
+    </p:spTree>
+    <p:extLst>
+      <p:ext uri="{BB962C8B-B14F-4D97-AF65-F5344CB8AC3E}">
+        <p14:creationId xmlns:p14="http://schemas.microsoft.com/office/powerpoint/2010/main" val="1536562589"/>
+      </p:ext>
+    </p:extLst>
+  </p:cSld>
+  <p:clrMapOvr>
+    <a:masterClrMapping/>
+  </p:clrMapOvr>
+  <p:timing>
+    <p:tnLst>
+      <p:par>
+        <p:cTn id="1" dur="indefinite" restart="never" nodeType="tmRoot"/>
+      </p:par>
+    </p:tnLst>
+  </p:timing>
+</p:sld>
+</file>
+
+<file path=ppt/slides/slide4.xml><?xml version="1.0" encoding="utf-8"?>
+<p:sld xmlns:a="http://schemas.openxmlformats.org/drawingml/2006/main" xmlns:r="http://schemas.openxmlformats.org/officeDocument/2006/relationships" xmlns:p="http://schemas.openxmlformats.org/presentationml/2006/main">
+  <p:cSld>
+    <p:spTree>
+      <p:nvGrpSpPr>
+        <p:cNvPr id="1" name=""/>
+        <p:cNvGrpSpPr/>
+        <p:nvPr/>
+      </p:nvGrpSpPr>
+      <p:grpSpPr>
+        <a:xfrm>
+          <a:off x="0" y="0"/>
+          <a:ext cx="0" cy="0"/>
+          <a:chOff x="0" y="0"/>
+          <a:chExt cx="0" cy="0"/>
+        </a:xfrm>
+      </p:grpSpPr>
+      <p:sp>
+        <p:nvSpPr>
+          <p:cNvPr id="2" name="タイトル 1"/>
+          <p:cNvSpPr>
+            <a:spLocks noGrp="1"/>
+          </p:cNvSpPr>
+          <p:nvPr>
+            <p:ph type="title"/>
+          </p:nvPr>
+        </p:nvSpPr>
+        <p:spPr/>
+        <p:txBody>
+          <a:bodyPr/>
+          <a:lstStyle/>
+          <a:p>
+            <a:r>
+              <a:rPr lang="ja-JP" altLang="en-US" dirty="0"/>
+              <a:t>サイト</a:t>
+            </a:r>
+            <a:endParaRPr kumimoji="1" lang="ja-JP" altLang="en-US" dirty="0"/>
+          </a:p>
+        </p:txBody>
+      </p:sp>
+      <p:sp>
+        <p:nvSpPr>
+          <p:cNvPr id="3" name="コンテンツ プレースホルダー 2"/>
+          <p:cNvSpPr>
+            <a:spLocks noGrp="1"/>
+          </p:cNvSpPr>
+          <p:nvPr>
+            <p:ph idx="1"/>
+          </p:nvPr>
+        </p:nvSpPr>
+        <p:spPr/>
+        <p:txBody>
+          <a:bodyPr/>
+          <a:lstStyle/>
+          <a:p>
+            <a:r>
+              <a:rPr kumimoji="1" lang="en-US" altLang="ja-JP" dirty="0" smtClean="0"/>
+              <a:t>BGM	</a:t>
+            </a:r>
+            <a:r>
+              <a:rPr kumimoji="1" lang="en-US" altLang="ja-JP" dirty="0" err="1" smtClean="0"/>
+              <a:t>musmus</a:t>
+            </a:r>
+            <a:r>
+              <a:rPr lang="en-US" altLang="ja-JP" dirty="0"/>
+              <a:t>	</a:t>
+            </a:r>
+            <a:r>
+              <a:rPr lang="en-US" altLang="ja-JP" dirty="0" smtClean="0">
+                <a:hlinkClick r:id="rId2"/>
+              </a:rPr>
+              <a:t>http</a:t>
+            </a:r>
+            <a:r>
+              <a:rPr lang="en-US" altLang="ja-JP" dirty="0">
+                <a:hlinkClick r:id="rId2"/>
+              </a:rPr>
+              <a:t>://musmus.main.jp</a:t>
+            </a:r>
+            <a:r>
+              <a:rPr lang="en-US" altLang="ja-JP" dirty="0" smtClean="0">
+                <a:hlinkClick r:id="rId2"/>
+              </a:rPr>
+              <a:t>/</a:t>
+            </a:r>
+            <a:endParaRPr lang="en-US" altLang="ja-JP" dirty="0" smtClean="0"/>
+          </a:p>
+          <a:p>
+            <a:r>
+              <a:rPr lang="ja-JP" altLang="en-US" dirty="0" smtClean="0"/>
+              <a:t>効果音</a:t>
+            </a:r>
+            <a:r>
+              <a:rPr lang="en-US" altLang="ja-JP" dirty="0" smtClean="0"/>
+              <a:t>	</a:t>
+            </a:r>
+            <a:r>
+              <a:rPr lang="ja-JP" altLang="en-US" dirty="0" smtClean="0"/>
+              <a:t>効果音ラボ</a:t>
+            </a:r>
+            <a:r>
+              <a:rPr lang="en-US" altLang="ja-JP" dirty="0" smtClean="0"/>
+              <a:t>	</a:t>
+            </a:r>
+            <a:r>
+              <a:rPr lang="en-US" altLang="ja-JP" dirty="0" smtClean="0">
+                <a:hlinkClick r:id="rId3"/>
+              </a:rPr>
+              <a:t>https</a:t>
+            </a:r>
+            <a:r>
+              <a:rPr lang="en-US" altLang="ja-JP" dirty="0">
+                <a:hlinkClick r:id="rId3"/>
+              </a:rPr>
+              <a:t>://soundeffect-lab.info/</a:t>
+            </a:r>
+            <a:endParaRPr lang="en-US" altLang="ja-JP" dirty="0" smtClean="0"/>
+          </a:p>
+          <a:p>
+            <a:pPr marL="0" indent="0">
+              <a:buNone/>
+            </a:pPr>
+            <a:endParaRPr kumimoji="1" lang="ja-JP" altLang="en-US" dirty="0"/>
+          </a:p>
+        </p:txBody>
+      </p:sp>
+    </p:spTree>
+    <p:extLst>
+      <p:ext uri="{BB962C8B-B14F-4D97-AF65-F5344CB8AC3E}">
+        <p14:creationId xmlns:p14="http://schemas.microsoft.com/office/powerpoint/2010/main" val="3893882734"/>
+      </p:ext>
+    </p:extLst>
+  </p:cSld>
+  <p:clrMapOvr>
+    <a:masterClrMapping/>
+  </p:clrMapOvr>
+</p:sld>
+</file>
+
+<file path=ppt/slides/slide5.xml><?xml version="1.0" encoding="utf-8"?>
+<p:sld xmlns:a="http://schemas.openxmlformats.org/drawingml/2006/main" xmlns:r="http://schemas.openxmlformats.org/officeDocument/2006/relationships" xmlns:p="http://schemas.openxmlformats.org/presentationml/2006/main">
+  <p:cSld>
+    <p:spTree>
+      <p:nvGrpSpPr>
+        <p:cNvPr id="1" name=""/>
+        <p:cNvGrpSpPr/>
+        <p:nvPr/>
+      </p:nvGrpSpPr>
+      <p:grpSpPr>
+        <a:xfrm>
+          <a:off x="0" y="0"/>
+          <a:ext cx="0" cy="0"/>
+          <a:chOff x="0" y="0"/>
+          <a:chExt cx="0" cy="0"/>
+        </a:xfrm>
+      </p:grpSpPr>
+      <p:sp>
+        <p:nvSpPr>
+          <p:cNvPr id="2" name="タイトル 1"/>
+          <p:cNvSpPr>
+            <a:spLocks noGrp="1"/>
+          </p:cNvSpPr>
+          <p:nvPr>
+            <p:ph type="title"/>
+          </p:nvPr>
+        </p:nvSpPr>
+        <p:spPr/>
+        <p:txBody>
+          <a:bodyPr/>
+          <a:lstStyle/>
+          <a:p>
+            <a:r>
+              <a:rPr kumimoji="1" lang="ja-JP" altLang="en-US" dirty="0" smtClean="0"/>
+              <a:t>ライブラリ</a:t>
+            </a:r>
+            <a:endParaRPr kumimoji="1" lang="ja-JP" altLang="en-US" dirty="0"/>
+          </a:p>
+        </p:txBody>
+      </p:sp>
+      <p:sp>
+        <p:nvSpPr>
+          <p:cNvPr id="3" name="コンテンツ プレースホルダー 2"/>
+          <p:cNvSpPr>
+            <a:spLocks noGrp="1"/>
+          </p:cNvSpPr>
+          <p:nvPr>
+            <p:ph idx="1"/>
+          </p:nvPr>
+        </p:nvSpPr>
+        <p:spPr/>
+        <p:txBody>
+          <a:bodyPr/>
+          <a:lstStyle/>
+          <a:p>
+            <a:r>
+              <a:rPr kumimoji="1" lang="en-US" altLang="ja-JP" dirty="0" smtClean="0"/>
+              <a:t>Bullet</a:t>
+            </a:r>
+            <a:r>
+              <a:rPr kumimoji="1" lang="ja-JP" altLang="en-US" dirty="0" smtClean="0"/>
+              <a:t> </a:t>
+            </a:r>
+            <a:r>
+              <a:rPr kumimoji="1" lang="en-US" altLang="ja-JP" dirty="0" smtClean="0"/>
+              <a:t>Physics</a:t>
+            </a:r>
+          </a:p>
+          <a:p>
+            <a:r>
+              <a:rPr lang="en-US" altLang="ja-JP" dirty="0" err="1" smtClean="0"/>
+              <a:t>DirectXTK</a:t>
+            </a:r>
+            <a:endParaRPr lang="en-US" altLang="ja-JP" dirty="0" smtClean="0"/>
+          </a:p>
+          <a:p>
+            <a:r>
+              <a:rPr kumimoji="1" lang="en-US" altLang="ja-JP" dirty="0" err="1" smtClean="0"/>
+              <a:t>Effeksee</a:t>
+            </a:r>
+            <a:r>
+              <a:rPr kumimoji="1" lang="en-US" altLang="ja-JP" dirty="0" err="1"/>
+              <a:t>r</a:t>
+            </a:r>
+            <a:endParaRPr kumimoji="1" lang="ja-JP" altLang="en-US" dirty="0"/>
+          </a:p>
+        </p:txBody>
+      </p:sp>
+    </p:spTree>
+    <p:extLst>
+      <p:ext uri="{BB962C8B-B14F-4D97-AF65-F5344CB8AC3E}">
+        <p14:creationId xmlns:p14="http://schemas.microsoft.com/office/powerpoint/2010/main" val="2529335214"/>
+      </p:ext>
+    </p:extLst>
+  </p:cSld>
+  <p:clrMapOvr>
+    <a:masterClrMapping/>
+  </p:clrMapOvr>
+</p:sld>
+</file>
+
+<file path=ppt/slides/slide6.xml><?xml version="1.0" encoding="utf-8"?>
+<p:sld xmlns:a="http://schemas.openxmlformats.org/drawingml/2006/main" xmlns:r="http://schemas.openxmlformats.org/officeDocument/2006/relationships" xmlns:p="http://schemas.openxmlformats.org/presentationml/2006/main">
+  <p:cSld>
+    <p:spTree>
+      <p:nvGrpSpPr>
+        <p:cNvPr id="1" name=""/>
+        <p:cNvGrpSpPr/>
+        <p:nvPr/>
+      </p:nvGrpSpPr>
+      <p:grpSpPr>
+        <a:xfrm>
+          <a:off x="0" y="0"/>
+          <a:ext cx="0" cy="0"/>
+          <a:chOff x="0" y="0"/>
+          <a:chExt cx="0" cy="0"/>
+        </a:xfrm>
+      </p:grpSpPr>
+      <p:sp>
+        <p:nvSpPr>
+          <p:cNvPr id="2" name="タイトル 1"/>
+          <p:cNvSpPr>
+            <a:spLocks noGrp="1"/>
+          </p:cNvSpPr>
+          <p:nvPr>
+            <p:ph type="title"/>
+          </p:nvPr>
+        </p:nvSpPr>
+        <p:spPr>
+          <a:xfrm>
+            <a:off x="745603" y="422998"/>
+            <a:ext cx="10515600" cy="1325563"/>
+          </a:xfrm>
+        </p:spPr>
+        <p:txBody>
+          <a:bodyPr/>
+          <a:lstStyle/>
+          <a:p>
+            <a:r>
+              <a:rPr kumimoji="1" lang="ja-JP" altLang="en-US" dirty="0" smtClean="0"/>
+              <a:t>ゲーム概要</a:t>
+            </a:r>
+            <a:endParaRPr kumimoji="1" lang="ja-JP" altLang="en-US" dirty="0"/>
+          </a:p>
+        </p:txBody>
+      </p:sp>
+      <p:sp>
+        <p:nvSpPr>
+          <p:cNvPr id="3" name="コンテンツ プレースホルダー 2"/>
+          <p:cNvSpPr>
+            <a:spLocks noGrp="1"/>
+          </p:cNvSpPr>
+          <p:nvPr>
+            <p:ph idx="1"/>
+          </p:nvPr>
+        </p:nvSpPr>
+        <p:spPr>
+          <a:xfrm>
+            <a:off x="838200" y="2044931"/>
+            <a:ext cx="10515600" cy="4132032"/>
+          </a:xfrm>
+        </p:spPr>
+        <p:txBody>
+          <a:bodyPr>
+            <a:normAutofit/>
+          </a:bodyPr>
+          <a:lstStyle/>
+          <a:p>
+            <a:r>
+              <a:rPr kumimoji="1" lang="ja-JP" altLang="en-US" dirty="0" smtClean="0"/>
+              <a:t>既存のゲームである「</a:t>
+            </a:r>
+            <a:r>
+              <a:rPr kumimoji="1" lang="en-US" altLang="ja-JP" dirty="0" err="1" smtClean="0"/>
+              <a:t>OverCooked</a:t>
+            </a:r>
+            <a:r>
+              <a:rPr kumimoji="1" lang="ja-JP" altLang="en-US" dirty="0" smtClean="0"/>
+              <a:t>」「</a:t>
+            </a:r>
+            <a:r>
+              <a:rPr kumimoji="1" lang="en-US" altLang="ja-JP" dirty="0" smtClean="0"/>
+              <a:t>OverCooked2</a:t>
+            </a:r>
+            <a:r>
+              <a:rPr kumimoji="1" lang="ja-JP" altLang="en-US" dirty="0" smtClean="0"/>
+              <a:t>」をリスペクトして作ったゲームです。</a:t>
+            </a:r>
+            <a:endParaRPr kumimoji="1" lang="en-US" altLang="ja-JP" dirty="0" smtClean="0"/>
+          </a:p>
+          <a:p>
+            <a:r>
+              <a:rPr lang="ja-JP" altLang="en-US" dirty="0"/>
+              <a:t>過酷</a:t>
+            </a:r>
+            <a:r>
+              <a:rPr lang="ja-JP" altLang="en-US" dirty="0" smtClean="0"/>
+              <a:t>な環境下でお客さんの注文通りに料理を作るゲームです。</a:t>
+            </a:r>
+            <a:endParaRPr lang="en-US" altLang="ja-JP" dirty="0" smtClean="0"/>
+          </a:p>
+          <a:p>
+            <a:r>
+              <a:rPr kumimoji="1" lang="ja-JP" altLang="en-US" dirty="0" smtClean="0"/>
+              <a:t>プレイ人数　２～４人</a:t>
+            </a:r>
+            <a:endParaRPr kumimoji="1" lang="en-US" altLang="ja-JP" dirty="0" smtClean="0"/>
+          </a:p>
+          <a:p>
+            <a:endParaRPr lang="en-US" altLang="ja-JP" dirty="0"/>
+          </a:p>
+        </p:txBody>
+      </p:sp>
+    </p:spTree>
+    <p:extLst>
+      <p:ext uri="{BB962C8B-B14F-4D97-AF65-F5344CB8AC3E}">
+        <p14:creationId xmlns:p14="http://schemas.microsoft.com/office/powerpoint/2010/main" val="1464100190"/>
+      </p:ext>
+    </p:extLst>
+  </p:cSld>
+  <p:clrMapOvr>
+    <a:masterClrMapping/>
+  </p:clrMapOvr>
+  <p:timing>
+    <p:tnLst>
+      <p:par>
+        <p:cTn id="1" dur="indefinite" restart="never" nodeType="tmRoot"/>
+      </p:par>
+    </p:tnLst>
+  </p:timing>
+</p:sld>
+</file>
+
+<file path=ppt/slides/slide7.xml><?xml version="1.0" encoding="utf-8"?>
+<p:sld xmlns:a="http://schemas.openxmlformats.org/drawingml/2006/main" xmlns:r="http://schemas.openxmlformats.org/officeDocument/2006/relationships" xmlns:p="http://schemas.openxmlformats.org/presentationml/2006/main">
+  <p:cSld>
+    <p:spTree>
+      <p:nvGrpSpPr>
+        <p:cNvPr id="1" name=""/>
+        <p:cNvGrpSpPr/>
+        <p:nvPr/>
+      </p:nvGrpSpPr>
+      <p:grpSpPr>
+        <a:xfrm>
+          <a:off x="0" y="0"/>
+          <a:ext cx="0" cy="0"/>
+          <a:chOff x="0" y="0"/>
+          <a:chExt cx="0" cy="0"/>
+        </a:xfrm>
+      </p:grpSpPr>
+      <p:sp>
+        <p:nvSpPr>
+          <p:cNvPr id="2" name="タイトル 1"/>
+          <p:cNvSpPr>
+            <a:spLocks noGrp="1"/>
+          </p:cNvSpPr>
+          <p:nvPr>
+            <p:ph type="title"/>
+          </p:nvPr>
+        </p:nvSpPr>
+        <p:spPr/>
+        <p:txBody>
+          <a:bodyPr/>
+          <a:lstStyle/>
+          <a:p>
+            <a:r>
+              <a:rPr kumimoji="1" lang="ja-JP" altLang="en-US" dirty="0" smtClean="0"/>
+              <a:t>操作方法</a:t>
+            </a:r>
+            <a:endParaRPr kumimoji="1" lang="ja-JP" altLang="en-US" dirty="0"/>
+          </a:p>
+        </p:txBody>
+      </p:sp>
+      <p:sp>
+        <p:nvSpPr>
+          <p:cNvPr id="3" name="コンテンツ プレースホルダー 2"/>
+          <p:cNvSpPr>
+            <a:spLocks noGrp="1"/>
+          </p:cNvSpPr>
+          <p:nvPr>
+            <p:ph idx="1"/>
+          </p:nvPr>
+        </p:nvSpPr>
+        <p:spPr/>
+        <p:txBody>
+          <a:bodyPr/>
+          <a:lstStyle/>
+          <a:p>
+            <a:r>
+              <a:rPr lang="ja-JP" altLang="en-US" dirty="0"/>
+              <a:t>移動</a:t>
+            </a:r>
+            <a:r>
+              <a:rPr lang="en-US" altLang="ja-JP" dirty="0"/>
+              <a:t>	</a:t>
+            </a:r>
+            <a:r>
+              <a:rPr lang="ja-JP" altLang="en-US" dirty="0"/>
+              <a:t>　：　左スティック</a:t>
+            </a:r>
+            <a:endParaRPr lang="en-US" altLang="ja-JP" dirty="0"/>
+          </a:p>
+          <a:p>
+            <a:r>
+              <a:rPr lang="ja-JP" altLang="en-US" dirty="0"/>
+              <a:t>切る、洗う　：　Ⓐ</a:t>
+            </a:r>
+            <a:endParaRPr lang="en-US" altLang="ja-JP" dirty="0"/>
+          </a:p>
+          <a:p>
+            <a:r>
+              <a:rPr lang="ja-JP" altLang="en-US" dirty="0"/>
+              <a:t>持つ、置く　：　</a:t>
+            </a:r>
+            <a:r>
+              <a:rPr lang="ja-JP" altLang="en-US" dirty="0" smtClean="0"/>
+              <a:t>Ⓧ</a:t>
+            </a:r>
+          </a:p>
+          <a:p>
+            <a:pPr marL="0" indent="0">
+              <a:buNone/>
+            </a:pPr>
+            <a:endParaRPr kumimoji="1" lang="en-US" altLang="ja-JP" dirty="0" smtClean="0"/>
+          </a:p>
+          <a:p>
+            <a:pPr marL="0" indent="0">
+              <a:buNone/>
+            </a:pPr>
+            <a:r>
+              <a:rPr kumimoji="1" lang="ja-JP" altLang="en-US" dirty="0" smtClean="0"/>
+              <a:t>動作確認済コントローラー</a:t>
+            </a:r>
+            <a:endParaRPr kumimoji="1" lang="en-US" altLang="ja-JP" dirty="0" smtClean="0"/>
+          </a:p>
+          <a:p>
+            <a:pPr marL="0" indent="0">
+              <a:buNone/>
+            </a:pPr>
+            <a:r>
+              <a:rPr lang="ja-JP" altLang="en-US" dirty="0" smtClean="0"/>
+              <a:t>・</a:t>
+            </a:r>
+            <a:r>
+              <a:rPr lang="en-US" altLang="ja-JP" dirty="0" err="1" smtClean="0"/>
+              <a:t>Logicool</a:t>
+            </a:r>
+            <a:r>
+              <a:rPr lang="ja-JP" altLang="en-US" dirty="0" smtClean="0"/>
+              <a:t> </a:t>
+            </a:r>
+            <a:r>
+              <a:rPr lang="en-US" altLang="ja-JP" dirty="0" smtClean="0"/>
+              <a:t>Gamepad</a:t>
+            </a:r>
+            <a:r>
+              <a:rPr lang="ja-JP" altLang="en-US" dirty="0" smtClean="0"/>
+              <a:t> </a:t>
+            </a:r>
+            <a:r>
+              <a:rPr lang="en-US" altLang="ja-JP" dirty="0" smtClean="0"/>
+              <a:t>F310</a:t>
+            </a:r>
+            <a:endParaRPr lang="en-US" altLang="ja-JP" dirty="0"/>
+          </a:p>
+        </p:txBody>
+      </p:sp>
+      <p:pic>
+        <p:nvPicPr>
+          <p:cNvPr id="1026" name="Picture 2" descr="「Xboxコントローラー」の画像検索結果"/>
+          <p:cNvPicPr>
+            <a:picLocks noChangeAspect="1" noChangeArrowheads="1"/>
+          </p:cNvPicPr>
+          <p:nvPr/>
+        </p:nvPicPr>
+        <p:blipFill>
+          <a:blip r:embed="rId2">
+            <a:extLst>
+              <a:ext uri="{28A0092B-C50C-407E-A947-70E740481C1C}">
+                <a14:useLocalDpi xmlns:a14="http://schemas.microsoft.com/office/drawing/2010/main" val="0"/>
+              </a:ext>
+            </a:extLst>
+          </a:blip>
+          <a:srcRect/>
+          <a:stretch>
+            <a:fillRect/>
+          </a:stretch>
+        </p:blipFill>
+        <p:spPr bwMode="auto">
+          <a:xfrm>
+            <a:off x="6232179" y="1825625"/>
+            <a:ext cx="4286250" cy="4314826"/>
+          </a:xfrm>
+          <a:prstGeom prst="rect">
+            <a:avLst/>
+          </a:prstGeom>
+          <a:noFill/>
+          <a:extLst>
+            <a:ext uri="{909E8E84-426E-40DD-AFC4-6F175D3DCCD1}">
+              <a14:hiddenFill xmlns:a14="http://schemas.microsoft.com/office/drawing/2010/main">
+                <a:solidFill>
+                  <a:srgbClr val="FFFFFF"/>
+                </a:solidFill>
+              </a14:hiddenFill>
+            </a:ext>
+          </a:extLst>
+        </p:spPr>
+      </p:pic>
+    </p:spTree>
+    <p:extLst>
+      <p:ext uri="{BB962C8B-B14F-4D97-AF65-F5344CB8AC3E}">
+        <p14:creationId xmlns:p14="http://schemas.microsoft.com/office/powerpoint/2010/main" val="2150266890"/>
+      </p:ext>
+    </p:extLst>
+  </p:cSld>
+  <p:clrMapOvr>
+    <a:masterClrMapping/>
+  </p:clrMapOvr>
+  <p:timing>
+    <p:tnLst>
+      <p:par>
+        <p:cTn id="1" dur="indefinite" restart="never" nodeType="tmRoot"/>
+      </p:par>
+    </p:tnLst>
+  </p:timing>
+</p:sld>
+</file>
+
+<file path=ppt/slides/slide8.xml><?xml version="1.0" encoding="utf-8"?>
+<p:sld xmlns:a="http://schemas.openxmlformats.org/drawingml/2006/main" xmlns:r="http://schemas.openxmlformats.org/officeDocument/2006/relationships" xmlns:p="http://schemas.openxmlformats.org/presentationml/2006/main">
+  <p:cSld>
+    <p:spTree>
+      <p:nvGrpSpPr>
+        <p:cNvPr id="1" name=""/>
+        <p:cNvGrpSpPr/>
+        <p:nvPr/>
+      </p:nvGrpSpPr>
+      <p:grpSpPr>
+        <a:xfrm>
+          <a:off x="0" y="0"/>
+          <a:ext cx="0" cy="0"/>
+          <a:chOff x="0" y="0"/>
+          <a:chExt cx="0" cy="0"/>
+        </a:xfrm>
+      </p:grpSpPr>
+      <p:sp>
+        <p:nvSpPr>
+          <p:cNvPr id="2" name="タイトル 1"/>
+          <p:cNvSpPr>
+            <a:spLocks noGrp="1"/>
+          </p:cNvSpPr>
+          <p:nvPr>
+            <p:ph type="title"/>
+          </p:nvPr>
+        </p:nvSpPr>
+        <p:spPr/>
+        <p:txBody>
+          <a:bodyPr/>
+          <a:lstStyle/>
+          <a:p>
+            <a:r>
+              <a:rPr kumimoji="1" lang="ja-JP" altLang="en-US" dirty="0" smtClean="0"/>
+              <a:t>実装したものリスト</a:t>
+            </a:r>
+            <a:endParaRPr kumimoji="1" lang="ja-JP" altLang="en-US" dirty="0"/>
+          </a:p>
+        </p:txBody>
+      </p:sp>
+      <p:sp>
+        <p:nvSpPr>
+          <p:cNvPr id="3" name="コンテンツ プレースホルダー 2"/>
+          <p:cNvSpPr>
+            <a:spLocks noGrp="1"/>
+          </p:cNvSpPr>
+          <p:nvPr>
+            <p:ph idx="1"/>
+          </p:nvPr>
+        </p:nvSpPr>
+        <p:spPr/>
+        <p:txBody>
+          <a:bodyPr/>
+          <a:lstStyle/>
+          <a:p>
+            <a:r>
+              <a:rPr kumimoji="1" lang="ja-JP" altLang="en-US" dirty="0" smtClean="0"/>
+              <a:t>拡散反射光</a:t>
+            </a:r>
+            <a:endParaRPr kumimoji="1" lang="en-US" altLang="ja-JP" dirty="0" smtClean="0"/>
+          </a:p>
+          <a:p>
+            <a:r>
+              <a:rPr kumimoji="1" lang="ja-JP" altLang="en-US" dirty="0" smtClean="0"/>
+              <a:t>シャドウマップ</a:t>
+            </a:r>
+            <a:endParaRPr kumimoji="1" lang="en-US" altLang="ja-JP" dirty="0" smtClean="0"/>
+          </a:p>
+          <a:p>
+            <a:r>
+              <a:rPr lang="ja-JP" altLang="en-US" dirty="0" smtClean="0"/>
+              <a:t>法線マップ</a:t>
+            </a:r>
+            <a:endParaRPr lang="en-US" altLang="ja-JP" dirty="0" smtClean="0"/>
+          </a:p>
+          <a:p>
+            <a:r>
+              <a:rPr kumimoji="1" lang="ja-JP" altLang="en-US" dirty="0" smtClean="0"/>
+              <a:t>スペキュラマップ</a:t>
+            </a:r>
+            <a:endParaRPr kumimoji="1" lang="en-US" altLang="ja-JP" dirty="0" smtClean="0"/>
+          </a:p>
+          <a:p>
+            <a:r>
+              <a:rPr lang="ja-JP" altLang="en-US" dirty="0" smtClean="0"/>
+              <a:t>ブルーム</a:t>
+            </a:r>
+            <a:r>
+              <a:rPr lang="en-US" altLang="ja-JP" dirty="0" smtClean="0"/>
+              <a:t>(</a:t>
+            </a:r>
+            <a:r>
+              <a:rPr lang="ja-JP" altLang="en-US" dirty="0" smtClean="0"/>
+              <a:t>川瀬式ガウシアンブラー</a:t>
+            </a:r>
+            <a:r>
+              <a:rPr lang="en-US" altLang="ja-JP" dirty="0" smtClean="0"/>
+              <a:t>)</a:t>
+            </a:r>
+            <a:endParaRPr kumimoji="1" lang="ja-JP" altLang="en-US" dirty="0"/>
+          </a:p>
+        </p:txBody>
+      </p:sp>
+    </p:spTree>
+    <p:extLst>
+      <p:ext uri="{BB962C8B-B14F-4D97-AF65-F5344CB8AC3E}">
+        <p14:creationId xmlns:p14="http://schemas.microsoft.com/office/powerpoint/2010/main" val="1229871195"/>
+      </p:ext>
+    </p:extLst>
+  </p:cSld>
+  <p:clrMapOvr>
+    <a:masterClrMapping/>
+  </p:clrMapOvr>
+  <p:timing>
+    <p:tnLst>
+      <p:par>
+        <p:cTn id="1" dur="indefinite" restart="never" nodeType="tmRoot"/>
+      </p:par>
+    </p:tnLst>
+  </p:timing>
+</p:sld>
+</file>
+
+<file path=ppt/slides/slide9.xml><?xml version="1.0" encoding="utf-8"?>
+<p:sld xmlns:a="http://schemas.openxmlformats.org/drawingml/2006/main" xmlns:r="http://schemas.openxmlformats.org/officeDocument/2006/relationships" xmlns:p="http://schemas.openxmlformats.org/presentationml/2006/main">
+  <p:cSld>
+    <p:spTree>
+      <p:nvGrpSpPr>
+        <p:cNvPr id="1" name=""/>
+        <p:cNvGrpSpPr/>
+        <p:nvPr/>
+      </p:nvGrpSpPr>
+      <p:grpSpPr>
+        <a:xfrm>
+          <a:off x="0" y="0"/>
+          <a:ext cx="0" cy="0"/>
+          <a:chOff x="0" y="0"/>
+          <a:chExt cx="0" cy="0"/>
+        </a:xfrm>
+      </p:grpSpPr>
+      <p:sp>
+        <p:nvSpPr>
+          <p:cNvPr id="2" name="タイトル 1"/>
+          <p:cNvSpPr>
+            <a:spLocks noGrp="1"/>
+          </p:cNvSpPr>
+          <p:nvPr>
+            <p:ph type="title"/>
+          </p:nvPr>
+        </p:nvSpPr>
+        <p:spPr/>
+        <p:txBody>
+          <a:bodyPr/>
+          <a:lstStyle/>
+          <a:p>
+            <a:r>
+              <a:rPr lang="ja-JP" altLang="en-US" dirty="0" smtClean="0"/>
+              <a:t>ゲーム</a:t>
+            </a:r>
+            <a:r>
+              <a:rPr lang="ja-JP" altLang="en-US" dirty="0"/>
+              <a:t>操作</a:t>
+            </a:r>
+            <a:r>
+              <a:rPr lang="ja-JP" altLang="en-US" dirty="0" smtClean="0"/>
+              <a:t>における工夫点</a:t>
+            </a:r>
+            <a:endParaRPr kumimoji="1" lang="ja-JP" altLang="en-US" dirty="0"/>
+          </a:p>
+        </p:txBody>
+      </p:sp>
+      <p:sp>
+        <p:nvSpPr>
+          <p:cNvPr id="3" name="コンテンツ プレースホルダー 2"/>
+          <p:cNvSpPr>
+            <a:spLocks noGrp="1"/>
+          </p:cNvSpPr>
+          <p:nvPr>
+            <p:ph idx="1"/>
+          </p:nvPr>
+        </p:nvSpPr>
+        <p:spPr/>
+        <p:txBody>
+          <a:bodyPr>
+            <a:normAutofit/>
+          </a:bodyPr>
+          <a:lstStyle/>
+          <a:p>
+            <a:pPr marL="0" indent="0">
+              <a:buNone/>
+            </a:pPr>
+            <a:r>
+              <a:rPr lang="ja-JP" altLang="en-US" sz="2400" dirty="0"/>
+              <a:t>①</a:t>
+            </a:r>
+            <a:r>
+              <a:rPr lang="ja-JP" altLang="en-US" sz="2400" dirty="0" smtClean="0"/>
+              <a:t>「食べ物を切るとき」「お皿を洗う時」の処理を長押しにしています。</a:t>
+            </a:r>
+            <a:r>
+              <a:rPr kumimoji="1" lang="en-US" altLang="ja-JP" sz="2400" dirty="0" err="1" smtClean="0"/>
+              <a:t>OverCoooked</a:t>
+            </a:r>
+            <a:r>
+              <a:rPr kumimoji="1" lang="ja-JP" altLang="en-US" sz="2400" dirty="0" smtClean="0"/>
+              <a:t>では一度押したら処理が続き、もう一度押すと処理を終了するという流れでした。</a:t>
+            </a:r>
+            <a:r>
+              <a:rPr lang="ja-JP" altLang="en-US" sz="2400" dirty="0" smtClean="0"/>
+              <a:t>このゲームはこまめに作業を変える必要があるため、</a:t>
+            </a:r>
+            <a:r>
+              <a:rPr lang="ja-JP" altLang="en-US" sz="2400" dirty="0"/>
+              <a:t>長押ししている間のみ処理を</a:t>
+            </a:r>
+            <a:r>
+              <a:rPr lang="ja-JP" altLang="en-US" sz="2400" dirty="0" smtClean="0"/>
+              <a:t>するとい</a:t>
+            </a:r>
+            <a:r>
+              <a:rPr lang="ja-JP" altLang="en-US" sz="2400" dirty="0"/>
+              <a:t>う</a:t>
+            </a:r>
+            <a:r>
+              <a:rPr lang="ja-JP" altLang="en-US" sz="2400" dirty="0" smtClean="0"/>
+              <a:t>仕様がより感覚的に操作できると考え、長押し処理にしました。</a:t>
+            </a:r>
+            <a:endParaRPr lang="en-US" altLang="ja-JP" sz="2400" dirty="0" smtClean="0"/>
+          </a:p>
+          <a:p>
+            <a:pPr marL="0" indent="0">
+              <a:buNone/>
+            </a:pPr>
+            <a:endParaRPr lang="en-US" altLang="ja-JP" sz="2400" dirty="0" smtClean="0"/>
+          </a:p>
+          <a:p>
+            <a:pPr marL="0" indent="0">
+              <a:buNone/>
+            </a:pPr>
+            <a:r>
+              <a:rPr kumimoji="1" lang="ja-JP" altLang="en-US" sz="2400" dirty="0" smtClean="0"/>
+              <a:t>②原作では</a:t>
+            </a:r>
+            <a:r>
+              <a:rPr lang="ja-JP" altLang="en-US" sz="2400" dirty="0" smtClean="0"/>
+              <a:t>「瞬間加速」「エモート」などの機能がありましたが、操作が多すぎると経験者と初心者のプレイヤースキルの差が開きやすく、パーティーゲームにふさわしくないと考え、必要最低限の機能だけに抑え、</a:t>
+            </a:r>
+            <a:r>
+              <a:rPr kumimoji="1" lang="ja-JP" altLang="en-US" sz="2400" dirty="0" smtClean="0"/>
+              <a:t>操作をⒶボタンとⓍボタンだけにすることにより、初心者でも操作をしやすくし、みんなで楽しく遊べるようなゲームになっています。</a:t>
+            </a:r>
+            <a:endParaRPr kumimoji="1" lang="ja-JP" altLang="en-US" sz="2400" dirty="0"/>
+          </a:p>
+        </p:txBody>
+      </p:sp>
+    </p:spTree>
+    <p:extLst>
+      <p:ext uri="{BB962C8B-B14F-4D97-AF65-F5344CB8AC3E}">
+        <p14:creationId xmlns:p14="http://schemas.microsoft.com/office/powerpoint/2010/main" val="1122544693"/>
       </p:ext>
     </p:extLst>
   </p:cSld>
